--- a/Thesis_Notes.pptx
+++ b/Thesis_Notes.pptx
@@ -5,7 +5,7 @@
     <p:sldMasterId id="2147483648" r:id="rId1"/>
   </p:sldMasterIdLst>
   <p:notesMasterIdLst>
-    <p:notesMasterId r:id="rId35"/>
+    <p:notesMasterId r:id="rId41"/>
   </p:notesMasterIdLst>
   <p:sldIdLst>
     <p:sldId id="256" r:id="rId2"/>
@@ -41,6 +41,12 @@
     <p:sldId id="287" r:id="rId32"/>
     <p:sldId id="288" r:id="rId33"/>
     <p:sldId id="289" r:id="rId34"/>
+    <p:sldId id="290" r:id="rId35"/>
+    <p:sldId id="296" r:id="rId36"/>
+    <p:sldId id="299" r:id="rId37"/>
+    <p:sldId id="294" r:id="rId38"/>
+    <p:sldId id="292" r:id="rId39"/>
+    <p:sldId id="293" r:id="rId40"/>
   </p:sldIdLst>
   <p:sldSz cx="12192000" cy="6858000"/>
   <p:notesSz cx="6858000" cy="9144000"/>
@@ -229,7 +235,7 @@
           <a:p>
             <a:fld id="{27BA4612-68C1-4399-8F53-5A3698D36D58}" type="datetimeFigureOut">
               <a:rPr lang="en-US" smtClean="0"/>
-              <a:t>25-Mar-25</a:t>
+              <a:t>11-Apr-25</a:t>
             </a:fld>
             <a:endParaRPr lang="en-US"/>
           </a:p>
@@ -727,7 +733,7 @@
           <a:p>
             <a:fld id="{6702814A-2512-4FA8-BC3F-65FFC477FC29}" type="datetimeFigureOut">
               <a:rPr lang="en-US" smtClean="0"/>
-              <a:t>25-Mar-25</a:t>
+              <a:t>11-Apr-25</a:t>
             </a:fld>
             <a:endParaRPr lang="en-US"/>
           </a:p>
@@ -925,7 +931,7 @@
           <a:p>
             <a:fld id="{6702814A-2512-4FA8-BC3F-65FFC477FC29}" type="datetimeFigureOut">
               <a:rPr lang="en-US" smtClean="0"/>
-              <a:t>25-Mar-25</a:t>
+              <a:t>11-Apr-25</a:t>
             </a:fld>
             <a:endParaRPr lang="en-US"/>
           </a:p>
@@ -1133,7 +1139,7 @@
           <a:p>
             <a:fld id="{6702814A-2512-4FA8-BC3F-65FFC477FC29}" type="datetimeFigureOut">
               <a:rPr lang="en-US" smtClean="0"/>
-              <a:t>25-Mar-25</a:t>
+              <a:t>11-Apr-25</a:t>
             </a:fld>
             <a:endParaRPr lang="en-US"/>
           </a:p>
@@ -1331,7 +1337,7 @@
           <a:p>
             <a:fld id="{6702814A-2512-4FA8-BC3F-65FFC477FC29}" type="datetimeFigureOut">
               <a:rPr lang="en-US" smtClean="0"/>
-              <a:t>25-Mar-25</a:t>
+              <a:t>11-Apr-25</a:t>
             </a:fld>
             <a:endParaRPr lang="en-US"/>
           </a:p>
@@ -1606,7 +1612,7 @@
           <a:p>
             <a:fld id="{6702814A-2512-4FA8-BC3F-65FFC477FC29}" type="datetimeFigureOut">
               <a:rPr lang="en-US" smtClean="0"/>
-              <a:t>25-Mar-25</a:t>
+              <a:t>11-Apr-25</a:t>
             </a:fld>
             <a:endParaRPr lang="en-US"/>
           </a:p>
@@ -1871,7 +1877,7 @@
           <a:p>
             <a:fld id="{6702814A-2512-4FA8-BC3F-65FFC477FC29}" type="datetimeFigureOut">
               <a:rPr lang="en-US" smtClean="0"/>
-              <a:t>25-Mar-25</a:t>
+              <a:t>11-Apr-25</a:t>
             </a:fld>
             <a:endParaRPr lang="en-US"/>
           </a:p>
@@ -2283,7 +2289,7 @@
           <a:p>
             <a:fld id="{6702814A-2512-4FA8-BC3F-65FFC477FC29}" type="datetimeFigureOut">
               <a:rPr lang="en-US" smtClean="0"/>
-              <a:t>25-Mar-25</a:t>
+              <a:t>11-Apr-25</a:t>
             </a:fld>
             <a:endParaRPr lang="en-US"/>
           </a:p>
@@ -2424,7 +2430,7 @@
           <a:p>
             <a:fld id="{6702814A-2512-4FA8-BC3F-65FFC477FC29}" type="datetimeFigureOut">
               <a:rPr lang="en-US" smtClean="0"/>
-              <a:t>25-Mar-25</a:t>
+              <a:t>11-Apr-25</a:t>
             </a:fld>
             <a:endParaRPr lang="en-US"/>
           </a:p>
@@ -2537,7 +2543,7 @@
           <a:p>
             <a:fld id="{6702814A-2512-4FA8-BC3F-65FFC477FC29}" type="datetimeFigureOut">
               <a:rPr lang="en-US" smtClean="0"/>
-              <a:t>25-Mar-25</a:t>
+              <a:t>11-Apr-25</a:t>
             </a:fld>
             <a:endParaRPr lang="en-US"/>
           </a:p>
@@ -2848,7 +2854,7 @@
           <a:p>
             <a:fld id="{6702814A-2512-4FA8-BC3F-65FFC477FC29}" type="datetimeFigureOut">
               <a:rPr lang="en-US" smtClean="0"/>
-              <a:t>25-Mar-25</a:t>
+              <a:t>11-Apr-25</a:t>
             </a:fld>
             <a:endParaRPr lang="en-US"/>
           </a:p>
@@ -3136,7 +3142,7 @@
           <a:p>
             <a:fld id="{6702814A-2512-4FA8-BC3F-65FFC477FC29}" type="datetimeFigureOut">
               <a:rPr lang="en-US" smtClean="0"/>
-              <a:t>25-Mar-25</a:t>
+              <a:t>11-Apr-25</a:t>
             </a:fld>
             <a:endParaRPr lang="en-US"/>
           </a:p>
@@ -3377,7 +3383,7 @@
           <a:p>
             <a:fld id="{6702814A-2512-4FA8-BC3F-65FFC477FC29}" type="datetimeFigureOut">
               <a:rPr lang="en-US" smtClean="0"/>
-              <a:t>25-Mar-25</a:t>
+              <a:t>11-Apr-25</a:t>
             </a:fld>
             <a:endParaRPr lang="en-US"/>
           </a:p>
@@ -8831,13 +8837,7 @@
                             <a:rPr lang="en-US" sz="7200" i="1">
                               <a:latin typeface="Cambria Math" panose="02040503050406030204" pitchFamily="18" charset="0"/>
                             </a:rPr>
-                            <m:t>𝑠</m:t>
-                          </m:r>
-                          <m:r>
-                            <a:rPr lang="en-US" sz="7200" i="1">
-                              <a:latin typeface="Cambria Math" panose="02040503050406030204" pitchFamily="18" charset="0"/>
-                            </a:rPr>
-                            <m:t>h</m:t>
+                            <m:t>𝑠h</m:t>
                           </m:r>
                         </m:sup>
                       </m:sSup>
@@ -9487,13 +9487,7 @@
                             <a:rPr lang="en-US" sz="7200" b="0" i="1" smtClean="0">
                               <a:latin typeface="Cambria Math" panose="02040503050406030204" pitchFamily="18" charset="0"/>
                             </a:rPr>
-                            <m:t>𝑠</m:t>
-                          </m:r>
-                          <m:r>
-                            <a:rPr lang="en-US" sz="7200" b="0" i="1" smtClean="0">
-                              <a:latin typeface="Cambria Math" panose="02040503050406030204" pitchFamily="18" charset="0"/>
-                            </a:rPr>
-                            <m:t>h</m:t>
+                            <m:t>𝑠h</m:t>
                           </m:r>
                         </m:sup>
                       </m:sSubSup>
@@ -9621,13 +9615,7 @@
                             <a:rPr lang="en-US" sz="7200" b="0" i="1" smtClean="0">
                               <a:latin typeface="Cambria Math" panose="02040503050406030204" pitchFamily="18" charset="0"/>
                             </a:rPr>
-                            <m:t>𝑠</m:t>
-                          </m:r>
-                          <m:r>
-                            <a:rPr lang="en-US" sz="7200" b="0" i="1" smtClean="0">
-                              <a:latin typeface="Cambria Math" panose="02040503050406030204" pitchFamily="18" charset="0"/>
-                            </a:rPr>
-                            <m:t>h</m:t>
+                            <m:t>𝑠h</m:t>
                           </m:r>
                         </m:sup>
                       </m:sSubSup>
@@ -12701,7 +12689,7 @@
         <p:spPr>
           <a:xfrm>
             <a:off x="424315" y="3683061"/>
-            <a:ext cx="11498178" cy="3139321"/>
+            <a:ext cx="11498178" cy="2031325"/>
           </a:xfrm>
           <a:prstGeom prst="rect">
             <a:avLst/>
@@ -12931,36 +12919,14 @@
             </a:r>
             <a:r>
               <a:rPr lang="en-US" dirty="0"/>
-              <a:t> are 1 per triangle while for Neumann BCs are for 3 per triangle. I believe we will need to </a:t>
-            </a:r>
-            <a:endParaRPr lang="en-US" b="0" dirty="0">
-              <a:effectLst/>
-            </a:endParaRPr>
-          </a:p>
-          <a:p>
-            <a:endParaRPr lang="en-US" b="0" dirty="0">
-              <a:solidFill>
-                <a:srgbClr val="CCCCCC"/>
-              </a:solidFill>
-              <a:effectLst/>
-            </a:endParaRPr>
-          </a:p>
-          <a:p>
-            <a:endParaRPr lang="en-US" b="0" dirty="0">
-              <a:solidFill>
-                <a:srgbClr val="CCCCCC"/>
-              </a:solidFill>
-              <a:effectLst/>
-            </a:endParaRPr>
-          </a:p>
-          <a:p>
-            <a:endParaRPr lang="en-US" b="0" dirty="0">
-              <a:effectLst/>
-            </a:endParaRPr>
-          </a:p>
-          <a:p>
-            <a:r>
-              <a:rPr lang="en-US" sz="1800" dirty="0">
+              <a:t> are 1 per triangle while for Neumann BCs are for 3 per triangle. Why </a:t>
+            </a:r>
+            <a:r>
+              <a:rPr lang="en-US"/>
+              <a:t>is that?</a:t>
+            </a:r>
+            <a:r>
+              <a:rPr lang="en-US" sz="1800">
                 <a:solidFill>
                   <a:srgbClr val="000000"/>
                 </a:solidFill>
@@ -13331,8 +13297,8 @@
           </p:style>
         </p:cxnSp>
       </p:grpSp>
-      <mc:AlternateContent xmlns:mc="http://schemas.openxmlformats.org/markup-compatibility/2006">
-        <mc:Choice xmlns:a14="http://schemas.microsoft.com/office/drawing/2010/main" Requires="a14">
+      <mc:AlternateContent xmlns:mc="http://schemas.openxmlformats.org/markup-compatibility/2006" xmlns:a14="http://schemas.microsoft.com/office/drawing/2010/main">
+        <mc:Choice Requires="a14">
           <p:sp>
             <p:nvSpPr>
               <p:cNvPr id="9" name="TextBox 8">
@@ -13444,9 +13410,6 @@
                           <m:t>Γ</m:t>
                         </m:r>
                         <m:r>
-                          <m:rPr>
-                            <m:brk m:alnAt="23"/>
-                          </m:rPr>
                           <a:rPr lang="el-GR" b="0" i="0" smtClean="0">
                             <a:solidFill>
                               <a:srgbClr val="FF0000"/>
@@ -13599,7 +13562,7 @@
                         <m:sSup>
                           <m:sSupPr>
                             <m:ctrlPr>
-                              <a:rPr lang="el-GR" b="0" i="0" smtClean="0">
+                              <a:rPr lang="el-GR" b="0" i="1" smtClean="0">
                                 <a:solidFill>
                                   <a:srgbClr val="FF0000"/>
                                 </a:solidFill>
@@ -13660,7 +13623,7 @@
             </p:txBody>
           </p:sp>
         </mc:Choice>
-        <mc:Fallback>
+        <mc:Fallback xmlns="">
           <p:sp>
             <p:nvSpPr>
               <p:cNvPr id="9" name="TextBox 8">
@@ -13990,6 +13953,8107 @@
     <p:extLst>
       <p:ext uri="{BB962C8B-B14F-4D97-AF65-F5344CB8AC3E}">
         <p14:creationId xmlns:p14="http://schemas.microsoft.com/office/powerpoint/2010/main" val="115151792"/>
+      </p:ext>
+    </p:extLst>
+  </p:cSld>
+  <p:clrMapOvr>
+    <a:masterClrMapping/>
+  </p:clrMapOvr>
+</p:sld>
+</file>
+
+<file path=ppt/slides/slide34.xml><?xml version="1.0" encoding="utf-8"?>
+<p:sld xmlns:a="http://schemas.openxmlformats.org/drawingml/2006/main" xmlns:r="http://schemas.openxmlformats.org/officeDocument/2006/relationships" xmlns:p="http://schemas.openxmlformats.org/presentationml/2006/main">
+  <p:cSld>
+    <p:spTree>
+      <p:nvGrpSpPr>
+        <p:cNvPr id="1" name=""/>
+        <p:cNvGrpSpPr/>
+        <p:nvPr/>
+      </p:nvGrpSpPr>
+      <p:grpSpPr>
+        <a:xfrm>
+          <a:off x="0" y="0"/>
+          <a:ext cx="0" cy="0"/>
+          <a:chOff x="0" y="0"/>
+          <a:chExt cx="0" cy="0"/>
+        </a:xfrm>
+      </p:grpSpPr>
+      <p:sp>
+        <p:nvSpPr>
+          <p:cNvPr id="2" name="Title 1">
+            <a:extLst>
+              <a:ext uri="{FF2B5EF4-FFF2-40B4-BE49-F238E27FC236}">
+                <a16:creationId xmlns:a16="http://schemas.microsoft.com/office/drawing/2014/main" id="{1EC14A0E-2968-9D95-3244-BE25E444942E}"/>
+              </a:ext>
+            </a:extLst>
+          </p:cNvPr>
+          <p:cNvSpPr>
+            <a:spLocks noGrp="1"/>
+          </p:cNvSpPr>
+          <p:nvPr>
+            <p:ph type="title"/>
+          </p:nvPr>
+        </p:nvSpPr>
+        <p:spPr/>
+        <p:txBody>
+          <a:bodyPr/>
+          <a:lstStyle/>
+          <a:p>
+            <a:r>
+              <a:rPr lang="en-US" dirty="0"/>
+              <a:t>Coupling interface area instead of line</a:t>
+            </a:r>
+          </a:p>
+        </p:txBody>
+      </p:sp>
+      <p:sp>
+        <p:nvSpPr>
+          <p:cNvPr id="7" name="TextBox 6">
+            <a:extLst>
+              <a:ext uri="{FF2B5EF4-FFF2-40B4-BE49-F238E27FC236}">
+                <a16:creationId xmlns:a16="http://schemas.microsoft.com/office/drawing/2014/main" id="{9EF0DD2F-B621-CA67-4865-F3F21D26CCA8}"/>
+              </a:ext>
+            </a:extLst>
+          </p:cNvPr>
+          <p:cNvSpPr txBox="1"/>
+          <p:nvPr/>
+        </p:nvSpPr>
+        <p:spPr>
+          <a:xfrm>
+            <a:off x="0" y="6439952"/>
+            <a:ext cx="10610575" cy="369332"/>
+          </a:xfrm>
+          <a:prstGeom prst="rect">
+            <a:avLst/>
+          </a:prstGeom>
+          <a:noFill/>
+        </p:spPr>
+        <p:txBody>
+          <a:bodyPr wrap="square">
+            <a:spAutoFit/>
+          </a:bodyPr>
+          <a:lstStyle/>
+          <a:p>
+            <a:r>
+              <a:rPr lang="en-US" b="1" dirty="0"/>
+              <a:t>See Chapter 2.1 from https://www.sciencedirect.com/science/article/pii/S0045782512003337</a:t>
+            </a:r>
+          </a:p>
+        </p:txBody>
+      </p:sp>
+      <p:pic>
+        <p:nvPicPr>
+          <p:cNvPr id="9" name="Picture 8">
+            <a:extLst>
+              <a:ext uri="{FF2B5EF4-FFF2-40B4-BE49-F238E27FC236}">
+                <a16:creationId xmlns:a16="http://schemas.microsoft.com/office/drawing/2014/main" id="{E13F3BC3-7B6B-5FC9-2849-3810FCDC7104}"/>
+              </a:ext>
+            </a:extLst>
+          </p:cNvPr>
+          <p:cNvPicPr>
+            <a:picLocks noChangeAspect="1"/>
+          </p:cNvPicPr>
+          <p:nvPr/>
+        </p:nvPicPr>
+        <p:blipFill>
+          <a:blip r:embed="rId2"/>
+          <a:stretch>
+            <a:fillRect/>
+          </a:stretch>
+        </p:blipFill>
+        <p:spPr>
+          <a:xfrm>
+            <a:off x="229859" y="1887540"/>
+            <a:ext cx="8539886" cy="1128712"/>
+          </a:xfrm>
+          <a:prstGeom prst="rect">
+            <a:avLst/>
+          </a:prstGeom>
+        </p:spPr>
+      </p:pic>
+      <p:pic>
+        <p:nvPicPr>
+          <p:cNvPr id="11" name="Picture 10">
+            <a:extLst>
+              <a:ext uri="{FF2B5EF4-FFF2-40B4-BE49-F238E27FC236}">
+                <a16:creationId xmlns:a16="http://schemas.microsoft.com/office/drawing/2014/main" id="{6BA9B14C-D7B4-233C-D377-8B143476817E}"/>
+              </a:ext>
+            </a:extLst>
+          </p:cNvPr>
+          <p:cNvPicPr>
+            <a:picLocks noChangeAspect="1"/>
+          </p:cNvPicPr>
+          <p:nvPr/>
+        </p:nvPicPr>
+        <p:blipFill>
+          <a:blip r:embed="rId3"/>
+          <a:stretch>
+            <a:fillRect/>
+          </a:stretch>
+        </p:blipFill>
+        <p:spPr>
+          <a:xfrm>
+            <a:off x="475656" y="3841749"/>
+            <a:ext cx="6564300" cy="2182671"/>
+          </a:xfrm>
+          <a:prstGeom prst="rect">
+            <a:avLst/>
+          </a:prstGeom>
+        </p:spPr>
+      </p:pic>
+      <p:sp>
+        <p:nvSpPr>
+          <p:cNvPr id="12" name="TextBox 11">
+            <a:extLst>
+              <a:ext uri="{FF2B5EF4-FFF2-40B4-BE49-F238E27FC236}">
+                <a16:creationId xmlns:a16="http://schemas.microsoft.com/office/drawing/2014/main" id="{4646F2B8-19CC-65C0-FEA3-C19EE0A9831F}"/>
+              </a:ext>
+            </a:extLst>
+          </p:cNvPr>
+          <p:cNvSpPr txBox="1"/>
+          <p:nvPr/>
+        </p:nvSpPr>
+        <p:spPr>
+          <a:xfrm>
+            <a:off x="229859" y="1506022"/>
+            <a:ext cx="11559369" cy="369333"/>
+          </a:xfrm>
+          <a:prstGeom prst="rect">
+            <a:avLst/>
+          </a:prstGeom>
+          <a:noFill/>
+        </p:spPr>
+        <p:txBody>
+          <a:bodyPr wrap="square" rtlCol="0">
+            <a:spAutoFit/>
+          </a:bodyPr>
+          <a:lstStyle/>
+          <a:p>
+            <a:r>
+              <a:rPr lang="en-US" dirty="0"/>
+              <a:t>Express displacement field of shell body as a function of mid-surface displacement field</a:t>
+            </a:r>
+          </a:p>
+        </p:txBody>
+      </p:sp>
+      <p:cxnSp>
+        <p:nvCxnSpPr>
+          <p:cNvPr id="15" name="Straight Connector 14">
+            <a:extLst>
+              <a:ext uri="{FF2B5EF4-FFF2-40B4-BE49-F238E27FC236}">
+                <a16:creationId xmlns:a16="http://schemas.microsoft.com/office/drawing/2014/main" id="{42A85548-1AB1-62AE-794A-735CC5CD920F}"/>
+              </a:ext>
+            </a:extLst>
+          </p:cNvPr>
+          <p:cNvCxnSpPr/>
+          <p:nvPr/>
+        </p:nvCxnSpPr>
+        <p:spPr>
+          <a:xfrm>
+            <a:off x="8769745" y="1956816"/>
+            <a:ext cx="0" cy="4160520"/>
+          </a:xfrm>
+          <a:prstGeom prst="line">
+            <a:avLst/>
+          </a:prstGeom>
+          <a:ln w="38100">
+            <a:solidFill>
+              <a:schemeClr val="tx1"/>
+            </a:solidFill>
+          </a:ln>
+        </p:spPr>
+        <p:style>
+          <a:lnRef idx="2">
+            <a:schemeClr val="accent1"/>
+          </a:lnRef>
+          <a:fillRef idx="0">
+            <a:schemeClr val="accent1"/>
+          </a:fillRef>
+          <a:effectRef idx="1">
+            <a:schemeClr val="accent1"/>
+          </a:effectRef>
+          <a:fontRef idx="minor">
+            <a:schemeClr val="tx1"/>
+          </a:fontRef>
+        </p:style>
+      </p:cxnSp>
+      <p:pic>
+        <p:nvPicPr>
+          <p:cNvPr id="17" name="Picture 16">
+            <a:extLst>
+              <a:ext uri="{FF2B5EF4-FFF2-40B4-BE49-F238E27FC236}">
+                <a16:creationId xmlns:a16="http://schemas.microsoft.com/office/drawing/2014/main" id="{AC4943EB-6D72-4DD2-463B-5C0D2093F741}"/>
+              </a:ext>
+            </a:extLst>
+          </p:cNvPr>
+          <p:cNvPicPr>
+            <a:picLocks noChangeAspect="1"/>
+          </p:cNvPicPr>
+          <p:nvPr/>
+        </p:nvPicPr>
+        <p:blipFill>
+          <a:blip r:embed="rId4"/>
+          <a:stretch>
+            <a:fillRect/>
+          </a:stretch>
+        </p:blipFill>
+        <p:spPr>
+          <a:xfrm>
+            <a:off x="9298111" y="4912849"/>
+            <a:ext cx="2624928" cy="981988"/>
+          </a:xfrm>
+          <a:prstGeom prst="rect">
+            <a:avLst/>
+          </a:prstGeom>
+        </p:spPr>
+      </p:pic>
+      <p:sp>
+        <p:nvSpPr>
+          <p:cNvPr id="18" name="TextBox 17">
+            <a:extLst>
+              <a:ext uri="{FF2B5EF4-FFF2-40B4-BE49-F238E27FC236}">
+                <a16:creationId xmlns:a16="http://schemas.microsoft.com/office/drawing/2014/main" id="{51A8392C-308C-F6AC-A53A-23ADC372A450}"/>
+              </a:ext>
+            </a:extLst>
+          </p:cNvPr>
+          <p:cNvSpPr txBox="1"/>
+          <p:nvPr/>
+        </p:nvSpPr>
+        <p:spPr>
+          <a:xfrm>
+            <a:off x="475656" y="3126443"/>
+            <a:ext cx="5486400" cy="369332"/>
+          </a:xfrm>
+          <a:prstGeom prst="rect">
+            <a:avLst/>
+          </a:prstGeom>
+          <a:noFill/>
+        </p:spPr>
+        <p:txBody>
+          <a:bodyPr wrap="square" rtlCol="0">
+            <a:spAutoFit/>
+          </a:bodyPr>
+          <a:lstStyle/>
+          <a:p>
+            <a:r>
+              <a:rPr lang="en-US" b="1" dirty="0"/>
+              <a:t>v: Displacement field of </a:t>
+            </a:r>
+            <a:r>
+              <a:rPr lang="en-US" b="1" dirty="0" err="1"/>
+              <a:t>midsurface</a:t>
+            </a:r>
+            <a:endParaRPr lang="en-US" b="1" dirty="0"/>
+          </a:p>
+        </p:txBody>
+      </p:sp>
+      <p:cxnSp>
+        <p:nvCxnSpPr>
+          <p:cNvPr id="19" name="Straight Connector 18">
+            <a:extLst>
+              <a:ext uri="{FF2B5EF4-FFF2-40B4-BE49-F238E27FC236}">
+                <a16:creationId xmlns:a16="http://schemas.microsoft.com/office/drawing/2014/main" id="{6A4D43E1-0100-9168-DAA6-AE8A8D15DA4B}"/>
+              </a:ext>
+            </a:extLst>
+          </p:cNvPr>
+          <p:cNvCxnSpPr>
+            <a:cxnSpLocks/>
+          </p:cNvCxnSpPr>
+          <p:nvPr/>
+        </p:nvCxnSpPr>
+        <p:spPr>
+          <a:xfrm flipV="1">
+            <a:off x="374904" y="3605966"/>
+            <a:ext cx="8394841" cy="33346"/>
+          </a:xfrm>
+          <a:prstGeom prst="line">
+            <a:avLst/>
+          </a:prstGeom>
+          <a:ln w="38100">
+            <a:solidFill>
+              <a:schemeClr val="tx1"/>
+            </a:solidFill>
+          </a:ln>
+        </p:spPr>
+        <p:style>
+          <a:lnRef idx="2">
+            <a:schemeClr val="accent1"/>
+          </a:lnRef>
+          <a:fillRef idx="0">
+            <a:schemeClr val="accent1"/>
+          </a:fillRef>
+          <a:effectRef idx="1">
+            <a:schemeClr val="accent1"/>
+          </a:effectRef>
+          <a:fontRef idx="minor">
+            <a:schemeClr val="tx1"/>
+          </a:fontRef>
+        </p:style>
+      </p:cxnSp>
+      <p:sp>
+        <p:nvSpPr>
+          <p:cNvPr id="33" name="Rectangle 32">
+            <a:extLst>
+              <a:ext uri="{FF2B5EF4-FFF2-40B4-BE49-F238E27FC236}">
+                <a16:creationId xmlns:a16="http://schemas.microsoft.com/office/drawing/2014/main" id="{080C59B5-AB27-EB89-D8A7-80EEFCEDAA37}"/>
+              </a:ext>
+            </a:extLst>
+          </p:cNvPr>
+          <p:cNvSpPr/>
+          <p:nvPr/>
+        </p:nvSpPr>
+        <p:spPr>
+          <a:xfrm>
+            <a:off x="1856232" y="2423160"/>
+            <a:ext cx="365760" cy="500846"/>
+          </a:xfrm>
+          <a:prstGeom prst="rect">
+            <a:avLst/>
+          </a:prstGeom>
+          <a:noFill/>
+          <a:ln w="28575">
+            <a:solidFill>
+              <a:srgbClr val="00B050"/>
+            </a:solidFill>
+          </a:ln>
+        </p:spPr>
+        <p:style>
+          <a:lnRef idx="2">
+            <a:schemeClr val="accent1">
+              <a:shade val="15000"/>
+            </a:schemeClr>
+          </a:lnRef>
+          <a:fillRef idx="1">
+            <a:schemeClr val="accent1"/>
+          </a:fillRef>
+          <a:effectRef idx="0">
+            <a:schemeClr val="accent1"/>
+          </a:effectRef>
+          <a:fontRef idx="minor">
+            <a:schemeClr val="lt1"/>
+          </a:fontRef>
+        </p:style>
+        <p:txBody>
+          <a:bodyPr rtlCol="0" anchor="ctr"/>
+          <a:lstStyle/>
+          <a:p>
+            <a:pPr algn="ctr"/>
+            <a:endParaRPr lang="en-US"/>
+          </a:p>
+        </p:txBody>
+      </p:sp>
+      <p:sp>
+        <p:nvSpPr>
+          <p:cNvPr id="34" name="Rectangle 33">
+            <a:extLst>
+              <a:ext uri="{FF2B5EF4-FFF2-40B4-BE49-F238E27FC236}">
+                <a16:creationId xmlns:a16="http://schemas.microsoft.com/office/drawing/2014/main" id="{0D827BC1-F1F4-A38F-ECFF-88B1449018BD}"/>
+              </a:ext>
+            </a:extLst>
+          </p:cNvPr>
+          <p:cNvSpPr/>
+          <p:nvPr/>
+        </p:nvSpPr>
+        <p:spPr>
+          <a:xfrm>
+            <a:off x="475656" y="3782848"/>
+            <a:ext cx="1819488" cy="441680"/>
+          </a:xfrm>
+          <a:prstGeom prst="rect">
+            <a:avLst/>
+          </a:prstGeom>
+          <a:noFill/>
+          <a:ln w="28575">
+            <a:solidFill>
+              <a:srgbClr val="00B050"/>
+            </a:solidFill>
+          </a:ln>
+        </p:spPr>
+        <p:style>
+          <a:lnRef idx="2">
+            <a:schemeClr val="accent1">
+              <a:shade val="15000"/>
+            </a:schemeClr>
+          </a:lnRef>
+          <a:fillRef idx="1">
+            <a:schemeClr val="accent1"/>
+          </a:fillRef>
+          <a:effectRef idx="0">
+            <a:schemeClr val="accent1"/>
+          </a:effectRef>
+          <a:fontRef idx="minor">
+            <a:schemeClr val="lt1"/>
+          </a:fontRef>
+        </p:style>
+        <p:txBody>
+          <a:bodyPr rtlCol="0" anchor="ctr"/>
+          <a:lstStyle/>
+          <a:p>
+            <a:pPr algn="ctr"/>
+            <a:endParaRPr lang="en-US"/>
+          </a:p>
+        </p:txBody>
+      </p:sp>
+      <p:sp>
+        <p:nvSpPr>
+          <p:cNvPr id="35" name="Rectangle 34">
+            <a:extLst>
+              <a:ext uri="{FF2B5EF4-FFF2-40B4-BE49-F238E27FC236}">
+                <a16:creationId xmlns:a16="http://schemas.microsoft.com/office/drawing/2014/main" id="{2B2131B0-7A99-3236-3C82-A2FD70171F5E}"/>
+              </a:ext>
+            </a:extLst>
+          </p:cNvPr>
+          <p:cNvSpPr/>
+          <p:nvPr/>
+        </p:nvSpPr>
+        <p:spPr>
+          <a:xfrm>
+            <a:off x="3483864" y="4675254"/>
+            <a:ext cx="2002536" cy="676723"/>
+          </a:xfrm>
+          <a:prstGeom prst="rect">
+            <a:avLst/>
+          </a:prstGeom>
+          <a:noFill/>
+          <a:ln w="28575">
+            <a:solidFill>
+              <a:srgbClr val="00B050"/>
+            </a:solidFill>
+          </a:ln>
+        </p:spPr>
+        <p:style>
+          <a:lnRef idx="2">
+            <a:schemeClr val="accent1">
+              <a:shade val="15000"/>
+            </a:schemeClr>
+          </a:lnRef>
+          <a:fillRef idx="1">
+            <a:schemeClr val="accent1"/>
+          </a:fillRef>
+          <a:effectRef idx="0">
+            <a:schemeClr val="accent1"/>
+          </a:effectRef>
+          <a:fontRef idx="minor">
+            <a:schemeClr val="lt1"/>
+          </a:fontRef>
+        </p:style>
+        <p:txBody>
+          <a:bodyPr rtlCol="0" anchor="ctr"/>
+          <a:lstStyle/>
+          <a:p>
+            <a:pPr algn="ctr"/>
+            <a:endParaRPr lang="en-US"/>
+          </a:p>
+        </p:txBody>
+      </p:sp>
+      <p:sp>
+        <p:nvSpPr>
+          <p:cNvPr id="36" name="Rectangle 35">
+            <a:extLst>
+              <a:ext uri="{FF2B5EF4-FFF2-40B4-BE49-F238E27FC236}">
+                <a16:creationId xmlns:a16="http://schemas.microsoft.com/office/drawing/2014/main" id="{E6100C63-E049-EC30-021D-7E5FE830DF4C}"/>
+              </a:ext>
+            </a:extLst>
+          </p:cNvPr>
+          <p:cNvSpPr/>
+          <p:nvPr/>
+        </p:nvSpPr>
+        <p:spPr>
+          <a:xfrm>
+            <a:off x="3757806" y="5263560"/>
+            <a:ext cx="2002536" cy="676723"/>
+          </a:xfrm>
+          <a:prstGeom prst="rect">
+            <a:avLst/>
+          </a:prstGeom>
+          <a:noFill/>
+          <a:ln w="28575">
+            <a:solidFill>
+              <a:srgbClr val="00B050"/>
+            </a:solidFill>
+          </a:ln>
+        </p:spPr>
+        <p:style>
+          <a:lnRef idx="2">
+            <a:schemeClr val="accent1">
+              <a:shade val="15000"/>
+            </a:schemeClr>
+          </a:lnRef>
+          <a:fillRef idx="1">
+            <a:schemeClr val="accent1"/>
+          </a:fillRef>
+          <a:effectRef idx="0">
+            <a:schemeClr val="accent1"/>
+          </a:effectRef>
+          <a:fontRef idx="minor">
+            <a:schemeClr val="lt1"/>
+          </a:fontRef>
+        </p:style>
+        <p:txBody>
+          <a:bodyPr rtlCol="0" anchor="ctr"/>
+          <a:lstStyle/>
+          <a:p>
+            <a:pPr algn="ctr"/>
+            <a:endParaRPr lang="en-US"/>
+          </a:p>
+        </p:txBody>
+      </p:sp>
+    </p:spTree>
+    <p:extLst>
+      <p:ext uri="{BB962C8B-B14F-4D97-AF65-F5344CB8AC3E}">
+        <p14:creationId xmlns:p14="http://schemas.microsoft.com/office/powerpoint/2010/main" val="3193584311"/>
+      </p:ext>
+    </p:extLst>
+  </p:cSld>
+  <p:clrMapOvr>
+    <a:masterClrMapping/>
+  </p:clrMapOvr>
+</p:sld>
+</file>
+
+<file path=ppt/slides/slide35.xml><?xml version="1.0" encoding="utf-8"?>
+<p:sld xmlns:a="http://schemas.openxmlformats.org/drawingml/2006/main" xmlns:r="http://schemas.openxmlformats.org/officeDocument/2006/relationships" xmlns:p="http://schemas.openxmlformats.org/presentationml/2006/main">
+  <p:cSld>
+    <p:spTree>
+      <p:nvGrpSpPr>
+        <p:cNvPr id="1" name="">
+          <a:extLst>
+            <a:ext uri="{FF2B5EF4-FFF2-40B4-BE49-F238E27FC236}">
+              <a16:creationId xmlns:a16="http://schemas.microsoft.com/office/drawing/2014/main" id="{818DAD34-07E0-72F9-A6FE-37F14097EF24}"/>
+            </a:ext>
+          </a:extLst>
+        </p:cNvPr>
+        <p:cNvGrpSpPr/>
+        <p:nvPr/>
+      </p:nvGrpSpPr>
+      <p:grpSpPr>
+        <a:xfrm>
+          <a:off x="0" y="0"/>
+          <a:ext cx="0" cy="0"/>
+          <a:chOff x="0" y="0"/>
+          <a:chExt cx="0" cy="0"/>
+        </a:xfrm>
+      </p:grpSpPr>
+      <p:sp>
+        <p:nvSpPr>
+          <p:cNvPr id="2" name="Title 1">
+            <a:extLst>
+              <a:ext uri="{FF2B5EF4-FFF2-40B4-BE49-F238E27FC236}">
+                <a16:creationId xmlns:a16="http://schemas.microsoft.com/office/drawing/2014/main" id="{3A7C1EB8-EF45-F9B0-AD34-5BFA91B3AAD9}"/>
+              </a:ext>
+            </a:extLst>
+          </p:cNvPr>
+          <p:cNvSpPr>
+            <a:spLocks noGrp="1"/>
+          </p:cNvSpPr>
+          <p:nvPr>
+            <p:ph type="title"/>
+          </p:nvPr>
+        </p:nvSpPr>
+        <p:spPr>
+          <a:xfrm>
+            <a:off x="838200" y="-308643"/>
+            <a:ext cx="10515600" cy="1325563"/>
+          </a:xfrm>
+        </p:spPr>
+        <p:txBody>
+          <a:bodyPr/>
+          <a:lstStyle/>
+          <a:p>
+            <a:r>
+              <a:rPr lang="en-US" dirty="0"/>
+              <a:t>Integration points for Neumann BCs (</a:t>
+            </a:r>
+            <a:r>
+              <a:rPr lang="en-US" dirty="0" err="1"/>
+              <a:t>QueSo</a:t>
+            </a:r>
+            <a:r>
+              <a:rPr lang="en-US" dirty="0"/>
+              <a:t>)</a:t>
+            </a:r>
+          </a:p>
+        </p:txBody>
+      </p:sp>
+      <mc:AlternateContent xmlns:mc="http://schemas.openxmlformats.org/markup-compatibility/2006" xmlns:a14="http://schemas.microsoft.com/office/drawing/2010/main">
+        <mc:Choice Requires="a14">
+          <p:sp>
+            <p:nvSpPr>
+              <p:cNvPr id="9" name="TextBox 8">
+                <a:extLst>
+                  <a:ext uri="{FF2B5EF4-FFF2-40B4-BE49-F238E27FC236}">
+                    <a16:creationId xmlns:a16="http://schemas.microsoft.com/office/drawing/2014/main" id="{28148219-2DFC-9265-7682-69EEA3802779}"/>
+                  </a:ext>
+                </a:extLst>
+              </p:cNvPr>
+              <p:cNvSpPr txBox="1"/>
+              <p:nvPr/>
+            </p:nvSpPr>
+            <p:spPr>
+              <a:xfrm>
+                <a:off x="905636" y="1073417"/>
+                <a:ext cx="11082073" cy="1023614"/>
+              </a:xfrm>
+              <a:prstGeom prst="rect">
+                <a:avLst/>
+              </a:prstGeom>
+              <a:noFill/>
+            </p:spPr>
+            <p:txBody>
+              <a:bodyPr wrap="none" lIns="0" tIns="0" rIns="0" bIns="0" rtlCol="0">
+                <a:spAutoFit/>
+              </a:bodyPr>
+              <a:lstStyle/>
+              <a:p>
+                <a:pPr/>
+                <a14:m>
+                  <m:oMathPara xmlns:m="http://schemas.openxmlformats.org/officeDocument/2006/math">
+                    <m:oMathParaPr>
+                      <m:jc m:val="centerGroup"/>
+                    </m:oMathParaPr>
+                    <m:oMath xmlns:m="http://schemas.openxmlformats.org/officeDocument/2006/math">
+                      <m:nary>
+                        <m:naryPr>
+                          <m:ctrlPr>
+                            <a:rPr lang="en-US" i="1" smtClean="0">
+                              <a:latin typeface="Cambria Math" panose="02040503050406030204" pitchFamily="18" charset="0"/>
+                            </a:rPr>
+                          </m:ctrlPr>
+                        </m:naryPr>
+                        <m:sub>
+                          <m:sSup>
+                            <m:sSupPr>
+                              <m:ctrlPr>
+                                <a:rPr lang="el-GR" b="0" i="1" smtClean="0">
+                                  <a:latin typeface="Cambria Math" panose="02040503050406030204" pitchFamily="18" charset="0"/>
+                                </a:rPr>
+                              </m:ctrlPr>
+                            </m:sSupPr>
+                            <m:e>
+                              <m:r>
+                                <m:rPr>
+                                  <m:sty m:val="p"/>
+                                  <m:brk m:alnAt="23"/>
+                                </m:rPr>
+                                <a:rPr lang="el-GR" b="0" i="0" smtClean="0">
+                                  <a:latin typeface="Cambria Math" panose="02040503050406030204" pitchFamily="18" charset="0"/>
+                                </a:rPr>
+                                <m:t>Γ</m:t>
+                              </m:r>
+                            </m:e>
+                            <m:sup>
+                              <m:r>
+                                <m:rPr>
+                                  <m:sty m:val="p"/>
+                                  <m:brk m:alnAt="23"/>
+                                </m:rPr>
+                                <a:rPr lang="el-GR" b="0" i="0" smtClean="0">
+                                  <a:latin typeface="Cambria Math" panose="02040503050406030204" pitchFamily="18" charset="0"/>
+                                </a:rPr>
+                                <m:t>Ν</m:t>
+                              </m:r>
+                            </m:sup>
+                          </m:sSup>
+                        </m:sub>
+                        <m:sup/>
+                        <m:e>
+                          <m:acc>
+                            <m:accPr>
+                              <m:chr m:val="̅"/>
+                              <m:ctrlPr>
+                                <a:rPr lang="en-US" b="1" i="1" smtClean="0">
+                                  <a:latin typeface="Cambria Math" panose="02040503050406030204" pitchFamily="18" charset="0"/>
+                                </a:rPr>
+                              </m:ctrlPr>
+                            </m:accPr>
+                            <m:e>
+                              <m:r>
+                                <a:rPr lang="en-US" b="1" i="1" smtClean="0">
+                                  <a:latin typeface="Cambria Math" panose="02040503050406030204" pitchFamily="18" charset="0"/>
+                                </a:rPr>
+                                <m:t>𝒕</m:t>
+                              </m:r>
+                            </m:e>
+                          </m:acc>
+                        </m:e>
+                      </m:nary>
+                      <m:r>
+                        <a:rPr lang="en-US" b="0" i="1" smtClean="0">
+                          <a:latin typeface="Cambria Math" panose="02040503050406030204" pitchFamily="18" charset="0"/>
+                        </a:rPr>
+                        <m:t> </m:t>
+                      </m:r>
+                      <m:r>
+                        <a:rPr lang="en-US" b="0" i="1" smtClean="0">
+                          <a:latin typeface="Cambria Math" panose="02040503050406030204" pitchFamily="18" charset="0"/>
+                          <a:ea typeface="Cambria Math" panose="02040503050406030204" pitchFamily="18" charset="0"/>
+                        </a:rPr>
+                        <m:t>∙</m:t>
+                      </m:r>
+                      <m:r>
+                        <a:rPr lang="el-GR" b="1" i="1" smtClean="0">
+                          <a:latin typeface="Cambria Math" panose="02040503050406030204" pitchFamily="18" charset="0"/>
+                          <a:ea typeface="Cambria Math" panose="02040503050406030204" pitchFamily="18" charset="0"/>
+                        </a:rPr>
+                        <m:t>𝜹</m:t>
+                      </m:r>
+                      <m:r>
+                        <a:rPr lang="en-US" b="1" i="1" smtClean="0">
+                          <a:latin typeface="Cambria Math" panose="02040503050406030204" pitchFamily="18" charset="0"/>
+                          <a:ea typeface="Cambria Math" panose="02040503050406030204" pitchFamily="18" charset="0"/>
+                        </a:rPr>
+                        <m:t>𝒖</m:t>
+                      </m:r>
+                      <m:r>
+                        <a:rPr lang="en-US" b="1" i="1" smtClean="0">
+                          <a:latin typeface="Cambria Math" panose="02040503050406030204" pitchFamily="18" charset="0"/>
+                          <a:ea typeface="Cambria Math" panose="02040503050406030204" pitchFamily="18" charset="0"/>
+                        </a:rPr>
+                        <m:t> </m:t>
+                      </m:r>
+                      <m:r>
+                        <a:rPr lang="en-US" b="0" i="1" smtClean="0">
+                          <a:latin typeface="Cambria Math" panose="02040503050406030204" pitchFamily="18" charset="0"/>
+                          <a:ea typeface="Cambria Math" panose="02040503050406030204" pitchFamily="18" charset="0"/>
+                        </a:rPr>
+                        <m:t>𝑑</m:t>
+                      </m:r>
+                      <m:sSup>
+                        <m:sSupPr>
+                          <m:ctrlPr>
+                            <a:rPr lang="el-GR" i="1" smtClean="0">
+                              <a:latin typeface="Cambria Math" panose="02040503050406030204" pitchFamily="18" charset="0"/>
+                              <a:ea typeface="Cambria Math" panose="02040503050406030204" pitchFamily="18" charset="0"/>
+                            </a:rPr>
+                          </m:ctrlPr>
+                        </m:sSupPr>
+                        <m:e>
+                          <m:r>
+                            <m:rPr>
+                              <m:sty m:val="p"/>
+                            </m:rPr>
+                            <a:rPr lang="el-GR" b="0" i="0" smtClean="0">
+                              <a:latin typeface="Cambria Math" panose="02040503050406030204" pitchFamily="18" charset="0"/>
+                              <a:ea typeface="Cambria Math" panose="02040503050406030204" pitchFamily="18" charset="0"/>
+                            </a:rPr>
+                            <m:t>Γ</m:t>
+                          </m:r>
+                        </m:e>
+                        <m:sup>
+                          <m:r>
+                            <m:rPr>
+                              <m:sty m:val="p"/>
+                            </m:rPr>
+                            <a:rPr lang="el-GR" b="0" i="0" smtClean="0">
+                              <a:latin typeface="Cambria Math" panose="02040503050406030204" pitchFamily="18" charset="0"/>
+                              <a:ea typeface="Cambria Math" panose="02040503050406030204" pitchFamily="18" charset="0"/>
+                            </a:rPr>
+                            <m:t>Ν</m:t>
+                          </m:r>
+                        </m:sup>
+                      </m:sSup>
+                      <m:r>
+                        <a:rPr lang="el-GR" b="0" i="0" smtClean="0">
+                          <a:latin typeface="Cambria Math" panose="02040503050406030204" pitchFamily="18" charset="0"/>
+                          <a:ea typeface="Cambria Math" panose="02040503050406030204" pitchFamily="18" charset="0"/>
+                        </a:rPr>
+                        <m:t>= </m:t>
+                      </m:r>
+                      <m:nary>
+                        <m:naryPr>
+                          <m:ctrlPr>
+                            <a:rPr lang="el-GR" b="0" i="1" smtClean="0">
+                              <a:latin typeface="Cambria Math" panose="02040503050406030204" pitchFamily="18" charset="0"/>
+                              <a:ea typeface="Cambria Math" panose="02040503050406030204" pitchFamily="18" charset="0"/>
+                            </a:rPr>
+                          </m:ctrlPr>
+                        </m:naryPr>
+                        <m:sub>
+                          <m:r>
+                            <m:rPr>
+                              <m:brk m:alnAt="23"/>
+                            </m:rPr>
+                            <a:rPr lang="el-GR" b="0" i="1" smtClean="0">
+                              <a:latin typeface="Cambria Math" panose="02040503050406030204" pitchFamily="18" charset="0"/>
+                              <a:ea typeface="Cambria Math" panose="02040503050406030204" pitchFamily="18" charset="0"/>
+                            </a:rPr>
+                            <m:t>0</m:t>
+                          </m:r>
+                        </m:sub>
+                        <m:sup>
+                          <m:r>
+                            <a:rPr lang="el-GR" b="0" i="1" smtClean="0">
+                              <a:latin typeface="Cambria Math" panose="02040503050406030204" pitchFamily="18" charset="0"/>
+                              <a:ea typeface="Cambria Math" panose="02040503050406030204" pitchFamily="18" charset="0"/>
+                            </a:rPr>
+                            <m:t>1</m:t>
+                          </m:r>
+                        </m:sup>
+                        <m:e>
+                          <m:nary>
+                            <m:naryPr>
+                              <m:ctrlPr>
+                                <a:rPr lang="el-GR" b="0" i="1" smtClean="0">
+                                  <a:latin typeface="Cambria Math" panose="02040503050406030204" pitchFamily="18" charset="0"/>
+                                  <a:ea typeface="Cambria Math" panose="02040503050406030204" pitchFamily="18" charset="0"/>
+                                </a:rPr>
+                              </m:ctrlPr>
+                            </m:naryPr>
+                            <m:sub>
+                              <m:r>
+                                <m:rPr>
+                                  <m:brk m:alnAt="23"/>
+                                </m:rPr>
+                                <a:rPr lang="el-GR" b="0" i="1" smtClean="0">
+                                  <a:latin typeface="Cambria Math" panose="02040503050406030204" pitchFamily="18" charset="0"/>
+                                  <a:ea typeface="Cambria Math" panose="02040503050406030204" pitchFamily="18" charset="0"/>
+                                </a:rPr>
+                                <m:t>0</m:t>
+                              </m:r>
+                            </m:sub>
+                            <m:sup>
+                              <m:r>
+                                <a:rPr lang="el-GR" b="0" i="1" smtClean="0">
+                                  <a:latin typeface="Cambria Math" panose="02040503050406030204" pitchFamily="18" charset="0"/>
+                                  <a:ea typeface="Cambria Math" panose="02040503050406030204" pitchFamily="18" charset="0"/>
+                                </a:rPr>
+                                <m:t>1−</m:t>
+                              </m:r>
+                              <m:acc>
+                                <m:accPr>
+                                  <m:chr m:val="̃"/>
+                                  <m:ctrlPr>
+                                    <a:rPr lang="el-GR" i="1">
+                                      <a:latin typeface="Cambria Math" panose="02040503050406030204" pitchFamily="18" charset="0"/>
+                                      <a:ea typeface="Cambria Math" panose="02040503050406030204" pitchFamily="18" charset="0"/>
+                                    </a:rPr>
+                                  </m:ctrlPr>
+                                </m:accPr>
+                                <m:e>
+                                  <m:r>
+                                    <a:rPr lang="el-GR" i="1">
+                                      <a:latin typeface="Cambria Math" panose="02040503050406030204" pitchFamily="18" charset="0"/>
+                                      <a:ea typeface="Cambria Math" panose="02040503050406030204" pitchFamily="18" charset="0"/>
+                                    </a:rPr>
+                                    <m:t>𝜂</m:t>
+                                  </m:r>
+                                </m:e>
+                              </m:acc>
+                            </m:sup>
+                            <m:e>
+                              <m:r>
+                                <a:rPr lang="el-GR" b="1" i="1">
+                                  <a:latin typeface="Cambria Math" panose="02040503050406030204" pitchFamily="18" charset="0"/>
+                                  <a:ea typeface="Cambria Math" panose="02040503050406030204" pitchFamily="18" charset="0"/>
+                                </a:rPr>
+                                <m:t>𝜹</m:t>
+                              </m:r>
+                              <m:r>
+                                <a:rPr lang="en-US" b="1" i="1">
+                                  <a:latin typeface="Cambria Math" panose="02040503050406030204" pitchFamily="18" charset="0"/>
+                                  <a:ea typeface="Cambria Math" panose="02040503050406030204" pitchFamily="18" charset="0"/>
+                                </a:rPr>
+                                <m:t>𝒖</m:t>
+                              </m:r>
+                              <m:r>
+                                <a:rPr lang="el-GR" i="1">
+                                  <a:latin typeface="Cambria Math" panose="02040503050406030204" pitchFamily="18" charset="0"/>
+                                  <a:ea typeface="Cambria Math" panose="02040503050406030204" pitchFamily="18" charset="0"/>
+                                </a:rPr>
+                                <m:t>(</m:t>
+                              </m:r>
+                              <m:r>
+                                <a:rPr lang="el-GR" b="1" i="1" smtClean="0">
+                                  <a:latin typeface="Cambria Math" panose="02040503050406030204" pitchFamily="18" charset="0"/>
+                                  <a:ea typeface="Cambria Math" panose="02040503050406030204" pitchFamily="18" charset="0"/>
+                                </a:rPr>
+                                <m:t>𝝃</m:t>
+                              </m:r>
+                              <m:r>
+                                <a:rPr lang="el-GR" b="0" i="1" smtClean="0">
+                                  <a:latin typeface="Cambria Math" panose="02040503050406030204" pitchFamily="18" charset="0"/>
+                                  <a:ea typeface="Cambria Math" panose="02040503050406030204" pitchFamily="18" charset="0"/>
+                                </a:rPr>
+                                <m:t>(</m:t>
+                              </m:r>
+                              <m:acc>
+                                <m:accPr>
+                                  <m:chr m:val="̃"/>
+                                  <m:ctrlPr>
+                                    <a:rPr lang="el-GR" b="0" i="1" smtClean="0">
+                                      <a:latin typeface="Cambria Math" panose="02040503050406030204" pitchFamily="18" charset="0"/>
+                                      <a:ea typeface="Cambria Math" panose="02040503050406030204" pitchFamily="18" charset="0"/>
+                                    </a:rPr>
+                                  </m:ctrlPr>
+                                </m:accPr>
+                                <m:e>
+                                  <m:r>
+                                    <a:rPr lang="el-GR" i="1">
+                                      <a:latin typeface="Cambria Math" panose="02040503050406030204" pitchFamily="18" charset="0"/>
+                                      <a:ea typeface="Cambria Math" panose="02040503050406030204" pitchFamily="18" charset="0"/>
+                                    </a:rPr>
+                                    <m:t>𝜂</m:t>
+                                  </m:r>
+                                </m:e>
+                              </m:acc>
+                              <m:r>
+                                <a:rPr lang="el-GR" i="1">
+                                  <a:latin typeface="Cambria Math" panose="02040503050406030204" pitchFamily="18" charset="0"/>
+                                  <a:ea typeface="Cambria Math" panose="02040503050406030204" pitchFamily="18" charset="0"/>
+                                </a:rPr>
+                                <m:t>,</m:t>
+                              </m:r>
+                              <m:acc>
+                                <m:accPr>
+                                  <m:chr m:val="̃"/>
+                                  <m:ctrlPr>
+                                    <a:rPr lang="el-GR" i="1">
+                                      <a:latin typeface="Cambria Math" panose="02040503050406030204" pitchFamily="18" charset="0"/>
+                                      <a:ea typeface="Cambria Math" panose="02040503050406030204" pitchFamily="18" charset="0"/>
+                                    </a:rPr>
+                                  </m:ctrlPr>
+                                </m:accPr>
+                                <m:e>
+                                  <m:r>
+                                    <a:rPr lang="el-GR" b="0" i="1" smtClean="0">
+                                      <a:latin typeface="Cambria Math" panose="02040503050406030204" pitchFamily="18" charset="0"/>
+                                      <a:ea typeface="Cambria Math" panose="02040503050406030204" pitchFamily="18" charset="0"/>
+                                    </a:rPr>
+                                    <m:t>𝜉</m:t>
+                                  </m:r>
+                                </m:e>
+                              </m:acc>
+                              <m:r>
+                                <a:rPr lang="el-GR" b="0" i="1" smtClean="0">
+                                  <a:latin typeface="Cambria Math" panose="02040503050406030204" pitchFamily="18" charset="0"/>
+                                  <a:ea typeface="Cambria Math" panose="02040503050406030204" pitchFamily="18" charset="0"/>
+                                </a:rPr>
+                                <m:t>)</m:t>
+                              </m:r>
+                              <m:r>
+                                <a:rPr lang="en-US" b="0" i="1" smtClean="0">
+                                  <a:latin typeface="Cambria Math" panose="02040503050406030204" pitchFamily="18" charset="0"/>
+                                  <a:ea typeface="Cambria Math" panose="02040503050406030204" pitchFamily="18" charset="0"/>
+                                </a:rPr>
+                                <m:t>)</m:t>
+                              </m:r>
+                              <m:r>
+                                <a:rPr lang="en-US" i="1">
+                                  <a:latin typeface="Cambria Math" panose="02040503050406030204" pitchFamily="18" charset="0"/>
+                                  <a:ea typeface="Cambria Math" panose="02040503050406030204" pitchFamily="18" charset="0"/>
+                                </a:rPr>
+                                <m:t>∙</m:t>
+                              </m:r>
+                              <m:r>
+                                <a:rPr lang="en-US" b="1" i="1" smtClean="0">
+                                  <a:latin typeface="Cambria Math" panose="02040503050406030204" pitchFamily="18" charset="0"/>
+                                  <a:ea typeface="Cambria Math" panose="02040503050406030204" pitchFamily="18" charset="0"/>
+                                </a:rPr>
+                                <m:t> </m:t>
+                              </m:r>
+                              <m:acc>
+                                <m:accPr>
+                                  <m:chr m:val="̅"/>
+                                  <m:ctrlPr>
+                                    <a:rPr lang="el-GR" b="1" i="1" smtClean="0">
+                                      <a:latin typeface="Cambria Math" panose="02040503050406030204" pitchFamily="18" charset="0"/>
+                                      <a:ea typeface="Cambria Math" panose="02040503050406030204" pitchFamily="18" charset="0"/>
+                                    </a:rPr>
+                                  </m:ctrlPr>
+                                </m:accPr>
+                                <m:e>
+                                  <m:r>
+                                    <a:rPr lang="en-US" b="1" i="1" smtClean="0">
+                                      <a:latin typeface="Cambria Math" panose="02040503050406030204" pitchFamily="18" charset="0"/>
+                                      <a:ea typeface="Cambria Math" panose="02040503050406030204" pitchFamily="18" charset="0"/>
+                                    </a:rPr>
+                                    <m:t>𝒕</m:t>
+                                  </m:r>
+                                </m:e>
+                              </m:acc>
+                              <m:d>
+                                <m:dPr>
+                                  <m:ctrlPr>
+                                    <a:rPr lang="en-US" b="0" i="1" smtClean="0">
+                                      <a:latin typeface="Cambria Math" panose="02040503050406030204" pitchFamily="18" charset="0"/>
+                                    </a:rPr>
+                                  </m:ctrlPr>
+                                </m:dPr>
+                                <m:e>
+                                  <m:acc>
+                                    <m:accPr>
+                                      <m:chr m:val="̃"/>
+                                      <m:ctrlPr>
+                                        <a:rPr lang="el-GR" i="1">
+                                          <a:latin typeface="Cambria Math" panose="02040503050406030204" pitchFamily="18" charset="0"/>
+                                          <a:ea typeface="Cambria Math" panose="02040503050406030204" pitchFamily="18" charset="0"/>
+                                        </a:rPr>
+                                      </m:ctrlPr>
+                                    </m:accPr>
+                                    <m:e>
+                                      <m:r>
+                                        <a:rPr lang="el-GR" i="1">
+                                          <a:latin typeface="Cambria Math" panose="02040503050406030204" pitchFamily="18" charset="0"/>
+                                          <a:ea typeface="Cambria Math" panose="02040503050406030204" pitchFamily="18" charset="0"/>
+                                        </a:rPr>
+                                        <m:t>𝜂</m:t>
+                                      </m:r>
+                                    </m:e>
+                                  </m:acc>
+                                  <m:r>
+                                    <a:rPr lang="el-GR" i="1">
+                                      <a:latin typeface="Cambria Math" panose="02040503050406030204" pitchFamily="18" charset="0"/>
+                                      <a:ea typeface="Cambria Math" panose="02040503050406030204" pitchFamily="18" charset="0"/>
+                                    </a:rPr>
+                                    <m:t>,</m:t>
+                                  </m:r>
+                                  <m:acc>
+                                    <m:accPr>
+                                      <m:chr m:val="̃"/>
+                                      <m:ctrlPr>
+                                        <a:rPr lang="el-GR" i="1">
+                                          <a:latin typeface="Cambria Math" panose="02040503050406030204" pitchFamily="18" charset="0"/>
+                                          <a:ea typeface="Cambria Math" panose="02040503050406030204" pitchFamily="18" charset="0"/>
+                                        </a:rPr>
+                                      </m:ctrlPr>
+                                    </m:accPr>
+                                    <m:e>
+                                      <m:r>
+                                        <a:rPr lang="el-GR" i="1">
+                                          <a:latin typeface="Cambria Math" panose="02040503050406030204" pitchFamily="18" charset="0"/>
+                                          <a:ea typeface="Cambria Math" panose="02040503050406030204" pitchFamily="18" charset="0"/>
+                                        </a:rPr>
+                                        <m:t>𝜉</m:t>
+                                      </m:r>
+                                    </m:e>
+                                  </m:acc>
+                                </m:e>
+                              </m:d>
+                            </m:e>
+                          </m:nary>
+                          <m:r>
+                            <a:rPr lang="el-GR" b="0" i="1" smtClean="0">
+                              <a:latin typeface="Cambria Math" panose="02040503050406030204" pitchFamily="18" charset="0"/>
+                              <a:ea typeface="Cambria Math" panose="02040503050406030204" pitchFamily="18" charset="0"/>
+                            </a:rPr>
+                            <m:t> </m:t>
+                          </m:r>
+                          <m:d>
+                            <m:dPr>
+                              <m:begChr m:val="|"/>
+                              <m:endChr m:val="|"/>
+                              <m:ctrlPr>
+                                <a:rPr lang="el-GR" b="0" i="1" smtClean="0">
+                                  <a:latin typeface="Cambria Math" panose="02040503050406030204" pitchFamily="18" charset="0"/>
+                                  <a:ea typeface="Cambria Math" panose="02040503050406030204" pitchFamily="18" charset="0"/>
+                                </a:rPr>
+                              </m:ctrlPr>
+                            </m:dPr>
+                            <m:e>
+                              <m:sSub>
+                                <m:sSubPr>
+                                  <m:ctrlPr>
+                                    <a:rPr lang="en-US" b="0" i="1" smtClean="0">
+                                      <a:latin typeface="Cambria Math" panose="02040503050406030204" pitchFamily="18" charset="0"/>
+                                      <a:ea typeface="Cambria Math" panose="02040503050406030204" pitchFamily="18" charset="0"/>
+                                    </a:rPr>
+                                  </m:ctrlPr>
+                                </m:sSubPr>
+                                <m:e>
+                                  <m:r>
+                                    <a:rPr lang="en-US" b="0" i="1" smtClean="0">
+                                      <a:latin typeface="Cambria Math" panose="02040503050406030204" pitchFamily="18" charset="0"/>
+                                      <a:ea typeface="Cambria Math" panose="02040503050406030204" pitchFamily="18" charset="0"/>
+                                    </a:rPr>
+                                    <m:t>𝐽</m:t>
+                                  </m:r>
+                                </m:e>
+                                <m:sub>
+                                  <m:r>
+                                    <a:rPr lang="en-US" b="1" i="1" smtClean="0">
+                                      <a:latin typeface="Cambria Math" panose="02040503050406030204" pitchFamily="18" charset="0"/>
+                                      <a:ea typeface="Cambria Math" panose="02040503050406030204" pitchFamily="18" charset="0"/>
+                                    </a:rPr>
+                                    <m:t>𝒙</m:t>
+                                  </m:r>
+                                  <m:r>
+                                    <a:rPr lang="en-US" b="1" i="1" smtClean="0">
+                                      <a:latin typeface="Cambria Math" panose="02040503050406030204" pitchFamily="18" charset="0"/>
+                                      <a:ea typeface="Cambria Math" panose="02040503050406030204" pitchFamily="18" charset="0"/>
+                                    </a:rPr>
+                                    <m:t>→</m:t>
+                                  </m:r>
+                                  <m:acc>
+                                    <m:accPr>
+                                      <m:chr m:val="̃"/>
+                                      <m:ctrlPr>
+                                        <a:rPr lang="el-GR" b="1" i="1">
+                                          <a:latin typeface="Cambria Math" panose="02040503050406030204" pitchFamily="18" charset="0"/>
+                                          <a:ea typeface="Cambria Math" panose="02040503050406030204" pitchFamily="18" charset="0"/>
+                                        </a:rPr>
+                                      </m:ctrlPr>
+                                    </m:accPr>
+                                    <m:e>
+                                      <m:r>
+                                        <a:rPr lang="el-GR" b="1" i="1">
+                                          <a:latin typeface="Cambria Math" panose="02040503050406030204" pitchFamily="18" charset="0"/>
+                                          <a:ea typeface="Cambria Math" panose="02040503050406030204" pitchFamily="18" charset="0"/>
+                                        </a:rPr>
+                                        <m:t>𝜼</m:t>
+                                      </m:r>
+                                    </m:e>
+                                  </m:acc>
+                                </m:sub>
+                              </m:sSub>
+                            </m:e>
+                          </m:d>
+                          <m:r>
+                            <a:rPr lang="el-GR" b="0" i="1" smtClean="0">
+                              <a:latin typeface="Cambria Math" panose="02040503050406030204" pitchFamily="18" charset="0"/>
+                              <a:ea typeface="Cambria Math" panose="02040503050406030204" pitchFamily="18" charset="0"/>
+                            </a:rPr>
+                            <m:t> </m:t>
+                          </m:r>
+                          <m:r>
+                            <a:rPr lang="en-US" b="0" i="1" smtClean="0">
+                              <a:latin typeface="Cambria Math" panose="02040503050406030204" pitchFamily="18" charset="0"/>
+                              <a:ea typeface="Cambria Math" panose="02040503050406030204" pitchFamily="18" charset="0"/>
+                            </a:rPr>
+                            <m:t>𝑑</m:t>
+                          </m:r>
+                          <m:acc>
+                            <m:accPr>
+                              <m:chr m:val="̃"/>
+                              <m:ctrlPr>
+                                <a:rPr lang="el-GR" i="1">
+                                  <a:latin typeface="Cambria Math" panose="02040503050406030204" pitchFamily="18" charset="0"/>
+                                  <a:ea typeface="Cambria Math" panose="02040503050406030204" pitchFamily="18" charset="0"/>
+                                </a:rPr>
+                              </m:ctrlPr>
+                            </m:accPr>
+                            <m:e>
+                              <m:r>
+                                <a:rPr lang="el-GR" i="1">
+                                  <a:latin typeface="Cambria Math" panose="02040503050406030204" pitchFamily="18" charset="0"/>
+                                  <a:ea typeface="Cambria Math" panose="02040503050406030204" pitchFamily="18" charset="0"/>
+                                </a:rPr>
+                                <m:t>𝜉</m:t>
+                              </m:r>
+                            </m:e>
+                          </m:acc>
+                          <m:r>
+                            <a:rPr lang="el-GR" b="0" i="1" smtClean="0">
+                              <a:latin typeface="Cambria Math" panose="02040503050406030204" pitchFamily="18" charset="0"/>
+                              <a:ea typeface="Cambria Math" panose="02040503050406030204" pitchFamily="18" charset="0"/>
+                            </a:rPr>
+                            <m:t> </m:t>
+                          </m:r>
+                          <m:r>
+                            <a:rPr lang="en-US" b="0" i="1" smtClean="0">
+                              <a:latin typeface="Cambria Math" panose="02040503050406030204" pitchFamily="18" charset="0"/>
+                              <a:ea typeface="Cambria Math" panose="02040503050406030204" pitchFamily="18" charset="0"/>
+                            </a:rPr>
+                            <m:t>𝑑</m:t>
+                          </m:r>
+                          <m:acc>
+                            <m:accPr>
+                              <m:chr m:val="̃"/>
+                              <m:ctrlPr>
+                                <a:rPr lang="el-GR" i="1">
+                                  <a:latin typeface="Cambria Math" panose="02040503050406030204" pitchFamily="18" charset="0"/>
+                                  <a:ea typeface="Cambria Math" panose="02040503050406030204" pitchFamily="18" charset="0"/>
+                                </a:rPr>
+                              </m:ctrlPr>
+                            </m:accPr>
+                            <m:e>
+                              <m:r>
+                                <a:rPr lang="el-GR" i="1">
+                                  <a:latin typeface="Cambria Math" panose="02040503050406030204" pitchFamily="18" charset="0"/>
+                                  <a:ea typeface="Cambria Math" panose="02040503050406030204" pitchFamily="18" charset="0"/>
+                                </a:rPr>
+                                <m:t>𝜂</m:t>
+                              </m:r>
+                            </m:e>
+                          </m:acc>
+                          <m:r>
+                            <a:rPr lang="el-GR" b="0" i="1" smtClean="0">
+                              <a:latin typeface="Cambria Math" panose="02040503050406030204" pitchFamily="18" charset="0"/>
+                              <a:ea typeface="Cambria Math" panose="02040503050406030204" pitchFamily="18" charset="0"/>
+                            </a:rPr>
+                            <m:t>= </m:t>
+                          </m:r>
+                        </m:e>
+                      </m:nary>
+                      <m:sSup>
+                        <m:sSupPr>
+                          <m:ctrlPr>
+                            <a:rPr lang="el-GR" i="1">
+                              <a:latin typeface="Cambria Math" panose="02040503050406030204" pitchFamily="18" charset="0"/>
+                              <a:ea typeface="Cambria Math" panose="02040503050406030204" pitchFamily="18" charset="0"/>
+                            </a:rPr>
+                          </m:ctrlPr>
+                        </m:sSupPr>
+                        <m:e>
+                          <m:r>
+                            <a:rPr lang="el-GR" b="1" i="1">
+                              <a:latin typeface="Cambria Math" panose="02040503050406030204" pitchFamily="18" charset="0"/>
+                              <a:ea typeface="Cambria Math" panose="02040503050406030204" pitchFamily="18" charset="0"/>
+                            </a:rPr>
+                            <m:t>𝜹</m:t>
+                          </m:r>
+                          <m:acc>
+                            <m:accPr>
+                              <m:chr m:val="̂"/>
+                              <m:ctrlPr>
+                                <a:rPr lang="el-GR" b="1" i="1">
+                                  <a:latin typeface="Cambria Math" panose="02040503050406030204" pitchFamily="18" charset="0"/>
+                                  <a:ea typeface="Cambria Math" panose="02040503050406030204" pitchFamily="18" charset="0"/>
+                                </a:rPr>
+                              </m:ctrlPr>
+                            </m:accPr>
+                            <m:e>
+                              <m:r>
+                                <a:rPr lang="en-US" b="1" i="1">
+                                  <a:latin typeface="Cambria Math" panose="02040503050406030204" pitchFamily="18" charset="0"/>
+                                  <a:ea typeface="Cambria Math" panose="02040503050406030204" pitchFamily="18" charset="0"/>
+                                </a:rPr>
+                                <m:t>𝒖</m:t>
+                              </m:r>
+                            </m:e>
+                          </m:acc>
+                        </m:e>
+                        <m:sup>
+                          <m:r>
+                            <m:rPr>
+                              <m:sty m:val="p"/>
+                            </m:rPr>
+                            <a:rPr lang="el-GR">
+                              <a:latin typeface="Cambria Math" panose="02040503050406030204" pitchFamily="18" charset="0"/>
+                              <a:ea typeface="Cambria Math" panose="02040503050406030204" pitchFamily="18" charset="0"/>
+                            </a:rPr>
+                            <m:t>Τ</m:t>
+                          </m:r>
+                        </m:sup>
+                      </m:sSup>
+                      <m:nary>
+                        <m:naryPr>
+                          <m:ctrlPr>
+                            <a:rPr lang="el-GR" i="1">
+                              <a:latin typeface="Cambria Math" panose="02040503050406030204" pitchFamily="18" charset="0"/>
+                              <a:ea typeface="Cambria Math" panose="02040503050406030204" pitchFamily="18" charset="0"/>
+                            </a:rPr>
+                          </m:ctrlPr>
+                        </m:naryPr>
+                        <m:sub>
+                          <m:r>
+                            <m:rPr>
+                              <m:brk m:alnAt="23"/>
+                            </m:rPr>
+                            <a:rPr lang="el-GR" i="1">
+                              <a:latin typeface="Cambria Math" panose="02040503050406030204" pitchFamily="18" charset="0"/>
+                              <a:ea typeface="Cambria Math" panose="02040503050406030204" pitchFamily="18" charset="0"/>
+                            </a:rPr>
+                            <m:t>0</m:t>
+                          </m:r>
+                        </m:sub>
+                        <m:sup>
+                          <m:r>
+                            <a:rPr lang="el-GR" i="1">
+                              <a:latin typeface="Cambria Math" panose="02040503050406030204" pitchFamily="18" charset="0"/>
+                              <a:ea typeface="Cambria Math" panose="02040503050406030204" pitchFamily="18" charset="0"/>
+                            </a:rPr>
+                            <m:t>1</m:t>
+                          </m:r>
+                        </m:sup>
+                        <m:e>
+                          <m:nary>
+                            <m:naryPr>
+                              <m:ctrlPr>
+                                <a:rPr lang="el-GR" i="1" smtClean="0">
+                                  <a:latin typeface="Cambria Math" panose="02040503050406030204" pitchFamily="18" charset="0"/>
+                                  <a:ea typeface="Cambria Math" panose="02040503050406030204" pitchFamily="18" charset="0"/>
+                                </a:rPr>
+                              </m:ctrlPr>
+                            </m:naryPr>
+                            <m:sub>
+                              <m:r>
+                                <m:rPr>
+                                  <m:brk m:alnAt="23"/>
+                                </m:rPr>
+                                <a:rPr lang="en-US" b="0" i="1" smtClean="0">
+                                  <a:latin typeface="Cambria Math" panose="02040503050406030204" pitchFamily="18" charset="0"/>
+                                  <a:ea typeface="Cambria Math" panose="02040503050406030204" pitchFamily="18" charset="0"/>
+                                </a:rPr>
+                                <m:t>0</m:t>
+                              </m:r>
+                            </m:sub>
+                            <m:sup>
+                              <m:r>
+                                <a:rPr lang="en-US" b="0" i="1" smtClean="0">
+                                  <a:latin typeface="Cambria Math" panose="02040503050406030204" pitchFamily="18" charset="0"/>
+                                  <a:ea typeface="Cambria Math" panose="02040503050406030204" pitchFamily="18" charset="0"/>
+                                </a:rPr>
+                                <m:t>1−</m:t>
+                              </m:r>
+                              <m:acc>
+                                <m:accPr>
+                                  <m:chr m:val="̃"/>
+                                  <m:ctrlPr>
+                                    <a:rPr lang="el-GR" i="1">
+                                      <a:latin typeface="Cambria Math" panose="02040503050406030204" pitchFamily="18" charset="0"/>
+                                      <a:ea typeface="Cambria Math" panose="02040503050406030204" pitchFamily="18" charset="0"/>
+                                    </a:rPr>
+                                  </m:ctrlPr>
+                                </m:accPr>
+                                <m:e>
+                                  <m:r>
+                                    <a:rPr lang="el-GR" i="1">
+                                      <a:latin typeface="Cambria Math" panose="02040503050406030204" pitchFamily="18" charset="0"/>
+                                      <a:ea typeface="Cambria Math" panose="02040503050406030204" pitchFamily="18" charset="0"/>
+                                    </a:rPr>
+                                    <m:t>𝜂</m:t>
+                                  </m:r>
+                                </m:e>
+                              </m:acc>
+                            </m:sup>
+                            <m:e>
+                              <m:sSup>
+                                <m:sSupPr>
+                                  <m:ctrlPr>
+                                    <a:rPr lang="el-GR" b="1" i="1">
+                                      <a:latin typeface="Cambria Math" panose="02040503050406030204" pitchFamily="18" charset="0"/>
+                                      <a:ea typeface="Cambria Math" panose="02040503050406030204" pitchFamily="18" charset="0"/>
+                                    </a:rPr>
+                                  </m:ctrlPr>
+                                </m:sSupPr>
+                                <m:e>
+                                  <m:r>
+                                    <a:rPr lang="el-GR" b="1">
+                                      <a:latin typeface="Cambria Math" panose="02040503050406030204" pitchFamily="18" charset="0"/>
+                                      <a:ea typeface="Cambria Math" panose="02040503050406030204" pitchFamily="18" charset="0"/>
+                                    </a:rPr>
+                                    <m:t>𝚴</m:t>
+                                  </m:r>
+                                </m:e>
+                                <m:sup>
+                                  <m:r>
+                                    <a:rPr lang="el-GR" b="1">
+                                      <a:latin typeface="Cambria Math" panose="02040503050406030204" pitchFamily="18" charset="0"/>
+                                      <a:ea typeface="Cambria Math" panose="02040503050406030204" pitchFamily="18" charset="0"/>
+                                    </a:rPr>
+                                    <m:t>𝚻</m:t>
+                                  </m:r>
+                                </m:sup>
+                              </m:sSup>
+                              <m:r>
+                                <a:rPr lang="el-GR" b="1" i="1" smtClean="0">
+                                  <a:latin typeface="Cambria Math" panose="02040503050406030204" pitchFamily="18" charset="0"/>
+                                  <a:ea typeface="Cambria Math" panose="02040503050406030204" pitchFamily="18" charset="0"/>
+                                </a:rPr>
+                                <m:t>(</m:t>
+                              </m:r>
+                              <m:r>
+                                <a:rPr lang="el-GR" b="1" i="1">
+                                  <a:latin typeface="Cambria Math" panose="02040503050406030204" pitchFamily="18" charset="0"/>
+                                  <a:ea typeface="Cambria Math" panose="02040503050406030204" pitchFamily="18" charset="0"/>
+                                </a:rPr>
+                                <m:t>𝝃</m:t>
+                              </m:r>
+                              <m:d>
+                                <m:dPr>
+                                  <m:ctrlPr>
+                                    <a:rPr lang="en-US" b="1" i="1">
+                                      <a:latin typeface="Cambria Math" panose="02040503050406030204" pitchFamily="18" charset="0"/>
+                                      <a:ea typeface="Cambria Math" panose="02040503050406030204" pitchFamily="18" charset="0"/>
+                                    </a:rPr>
+                                  </m:ctrlPr>
+                                </m:dPr>
+                                <m:e>
+                                  <m:acc>
+                                    <m:accPr>
+                                      <m:chr m:val="̃"/>
+                                      <m:ctrlPr>
+                                        <a:rPr lang="el-GR" i="1">
+                                          <a:latin typeface="Cambria Math" panose="02040503050406030204" pitchFamily="18" charset="0"/>
+                                          <a:ea typeface="Cambria Math" panose="02040503050406030204" pitchFamily="18" charset="0"/>
+                                        </a:rPr>
+                                      </m:ctrlPr>
+                                    </m:accPr>
+                                    <m:e>
+                                      <m:r>
+                                        <a:rPr lang="el-GR" i="1">
+                                          <a:latin typeface="Cambria Math" panose="02040503050406030204" pitchFamily="18" charset="0"/>
+                                          <a:ea typeface="Cambria Math" panose="02040503050406030204" pitchFamily="18" charset="0"/>
+                                        </a:rPr>
+                                        <m:t>𝜂</m:t>
+                                      </m:r>
+                                    </m:e>
+                                  </m:acc>
+                                  <m:r>
+                                    <a:rPr lang="el-GR" i="1">
+                                      <a:latin typeface="Cambria Math" panose="02040503050406030204" pitchFamily="18" charset="0"/>
+                                      <a:ea typeface="Cambria Math" panose="02040503050406030204" pitchFamily="18" charset="0"/>
+                                    </a:rPr>
+                                    <m:t>,</m:t>
+                                  </m:r>
+                                  <m:acc>
+                                    <m:accPr>
+                                      <m:chr m:val="̃"/>
+                                      <m:ctrlPr>
+                                        <a:rPr lang="el-GR" i="1">
+                                          <a:latin typeface="Cambria Math" panose="02040503050406030204" pitchFamily="18" charset="0"/>
+                                          <a:ea typeface="Cambria Math" panose="02040503050406030204" pitchFamily="18" charset="0"/>
+                                        </a:rPr>
+                                      </m:ctrlPr>
+                                    </m:accPr>
+                                    <m:e>
+                                      <m:r>
+                                        <a:rPr lang="el-GR" i="1">
+                                          <a:latin typeface="Cambria Math" panose="02040503050406030204" pitchFamily="18" charset="0"/>
+                                          <a:ea typeface="Cambria Math" panose="02040503050406030204" pitchFamily="18" charset="0"/>
+                                        </a:rPr>
+                                        <m:t>𝜉</m:t>
+                                      </m:r>
+                                    </m:e>
+                                  </m:acc>
+                                </m:e>
+                              </m:d>
+                              <m:r>
+                                <a:rPr lang="el-GR" b="1" i="1" smtClean="0">
+                                  <a:latin typeface="Cambria Math" panose="02040503050406030204" pitchFamily="18" charset="0"/>
+                                  <a:ea typeface="Cambria Math" panose="02040503050406030204" pitchFamily="18" charset="0"/>
+                                </a:rPr>
+                                <m:t>)</m:t>
+                              </m:r>
+                              <m:r>
+                                <a:rPr lang="en-US" i="1">
+                                  <a:latin typeface="Cambria Math" panose="02040503050406030204" pitchFamily="18" charset="0"/>
+                                  <a:ea typeface="Cambria Math" panose="02040503050406030204" pitchFamily="18" charset="0"/>
+                                </a:rPr>
+                                <m:t>∙</m:t>
+                              </m:r>
+                            </m:e>
+                          </m:nary>
+                          <m:d>
+                            <m:dPr>
+                              <m:begChr m:val="["/>
+                              <m:endChr m:val="]"/>
+                              <m:ctrlPr>
+                                <a:rPr lang="en-US" i="1">
+                                  <a:latin typeface="Cambria Math" panose="02040503050406030204" pitchFamily="18" charset="0"/>
+                                  <a:ea typeface="Cambria Math" panose="02040503050406030204" pitchFamily="18" charset="0"/>
+                                </a:rPr>
+                              </m:ctrlPr>
+                            </m:dPr>
+                            <m:e>
+                              <m:eqArr>
+                                <m:eqArrPr>
+                                  <m:ctrlPr>
+                                    <a:rPr lang="en-US" i="1">
+                                      <a:latin typeface="Cambria Math" panose="02040503050406030204" pitchFamily="18" charset="0"/>
+                                      <a:ea typeface="Cambria Math" panose="02040503050406030204" pitchFamily="18" charset="0"/>
+                                    </a:rPr>
+                                  </m:ctrlPr>
+                                </m:eqArrPr>
+                                <m:e>
+                                  <m:sSub>
+                                    <m:sSubPr>
+                                      <m:ctrlPr>
+                                        <a:rPr lang="en-US" i="1">
+                                          <a:latin typeface="Cambria Math" panose="02040503050406030204" pitchFamily="18" charset="0"/>
+                                          <a:ea typeface="Cambria Math" panose="02040503050406030204" pitchFamily="18" charset="0"/>
+                                        </a:rPr>
+                                      </m:ctrlPr>
+                                    </m:sSubPr>
+                                    <m:e>
+                                      <m:r>
+                                        <m:rPr>
+                                          <m:brk m:alnAt="7"/>
+                                        </m:rPr>
+                                        <a:rPr lang="en-US" i="1">
+                                          <a:latin typeface="Cambria Math" panose="02040503050406030204" pitchFamily="18" charset="0"/>
+                                          <a:ea typeface="Cambria Math" panose="02040503050406030204" pitchFamily="18" charset="0"/>
+                                        </a:rPr>
+                                        <m:t>𝑡</m:t>
+                                      </m:r>
+                                    </m:e>
+                                    <m:sub>
+                                      <m:r>
+                                        <m:rPr>
+                                          <m:brk m:alnAt="7"/>
+                                        </m:rPr>
+                                        <a:rPr lang="en-US" i="1">
+                                          <a:latin typeface="Cambria Math" panose="02040503050406030204" pitchFamily="18" charset="0"/>
+                                          <a:ea typeface="Cambria Math" panose="02040503050406030204" pitchFamily="18" charset="0"/>
+                                        </a:rPr>
+                                        <m:t>𝑥</m:t>
+                                      </m:r>
+                                    </m:sub>
+                                  </m:sSub>
+                                  <m:d>
+                                    <m:dPr>
+                                      <m:ctrlPr>
+                                        <a:rPr lang="en-US" i="1">
+                                          <a:latin typeface="Cambria Math" panose="02040503050406030204" pitchFamily="18" charset="0"/>
+                                        </a:rPr>
+                                      </m:ctrlPr>
+                                    </m:dPr>
+                                    <m:e>
+                                      <m:acc>
+                                        <m:accPr>
+                                          <m:chr m:val="̃"/>
+                                          <m:ctrlPr>
+                                            <a:rPr lang="el-GR" i="1">
+                                              <a:latin typeface="Cambria Math" panose="02040503050406030204" pitchFamily="18" charset="0"/>
+                                              <a:ea typeface="Cambria Math" panose="02040503050406030204" pitchFamily="18" charset="0"/>
+                                            </a:rPr>
+                                          </m:ctrlPr>
+                                        </m:accPr>
+                                        <m:e>
+                                          <m:r>
+                                            <a:rPr lang="el-GR" i="1">
+                                              <a:latin typeface="Cambria Math" panose="02040503050406030204" pitchFamily="18" charset="0"/>
+                                              <a:ea typeface="Cambria Math" panose="02040503050406030204" pitchFamily="18" charset="0"/>
+                                            </a:rPr>
+                                            <m:t>𝜂</m:t>
+                                          </m:r>
+                                        </m:e>
+                                      </m:acc>
+                                      <m:r>
+                                        <a:rPr lang="el-GR" i="1">
+                                          <a:latin typeface="Cambria Math" panose="02040503050406030204" pitchFamily="18" charset="0"/>
+                                          <a:ea typeface="Cambria Math" panose="02040503050406030204" pitchFamily="18" charset="0"/>
+                                        </a:rPr>
+                                        <m:t>,</m:t>
+                                      </m:r>
+                                      <m:acc>
+                                        <m:accPr>
+                                          <m:chr m:val="̃"/>
+                                          <m:ctrlPr>
+                                            <a:rPr lang="el-GR" i="1">
+                                              <a:latin typeface="Cambria Math" panose="02040503050406030204" pitchFamily="18" charset="0"/>
+                                              <a:ea typeface="Cambria Math" panose="02040503050406030204" pitchFamily="18" charset="0"/>
+                                            </a:rPr>
+                                          </m:ctrlPr>
+                                        </m:accPr>
+                                        <m:e>
+                                          <m:r>
+                                            <a:rPr lang="el-GR" i="1">
+                                              <a:latin typeface="Cambria Math" panose="02040503050406030204" pitchFamily="18" charset="0"/>
+                                              <a:ea typeface="Cambria Math" panose="02040503050406030204" pitchFamily="18" charset="0"/>
+                                            </a:rPr>
+                                            <m:t>𝜉</m:t>
+                                          </m:r>
+                                        </m:e>
+                                      </m:acc>
+                                    </m:e>
+                                  </m:d>
+                                </m:e>
+                                <m:e>
+                                  <m:sSub>
+                                    <m:sSubPr>
+                                      <m:ctrlPr>
+                                        <a:rPr lang="en-US" i="1">
+                                          <a:latin typeface="Cambria Math" panose="02040503050406030204" pitchFamily="18" charset="0"/>
+                                          <a:ea typeface="Cambria Math" panose="02040503050406030204" pitchFamily="18" charset="0"/>
+                                        </a:rPr>
+                                      </m:ctrlPr>
+                                    </m:sSubPr>
+                                    <m:e>
+                                      <m:r>
+                                        <m:rPr>
+                                          <m:brk m:alnAt="7"/>
+                                        </m:rPr>
+                                        <a:rPr lang="en-US" i="1">
+                                          <a:latin typeface="Cambria Math" panose="02040503050406030204" pitchFamily="18" charset="0"/>
+                                          <a:ea typeface="Cambria Math" panose="02040503050406030204" pitchFamily="18" charset="0"/>
+                                        </a:rPr>
+                                        <m:t>𝑡</m:t>
+                                      </m:r>
+                                    </m:e>
+                                    <m:sub>
+                                      <m:r>
+                                        <a:rPr lang="en-US" i="1">
+                                          <a:latin typeface="Cambria Math" panose="02040503050406030204" pitchFamily="18" charset="0"/>
+                                          <a:ea typeface="Cambria Math" panose="02040503050406030204" pitchFamily="18" charset="0"/>
+                                        </a:rPr>
+                                        <m:t>𝑦</m:t>
+                                      </m:r>
+                                    </m:sub>
+                                  </m:sSub>
+                                  <m:d>
+                                    <m:dPr>
+                                      <m:ctrlPr>
+                                        <a:rPr lang="en-US" i="1">
+                                          <a:latin typeface="Cambria Math" panose="02040503050406030204" pitchFamily="18" charset="0"/>
+                                        </a:rPr>
+                                      </m:ctrlPr>
+                                    </m:dPr>
+                                    <m:e>
+                                      <m:acc>
+                                        <m:accPr>
+                                          <m:chr m:val="̃"/>
+                                          <m:ctrlPr>
+                                            <a:rPr lang="el-GR" i="1">
+                                              <a:latin typeface="Cambria Math" panose="02040503050406030204" pitchFamily="18" charset="0"/>
+                                              <a:ea typeface="Cambria Math" panose="02040503050406030204" pitchFamily="18" charset="0"/>
+                                            </a:rPr>
+                                          </m:ctrlPr>
+                                        </m:accPr>
+                                        <m:e>
+                                          <m:r>
+                                            <a:rPr lang="el-GR" i="1">
+                                              <a:latin typeface="Cambria Math" panose="02040503050406030204" pitchFamily="18" charset="0"/>
+                                              <a:ea typeface="Cambria Math" panose="02040503050406030204" pitchFamily="18" charset="0"/>
+                                            </a:rPr>
+                                            <m:t>𝜂</m:t>
+                                          </m:r>
+                                        </m:e>
+                                      </m:acc>
+                                      <m:r>
+                                        <a:rPr lang="el-GR" i="1">
+                                          <a:latin typeface="Cambria Math" panose="02040503050406030204" pitchFamily="18" charset="0"/>
+                                          <a:ea typeface="Cambria Math" panose="02040503050406030204" pitchFamily="18" charset="0"/>
+                                        </a:rPr>
+                                        <m:t>,</m:t>
+                                      </m:r>
+                                      <m:acc>
+                                        <m:accPr>
+                                          <m:chr m:val="̃"/>
+                                          <m:ctrlPr>
+                                            <a:rPr lang="el-GR" i="1">
+                                              <a:latin typeface="Cambria Math" panose="02040503050406030204" pitchFamily="18" charset="0"/>
+                                              <a:ea typeface="Cambria Math" panose="02040503050406030204" pitchFamily="18" charset="0"/>
+                                            </a:rPr>
+                                          </m:ctrlPr>
+                                        </m:accPr>
+                                        <m:e>
+                                          <m:r>
+                                            <a:rPr lang="el-GR" i="1">
+                                              <a:latin typeface="Cambria Math" panose="02040503050406030204" pitchFamily="18" charset="0"/>
+                                              <a:ea typeface="Cambria Math" panose="02040503050406030204" pitchFamily="18" charset="0"/>
+                                            </a:rPr>
+                                            <m:t>𝜉</m:t>
+                                          </m:r>
+                                        </m:e>
+                                      </m:acc>
+                                    </m:e>
+                                  </m:d>
+                                </m:e>
+                                <m:e>
+                                  <m:sSub>
+                                    <m:sSubPr>
+                                      <m:ctrlPr>
+                                        <a:rPr lang="en-US" i="1">
+                                          <a:latin typeface="Cambria Math" panose="02040503050406030204" pitchFamily="18" charset="0"/>
+                                          <a:ea typeface="Cambria Math" panose="02040503050406030204" pitchFamily="18" charset="0"/>
+                                        </a:rPr>
+                                      </m:ctrlPr>
+                                    </m:sSubPr>
+                                    <m:e>
+                                      <m:r>
+                                        <m:rPr>
+                                          <m:brk m:alnAt="7"/>
+                                        </m:rPr>
+                                        <a:rPr lang="en-US" i="1">
+                                          <a:latin typeface="Cambria Math" panose="02040503050406030204" pitchFamily="18" charset="0"/>
+                                          <a:ea typeface="Cambria Math" panose="02040503050406030204" pitchFamily="18" charset="0"/>
+                                        </a:rPr>
+                                        <m:t>𝑡</m:t>
+                                      </m:r>
+                                    </m:e>
+                                    <m:sub>
+                                      <m:r>
+                                        <a:rPr lang="en-US" i="1">
+                                          <a:latin typeface="Cambria Math" panose="02040503050406030204" pitchFamily="18" charset="0"/>
+                                          <a:ea typeface="Cambria Math" panose="02040503050406030204" pitchFamily="18" charset="0"/>
+                                        </a:rPr>
+                                        <m:t>𝑧</m:t>
+                                      </m:r>
+                                    </m:sub>
+                                  </m:sSub>
+                                  <m:d>
+                                    <m:dPr>
+                                      <m:ctrlPr>
+                                        <a:rPr lang="en-US" i="1">
+                                          <a:latin typeface="Cambria Math" panose="02040503050406030204" pitchFamily="18" charset="0"/>
+                                        </a:rPr>
+                                      </m:ctrlPr>
+                                    </m:dPr>
+                                    <m:e>
+                                      <m:acc>
+                                        <m:accPr>
+                                          <m:chr m:val="̃"/>
+                                          <m:ctrlPr>
+                                            <a:rPr lang="el-GR" i="1" smtClean="0">
+                                              <a:latin typeface="Cambria Math" panose="02040503050406030204" pitchFamily="18" charset="0"/>
+                                              <a:ea typeface="Cambria Math" panose="02040503050406030204" pitchFamily="18" charset="0"/>
+                                            </a:rPr>
+                                          </m:ctrlPr>
+                                        </m:accPr>
+                                        <m:e>
+                                          <m:r>
+                                            <a:rPr lang="el-GR" i="1">
+                                              <a:latin typeface="Cambria Math" panose="02040503050406030204" pitchFamily="18" charset="0"/>
+                                              <a:ea typeface="Cambria Math" panose="02040503050406030204" pitchFamily="18" charset="0"/>
+                                            </a:rPr>
+                                            <m:t>𝜂</m:t>
+                                          </m:r>
+                                        </m:e>
+                                      </m:acc>
+                                      <m:r>
+                                        <a:rPr lang="el-GR" i="1">
+                                          <a:latin typeface="Cambria Math" panose="02040503050406030204" pitchFamily="18" charset="0"/>
+                                          <a:ea typeface="Cambria Math" panose="02040503050406030204" pitchFamily="18" charset="0"/>
+                                        </a:rPr>
+                                        <m:t>,</m:t>
+                                      </m:r>
+                                      <m:acc>
+                                        <m:accPr>
+                                          <m:chr m:val="̃"/>
+                                          <m:ctrlPr>
+                                            <a:rPr lang="el-GR" i="1">
+                                              <a:latin typeface="Cambria Math" panose="02040503050406030204" pitchFamily="18" charset="0"/>
+                                              <a:ea typeface="Cambria Math" panose="02040503050406030204" pitchFamily="18" charset="0"/>
+                                            </a:rPr>
+                                          </m:ctrlPr>
+                                        </m:accPr>
+                                        <m:e>
+                                          <m:r>
+                                            <a:rPr lang="el-GR" i="1">
+                                              <a:latin typeface="Cambria Math" panose="02040503050406030204" pitchFamily="18" charset="0"/>
+                                              <a:ea typeface="Cambria Math" panose="02040503050406030204" pitchFamily="18" charset="0"/>
+                                            </a:rPr>
+                                            <m:t>𝜉</m:t>
+                                          </m:r>
+                                        </m:e>
+                                      </m:acc>
+                                    </m:e>
+                                  </m:d>
+                                </m:e>
+                              </m:eqArr>
+                            </m:e>
+                          </m:d>
+                          <m:d>
+                            <m:dPr>
+                              <m:begChr m:val="|"/>
+                              <m:endChr m:val="|"/>
+                              <m:ctrlPr>
+                                <a:rPr lang="el-GR" i="1">
+                                  <a:latin typeface="Cambria Math" panose="02040503050406030204" pitchFamily="18" charset="0"/>
+                                  <a:ea typeface="Cambria Math" panose="02040503050406030204" pitchFamily="18" charset="0"/>
+                                </a:rPr>
+                              </m:ctrlPr>
+                            </m:dPr>
+                            <m:e>
+                              <m:sSub>
+                                <m:sSubPr>
+                                  <m:ctrlPr>
+                                    <a:rPr lang="en-US" i="1">
+                                      <a:latin typeface="Cambria Math" panose="02040503050406030204" pitchFamily="18" charset="0"/>
+                                      <a:ea typeface="Cambria Math" panose="02040503050406030204" pitchFamily="18" charset="0"/>
+                                    </a:rPr>
+                                  </m:ctrlPr>
+                                </m:sSubPr>
+                                <m:e>
+                                  <m:r>
+                                    <a:rPr lang="en-US" i="1">
+                                      <a:latin typeface="Cambria Math" panose="02040503050406030204" pitchFamily="18" charset="0"/>
+                                      <a:ea typeface="Cambria Math" panose="02040503050406030204" pitchFamily="18" charset="0"/>
+                                    </a:rPr>
+                                    <m:t>𝐽</m:t>
+                                  </m:r>
+                                </m:e>
+                                <m:sub>
+                                  <m:r>
+                                    <a:rPr lang="en-US" b="1" i="1">
+                                      <a:latin typeface="Cambria Math" panose="02040503050406030204" pitchFamily="18" charset="0"/>
+                                      <a:ea typeface="Cambria Math" panose="02040503050406030204" pitchFamily="18" charset="0"/>
+                                    </a:rPr>
+                                    <m:t>𝒙</m:t>
+                                  </m:r>
+                                  <m:r>
+                                    <a:rPr lang="en-US" b="1" i="1">
+                                      <a:latin typeface="Cambria Math" panose="02040503050406030204" pitchFamily="18" charset="0"/>
+                                      <a:ea typeface="Cambria Math" panose="02040503050406030204" pitchFamily="18" charset="0"/>
+                                    </a:rPr>
+                                    <m:t>→</m:t>
+                                  </m:r>
+                                  <m:acc>
+                                    <m:accPr>
+                                      <m:chr m:val="̃"/>
+                                      <m:ctrlPr>
+                                        <a:rPr lang="el-GR" b="1" i="1">
+                                          <a:latin typeface="Cambria Math" panose="02040503050406030204" pitchFamily="18" charset="0"/>
+                                          <a:ea typeface="Cambria Math" panose="02040503050406030204" pitchFamily="18" charset="0"/>
+                                        </a:rPr>
+                                      </m:ctrlPr>
+                                    </m:accPr>
+                                    <m:e>
+                                      <m:r>
+                                        <a:rPr lang="el-GR" b="1" i="1">
+                                          <a:latin typeface="Cambria Math" panose="02040503050406030204" pitchFamily="18" charset="0"/>
+                                          <a:ea typeface="Cambria Math" panose="02040503050406030204" pitchFamily="18" charset="0"/>
+                                        </a:rPr>
+                                        <m:t>𝜼</m:t>
+                                      </m:r>
+                                    </m:e>
+                                  </m:acc>
+                                  <m:r>
+                                    <a:rPr lang="en-US" b="1" i="1">
+                                      <a:latin typeface="Cambria Math" panose="02040503050406030204" pitchFamily="18" charset="0"/>
+                                      <a:ea typeface="Cambria Math" panose="02040503050406030204" pitchFamily="18" charset="0"/>
+                                    </a:rPr>
+                                    <m:t> </m:t>
+                                  </m:r>
+                                </m:sub>
+                              </m:sSub>
+                            </m:e>
+                          </m:d>
+                          <m:r>
+                            <a:rPr lang="en-US" i="1">
+                              <a:latin typeface="Cambria Math" panose="02040503050406030204" pitchFamily="18" charset="0"/>
+                              <a:ea typeface="Cambria Math" panose="02040503050406030204" pitchFamily="18" charset="0"/>
+                            </a:rPr>
+                            <m:t>𝑑</m:t>
+                          </m:r>
+                          <m:acc>
+                            <m:accPr>
+                              <m:chr m:val="̃"/>
+                              <m:ctrlPr>
+                                <a:rPr lang="el-GR" i="1">
+                                  <a:latin typeface="Cambria Math" panose="02040503050406030204" pitchFamily="18" charset="0"/>
+                                  <a:ea typeface="Cambria Math" panose="02040503050406030204" pitchFamily="18" charset="0"/>
+                                </a:rPr>
+                              </m:ctrlPr>
+                            </m:accPr>
+                            <m:e>
+                              <m:r>
+                                <a:rPr lang="el-GR" i="1">
+                                  <a:latin typeface="Cambria Math" panose="02040503050406030204" pitchFamily="18" charset="0"/>
+                                  <a:ea typeface="Cambria Math" panose="02040503050406030204" pitchFamily="18" charset="0"/>
+                                </a:rPr>
+                                <m:t>𝜉</m:t>
+                              </m:r>
+                            </m:e>
+                          </m:acc>
+                          <m:r>
+                            <a:rPr lang="el-GR" i="1">
+                              <a:latin typeface="Cambria Math" panose="02040503050406030204" pitchFamily="18" charset="0"/>
+                              <a:ea typeface="Cambria Math" panose="02040503050406030204" pitchFamily="18" charset="0"/>
+                            </a:rPr>
+                            <m:t> </m:t>
+                          </m:r>
+                          <m:r>
+                            <a:rPr lang="en-US" i="1">
+                              <a:latin typeface="Cambria Math" panose="02040503050406030204" pitchFamily="18" charset="0"/>
+                              <a:ea typeface="Cambria Math" panose="02040503050406030204" pitchFamily="18" charset="0"/>
+                            </a:rPr>
+                            <m:t>𝑑</m:t>
+                          </m:r>
+                          <m:acc>
+                            <m:accPr>
+                              <m:chr m:val="̃"/>
+                              <m:ctrlPr>
+                                <a:rPr lang="el-GR" i="1">
+                                  <a:latin typeface="Cambria Math" panose="02040503050406030204" pitchFamily="18" charset="0"/>
+                                  <a:ea typeface="Cambria Math" panose="02040503050406030204" pitchFamily="18" charset="0"/>
+                                </a:rPr>
+                              </m:ctrlPr>
+                            </m:accPr>
+                            <m:e>
+                              <m:r>
+                                <a:rPr lang="el-GR" i="1">
+                                  <a:latin typeface="Cambria Math" panose="02040503050406030204" pitchFamily="18" charset="0"/>
+                                  <a:ea typeface="Cambria Math" panose="02040503050406030204" pitchFamily="18" charset="0"/>
+                                </a:rPr>
+                                <m:t>𝜂</m:t>
+                              </m:r>
+                            </m:e>
+                          </m:acc>
+                        </m:e>
+                      </m:nary>
+                    </m:oMath>
+                  </m:oMathPara>
+                </a14:m>
+                <a:endParaRPr lang="en-US" b="1" dirty="0"/>
+              </a:p>
+            </p:txBody>
+          </p:sp>
+        </mc:Choice>
+        <mc:Fallback xmlns="">
+          <p:sp>
+            <p:nvSpPr>
+              <p:cNvPr id="9" name="TextBox 8">
+                <a:extLst>
+                  <a:ext uri="{FF2B5EF4-FFF2-40B4-BE49-F238E27FC236}">
+                    <a16:creationId xmlns:a16="http://schemas.microsoft.com/office/drawing/2014/main" id="{28148219-2DFC-9265-7682-69EEA3802779}"/>
+                  </a:ext>
+                </a:extLst>
+              </p:cNvPr>
+              <p:cNvSpPr txBox="1">
+                <a:spLocks noRot="1" noChangeAspect="1" noMove="1" noResize="1" noEditPoints="1" noAdjustHandles="1" noChangeArrowheads="1" noChangeShapeType="1" noTextEdit="1"/>
+              </p:cNvSpPr>
+              <p:nvPr/>
+            </p:nvSpPr>
+            <p:spPr>
+              <a:xfrm>
+                <a:off x="905636" y="1073417"/>
+                <a:ext cx="11082073" cy="1023614"/>
+              </a:xfrm>
+              <a:prstGeom prst="rect">
+                <a:avLst/>
+              </a:prstGeom>
+              <a:blipFill>
+                <a:blip r:embed="rId2"/>
+                <a:stretch>
+                  <a:fillRect/>
+                </a:stretch>
+              </a:blipFill>
+            </p:spPr>
+            <p:txBody>
+              <a:bodyPr/>
+              <a:lstStyle/>
+              <a:p>
+                <a:r>
+                  <a:rPr lang="en-US">
+                    <a:noFill/>
+                  </a:rPr>
+                  <a:t> </a:t>
+                </a:r>
+              </a:p>
+            </p:txBody>
+          </p:sp>
+        </mc:Fallback>
+      </mc:AlternateContent>
+      <mc:AlternateContent xmlns:mc="http://schemas.openxmlformats.org/markup-compatibility/2006" xmlns:a14="http://schemas.microsoft.com/office/drawing/2010/main">
+        <mc:Choice Requires="a14">
+          <p:sp>
+            <p:nvSpPr>
+              <p:cNvPr id="4" name="TextBox 3">
+                <a:extLst>
+                  <a:ext uri="{FF2B5EF4-FFF2-40B4-BE49-F238E27FC236}">
+                    <a16:creationId xmlns:a16="http://schemas.microsoft.com/office/drawing/2014/main" id="{FC63FB84-18FE-6F3C-7877-177A4B29152E}"/>
+                  </a:ext>
+                </a:extLst>
+              </p:cNvPr>
+              <p:cNvSpPr txBox="1"/>
+              <p:nvPr/>
+            </p:nvSpPr>
+            <p:spPr>
+              <a:xfrm>
+                <a:off x="905636" y="2155440"/>
+                <a:ext cx="10856976" cy="1765420"/>
+              </a:xfrm>
+              <a:prstGeom prst="rect">
+                <a:avLst/>
+              </a:prstGeom>
+              <a:noFill/>
+            </p:spPr>
+            <p:txBody>
+              <a:bodyPr wrap="square">
+                <a:spAutoFit/>
+              </a:bodyPr>
+              <a:lstStyle/>
+              <a:p>
+                <a:pPr marL="285750" indent="-285750">
+                  <a:buFont typeface="Arial" panose="020B0604020202020204" pitchFamily="34" charset="0"/>
+                  <a:buChar char="•"/>
+                </a:pPr>
+                <a:r>
+                  <a:rPr lang="en-US" b="0" dirty="0">
+                    <a:ea typeface="Cambria Math" panose="02040503050406030204" pitchFamily="18" charset="0"/>
+                  </a:rPr>
+                  <a:t>Integration rule for triangles: </a:t>
+                </a:r>
+                <a14:m>
+                  <m:oMath xmlns:m="http://schemas.openxmlformats.org/officeDocument/2006/math">
+                    <m:nary>
+                      <m:naryPr>
+                        <m:ctrlPr>
+                          <a:rPr lang="el-GR" b="0" i="1" smtClean="0">
+                            <a:latin typeface="Cambria Math" panose="02040503050406030204" pitchFamily="18" charset="0"/>
+                            <a:ea typeface="Cambria Math" panose="02040503050406030204" pitchFamily="18" charset="0"/>
+                          </a:rPr>
+                        </m:ctrlPr>
+                      </m:naryPr>
+                      <m:sub>
+                        <m:r>
+                          <m:rPr>
+                            <m:brk m:alnAt="23"/>
+                          </m:rPr>
+                          <a:rPr lang="el-GR" b="0" i="1" smtClean="0">
+                            <a:latin typeface="Cambria Math" panose="02040503050406030204" pitchFamily="18" charset="0"/>
+                            <a:ea typeface="Cambria Math" panose="02040503050406030204" pitchFamily="18" charset="0"/>
+                          </a:rPr>
+                          <m:t>0</m:t>
+                        </m:r>
+                      </m:sub>
+                      <m:sup>
+                        <m:r>
+                          <a:rPr lang="el-GR" b="0" i="1" smtClean="0">
+                            <a:latin typeface="Cambria Math" panose="02040503050406030204" pitchFamily="18" charset="0"/>
+                            <a:ea typeface="Cambria Math" panose="02040503050406030204" pitchFamily="18" charset="0"/>
+                          </a:rPr>
+                          <m:t>1</m:t>
+                        </m:r>
+                      </m:sup>
+                      <m:e>
+                        <m:nary>
+                          <m:naryPr>
+                            <m:ctrlPr>
+                              <a:rPr lang="el-GR" b="0" i="1" smtClean="0">
+                                <a:latin typeface="Cambria Math" panose="02040503050406030204" pitchFamily="18" charset="0"/>
+                                <a:ea typeface="Cambria Math" panose="02040503050406030204" pitchFamily="18" charset="0"/>
+                              </a:rPr>
+                            </m:ctrlPr>
+                          </m:naryPr>
+                          <m:sub>
+                            <m:r>
+                              <m:rPr>
+                                <m:brk m:alnAt="23"/>
+                              </m:rPr>
+                              <a:rPr lang="el-GR" b="0" i="1" smtClean="0">
+                                <a:latin typeface="Cambria Math" panose="02040503050406030204" pitchFamily="18" charset="0"/>
+                                <a:ea typeface="Cambria Math" panose="02040503050406030204" pitchFamily="18" charset="0"/>
+                              </a:rPr>
+                              <m:t>0</m:t>
+                            </m:r>
+                          </m:sub>
+                          <m:sup>
+                            <m:r>
+                              <a:rPr lang="el-GR" b="0" i="1" smtClean="0">
+                                <a:latin typeface="Cambria Math" panose="02040503050406030204" pitchFamily="18" charset="0"/>
+                                <a:ea typeface="Cambria Math" panose="02040503050406030204" pitchFamily="18" charset="0"/>
+                              </a:rPr>
+                              <m:t>1−</m:t>
+                            </m:r>
+                            <m:r>
+                              <a:rPr lang="en-US" b="0" i="1" smtClean="0">
+                                <a:latin typeface="Cambria Math" panose="02040503050406030204" pitchFamily="18" charset="0"/>
+                                <a:ea typeface="Cambria Math" panose="02040503050406030204" pitchFamily="18" charset="0"/>
+                              </a:rPr>
+                              <m:t>𝑠</m:t>
+                            </m:r>
+                          </m:sup>
+                          <m:e>
+                            <m:r>
+                              <a:rPr lang="en-US" b="0" i="1" smtClean="0">
+                                <a:latin typeface="Cambria Math" panose="02040503050406030204" pitchFamily="18" charset="0"/>
+                                <a:ea typeface="Cambria Math" panose="02040503050406030204" pitchFamily="18" charset="0"/>
+                              </a:rPr>
+                              <m:t>𝑔</m:t>
+                            </m:r>
+                            <m:r>
+                              <a:rPr lang="en-US" b="0" i="1" smtClean="0">
+                                <a:latin typeface="Cambria Math" panose="02040503050406030204" pitchFamily="18" charset="0"/>
+                                <a:ea typeface="Cambria Math" panose="02040503050406030204" pitchFamily="18" charset="0"/>
+                              </a:rPr>
+                              <m:t>(</m:t>
+                            </m:r>
+                            <m:r>
+                              <a:rPr lang="en-US" b="0" i="1" smtClean="0">
+                                <a:latin typeface="Cambria Math" panose="02040503050406030204" pitchFamily="18" charset="0"/>
+                                <a:ea typeface="Cambria Math" panose="02040503050406030204" pitchFamily="18" charset="0"/>
+                              </a:rPr>
+                              <m:t>𝑠</m:t>
+                            </m:r>
+                            <m:r>
+                              <a:rPr lang="en-US" b="0" i="1" smtClean="0">
+                                <a:latin typeface="Cambria Math" panose="02040503050406030204" pitchFamily="18" charset="0"/>
+                                <a:ea typeface="Cambria Math" panose="02040503050406030204" pitchFamily="18" charset="0"/>
+                              </a:rPr>
+                              <m:t>,</m:t>
+                            </m:r>
+                            <m:r>
+                              <a:rPr lang="en-US" b="0" i="1" smtClean="0">
+                                <a:latin typeface="Cambria Math" panose="02040503050406030204" pitchFamily="18" charset="0"/>
+                                <a:ea typeface="Cambria Math" panose="02040503050406030204" pitchFamily="18" charset="0"/>
+                              </a:rPr>
+                              <m:t>𝑟</m:t>
+                            </m:r>
+                            <m:r>
+                              <a:rPr lang="en-US" b="0" i="1" smtClean="0">
+                                <a:latin typeface="Cambria Math" panose="02040503050406030204" pitchFamily="18" charset="0"/>
+                                <a:ea typeface="Cambria Math" panose="02040503050406030204" pitchFamily="18" charset="0"/>
+                              </a:rPr>
+                              <m:t>)</m:t>
+                            </m:r>
+                          </m:e>
+                        </m:nary>
+                        <m:r>
+                          <a:rPr lang="el-GR" b="0" i="1" smtClean="0">
+                            <a:latin typeface="Cambria Math" panose="02040503050406030204" pitchFamily="18" charset="0"/>
+                            <a:ea typeface="Cambria Math" panose="02040503050406030204" pitchFamily="18" charset="0"/>
+                          </a:rPr>
+                          <m:t> </m:t>
+                        </m:r>
+                        <m:r>
+                          <a:rPr lang="en-US" b="0" i="1" smtClean="0">
+                            <a:latin typeface="Cambria Math" panose="02040503050406030204" pitchFamily="18" charset="0"/>
+                            <a:ea typeface="Cambria Math" panose="02040503050406030204" pitchFamily="18" charset="0"/>
+                          </a:rPr>
+                          <m:t>𝑑𝑟</m:t>
+                        </m:r>
+                        <m:r>
+                          <a:rPr lang="el-GR" b="0" i="1" smtClean="0">
+                            <a:latin typeface="Cambria Math" panose="02040503050406030204" pitchFamily="18" charset="0"/>
+                            <a:ea typeface="Cambria Math" panose="02040503050406030204" pitchFamily="18" charset="0"/>
+                          </a:rPr>
+                          <m:t> </m:t>
+                        </m:r>
+                        <m:r>
+                          <a:rPr lang="en-US" b="0" i="1" smtClean="0">
+                            <a:latin typeface="Cambria Math" panose="02040503050406030204" pitchFamily="18" charset="0"/>
+                            <a:ea typeface="Cambria Math" panose="02040503050406030204" pitchFamily="18" charset="0"/>
+                          </a:rPr>
+                          <m:t>𝑑𝑠</m:t>
+                        </m:r>
+                        <m:r>
+                          <a:rPr lang="el-GR" b="0" i="1" smtClean="0">
+                            <a:latin typeface="Cambria Math" panose="02040503050406030204" pitchFamily="18" charset="0"/>
+                            <a:ea typeface="Cambria Math" panose="02040503050406030204" pitchFamily="18" charset="0"/>
+                          </a:rPr>
+                          <m:t> </m:t>
+                        </m:r>
+                      </m:e>
+                    </m:nary>
+                    <m:r>
+                      <a:rPr lang="en-US" b="0" i="1" smtClean="0">
+                        <a:latin typeface="Cambria Math" panose="02040503050406030204" pitchFamily="18" charset="0"/>
+                        <a:ea typeface="Cambria Math" panose="02040503050406030204" pitchFamily="18" charset="0"/>
+                      </a:rPr>
+                      <m:t>= </m:t>
+                    </m:r>
+                    <m:nary>
+                      <m:naryPr>
+                        <m:chr m:val="∑"/>
+                        <m:ctrlPr>
+                          <a:rPr lang="en-US" b="0" i="1" smtClean="0">
+                            <a:latin typeface="Cambria Math" panose="02040503050406030204" pitchFamily="18" charset="0"/>
+                            <a:ea typeface="Cambria Math" panose="02040503050406030204" pitchFamily="18" charset="0"/>
+                          </a:rPr>
+                        </m:ctrlPr>
+                      </m:naryPr>
+                      <m:sub>
+                        <m:r>
+                          <m:rPr>
+                            <m:brk m:alnAt="23"/>
+                          </m:rPr>
+                          <a:rPr lang="en-US" b="0" i="1" smtClean="0">
+                            <a:latin typeface="Cambria Math" panose="02040503050406030204" pitchFamily="18" charset="0"/>
+                            <a:ea typeface="Cambria Math" panose="02040503050406030204" pitchFamily="18" charset="0"/>
+                          </a:rPr>
+                          <m:t>𝑖</m:t>
+                        </m:r>
+                        <m:r>
+                          <a:rPr lang="en-US" b="0" i="1" smtClean="0">
+                            <a:latin typeface="Cambria Math" panose="02040503050406030204" pitchFamily="18" charset="0"/>
+                            <a:ea typeface="Cambria Math" panose="02040503050406030204" pitchFamily="18" charset="0"/>
+                          </a:rPr>
+                          <m:t>=1</m:t>
+                        </m:r>
+                      </m:sub>
+                      <m:sup>
+                        <m:r>
+                          <a:rPr lang="en-US" b="0" i="1" smtClean="0">
+                            <a:latin typeface="Cambria Math" panose="02040503050406030204" pitchFamily="18" charset="0"/>
+                            <a:ea typeface="Cambria Math" panose="02040503050406030204" pitchFamily="18" charset="0"/>
+                          </a:rPr>
+                          <m:t>𝐺𝑃𝑠</m:t>
+                        </m:r>
+                      </m:sup>
+                      <m:e>
+                        <m:sSub>
+                          <m:sSubPr>
+                            <m:ctrlPr>
+                              <a:rPr lang="en-US" b="0" i="1" smtClean="0">
+                                <a:latin typeface="Cambria Math" panose="02040503050406030204" pitchFamily="18" charset="0"/>
+                                <a:ea typeface="Cambria Math" panose="02040503050406030204" pitchFamily="18" charset="0"/>
+                              </a:rPr>
+                            </m:ctrlPr>
+                          </m:sSubPr>
+                          <m:e>
+                            <m:r>
+                              <a:rPr lang="en-US" b="0" i="1" smtClean="0">
+                                <a:latin typeface="Cambria Math" panose="02040503050406030204" pitchFamily="18" charset="0"/>
+                                <a:ea typeface="Cambria Math" panose="02040503050406030204" pitchFamily="18" charset="0"/>
+                              </a:rPr>
+                              <m:t>𝑤</m:t>
+                            </m:r>
+                          </m:e>
+                          <m:sub>
+                            <m:r>
+                              <a:rPr lang="en-US" b="0" i="1" smtClean="0">
+                                <a:latin typeface="Cambria Math" panose="02040503050406030204" pitchFamily="18" charset="0"/>
+                                <a:ea typeface="Cambria Math" panose="02040503050406030204" pitchFamily="18" charset="0"/>
+                              </a:rPr>
+                              <m:t>𝑖</m:t>
+                            </m:r>
+                          </m:sub>
+                        </m:sSub>
+                      </m:e>
+                    </m:nary>
+                    <m:r>
+                      <a:rPr lang="en-US" b="0" i="1" smtClean="0">
+                        <a:latin typeface="Cambria Math" panose="02040503050406030204" pitchFamily="18" charset="0"/>
+                        <a:ea typeface="Cambria Math" panose="02040503050406030204" pitchFamily="18" charset="0"/>
+                      </a:rPr>
+                      <m:t>𝑔</m:t>
+                    </m:r>
+                    <m:d>
+                      <m:dPr>
+                        <m:ctrlPr>
+                          <a:rPr lang="en-US" b="0" i="1" smtClean="0">
+                            <a:latin typeface="Cambria Math" panose="02040503050406030204" pitchFamily="18" charset="0"/>
+                            <a:ea typeface="Cambria Math" panose="02040503050406030204" pitchFamily="18" charset="0"/>
+                          </a:rPr>
+                        </m:ctrlPr>
+                      </m:dPr>
+                      <m:e>
+                        <m:sSub>
+                          <m:sSubPr>
+                            <m:ctrlPr>
+                              <a:rPr lang="en-US" b="0" i="1" smtClean="0">
+                                <a:latin typeface="Cambria Math" panose="02040503050406030204" pitchFamily="18" charset="0"/>
+                                <a:ea typeface="Cambria Math" panose="02040503050406030204" pitchFamily="18" charset="0"/>
+                              </a:rPr>
+                            </m:ctrlPr>
+                          </m:sSubPr>
+                          <m:e>
+                            <m:r>
+                              <a:rPr lang="en-US" b="0" i="1" smtClean="0">
+                                <a:latin typeface="Cambria Math" panose="02040503050406030204" pitchFamily="18" charset="0"/>
+                                <a:ea typeface="Cambria Math" panose="02040503050406030204" pitchFamily="18" charset="0"/>
+                              </a:rPr>
+                              <m:t>𝑠</m:t>
+                            </m:r>
+                          </m:e>
+                          <m:sub>
+                            <m:r>
+                              <a:rPr lang="en-US" b="0" i="1" smtClean="0">
+                                <a:latin typeface="Cambria Math" panose="02040503050406030204" pitchFamily="18" charset="0"/>
+                                <a:ea typeface="Cambria Math" panose="02040503050406030204" pitchFamily="18" charset="0"/>
+                              </a:rPr>
+                              <m:t>𝑖</m:t>
+                            </m:r>
+                          </m:sub>
+                        </m:sSub>
+                        <m:r>
+                          <a:rPr lang="en-US" b="0" i="1" smtClean="0">
+                            <a:latin typeface="Cambria Math" panose="02040503050406030204" pitchFamily="18" charset="0"/>
+                            <a:ea typeface="Cambria Math" panose="02040503050406030204" pitchFamily="18" charset="0"/>
+                          </a:rPr>
+                          <m:t>,</m:t>
+                        </m:r>
+                        <m:sSub>
+                          <m:sSubPr>
+                            <m:ctrlPr>
+                              <a:rPr lang="en-US" b="0" i="1" smtClean="0">
+                                <a:latin typeface="Cambria Math" panose="02040503050406030204" pitchFamily="18" charset="0"/>
+                                <a:ea typeface="Cambria Math" panose="02040503050406030204" pitchFamily="18" charset="0"/>
+                              </a:rPr>
+                            </m:ctrlPr>
+                          </m:sSubPr>
+                          <m:e>
+                            <m:r>
+                              <a:rPr lang="en-US" b="0" i="1" smtClean="0">
+                                <a:latin typeface="Cambria Math" panose="02040503050406030204" pitchFamily="18" charset="0"/>
+                                <a:ea typeface="Cambria Math" panose="02040503050406030204" pitchFamily="18" charset="0"/>
+                              </a:rPr>
+                              <m:t>𝑟</m:t>
+                            </m:r>
+                          </m:e>
+                          <m:sub>
+                            <m:r>
+                              <a:rPr lang="en-US" b="0" i="1" smtClean="0">
+                                <a:latin typeface="Cambria Math" panose="02040503050406030204" pitchFamily="18" charset="0"/>
+                                <a:ea typeface="Cambria Math" panose="02040503050406030204" pitchFamily="18" charset="0"/>
+                              </a:rPr>
+                              <m:t>𝑖</m:t>
+                            </m:r>
+                          </m:sub>
+                        </m:sSub>
+                      </m:e>
+                    </m:d>
+                  </m:oMath>
+                </a14:m>
+                <a:br>
+                  <a:rPr lang="en-US" b="0" i="1" dirty="0">
+                    <a:latin typeface="Cambria Math" panose="02040503050406030204" pitchFamily="18" charset="0"/>
+                    <a:ea typeface="Cambria Math" panose="02040503050406030204" pitchFamily="18" charset="0"/>
+                  </a:rPr>
+                </a:br>
+                <a:endParaRPr lang="en-US" b="0" i="1" dirty="0">
+                  <a:latin typeface="Cambria Math" panose="02040503050406030204" pitchFamily="18" charset="0"/>
+                  <a:ea typeface="Cambria Math" panose="02040503050406030204" pitchFamily="18" charset="0"/>
+                </a:endParaRPr>
+              </a:p>
+              <a:p>
+                <a:pPr marL="285750" indent="-285750">
+                  <a:buFont typeface="Arial" panose="020B0604020202020204" pitchFamily="34" charset="0"/>
+                  <a:buChar char="•"/>
+                </a:pPr>
+                <a:r>
+                  <a:rPr lang="en-US" b="0" dirty="0">
+                    <a:ea typeface="Cambria Math" panose="02040503050406030204" pitchFamily="18" charset="0"/>
+                  </a:rPr>
+                  <a:t>t is constant </a:t>
+                </a:r>
+                <a14:m>
+                  <m:oMath xmlns:m="http://schemas.openxmlformats.org/officeDocument/2006/math">
+                    <m:d>
+                      <m:dPr>
+                        <m:begChr m:val="["/>
+                        <m:endChr m:val="]"/>
+                        <m:ctrlPr>
+                          <a:rPr lang="en-US" i="1">
+                            <a:latin typeface="Cambria Math" panose="02040503050406030204" pitchFamily="18" charset="0"/>
+                            <a:ea typeface="Cambria Math" panose="02040503050406030204" pitchFamily="18" charset="0"/>
+                          </a:rPr>
+                        </m:ctrlPr>
+                      </m:dPr>
+                      <m:e>
+                        <m:eqArr>
+                          <m:eqArrPr>
+                            <m:ctrlPr>
+                              <a:rPr lang="en-US" i="1">
+                                <a:latin typeface="Cambria Math" panose="02040503050406030204" pitchFamily="18" charset="0"/>
+                                <a:ea typeface="Cambria Math" panose="02040503050406030204" pitchFamily="18" charset="0"/>
+                              </a:rPr>
+                            </m:ctrlPr>
+                          </m:eqArrPr>
+                          <m:e>
+                            <m:sSub>
+                              <m:sSubPr>
+                                <m:ctrlPr>
+                                  <a:rPr lang="en-US" i="1">
+                                    <a:latin typeface="Cambria Math" panose="02040503050406030204" pitchFamily="18" charset="0"/>
+                                    <a:ea typeface="Cambria Math" panose="02040503050406030204" pitchFamily="18" charset="0"/>
+                                  </a:rPr>
+                                </m:ctrlPr>
+                              </m:sSubPr>
+                              <m:e>
+                                <m:r>
+                                  <m:rPr>
+                                    <m:brk m:alnAt="7"/>
+                                  </m:rPr>
+                                  <a:rPr lang="en-US" i="1">
+                                    <a:latin typeface="Cambria Math" panose="02040503050406030204" pitchFamily="18" charset="0"/>
+                                    <a:ea typeface="Cambria Math" panose="02040503050406030204" pitchFamily="18" charset="0"/>
+                                  </a:rPr>
+                                  <m:t>𝑡</m:t>
+                                </m:r>
+                              </m:e>
+                              <m:sub>
+                                <m:r>
+                                  <m:rPr>
+                                    <m:brk m:alnAt="7"/>
+                                  </m:rPr>
+                                  <a:rPr lang="en-US" i="1">
+                                    <a:latin typeface="Cambria Math" panose="02040503050406030204" pitchFamily="18" charset="0"/>
+                                    <a:ea typeface="Cambria Math" panose="02040503050406030204" pitchFamily="18" charset="0"/>
+                                  </a:rPr>
+                                  <m:t>𝑥</m:t>
+                                </m:r>
+                              </m:sub>
+                            </m:sSub>
+                            <m:d>
+                              <m:dPr>
+                                <m:ctrlPr>
+                                  <a:rPr lang="en-US" i="1">
+                                    <a:latin typeface="Cambria Math" panose="02040503050406030204" pitchFamily="18" charset="0"/>
+                                  </a:rPr>
+                                </m:ctrlPr>
+                              </m:dPr>
+                              <m:e>
+                                <m:acc>
+                                  <m:accPr>
+                                    <m:chr m:val="̃"/>
+                                    <m:ctrlPr>
+                                      <a:rPr lang="el-GR" i="1">
+                                        <a:latin typeface="Cambria Math" panose="02040503050406030204" pitchFamily="18" charset="0"/>
+                                        <a:ea typeface="Cambria Math" panose="02040503050406030204" pitchFamily="18" charset="0"/>
+                                      </a:rPr>
+                                    </m:ctrlPr>
+                                  </m:accPr>
+                                  <m:e>
+                                    <m:r>
+                                      <a:rPr lang="el-GR" i="1">
+                                        <a:latin typeface="Cambria Math" panose="02040503050406030204" pitchFamily="18" charset="0"/>
+                                        <a:ea typeface="Cambria Math" panose="02040503050406030204" pitchFamily="18" charset="0"/>
+                                      </a:rPr>
+                                      <m:t>𝜂</m:t>
+                                    </m:r>
+                                  </m:e>
+                                </m:acc>
+                                <m:r>
+                                  <a:rPr lang="el-GR" i="1">
+                                    <a:latin typeface="Cambria Math" panose="02040503050406030204" pitchFamily="18" charset="0"/>
+                                    <a:ea typeface="Cambria Math" panose="02040503050406030204" pitchFamily="18" charset="0"/>
+                                  </a:rPr>
+                                  <m:t>,</m:t>
+                                </m:r>
+                                <m:acc>
+                                  <m:accPr>
+                                    <m:chr m:val="̃"/>
+                                    <m:ctrlPr>
+                                      <a:rPr lang="el-GR" i="1">
+                                        <a:latin typeface="Cambria Math" panose="02040503050406030204" pitchFamily="18" charset="0"/>
+                                        <a:ea typeface="Cambria Math" panose="02040503050406030204" pitchFamily="18" charset="0"/>
+                                      </a:rPr>
+                                    </m:ctrlPr>
+                                  </m:accPr>
+                                  <m:e>
+                                    <m:r>
+                                      <a:rPr lang="el-GR" i="1">
+                                        <a:latin typeface="Cambria Math" panose="02040503050406030204" pitchFamily="18" charset="0"/>
+                                        <a:ea typeface="Cambria Math" panose="02040503050406030204" pitchFamily="18" charset="0"/>
+                                      </a:rPr>
+                                      <m:t>𝜉</m:t>
+                                    </m:r>
+                                  </m:e>
+                                </m:acc>
+                              </m:e>
+                            </m:d>
+                          </m:e>
+                          <m:e>
+                            <m:sSub>
+                              <m:sSubPr>
+                                <m:ctrlPr>
+                                  <a:rPr lang="en-US" i="1">
+                                    <a:latin typeface="Cambria Math" panose="02040503050406030204" pitchFamily="18" charset="0"/>
+                                    <a:ea typeface="Cambria Math" panose="02040503050406030204" pitchFamily="18" charset="0"/>
+                                  </a:rPr>
+                                </m:ctrlPr>
+                              </m:sSubPr>
+                              <m:e>
+                                <m:r>
+                                  <m:rPr>
+                                    <m:brk m:alnAt="7"/>
+                                  </m:rPr>
+                                  <a:rPr lang="en-US" i="1">
+                                    <a:latin typeface="Cambria Math" panose="02040503050406030204" pitchFamily="18" charset="0"/>
+                                    <a:ea typeface="Cambria Math" panose="02040503050406030204" pitchFamily="18" charset="0"/>
+                                  </a:rPr>
+                                  <m:t>𝑡</m:t>
+                                </m:r>
+                              </m:e>
+                              <m:sub>
+                                <m:r>
+                                  <a:rPr lang="en-US" i="1">
+                                    <a:latin typeface="Cambria Math" panose="02040503050406030204" pitchFamily="18" charset="0"/>
+                                    <a:ea typeface="Cambria Math" panose="02040503050406030204" pitchFamily="18" charset="0"/>
+                                  </a:rPr>
+                                  <m:t>𝑦</m:t>
+                                </m:r>
+                              </m:sub>
+                            </m:sSub>
+                            <m:d>
+                              <m:dPr>
+                                <m:ctrlPr>
+                                  <a:rPr lang="en-US" i="1" smtClean="0">
+                                    <a:latin typeface="Cambria Math" panose="02040503050406030204" pitchFamily="18" charset="0"/>
+                                  </a:rPr>
+                                </m:ctrlPr>
+                              </m:dPr>
+                              <m:e>
+                                <m:acc>
+                                  <m:accPr>
+                                    <m:chr m:val="̃"/>
+                                    <m:ctrlPr>
+                                      <a:rPr lang="el-GR" i="1">
+                                        <a:latin typeface="Cambria Math" panose="02040503050406030204" pitchFamily="18" charset="0"/>
+                                        <a:ea typeface="Cambria Math" panose="02040503050406030204" pitchFamily="18" charset="0"/>
+                                      </a:rPr>
+                                    </m:ctrlPr>
+                                  </m:accPr>
+                                  <m:e>
+                                    <m:r>
+                                      <a:rPr lang="el-GR" i="1">
+                                        <a:latin typeface="Cambria Math" panose="02040503050406030204" pitchFamily="18" charset="0"/>
+                                        <a:ea typeface="Cambria Math" panose="02040503050406030204" pitchFamily="18" charset="0"/>
+                                      </a:rPr>
+                                      <m:t>𝜂</m:t>
+                                    </m:r>
+                                  </m:e>
+                                </m:acc>
+                                <m:r>
+                                  <a:rPr lang="el-GR" i="1">
+                                    <a:latin typeface="Cambria Math" panose="02040503050406030204" pitchFamily="18" charset="0"/>
+                                    <a:ea typeface="Cambria Math" panose="02040503050406030204" pitchFamily="18" charset="0"/>
+                                  </a:rPr>
+                                  <m:t>,</m:t>
+                                </m:r>
+                                <m:acc>
+                                  <m:accPr>
+                                    <m:chr m:val="̃"/>
+                                    <m:ctrlPr>
+                                      <a:rPr lang="el-GR" i="1">
+                                        <a:latin typeface="Cambria Math" panose="02040503050406030204" pitchFamily="18" charset="0"/>
+                                        <a:ea typeface="Cambria Math" panose="02040503050406030204" pitchFamily="18" charset="0"/>
+                                      </a:rPr>
+                                    </m:ctrlPr>
+                                  </m:accPr>
+                                  <m:e>
+                                    <m:r>
+                                      <a:rPr lang="el-GR" i="1">
+                                        <a:latin typeface="Cambria Math" panose="02040503050406030204" pitchFamily="18" charset="0"/>
+                                        <a:ea typeface="Cambria Math" panose="02040503050406030204" pitchFamily="18" charset="0"/>
+                                      </a:rPr>
+                                      <m:t>𝜉</m:t>
+                                    </m:r>
+                                  </m:e>
+                                </m:acc>
+                              </m:e>
+                            </m:d>
+                          </m:e>
+                          <m:e>
+                            <m:sSub>
+                              <m:sSubPr>
+                                <m:ctrlPr>
+                                  <a:rPr lang="en-US" i="1">
+                                    <a:latin typeface="Cambria Math" panose="02040503050406030204" pitchFamily="18" charset="0"/>
+                                    <a:ea typeface="Cambria Math" panose="02040503050406030204" pitchFamily="18" charset="0"/>
+                                  </a:rPr>
+                                </m:ctrlPr>
+                              </m:sSubPr>
+                              <m:e>
+                                <m:r>
+                                  <m:rPr>
+                                    <m:brk m:alnAt="7"/>
+                                  </m:rPr>
+                                  <a:rPr lang="en-US" i="1">
+                                    <a:latin typeface="Cambria Math" panose="02040503050406030204" pitchFamily="18" charset="0"/>
+                                    <a:ea typeface="Cambria Math" panose="02040503050406030204" pitchFamily="18" charset="0"/>
+                                  </a:rPr>
+                                  <m:t>𝑡</m:t>
+                                </m:r>
+                              </m:e>
+                              <m:sub>
+                                <m:r>
+                                  <a:rPr lang="en-US" i="1">
+                                    <a:latin typeface="Cambria Math" panose="02040503050406030204" pitchFamily="18" charset="0"/>
+                                    <a:ea typeface="Cambria Math" panose="02040503050406030204" pitchFamily="18" charset="0"/>
+                                  </a:rPr>
+                                  <m:t>𝑧</m:t>
+                                </m:r>
+                              </m:sub>
+                            </m:sSub>
+                            <m:d>
+                              <m:dPr>
+                                <m:ctrlPr>
+                                  <a:rPr lang="en-US" i="1">
+                                    <a:latin typeface="Cambria Math" panose="02040503050406030204" pitchFamily="18" charset="0"/>
+                                  </a:rPr>
+                                </m:ctrlPr>
+                              </m:dPr>
+                              <m:e>
+                                <m:acc>
+                                  <m:accPr>
+                                    <m:chr m:val="̃"/>
+                                    <m:ctrlPr>
+                                      <a:rPr lang="el-GR" i="1">
+                                        <a:latin typeface="Cambria Math" panose="02040503050406030204" pitchFamily="18" charset="0"/>
+                                        <a:ea typeface="Cambria Math" panose="02040503050406030204" pitchFamily="18" charset="0"/>
+                                      </a:rPr>
+                                    </m:ctrlPr>
+                                  </m:accPr>
+                                  <m:e>
+                                    <m:r>
+                                      <a:rPr lang="el-GR" i="1">
+                                        <a:latin typeface="Cambria Math" panose="02040503050406030204" pitchFamily="18" charset="0"/>
+                                        <a:ea typeface="Cambria Math" panose="02040503050406030204" pitchFamily="18" charset="0"/>
+                                      </a:rPr>
+                                      <m:t>𝜂</m:t>
+                                    </m:r>
+                                  </m:e>
+                                </m:acc>
+                                <m:r>
+                                  <a:rPr lang="el-GR" i="1">
+                                    <a:latin typeface="Cambria Math" panose="02040503050406030204" pitchFamily="18" charset="0"/>
+                                    <a:ea typeface="Cambria Math" panose="02040503050406030204" pitchFamily="18" charset="0"/>
+                                  </a:rPr>
+                                  <m:t>,</m:t>
+                                </m:r>
+                                <m:acc>
+                                  <m:accPr>
+                                    <m:chr m:val="̃"/>
+                                    <m:ctrlPr>
+                                      <a:rPr lang="el-GR" i="1">
+                                        <a:latin typeface="Cambria Math" panose="02040503050406030204" pitchFamily="18" charset="0"/>
+                                        <a:ea typeface="Cambria Math" panose="02040503050406030204" pitchFamily="18" charset="0"/>
+                                      </a:rPr>
+                                    </m:ctrlPr>
+                                  </m:accPr>
+                                  <m:e>
+                                    <m:r>
+                                      <a:rPr lang="el-GR" i="1">
+                                        <a:latin typeface="Cambria Math" panose="02040503050406030204" pitchFamily="18" charset="0"/>
+                                        <a:ea typeface="Cambria Math" panose="02040503050406030204" pitchFamily="18" charset="0"/>
+                                      </a:rPr>
+                                      <m:t>𝜉</m:t>
+                                    </m:r>
+                                  </m:e>
+                                </m:acc>
+                              </m:e>
+                            </m:d>
+                          </m:e>
+                        </m:eqArr>
+                      </m:e>
+                    </m:d>
+                    <m:r>
+                      <a:rPr lang="en-US" b="0" i="1" smtClean="0">
+                        <a:latin typeface="Cambria Math" panose="02040503050406030204" pitchFamily="18" charset="0"/>
+                      </a:rPr>
+                      <m:t>=</m:t>
+                    </m:r>
+                    <m:d>
+                      <m:dPr>
+                        <m:begChr m:val="["/>
+                        <m:endChr m:val="]"/>
+                        <m:ctrlPr>
+                          <a:rPr lang="en-US" i="1">
+                            <a:latin typeface="Cambria Math" panose="02040503050406030204" pitchFamily="18" charset="0"/>
+                            <a:ea typeface="Cambria Math" panose="02040503050406030204" pitchFamily="18" charset="0"/>
+                          </a:rPr>
+                        </m:ctrlPr>
+                      </m:dPr>
+                      <m:e>
+                        <m:eqArr>
+                          <m:eqArrPr>
+                            <m:ctrlPr>
+                              <a:rPr lang="en-US" i="1">
+                                <a:latin typeface="Cambria Math" panose="02040503050406030204" pitchFamily="18" charset="0"/>
+                                <a:ea typeface="Cambria Math" panose="02040503050406030204" pitchFamily="18" charset="0"/>
+                              </a:rPr>
+                            </m:ctrlPr>
+                          </m:eqArrPr>
+                          <m:e>
+                            <m:sSub>
+                              <m:sSubPr>
+                                <m:ctrlPr>
+                                  <a:rPr lang="en-US" i="1">
+                                    <a:latin typeface="Cambria Math" panose="02040503050406030204" pitchFamily="18" charset="0"/>
+                                    <a:ea typeface="Cambria Math" panose="02040503050406030204" pitchFamily="18" charset="0"/>
+                                  </a:rPr>
+                                </m:ctrlPr>
+                              </m:sSubPr>
+                              <m:e>
+                                <m:r>
+                                  <m:rPr>
+                                    <m:brk m:alnAt="7"/>
+                                  </m:rPr>
+                                  <a:rPr lang="en-US" i="1">
+                                    <a:latin typeface="Cambria Math" panose="02040503050406030204" pitchFamily="18" charset="0"/>
+                                    <a:ea typeface="Cambria Math" panose="02040503050406030204" pitchFamily="18" charset="0"/>
+                                  </a:rPr>
+                                  <m:t>𝑡</m:t>
+                                </m:r>
+                              </m:e>
+                              <m:sub>
+                                <m:r>
+                                  <m:rPr>
+                                    <m:brk m:alnAt="7"/>
+                                  </m:rPr>
+                                  <a:rPr lang="en-US" i="1">
+                                    <a:latin typeface="Cambria Math" panose="02040503050406030204" pitchFamily="18" charset="0"/>
+                                    <a:ea typeface="Cambria Math" panose="02040503050406030204" pitchFamily="18" charset="0"/>
+                                  </a:rPr>
+                                  <m:t>𝑥</m:t>
+                                </m:r>
+                              </m:sub>
+                            </m:sSub>
+                          </m:e>
+                          <m:e>
+                            <m:sSub>
+                              <m:sSubPr>
+                                <m:ctrlPr>
+                                  <a:rPr lang="en-US" i="1">
+                                    <a:latin typeface="Cambria Math" panose="02040503050406030204" pitchFamily="18" charset="0"/>
+                                    <a:ea typeface="Cambria Math" panose="02040503050406030204" pitchFamily="18" charset="0"/>
+                                  </a:rPr>
+                                </m:ctrlPr>
+                              </m:sSubPr>
+                              <m:e>
+                                <m:r>
+                                  <m:rPr>
+                                    <m:brk m:alnAt="7"/>
+                                  </m:rPr>
+                                  <a:rPr lang="en-US" i="1">
+                                    <a:latin typeface="Cambria Math" panose="02040503050406030204" pitchFamily="18" charset="0"/>
+                                    <a:ea typeface="Cambria Math" panose="02040503050406030204" pitchFamily="18" charset="0"/>
+                                  </a:rPr>
+                                  <m:t>𝑡</m:t>
+                                </m:r>
+                              </m:e>
+                              <m:sub>
+                                <m:r>
+                                  <a:rPr lang="en-US" i="1">
+                                    <a:latin typeface="Cambria Math" panose="02040503050406030204" pitchFamily="18" charset="0"/>
+                                    <a:ea typeface="Cambria Math" panose="02040503050406030204" pitchFamily="18" charset="0"/>
+                                  </a:rPr>
+                                  <m:t>𝑦</m:t>
+                                </m:r>
+                              </m:sub>
+                            </m:sSub>
+                          </m:e>
+                          <m:e>
+                            <m:sSub>
+                              <m:sSubPr>
+                                <m:ctrlPr>
+                                  <a:rPr lang="en-US" i="1">
+                                    <a:latin typeface="Cambria Math" panose="02040503050406030204" pitchFamily="18" charset="0"/>
+                                    <a:ea typeface="Cambria Math" panose="02040503050406030204" pitchFamily="18" charset="0"/>
+                                  </a:rPr>
+                                </m:ctrlPr>
+                              </m:sSubPr>
+                              <m:e>
+                                <m:r>
+                                  <m:rPr>
+                                    <m:brk m:alnAt="7"/>
+                                  </m:rPr>
+                                  <a:rPr lang="en-US" i="1">
+                                    <a:latin typeface="Cambria Math" panose="02040503050406030204" pitchFamily="18" charset="0"/>
+                                    <a:ea typeface="Cambria Math" panose="02040503050406030204" pitchFamily="18" charset="0"/>
+                                  </a:rPr>
+                                  <m:t>𝑡</m:t>
+                                </m:r>
+                              </m:e>
+                              <m:sub>
+                                <m:r>
+                                  <a:rPr lang="en-US" i="1">
+                                    <a:latin typeface="Cambria Math" panose="02040503050406030204" pitchFamily="18" charset="0"/>
+                                    <a:ea typeface="Cambria Math" panose="02040503050406030204" pitchFamily="18" charset="0"/>
+                                  </a:rPr>
+                                  <m:t>𝑧</m:t>
+                                </m:r>
+                              </m:sub>
+                            </m:sSub>
+                          </m:e>
+                        </m:eqArr>
+                      </m:e>
+                    </m:d>
+                  </m:oMath>
+                </a14:m>
+                <a:endParaRPr lang="en-US" dirty="0"/>
+              </a:p>
+            </p:txBody>
+          </p:sp>
+        </mc:Choice>
+        <mc:Fallback xmlns="">
+          <p:sp>
+            <p:nvSpPr>
+              <p:cNvPr id="4" name="TextBox 3">
+                <a:extLst>
+                  <a:ext uri="{FF2B5EF4-FFF2-40B4-BE49-F238E27FC236}">
+                    <a16:creationId xmlns:a16="http://schemas.microsoft.com/office/drawing/2014/main" id="{FC63FB84-18FE-6F3C-7877-177A4B29152E}"/>
+                  </a:ext>
+                </a:extLst>
+              </p:cNvPr>
+              <p:cNvSpPr txBox="1">
+                <a:spLocks noRot="1" noChangeAspect="1" noMove="1" noResize="1" noEditPoints="1" noAdjustHandles="1" noChangeArrowheads="1" noChangeShapeType="1" noTextEdit="1"/>
+              </p:cNvSpPr>
+              <p:nvPr/>
+            </p:nvSpPr>
+            <p:spPr>
+              <a:xfrm>
+                <a:off x="905636" y="2155440"/>
+                <a:ext cx="10856976" cy="1765420"/>
+              </a:xfrm>
+              <a:prstGeom prst="rect">
+                <a:avLst/>
+              </a:prstGeom>
+              <a:blipFill>
+                <a:blip r:embed="rId3"/>
+                <a:stretch>
+                  <a:fillRect l="-393" t="-28028"/>
+                </a:stretch>
+              </a:blipFill>
+            </p:spPr>
+            <p:txBody>
+              <a:bodyPr/>
+              <a:lstStyle/>
+              <a:p>
+                <a:r>
+                  <a:rPr lang="en-US">
+                    <a:noFill/>
+                  </a:rPr>
+                  <a:t> </a:t>
+                </a:r>
+              </a:p>
+            </p:txBody>
+          </p:sp>
+        </mc:Fallback>
+      </mc:AlternateContent>
+      <mc:AlternateContent xmlns:mc="http://schemas.openxmlformats.org/markup-compatibility/2006" xmlns:a14="http://schemas.microsoft.com/office/drawing/2010/main">
+        <mc:Choice Requires="a14">
+          <p:sp>
+            <p:nvSpPr>
+              <p:cNvPr id="6" name="TextBox 5">
+                <a:extLst>
+                  <a:ext uri="{FF2B5EF4-FFF2-40B4-BE49-F238E27FC236}">
+                    <a16:creationId xmlns:a16="http://schemas.microsoft.com/office/drawing/2014/main" id="{39EAA69B-2DEE-F7F4-F615-3FD41A0C724A}"/>
+                  </a:ext>
+                </a:extLst>
+              </p:cNvPr>
+              <p:cNvSpPr txBox="1"/>
+              <p:nvPr/>
+            </p:nvSpPr>
+            <p:spPr>
+              <a:xfrm>
+                <a:off x="624403" y="4386716"/>
+                <a:ext cx="4997463" cy="972702"/>
+              </a:xfrm>
+              <a:prstGeom prst="rect">
+                <a:avLst/>
+              </a:prstGeom>
+              <a:noFill/>
+            </p:spPr>
+            <p:txBody>
+              <a:bodyPr wrap="square">
+                <a:spAutoFit/>
+              </a:bodyPr>
+              <a:lstStyle/>
+              <a:p>
+                <a:pPr/>
+                <a14:m>
+                  <m:oMathPara xmlns:m="http://schemas.openxmlformats.org/officeDocument/2006/math">
+                    <m:oMathParaPr>
+                      <m:jc m:val="centerGroup"/>
+                    </m:oMathParaPr>
+                    <m:oMath xmlns:m="http://schemas.openxmlformats.org/officeDocument/2006/math">
+                      <m:nary>
+                        <m:naryPr>
+                          <m:ctrlPr>
+                            <a:rPr lang="el-GR" i="1" smtClean="0">
+                              <a:latin typeface="Cambria Math" panose="02040503050406030204" pitchFamily="18" charset="0"/>
+                              <a:ea typeface="Cambria Math" panose="02040503050406030204" pitchFamily="18" charset="0"/>
+                            </a:rPr>
+                          </m:ctrlPr>
+                        </m:naryPr>
+                        <m:sub>
+                          <m:r>
+                            <m:rPr>
+                              <m:brk m:alnAt="23"/>
+                            </m:rPr>
+                            <a:rPr lang="el-GR" i="1">
+                              <a:latin typeface="Cambria Math" panose="02040503050406030204" pitchFamily="18" charset="0"/>
+                              <a:ea typeface="Cambria Math" panose="02040503050406030204" pitchFamily="18" charset="0"/>
+                            </a:rPr>
+                            <m:t>0</m:t>
+                          </m:r>
+                        </m:sub>
+                        <m:sup>
+                          <m:r>
+                            <a:rPr lang="el-GR" i="1">
+                              <a:latin typeface="Cambria Math" panose="02040503050406030204" pitchFamily="18" charset="0"/>
+                              <a:ea typeface="Cambria Math" panose="02040503050406030204" pitchFamily="18" charset="0"/>
+                            </a:rPr>
+                            <m:t>1</m:t>
+                          </m:r>
+                        </m:sup>
+                        <m:e>
+                          <m:nary>
+                            <m:naryPr>
+                              <m:ctrlPr>
+                                <a:rPr lang="el-GR" i="1" smtClean="0">
+                                  <a:latin typeface="Cambria Math" panose="02040503050406030204" pitchFamily="18" charset="0"/>
+                                  <a:ea typeface="Cambria Math" panose="02040503050406030204" pitchFamily="18" charset="0"/>
+                                </a:rPr>
+                              </m:ctrlPr>
+                            </m:naryPr>
+                            <m:sub>
+                              <m:r>
+                                <m:rPr>
+                                  <m:brk m:alnAt="23"/>
+                                </m:rPr>
+                                <a:rPr lang="en-US" b="0" i="1" smtClean="0">
+                                  <a:latin typeface="Cambria Math" panose="02040503050406030204" pitchFamily="18" charset="0"/>
+                                  <a:ea typeface="Cambria Math" panose="02040503050406030204" pitchFamily="18" charset="0"/>
+                                </a:rPr>
+                                <m:t>0</m:t>
+                              </m:r>
+                            </m:sub>
+                            <m:sup>
+                              <m:r>
+                                <a:rPr lang="en-US" b="0" i="1" smtClean="0">
+                                  <a:latin typeface="Cambria Math" panose="02040503050406030204" pitchFamily="18" charset="0"/>
+                                  <a:ea typeface="Cambria Math" panose="02040503050406030204" pitchFamily="18" charset="0"/>
+                                </a:rPr>
+                                <m:t>1−</m:t>
+                              </m:r>
+                              <m:acc>
+                                <m:accPr>
+                                  <m:chr m:val="̃"/>
+                                  <m:ctrlPr>
+                                    <a:rPr lang="el-GR" i="1">
+                                      <a:latin typeface="Cambria Math" panose="02040503050406030204" pitchFamily="18" charset="0"/>
+                                      <a:ea typeface="Cambria Math" panose="02040503050406030204" pitchFamily="18" charset="0"/>
+                                    </a:rPr>
+                                  </m:ctrlPr>
+                                </m:accPr>
+                                <m:e>
+                                  <m:r>
+                                    <a:rPr lang="el-GR" i="1">
+                                      <a:latin typeface="Cambria Math" panose="02040503050406030204" pitchFamily="18" charset="0"/>
+                                      <a:ea typeface="Cambria Math" panose="02040503050406030204" pitchFamily="18" charset="0"/>
+                                    </a:rPr>
+                                    <m:t>𝜂</m:t>
+                                  </m:r>
+                                </m:e>
+                              </m:acc>
+                            </m:sup>
+                            <m:e>
+                              <m:sSup>
+                                <m:sSupPr>
+                                  <m:ctrlPr>
+                                    <a:rPr lang="el-GR" b="1" i="1">
+                                      <a:latin typeface="Cambria Math" panose="02040503050406030204" pitchFamily="18" charset="0"/>
+                                      <a:ea typeface="Cambria Math" panose="02040503050406030204" pitchFamily="18" charset="0"/>
+                                    </a:rPr>
+                                  </m:ctrlPr>
+                                </m:sSupPr>
+                                <m:e>
+                                  <m:r>
+                                    <a:rPr lang="el-GR" b="1">
+                                      <a:latin typeface="Cambria Math" panose="02040503050406030204" pitchFamily="18" charset="0"/>
+                                      <a:ea typeface="Cambria Math" panose="02040503050406030204" pitchFamily="18" charset="0"/>
+                                    </a:rPr>
+                                    <m:t>𝚴</m:t>
+                                  </m:r>
+                                </m:e>
+                                <m:sup>
+                                  <m:r>
+                                    <a:rPr lang="el-GR" b="1">
+                                      <a:latin typeface="Cambria Math" panose="02040503050406030204" pitchFamily="18" charset="0"/>
+                                      <a:ea typeface="Cambria Math" panose="02040503050406030204" pitchFamily="18" charset="0"/>
+                                    </a:rPr>
+                                    <m:t>𝚻</m:t>
+                                  </m:r>
+                                </m:sup>
+                              </m:sSup>
+                              <m:r>
+                                <a:rPr lang="el-GR" b="1" i="1">
+                                  <a:latin typeface="Cambria Math" panose="02040503050406030204" pitchFamily="18" charset="0"/>
+                                  <a:ea typeface="Cambria Math" panose="02040503050406030204" pitchFamily="18" charset="0"/>
+                                </a:rPr>
+                                <m:t>(</m:t>
+                              </m:r>
+                              <m:r>
+                                <a:rPr lang="el-GR" b="1" i="1">
+                                  <a:latin typeface="Cambria Math" panose="02040503050406030204" pitchFamily="18" charset="0"/>
+                                  <a:ea typeface="Cambria Math" panose="02040503050406030204" pitchFamily="18" charset="0"/>
+                                </a:rPr>
+                                <m:t>𝝃</m:t>
+                              </m:r>
+                              <m:d>
+                                <m:dPr>
+                                  <m:ctrlPr>
+                                    <a:rPr lang="en-US" b="1" i="1">
+                                      <a:latin typeface="Cambria Math" panose="02040503050406030204" pitchFamily="18" charset="0"/>
+                                      <a:ea typeface="Cambria Math" panose="02040503050406030204" pitchFamily="18" charset="0"/>
+                                    </a:rPr>
+                                  </m:ctrlPr>
+                                </m:dPr>
+                                <m:e>
+                                  <m:acc>
+                                    <m:accPr>
+                                      <m:chr m:val="̃"/>
+                                      <m:ctrlPr>
+                                        <a:rPr lang="el-GR" i="1">
+                                          <a:latin typeface="Cambria Math" panose="02040503050406030204" pitchFamily="18" charset="0"/>
+                                          <a:ea typeface="Cambria Math" panose="02040503050406030204" pitchFamily="18" charset="0"/>
+                                        </a:rPr>
+                                      </m:ctrlPr>
+                                    </m:accPr>
+                                    <m:e>
+                                      <m:r>
+                                        <a:rPr lang="el-GR" i="1">
+                                          <a:latin typeface="Cambria Math" panose="02040503050406030204" pitchFamily="18" charset="0"/>
+                                          <a:ea typeface="Cambria Math" panose="02040503050406030204" pitchFamily="18" charset="0"/>
+                                        </a:rPr>
+                                        <m:t>𝜂</m:t>
+                                      </m:r>
+                                    </m:e>
+                                  </m:acc>
+                                  <m:r>
+                                    <a:rPr lang="el-GR" i="1">
+                                      <a:latin typeface="Cambria Math" panose="02040503050406030204" pitchFamily="18" charset="0"/>
+                                      <a:ea typeface="Cambria Math" panose="02040503050406030204" pitchFamily="18" charset="0"/>
+                                    </a:rPr>
+                                    <m:t>,</m:t>
+                                  </m:r>
+                                  <m:acc>
+                                    <m:accPr>
+                                      <m:chr m:val="̃"/>
+                                      <m:ctrlPr>
+                                        <a:rPr lang="el-GR" i="1">
+                                          <a:latin typeface="Cambria Math" panose="02040503050406030204" pitchFamily="18" charset="0"/>
+                                          <a:ea typeface="Cambria Math" panose="02040503050406030204" pitchFamily="18" charset="0"/>
+                                        </a:rPr>
+                                      </m:ctrlPr>
+                                    </m:accPr>
+                                    <m:e>
+                                      <m:r>
+                                        <a:rPr lang="el-GR" i="1">
+                                          <a:latin typeface="Cambria Math" panose="02040503050406030204" pitchFamily="18" charset="0"/>
+                                          <a:ea typeface="Cambria Math" panose="02040503050406030204" pitchFamily="18" charset="0"/>
+                                        </a:rPr>
+                                        <m:t>𝜉</m:t>
+                                      </m:r>
+                                    </m:e>
+                                  </m:acc>
+                                </m:e>
+                              </m:d>
+                              <m:r>
+                                <a:rPr lang="el-GR" b="1" i="1">
+                                  <a:latin typeface="Cambria Math" panose="02040503050406030204" pitchFamily="18" charset="0"/>
+                                  <a:ea typeface="Cambria Math" panose="02040503050406030204" pitchFamily="18" charset="0"/>
+                                </a:rPr>
+                                <m:t>)</m:t>
+                              </m:r>
+                              <m:r>
+                                <a:rPr lang="en-US" i="1">
+                                  <a:latin typeface="Cambria Math" panose="02040503050406030204" pitchFamily="18" charset="0"/>
+                                  <a:ea typeface="Cambria Math" panose="02040503050406030204" pitchFamily="18" charset="0"/>
+                                </a:rPr>
+                                <m:t>∙</m:t>
+                              </m:r>
+                            </m:e>
+                          </m:nary>
+                          <m:d>
+                            <m:dPr>
+                              <m:begChr m:val="["/>
+                              <m:endChr m:val="]"/>
+                              <m:ctrlPr>
+                                <a:rPr lang="en-US" i="1">
+                                  <a:latin typeface="Cambria Math" panose="02040503050406030204" pitchFamily="18" charset="0"/>
+                                  <a:ea typeface="Cambria Math" panose="02040503050406030204" pitchFamily="18" charset="0"/>
+                                </a:rPr>
+                              </m:ctrlPr>
+                            </m:dPr>
+                            <m:e>
+                              <m:eqArr>
+                                <m:eqArrPr>
+                                  <m:ctrlPr>
+                                    <a:rPr lang="en-US" i="1">
+                                      <a:latin typeface="Cambria Math" panose="02040503050406030204" pitchFamily="18" charset="0"/>
+                                      <a:ea typeface="Cambria Math" panose="02040503050406030204" pitchFamily="18" charset="0"/>
+                                    </a:rPr>
+                                  </m:ctrlPr>
+                                </m:eqArrPr>
+                                <m:e>
+                                  <m:sSub>
+                                    <m:sSubPr>
+                                      <m:ctrlPr>
+                                        <a:rPr lang="en-US" i="1">
+                                          <a:latin typeface="Cambria Math" panose="02040503050406030204" pitchFamily="18" charset="0"/>
+                                          <a:ea typeface="Cambria Math" panose="02040503050406030204" pitchFamily="18" charset="0"/>
+                                        </a:rPr>
+                                      </m:ctrlPr>
+                                    </m:sSubPr>
+                                    <m:e>
+                                      <m:r>
+                                        <m:rPr>
+                                          <m:brk m:alnAt="7"/>
+                                        </m:rPr>
+                                        <a:rPr lang="en-US" i="1">
+                                          <a:latin typeface="Cambria Math" panose="02040503050406030204" pitchFamily="18" charset="0"/>
+                                          <a:ea typeface="Cambria Math" panose="02040503050406030204" pitchFamily="18" charset="0"/>
+                                        </a:rPr>
+                                        <m:t>𝑡</m:t>
+                                      </m:r>
+                                    </m:e>
+                                    <m:sub>
+                                      <m:r>
+                                        <m:rPr>
+                                          <m:brk m:alnAt="7"/>
+                                        </m:rPr>
+                                        <a:rPr lang="en-US" i="1">
+                                          <a:latin typeface="Cambria Math" panose="02040503050406030204" pitchFamily="18" charset="0"/>
+                                          <a:ea typeface="Cambria Math" panose="02040503050406030204" pitchFamily="18" charset="0"/>
+                                        </a:rPr>
+                                        <m:t>𝑥</m:t>
+                                      </m:r>
+                                    </m:sub>
+                                  </m:sSub>
+                                </m:e>
+                                <m:e>
+                                  <m:sSub>
+                                    <m:sSubPr>
+                                      <m:ctrlPr>
+                                        <a:rPr lang="en-US" i="1">
+                                          <a:latin typeface="Cambria Math" panose="02040503050406030204" pitchFamily="18" charset="0"/>
+                                          <a:ea typeface="Cambria Math" panose="02040503050406030204" pitchFamily="18" charset="0"/>
+                                        </a:rPr>
+                                      </m:ctrlPr>
+                                    </m:sSubPr>
+                                    <m:e>
+                                      <m:r>
+                                        <m:rPr>
+                                          <m:brk m:alnAt="7"/>
+                                        </m:rPr>
+                                        <a:rPr lang="en-US" i="1">
+                                          <a:latin typeface="Cambria Math" panose="02040503050406030204" pitchFamily="18" charset="0"/>
+                                          <a:ea typeface="Cambria Math" panose="02040503050406030204" pitchFamily="18" charset="0"/>
+                                        </a:rPr>
+                                        <m:t>𝑡</m:t>
+                                      </m:r>
+                                    </m:e>
+                                    <m:sub>
+                                      <m:r>
+                                        <a:rPr lang="en-US" i="1">
+                                          <a:latin typeface="Cambria Math" panose="02040503050406030204" pitchFamily="18" charset="0"/>
+                                          <a:ea typeface="Cambria Math" panose="02040503050406030204" pitchFamily="18" charset="0"/>
+                                        </a:rPr>
+                                        <m:t>𝑦</m:t>
+                                      </m:r>
+                                    </m:sub>
+                                  </m:sSub>
+                                </m:e>
+                                <m:e>
+                                  <m:sSub>
+                                    <m:sSubPr>
+                                      <m:ctrlPr>
+                                        <a:rPr lang="en-US" i="1">
+                                          <a:latin typeface="Cambria Math" panose="02040503050406030204" pitchFamily="18" charset="0"/>
+                                          <a:ea typeface="Cambria Math" panose="02040503050406030204" pitchFamily="18" charset="0"/>
+                                        </a:rPr>
+                                      </m:ctrlPr>
+                                    </m:sSubPr>
+                                    <m:e>
+                                      <m:r>
+                                        <m:rPr>
+                                          <m:brk m:alnAt="7"/>
+                                        </m:rPr>
+                                        <a:rPr lang="en-US" i="1">
+                                          <a:latin typeface="Cambria Math" panose="02040503050406030204" pitchFamily="18" charset="0"/>
+                                          <a:ea typeface="Cambria Math" panose="02040503050406030204" pitchFamily="18" charset="0"/>
+                                        </a:rPr>
+                                        <m:t>𝑡</m:t>
+                                      </m:r>
+                                    </m:e>
+                                    <m:sub>
+                                      <m:r>
+                                        <a:rPr lang="en-US" i="1">
+                                          <a:latin typeface="Cambria Math" panose="02040503050406030204" pitchFamily="18" charset="0"/>
+                                          <a:ea typeface="Cambria Math" panose="02040503050406030204" pitchFamily="18" charset="0"/>
+                                        </a:rPr>
+                                        <m:t>𝑧</m:t>
+                                      </m:r>
+                                    </m:sub>
+                                  </m:sSub>
+                                </m:e>
+                              </m:eqArr>
+                            </m:e>
+                          </m:d>
+                          <m:d>
+                            <m:dPr>
+                              <m:begChr m:val="|"/>
+                              <m:endChr m:val="|"/>
+                              <m:ctrlPr>
+                                <a:rPr lang="el-GR" i="1">
+                                  <a:latin typeface="Cambria Math" panose="02040503050406030204" pitchFamily="18" charset="0"/>
+                                  <a:ea typeface="Cambria Math" panose="02040503050406030204" pitchFamily="18" charset="0"/>
+                                </a:rPr>
+                              </m:ctrlPr>
+                            </m:dPr>
+                            <m:e>
+                              <m:sSub>
+                                <m:sSubPr>
+                                  <m:ctrlPr>
+                                    <a:rPr lang="en-US" i="1">
+                                      <a:latin typeface="Cambria Math" panose="02040503050406030204" pitchFamily="18" charset="0"/>
+                                      <a:ea typeface="Cambria Math" panose="02040503050406030204" pitchFamily="18" charset="0"/>
+                                    </a:rPr>
+                                  </m:ctrlPr>
+                                </m:sSubPr>
+                                <m:e>
+                                  <m:r>
+                                    <a:rPr lang="en-US" i="1">
+                                      <a:latin typeface="Cambria Math" panose="02040503050406030204" pitchFamily="18" charset="0"/>
+                                      <a:ea typeface="Cambria Math" panose="02040503050406030204" pitchFamily="18" charset="0"/>
+                                    </a:rPr>
+                                    <m:t>𝐽</m:t>
+                                  </m:r>
+                                </m:e>
+                                <m:sub>
+                                  <m:r>
+                                    <a:rPr lang="en-US" b="1" i="1">
+                                      <a:latin typeface="Cambria Math" panose="02040503050406030204" pitchFamily="18" charset="0"/>
+                                      <a:ea typeface="Cambria Math" panose="02040503050406030204" pitchFamily="18" charset="0"/>
+                                    </a:rPr>
+                                    <m:t>𝒙</m:t>
+                                  </m:r>
+                                  <m:r>
+                                    <a:rPr lang="en-US" b="1" i="1">
+                                      <a:latin typeface="Cambria Math" panose="02040503050406030204" pitchFamily="18" charset="0"/>
+                                      <a:ea typeface="Cambria Math" panose="02040503050406030204" pitchFamily="18" charset="0"/>
+                                    </a:rPr>
+                                    <m:t>→</m:t>
+                                  </m:r>
+                                  <m:acc>
+                                    <m:accPr>
+                                      <m:chr m:val="̃"/>
+                                      <m:ctrlPr>
+                                        <a:rPr lang="el-GR" b="1" i="1">
+                                          <a:latin typeface="Cambria Math" panose="02040503050406030204" pitchFamily="18" charset="0"/>
+                                          <a:ea typeface="Cambria Math" panose="02040503050406030204" pitchFamily="18" charset="0"/>
+                                        </a:rPr>
+                                      </m:ctrlPr>
+                                    </m:accPr>
+                                    <m:e>
+                                      <m:r>
+                                        <a:rPr lang="el-GR" b="1" i="1">
+                                          <a:latin typeface="Cambria Math" panose="02040503050406030204" pitchFamily="18" charset="0"/>
+                                          <a:ea typeface="Cambria Math" panose="02040503050406030204" pitchFamily="18" charset="0"/>
+                                        </a:rPr>
+                                        <m:t>𝜼</m:t>
+                                      </m:r>
+                                    </m:e>
+                                  </m:acc>
+                                </m:sub>
+                              </m:sSub>
+                            </m:e>
+                          </m:d>
+                          <m:r>
+                            <a:rPr lang="en-US" i="1">
+                              <a:latin typeface="Cambria Math" panose="02040503050406030204" pitchFamily="18" charset="0"/>
+                              <a:ea typeface="Cambria Math" panose="02040503050406030204" pitchFamily="18" charset="0"/>
+                            </a:rPr>
+                            <m:t>𝑑</m:t>
+                          </m:r>
+                          <m:acc>
+                            <m:accPr>
+                              <m:chr m:val="̃"/>
+                              <m:ctrlPr>
+                                <a:rPr lang="el-GR" i="1">
+                                  <a:latin typeface="Cambria Math" panose="02040503050406030204" pitchFamily="18" charset="0"/>
+                                  <a:ea typeface="Cambria Math" panose="02040503050406030204" pitchFamily="18" charset="0"/>
+                                </a:rPr>
+                              </m:ctrlPr>
+                            </m:accPr>
+                            <m:e>
+                              <m:r>
+                                <a:rPr lang="el-GR" i="1">
+                                  <a:latin typeface="Cambria Math" panose="02040503050406030204" pitchFamily="18" charset="0"/>
+                                  <a:ea typeface="Cambria Math" panose="02040503050406030204" pitchFamily="18" charset="0"/>
+                                </a:rPr>
+                                <m:t>𝜉</m:t>
+                              </m:r>
+                            </m:e>
+                          </m:acc>
+                          <m:r>
+                            <a:rPr lang="el-GR" i="1">
+                              <a:latin typeface="Cambria Math" panose="02040503050406030204" pitchFamily="18" charset="0"/>
+                              <a:ea typeface="Cambria Math" panose="02040503050406030204" pitchFamily="18" charset="0"/>
+                            </a:rPr>
+                            <m:t> </m:t>
+                          </m:r>
+                          <m:r>
+                            <a:rPr lang="en-US" i="1">
+                              <a:latin typeface="Cambria Math" panose="02040503050406030204" pitchFamily="18" charset="0"/>
+                              <a:ea typeface="Cambria Math" panose="02040503050406030204" pitchFamily="18" charset="0"/>
+                            </a:rPr>
+                            <m:t>𝑑</m:t>
+                          </m:r>
+                          <m:acc>
+                            <m:accPr>
+                              <m:chr m:val="̃"/>
+                              <m:ctrlPr>
+                                <a:rPr lang="el-GR" i="1">
+                                  <a:latin typeface="Cambria Math" panose="02040503050406030204" pitchFamily="18" charset="0"/>
+                                  <a:ea typeface="Cambria Math" panose="02040503050406030204" pitchFamily="18" charset="0"/>
+                                </a:rPr>
+                              </m:ctrlPr>
+                            </m:accPr>
+                            <m:e>
+                              <m:r>
+                                <a:rPr lang="el-GR" i="1">
+                                  <a:latin typeface="Cambria Math" panose="02040503050406030204" pitchFamily="18" charset="0"/>
+                                  <a:ea typeface="Cambria Math" panose="02040503050406030204" pitchFamily="18" charset="0"/>
+                                </a:rPr>
+                                <m:t>𝜂</m:t>
+                              </m:r>
+                            </m:e>
+                          </m:acc>
+                        </m:e>
+                      </m:nary>
+                    </m:oMath>
+                  </m:oMathPara>
+                </a14:m>
+                <a:endParaRPr lang="en-US" dirty="0"/>
+              </a:p>
+            </p:txBody>
+          </p:sp>
+        </mc:Choice>
+        <mc:Fallback xmlns="">
+          <p:sp>
+            <p:nvSpPr>
+              <p:cNvPr id="6" name="TextBox 5">
+                <a:extLst>
+                  <a:ext uri="{FF2B5EF4-FFF2-40B4-BE49-F238E27FC236}">
+                    <a16:creationId xmlns:a16="http://schemas.microsoft.com/office/drawing/2014/main" id="{39EAA69B-2DEE-F7F4-F615-3FD41A0C724A}"/>
+                  </a:ext>
+                </a:extLst>
+              </p:cNvPr>
+              <p:cNvSpPr txBox="1">
+                <a:spLocks noRot="1" noChangeAspect="1" noMove="1" noResize="1" noEditPoints="1" noAdjustHandles="1" noChangeArrowheads="1" noChangeShapeType="1" noTextEdit="1"/>
+              </p:cNvSpPr>
+              <p:nvPr/>
+            </p:nvSpPr>
+            <p:spPr>
+              <a:xfrm>
+                <a:off x="624403" y="4386716"/>
+                <a:ext cx="4997463" cy="972702"/>
+              </a:xfrm>
+              <a:prstGeom prst="rect">
+                <a:avLst/>
+              </a:prstGeom>
+              <a:blipFill>
+                <a:blip r:embed="rId4"/>
+                <a:stretch>
+                  <a:fillRect/>
+                </a:stretch>
+              </a:blipFill>
+            </p:spPr>
+            <p:txBody>
+              <a:bodyPr/>
+              <a:lstStyle/>
+              <a:p>
+                <a:r>
+                  <a:rPr lang="en-US">
+                    <a:noFill/>
+                  </a:rPr>
+                  <a:t> </a:t>
+                </a:r>
+              </a:p>
+            </p:txBody>
+          </p:sp>
+        </mc:Fallback>
+      </mc:AlternateContent>
+      <p:grpSp>
+        <p:nvGrpSpPr>
+          <p:cNvPr id="28" name="Group 27">
+            <a:extLst>
+              <a:ext uri="{FF2B5EF4-FFF2-40B4-BE49-F238E27FC236}">
+                <a16:creationId xmlns:a16="http://schemas.microsoft.com/office/drawing/2014/main" id="{FA11C07A-CE1F-A041-A7C4-B588FA9B59A9}"/>
+              </a:ext>
+            </a:extLst>
+          </p:cNvPr>
+          <p:cNvGrpSpPr/>
+          <p:nvPr/>
+        </p:nvGrpSpPr>
+        <p:grpSpPr>
+          <a:xfrm>
+            <a:off x="6817698" y="3169399"/>
+            <a:ext cx="3511296" cy="2615184"/>
+            <a:chOff x="7571232" y="2569423"/>
+            <a:chExt cx="3511296" cy="2615184"/>
+          </a:xfrm>
+        </p:grpSpPr>
+        <p:grpSp>
+          <p:nvGrpSpPr>
+            <p:cNvPr id="29" name="Group 28">
+              <a:extLst>
+                <a:ext uri="{FF2B5EF4-FFF2-40B4-BE49-F238E27FC236}">
+                  <a16:creationId xmlns:a16="http://schemas.microsoft.com/office/drawing/2014/main" id="{260C7D3D-21B2-41AA-E0E6-966020DA8A3A}"/>
+                </a:ext>
+              </a:extLst>
+            </p:cNvPr>
+            <p:cNvGrpSpPr/>
+            <p:nvPr/>
+          </p:nvGrpSpPr>
+          <p:grpSpPr>
+            <a:xfrm>
+              <a:off x="7571232" y="2569423"/>
+              <a:ext cx="3511296" cy="2615184"/>
+              <a:chOff x="7680960" y="2569423"/>
+              <a:chExt cx="3511296" cy="2615184"/>
+            </a:xfrm>
+          </p:grpSpPr>
+          <p:sp>
+            <p:nvSpPr>
+              <p:cNvPr id="32" name="Rectangle 31">
+                <a:extLst>
+                  <a:ext uri="{FF2B5EF4-FFF2-40B4-BE49-F238E27FC236}">
+                    <a16:creationId xmlns:a16="http://schemas.microsoft.com/office/drawing/2014/main" id="{EEBDD0D1-47DF-D705-7919-BE4E5000988B}"/>
+                  </a:ext>
+                </a:extLst>
+              </p:cNvPr>
+              <p:cNvSpPr/>
+              <p:nvPr/>
+            </p:nvSpPr>
+            <p:spPr>
+              <a:xfrm>
+                <a:off x="7680960" y="2569423"/>
+                <a:ext cx="3511296" cy="2615184"/>
+              </a:xfrm>
+              <a:prstGeom prst="rect">
+                <a:avLst/>
+              </a:prstGeom>
+              <a:solidFill>
+                <a:schemeClr val="bg1"/>
+              </a:solidFill>
+              <a:ln>
+                <a:noFill/>
+              </a:ln>
+            </p:spPr>
+            <p:style>
+              <a:lnRef idx="2">
+                <a:schemeClr val="accent1">
+                  <a:shade val="15000"/>
+                </a:schemeClr>
+              </a:lnRef>
+              <a:fillRef idx="1">
+                <a:schemeClr val="accent1"/>
+              </a:fillRef>
+              <a:effectRef idx="0">
+                <a:schemeClr val="accent1"/>
+              </a:effectRef>
+              <a:fontRef idx="minor">
+                <a:schemeClr val="lt1"/>
+              </a:fontRef>
+            </p:style>
+            <p:txBody>
+              <a:bodyPr rtlCol="0" anchor="ctr"/>
+              <a:lstStyle/>
+              <a:p>
+                <a:pPr algn="ctr"/>
+                <a:endParaRPr lang="en-US"/>
+              </a:p>
+            </p:txBody>
+          </p:sp>
+          <p:grpSp>
+            <p:nvGrpSpPr>
+              <p:cNvPr id="33" name="Group 32">
+                <a:extLst>
+                  <a:ext uri="{FF2B5EF4-FFF2-40B4-BE49-F238E27FC236}">
+                    <a16:creationId xmlns:a16="http://schemas.microsoft.com/office/drawing/2014/main" id="{9CDE2B41-EC4B-788F-E8EA-98D291917B5F}"/>
+                  </a:ext>
+                </a:extLst>
+              </p:cNvPr>
+              <p:cNvGrpSpPr/>
+              <p:nvPr/>
+            </p:nvGrpSpPr>
+            <p:grpSpPr>
+              <a:xfrm>
+                <a:off x="8339327" y="2944307"/>
+                <a:ext cx="2362017" cy="1783080"/>
+                <a:chOff x="8522207" y="2706624"/>
+                <a:chExt cx="2362017" cy="1783080"/>
+              </a:xfrm>
+            </p:grpSpPr>
+            <p:cxnSp>
+              <p:nvCxnSpPr>
+                <p:cNvPr id="38" name="Straight Connector 37">
+                  <a:extLst>
+                    <a:ext uri="{FF2B5EF4-FFF2-40B4-BE49-F238E27FC236}">
+                      <a16:creationId xmlns:a16="http://schemas.microsoft.com/office/drawing/2014/main" id="{EA27D470-70FE-86D7-1A36-66CB24A386F7}"/>
+                    </a:ext>
+                  </a:extLst>
+                </p:cNvPr>
+                <p:cNvCxnSpPr>
+                  <a:cxnSpLocks/>
+                </p:cNvCxnSpPr>
+                <p:nvPr/>
+              </p:nvCxnSpPr>
+              <p:spPr>
+                <a:xfrm flipH="1" flipV="1">
+                  <a:off x="8522207" y="2706624"/>
+                  <a:ext cx="1" cy="1783080"/>
+                </a:xfrm>
+                <a:prstGeom prst="line">
+                  <a:avLst/>
+                </a:prstGeom>
+              </p:spPr>
+              <p:style>
+                <a:lnRef idx="2">
+                  <a:schemeClr val="accent1"/>
+                </a:lnRef>
+                <a:fillRef idx="0">
+                  <a:schemeClr val="accent1"/>
+                </a:fillRef>
+                <a:effectRef idx="1">
+                  <a:schemeClr val="accent1"/>
+                </a:effectRef>
+                <a:fontRef idx="minor">
+                  <a:schemeClr val="tx1"/>
+                </a:fontRef>
+              </p:style>
+            </p:cxnSp>
+            <p:cxnSp>
+              <p:nvCxnSpPr>
+                <p:cNvPr id="39" name="Straight Connector 38">
+                  <a:extLst>
+                    <a:ext uri="{FF2B5EF4-FFF2-40B4-BE49-F238E27FC236}">
+                      <a16:creationId xmlns:a16="http://schemas.microsoft.com/office/drawing/2014/main" id="{8FCC7630-0052-2E94-8841-92ABE63AE930}"/>
+                    </a:ext>
+                  </a:extLst>
+                </p:cNvPr>
+                <p:cNvCxnSpPr>
+                  <a:cxnSpLocks/>
+                </p:cNvCxnSpPr>
+                <p:nvPr/>
+              </p:nvCxnSpPr>
+              <p:spPr>
+                <a:xfrm>
+                  <a:off x="8522208" y="4489704"/>
+                  <a:ext cx="2362016" cy="0"/>
+                </a:xfrm>
+                <a:prstGeom prst="line">
+                  <a:avLst/>
+                </a:prstGeom>
+              </p:spPr>
+              <p:style>
+                <a:lnRef idx="2">
+                  <a:schemeClr val="accent1"/>
+                </a:lnRef>
+                <a:fillRef idx="0">
+                  <a:schemeClr val="accent1"/>
+                </a:fillRef>
+                <a:effectRef idx="1">
+                  <a:schemeClr val="accent1"/>
+                </a:effectRef>
+                <a:fontRef idx="minor">
+                  <a:schemeClr val="tx1"/>
+                </a:fontRef>
+              </p:style>
+            </p:cxnSp>
+            <p:cxnSp>
+              <p:nvCxnSpPr>
+                <p:cNvPr id="40" name="Straight Connector 39">
+                  <a:extLst>
+                    <a:ext uri="{FF2B5EF4-FFF2-40B4-BE49-F238E27FC236}">
+                      <a16:creationId xmlns:a16="http://schemas.microsoft.com/office/drawing/2014/main" id="{78B97EDD-789F-0106-E4BC-3CACDDBC5221}"/>
+                    </a:ext>
+                  </a:extLst>
+                </p:cNvPr>
+                <p:cNvCxnSpPr>
+                  <a:cxnSpLocks/>
+                </p:cNvCxnSpPr>
+                <p:nvPr/>
+              </p:nvCxnSpPr>
+              <p:spPr>
+                <a:xfrm>
+                  <a:off x="8522207" y="3026664"/>
+                  <a:ext cx="1417321" cy="1463040"/>
+                </a:xfrm>
+                <a:prstGeom prst="line">
+                  <a:avLst/>
+                </a:prstGeom>
+              </p:spPr>
+              <p:style>
+                <a:lnRef idx="2">
+                  <a:schemeClr val="accent1"/>
+                </a:lnRef>
+                <a:fillRef idx="0">
+                  <a:schemeClr val="accent1"/>
+                </a:fillRef>
+                <a:effectRef idx="1">
+                  <a:schemeClr val="accent1"/>
+                </a:effectRef>
+                <a:fontRef idx="minor">
+                  <a:schemeClr val="tx1"/>
+                </a:fontRef>
+              </p:style>
+            </p:cxnSp>
+          </p:grpSp>
+          <mc:AlternateContent xmlns:mc="http://schemas.openxmlformats.org/markup-compatibility/2006" xmlns:a14="http://schemas.microsoft.com/office/drawing/2010/main">
+            <mc:Choice Requires="a14">
+              <p:sp>
+                <p:nvSpPr>
+                  <p:cNvPr id="34" name="TextBox 33">
+                    <a:extLst>
+                      <a:ext uri="{FF2B5EF4-FFF2-40B4-BE49-F238E27FC236}">
+                        <a16:creationId xmlns:a16="http://schemas.microsoft.com/office/drawing/2014/main" id="{3FE6154A-B8EF-60B0-C12C-5272CED9CD8E}"/>
+                      </a:ext>
+                    </a:extLst>
+                  </p:cNvPr>
+                  <p:cNvSpPr txBox="1"/>
+                  <p:nvPr/>
+                </p:nvSpPr>
+                <p:spPr>
+                  <a:xfrm>
+                    <a:off x="8831977" y="4698168"/>
+                    <a:ext cx="386759" cy="380553"/>
+                  </a:xfrm>
+                  <a:prstGeom prst="rect">
+                    <a:avLst/>
+                  </a:prstGeom>
+                  <a:noFill/>
+                </p:spPr>
+                <p:txBody>
+                  <a:bodyPr wrap="square">
+                    <a:spAutoFit/>
+                  </a:bodyPr>
+                  <a:lstStyle/>
+                  <a:p>
+                    <a:pPr/>
+                    <a14:m>
+                      <m:oMathPara xmlns:m="http://schemas.openxmlformats.org/officeDocument/2006/math">
+                        <m:oMathParaPr>
+                          <m:jc m:val="centerGroup"/>
+                        </m:oMathParaPr>
+                        <m:oMath xmlns:m="http://schemas.openxmlformats.org/officeDocument/2006/math">
+                          <m:acc>
+                            <m:accPr>
+                              <m:chr m:val="̃"/>
+                              <m:ctrlPr>
+                                <a:rPr lang="el-GR" i="1" smtClean="0">
+                                  <a:latin typeface="Cambria Math" panose="02040503050406030204" pitchFamily="18" charset="0"/>
+                                  <a:ea typeface="Cambria Math" panose="02040503050406030204" pitchFamily="18" charset="0"/>
+                                </a:rPr>
+                              </m:ctrlPr>
+                            </m:accPr>
+                            <m:e>
+                              <m:r>
+                                <a:rPr lang="el-GR" i="1">
+                                  <a:latin typeface="Cambria Math" panose="02040503050406030204" pitchFamily="18" charset="0"/>
+                                  <a:ea typeface="Cambria Math" panose="02040503050406030204" pitchFamily="18" charset="0"/>
+                                </a:rPr>
+                                <m:t>𝜂</m:t>
+                              </m:r>
+                            </m:e>
+                          </m:acc>
+                        </m:oMath>
+                      </m:oMathPara>
+                    </a14:m>
+                    <a:endParaRPr lang="en-US" b="1" dirty="0"/>
+                  </a:p>
+                </p:txBody>
+              </p:sp>
+            </mc:Choice>
+            <mc:Fallback xmlns="">
+              <p:sp>
+                <p:nvSpPr>
+                  <p:cNvPr id="34" name="TextBox 33">
+                    <a:extLst>
+                      <a:ext uri="{FF2B5EF4-FFF2-40B4-BE49-F238E27FC236}">
+                        <a16:creationId xmlns:a16="http://schemas.microsoft.com/office/drawing/2014/main" id="{3FE6154A-B8EF-60B0-C12C-5272CED9CD8E}"/>
+                      </a:ext>
+                    </a:extLst>
+                  </p:cNvPr>
+                  <p:cNvSpPr txBox="1">
+                    <a:spLocks noRot="1" noChangeAspect="1" noMove="1" noResize="1" noEditPoints="1" noAdjustHandles="1" noChangeArrowheads="1" noChangeShapeType="1" noTextEdit="1"/>
+                  </p:cNvSpPr>
+                  <p:nvPr/>
+                </p:nvSpPr>
+                <p:spPr>
+                  <a:xfrm>
+                    <a:off x="8831977" y="4698168"/>
+                    <a:ext cx="386759" cy="380553"/>
+                  </a:xfrm>
+                  <a:prstGeom prst="rect">
+                    <a:avLst/>
+                  </a:prstGeom>
+                  <a:blipFill>
+                    <a:blip r:embed="rId5"/>
+                    <a:stretch>
+                      <a:fillRect r="-9375" b="-3175"/>
+                    </a:stretch>
+                  </a:blipFill>
+                </p:spPr>
+                <p:txBody>
+                  <a:bodyPr/>
+                  <a:lstStyle/>
+                  <a:p>
+                    <a:r>
+                      <a:rPr lang="en-US">
+                        <a:noFill/>
+                      </a:rPr>
+                      <a:t> </a:t>
+                    </a:r>
+                  </a:p>
+                </p:txBody>
+              </p:sp>
+            </mc:Fallback>
+          </mc:AlternateContent>
+          <mc:AlternateContent xmlns:mc="http://schemas.openxmlformats.org/markup-compatibility/2006" xmlns:a14="http://schemas.microsoft.com/office/drawing/2010/main">
+            <mc:Choice Requires="a14">
+              <p:sp>
+                <p:nvSpPr>
+                  <p:cNvPr id="35" name="TextBox 34">
+                    <a:extLst>
+                      <a:ext uri="{FF2B5EF4-FFF2-40B4-BE49-F238E27FC236}">
+                        <a16:creationId xmlns:a16="http://schemas.microsoft.com/office/drawing/2014/main" id="{0DC3C1B3-A8BF-8896-BEF8-A33B37E3EFCD}"/>
+                      </a:ext>
+                    </a:extLst>
+                  </p:cNvPr>
+                  <p:cNvSpPr txBox="1"/>
+                  <p:nvPr/>
+                </p:nvSpPr>
+                <p:spPr>
+                  <a:xfrm>
+                    <a:off x="7952567" y="3793893"/>
+                    <a:ext cx="386759" cy="380553"/>
+                  </a:xfrm>
+                  <a:prstGeom prst="rect">
+                    <a:avLst/>
+                  </a:prstGeom>
+                  <a:noFill/>
+                </p:spPr>
+                <p:txBody>
+                  <a:bodyPr wrap="square">
+                    <a:spAutoFit/>
+                  </a:bodyPr>
+                  <a:lstStyle/>
+                  <a:p>
+                    <a:pPr/>
+                    <a14:m>
+                      <m:oMathPara xmlns:m="http://schemas.openxmlformats.org/officeDocument/2006/math">
+                        <m:oMathParaPr>
+                          <m:jc m:val="centerGroup"/>
+                        </m:oMathParaPr>
+                        <m:oMath xmlns:m="http://schemas.openxmlformats.org/officeDocument/2006/math">
+                          <m:acc>
+                            <m:accPr>
+                              <m:chr m:val="̃"/>
+                              <m:ctrlPr>
+                                <a:rPr lang="el-GR" i="1">
+                                  <a:latin typeface="Cambria Math" panose="02040503050406030204" pitchFamily="18" charset="0"/>
+                                  <a:ea typeface="Cambria Math" panose="02040503050406030204" pitchFamily="18" charset="0"/>
+                                </a:rPr>
+                              </m:ctrlPr>
+                            </m:accPr>
+                            <m:e>
+                              <m:r>
+                                <a:rPr lang="el-GR" i="1">
+                                  <a:latin typeface="Cambria Math" panose="02040503050406030204" pitchFamily="18" charset="0"/>
+                                  <a:ea typeface="Cambria Math" panose="02040503050406030204" pitchFamily="18" charset="0"/>
+                                </a:rPr>
+                                <m:t>𝜉</m:t>
+                              </m:r>
+                            </m:e>
+                          </m:acc>
+                        </m:oMath>
+                      </m:oMathPara>
+                    </a14:m>
+                    <a:endParaRPr lang="en-US" b="1" dirty="0"/>
+                  </a:p>
+                </p:txBody>
+              </p:sp>
+            </mc:Choice>
+            <mc:Fallback xmlns="">
+              <p:sp>
+                <p:nvSpPr>
+                  <p:cNvPr id="35" name="TextBox 34">
+                    <a:extLst>
+                      <a:ext uri="{FF2B5EF4-FFF2-40B4-BE49-F238E27FC236}">
+                        <a16:creationId xmlns:a16="http://schemas.microsoft.com/office/drawing/2014/main" id="{0DC3C1B3-A8BF-8896-BEF8-A33B37E3EFCD}"/>
+                      </a:ext>
+                    </a:extLst>
+                  </p:cNvPr>
+                  <p:cNvSpPr txBox="1">
+                    <a:spLocks noRot="1" noChangeAspect="1" noMove="1" noResize="1" noEditPoints="1" noAdjustHandles="1" noChangeArrowheads="1" noChangeShapeType="1" noTextEdit="1"/>
+                  </p:cNvSpPr>
+                  <p:nvPr/>
+                </p:nvSpPr>
+                <p:spPr>
+                  <a:xfrm>
+                    <a:off x="7952567" y="3793893"/>
+                    <a:ext cx="386759" cy="380553"/>
+                  </a:xfrm>
+                  <a:prstGeom prst="rect">
+                    <a:avLst/>
+                  </a:prstGeom>
+                  <a:blipFill>
+                    <a:blip r:embed="rId6"/>
+                    <a:stretch>
+                      <a:fillRect t="-4839" r="-14286" b="-12903"/>
+                    </a:stretch>
+                  </a:blipFill>
+                </p:spPr>
+                <p:txBody>
+                  <a:bodyPr/>
+                  <a:lstStyle/>
+                  <a:p>
+                    <a:r>
+                      <a:rPr lang="en-US">
+                        <a:noFill/>
+                      </a:rPr>
+                      <a:t> </a:t>
+                    </a:r>
+                  </a:p>
+                </p:txBody>
+              </p:sp>
+            </mc:Fallback>
+          </mc:AlternateContent>
+          <p:sp>
+            <p:nvSpPr>
+              <p:cNvPr id="36" name="TextBox 35">
+                <a:extLst>
+                  <a:ext uri="{FF2B5EF4-FFF2-40B4-BE49-F238E27FC236}">
+                    <a16:creationId xmlns:a16="http://schemas.microsoft.com/office/drawing/2014/main" id="{C07A6CA6-4F5A-B802-C4A6-F2A3D24E7576}"/>
+                  </a:ext>
+                </a:extLst>
+              </p:cNvPr>
+              <p:cNvSpPr txBox="1"/>
+              <p:nvPr/>
+            </p:nvSpPr>
+            <p:spPr>
+              <a:xfrm>
+                <a:off x="9645769" y="4737035"/>
+                <a:ext cx="386759" cy="369332"/>
+              </a:xfrm>
+              <a:prstGeom prst="rect">
+                <a:avLst/>
+              </a:prstGeom>
+              <a:noFill/>
+            </p:spPr>
+            <p:txBody>
+              <a:bodyPr wrap="square">
+                <a:spAutoFit/>
+              </a:bodyPr>
+              <a:lstStyle/>
+              <a:p>
+                <a:r>
+                  <a:rPr lang="el-GR" b="1" dirty="0"/>
+                  <a:t>2</a:t>
+                </a:r>
+                <a:endParaRPr lang="en-US" b="1" dirty="0"/>
+              </a:p>
+            </p:txBody>
+          </p:sp>
+          <p:sp>
+            <p:nvSpPr>
+              <p:cNvPr id="37" name="TextBox 36">
+                <a:extLst>
+                  <a:ext uri="{FF2B5EF4-FFF2-40B4-BE49-F238E27FC236}">
+                    <a16:creationId xmlns:a16="http://schemas.microsoft.com/office/drawing/2014/main" id="{5BA84EB7-02B5-52D3-86E2-B6A8840858E5}"/>
+                  </a:ext>
+                </a:extLst>
+              </p:cNvPr>
+              <p:cNvSpPr txBox="1"/>
+              <p:nvPr/>
+            </p:nvSpPr>
+            <p:spPr>
+              <a:xfrm>
+                <a:off x="8000765" y="4640136"/>
+                <a:ext cx="386759" cy="369332"/>
+              </a:xfrm>
+              <a:prstGeom prst="rect">
+                <a:avLst/>
+              </a:prstGeom>
+              <a:noFill/>
+            </p:spPr>
+            <p:txBody>
+              <a:bodyPr wrap="square">
+                <a:spAutoFit/>
+              </a:bodyPr>
+              <a:lstStyle/>
+              <a:p>
+                <a:r>
+                  <a:rPr lang="el-GR" b="1" dirty="0"/>
+                  <a:t>1</a:t>
+                </a:r>
+                <a:endParaRPr lang="en-US" b="1" dirty="0"/>
+              </a:p>
+            </p:txBody>
+          </p:sp>
+        </p:grpSp>
+        <p:sp>
+          <p:nvSpPr>
+            <p:cNvPr id="30" name="TextBox 29">
+              <a:extLst>
+                <a:ext uri="{FF2B5EF4-FFF2-40B4-BE49-F238E27FC236}">
+                  <a16:creationId xmlns:a16="http://schemas.microsoft.com/office/drawing/2014/main" id="{C16C20F2-4C26-F392-3A11-FBEEEEE7F1DC}"/>
+                </a:ext>
+              </a:extLst>
+            </p:cNvPr>
+            <p:cNvSpPr txBox="1"/>
+            <p:nvPr/>
+          </p:nvSpPr>
+          <p:spPr>
+            <a:xfrm>
+              <a:off x="7853543" y="3162454"/>
+              <a:ext cx="386759" cy="369332"/>
+            </a:xfrm>
+            <a:prstGeom prst="rect">
+              <a:avLst/>
+            </a:prstGeom>
+            <a:noFill/>
+          </p:spPr>
+          <p:txBody>
+            <a:bodyPr wrap="square">
+              <a:spAutoFit/>
+            </a:bodyPr>
+            <a:lstStyle/>
+            <a:p>
+              <a:r>
+                <a:rPr lang="el-GR" b="1" dirty="0"/>
+                <a:t>3</a:t>
+              </a:r>
+              <a:endParaRPr lang="en-US" b="1" dirty="0"/>
+            </a:p>
+          </p:txBody>
+        </p:sp>
+      </p:grpSp>
+      <mc:AlternateContent xmlns:mc="http://schemas.openxmlformats.org/markup-compatibility/2006" xmlns:a14="http://schemas.microsoft.com/office/drawing/2010/main">
+        <mc:Choice Requires="a14">
+          <p:sp>
+            <p:nvSpPr>
+              <p:cNvPr id="41" name="TextBox 40">
+                <a:extLst>
+                  <a:ext uri="{FF2B5EF4-FFF2-40B4-BE49-F238E27FC236}">
+                    <a16:creationId xmlns:a16="http://schemas.microsoft.com/office/drawing/2014/main" id="{A3EBF67F-62B1-2AE3-15B3-37F98EAED064}"/>
+                  </a:ext>
+                </a:extLst>
+              </p:cNvPr>
+              <p:cNvSpPr txBox="1"/>
+              <p:nvPr/>
+            </p:nvSpPr>
+            <p:spPr>
+              <a:xfrm>
+                <a:off x="8279631" y="3786083"/>
+                <a:ext cx="2815103" cy="404983"/>
+              </a:xfrm>
+              <a:prstGeom prst="rect">
+                <a:avLst/>
+              </a:prstGeom>
+              <a:solidFill>
+                <a:schemeClr val="bg1"/>
+              </a:solidFill>
+            </p:spPr>
+            <p:txBody>
+              <a:bodyPr wrap="square">
+                <a:spAutoFit/>
+              </a:bodyPr>
+              <a:lstStyle/>
+              <a:p>
+                <a:pPr/>
+                <a14:m>
+                  <m:oMathPara xmlns:m="http://schemas.openxmlformats.org/officeDocument/2006/math">
+                    <m:oMathParaPr>
+                      <m:jc m:val="centerGroup"/>
+                    </m:oMathParaPr>
+                    <m:oMath xmlns:m="http://schemas.openxmlformats.org/officeDocument/2006/math">
+                      <m:r>
+                        <a:rPr lang="en-US" b="0" i="1" smtClean="0">
+                          <a:latin typeface="Cambria Math" panose="02040503050406030204" pitchFamily="18" charset="0"/>
+                        </a:rPr>
+                        <m:t>𝑁</m:t>
+                      </m:r>
+                      <m:r>
+                        <a:rPr lang="el-GR" b="0" i="1" smtClean="0">
+                          <a:latin typeface="Cambria Math" panose="02040503050406030204" pitchFamily="18" charset="0"/>
+                        </a:rPr>
+                        <m:t>2</m:t>
+                      </m:r>
+                      <m:d>
+                        <m:dPr>
+                          <m:ctrlPr>
+                            <a:rPr lang="el-GR" b="0" i="1" smtClean="0">
+                              <a:latin typeface="Cambria Math" panose="02040503050406030204" pitchFamily="18" charset="0"/>
+                            </a:rPr>
+                          </m:ctrlPr>
+                        </m:dPr>
+                        <m:e>
+                          <m:acc>
+                            <m:accPr>
+                              <m:chr m:val="̃"/>
+                              <m:ctrlPr>
+                                <a:rPr lang="el-GR" i="1">
+                                  <a:latin typeface="Cambria Math" panose="02040503050406030204" pitchFamily="18" charset="0"/>
+                                  <a:ea typeface="Cambria Math" panose="02040503050406030204" pitchFamily="18" charset="0"/>
+                                </a:rPr>
+                              </m:ctrlPr>
+                            </m:accPr>
+                            <m:e>
+                              <m:r>
+                                <a:rPr lang="el-GR" i="1">
+                                  <a:latin typeface="Cambria Math" panose="02040503050406030204" pitchFamily="18" charset="0"/>
+                                  <a:ea typeface="Cambria Math" panose="02040503050406030204" pitchFamily="18" charset="0"/>
+                                </a:rPr>
+                                <m:t>𝜂</m:t>
+                              </m:r>
+                            </m:e>
+                          </m:acc>
+                          <m:r>
+                            <a:rPr lang="el-GR" i="1">
+                              <a:latin typeface="Cambria Math" panose="02040503050406030204" pitchFamily="18" charset="0"/>
+                              <a:ea typeface="Cambria Math" panose="02040503050406030204" pitchFamily="18" charset="0"/>
+                            </a:rPr>
+                            <m:t>,</m:t>
+                          </m:r>
+                          <m:acc>
+                            <m:accPr>
+                              <m:chr m:val="̃"/>
+                              <m:ctrlPr>
+                                <a:rPr lang="el-GR" i="1">
+                                  <a:latin typeface="Cambria Math" panose="02040503050406030204" pitchFamily="18" charset="0"/>
+                                  <a:ea typeface="Cambria Math" panose="02040503050406030204" pitchFamily="18" charset="0"/>
+                                </a:rPr>
+                              </m:ctrlPr>
+                            </m:accPr>
+                            <m:e>
+                              <m:r>
+                                <a:rPr lang="el-GR" i="1">
+                                  <a:latin typeface="Cambria Math" panose="02040503050406030204" pitchFamily="18" charset="0"/>
+                                  <a:ea typeface="Cambria Math" panose="02040503050406030204" pitchFamily="18" charset="0"/>
+                                </a:rPr>
+                                <m:t>𝜉</m:t>
+                              </m:r>
+                            </m:e>
+                          </m:acc>
+                        </m:e>
+                      </m:d>
+                      <m:r>
+                        <a:rPr lang="el-GR" b="0" i="1" smtClean="0">
+                          <a:latin typeface="Cambria Math" panose="02040503050406030204" pitchFamily="18" charset="0"/>
+                        </a:rPr>
+                        <m:t>=</m:t>
+                      </m:r>
+                      <m:acc>
+                        <m:accPr>
+                          <m:chr m:val="̃"/>
+                          <m:ctrlPr>
+                            <a:rPr lang="el-GR" i="1">
+                              <a:latin typeface="Cambria Math" panose="02040503050406030204" pitchFamily="18" charset="0"/>
+                              <a:ea typeface="Cambria Math" panose="02040503050406030204" pitchFamily="18" charset="0"/>
+                            </a:rPr>
+                          </m:ctrlPr>
+                        </m:accPr>
+                        <m:e>
+                          <m:r>
+                            <a:rPr lang="el-GR" i="1">
+                              <a:latin typeface="Cambria Math" panose="02040503050406030204" pitchFamily="18" charset="0"/>
+                              <a:ea typeface="Cambria Math" panose="02040503050406030204" pitchFamily="18" charset="0"/>
+                            </a:rPr>
+                            <m:t>𝜂</m:t>
+                          </m:r>
+                        </m:e>
+                      </m:acc>
+                    </m:oMath>
+                  </m:oMathPara>
+                </a14:m>
+                <a:endParaRPr lang="en-US" dirty="0"/>
+              </a:p>
+            </p:txBody>
+          </p:sp>
+        </mc:Choice>
+        <mc:Fallback xmlns="">
+          <p:sp>
+            <p:nvSpPr>
+              <p:cNvPr id="41" name="TextBox 40">
+                <a:extLst>
+                  <a:ext uri="{FF2B5EF4-FFF2-40B4-BE49-F238E27FC236}">
+                    <a16:creationId xmlns:a16="http://schemas.microsoft.com/office/drawing/2014/main" id="{A3EBF67F-62B1-2AE3-15B3-37F98EAED064}"/>
+                  </a:ext>
+                </a:extLst>
+              </p:cNvPr>
+              <p:cNvSpPr txBox="1">
+                <a:spLocks noRot="1" noChangeAspect="1" noMove="1" noResize="1" noEditPoints="1" noAdjustHandles="1" noChangeArrowheads="1" noChangeShapeType="1" noTextEdit="1"/>
+              </p:cNvSpPr>
+              <p:nvPr/>
+            </p:nvSpPr>
+            <p:spPr>
+              <a:xfrm>
+                <a:off x="8279631" y="3786083"/>
+                <a:ext cx="2815103" cy="404983"/>
+              </a:xfrm>
+              <a:prstGeom prst="rect">
+                <a:avLst/>
+              </a:prstGeom>
+              <a:blipFill>
+                <a:blip r:embed="rId7"/>
+                <a:stretch>
+                  <a:fillRect t="-1493" b="-8955"/>
+                </a:stretch>
+              </a:blipFill>
+            </p:spPr>
+            <p:txBody>
+              <a:bodyPr/>
+              <a:lstStyle/>
+              <a:p>
+                <a:r>
+                  <a:rPr lang="en-US">
+                    <a:noFill/>
+                  </a:rPr>
+                  <a:t> </a:t>
+                </a:r>
+              </a:p>
+            </p:txBody>
+          </p:sp>
+        </mc:Fallback>
+      </mc:AlternateContent>
+      <mc:AlternateContent xmlns:mc="http://schemas.openxmlformats.org/markup-compatibility/2006" xmlns:a14="http://schemas.microsoft.com/office/drawing/2010/main">
+        <mc:Choice Requires="a14">
+          <p:sp>
+            <p:nvSpPr>
+              <p:cNvPr id="42" name="TextBox 41">
+                <a:extLst>
+                  <a:ext uri="{FF2B5EF4-FFF2-40B4-BE49-F238E27FC236}">
+                    <a16:creationId xmlns:a16="http://schemas.microsoft.com/office/drawing/2014/main" id="{CA125F02-721B-5979-D96C-CBB05950C70F}"/>
+                  </a:ext>
+                </a:extLst>
+              </p:cNvPr>
+              <p:cNvSpPr txBox="1"/>
+              <p:nvPr/>
+            </p:nvSpPr>
+            <p:spPr>
+              <a:xfrm>
+                <a:off x="8296208" y="3329944"/>
+                <a:ext cx="2815103" cy="404983"/>
+              </a:xfrm>
+              <a:prstGeom prst="rect">
+                <a:avLst/>
+              </a:prstGeom>
+              <a:solidFill>
+                <a:schemeClr val="bg1"/>
+              </a:solidFill>
+            </p:spPr>
+            <p:txBody>
+              <a:bodyPr wrap="square">
+                <a:spAutoFit/>
+              </a:bodyPr>
+              <a:lstStyle/>
+              <a:p>
+                <a:pPr/>
+                <a14:m>
+                  <m:oMathPara xmlns:m="http://schemas.openxmlformats.org/officeDocument/2006/math">
+                    <m:oMathParaPr>
+                      <m:jc m:val="centerGroup"/>
+                    </m:oMathParaPr>
+                    <m:oMath xmlns:m="http://schemas.openxmlformats.org/officeDocument/2006/math">
+                      <m:r>
+                        <a:rPr lang="en-US" b="0" i="1" smtClean="0">
+                          <a:latin typeface="Cambria Math" panose="02040503050406030204" pitchFamily="18" charset="0"/>
+                        </a:rPr>
+                        <m:t>𝑁</m:t>
+                      </m:r>
+                      <m:r>
+                        <a:rPr lang="en-US" b="0" i="1" smtClean="0">
+                          <a:latin typeface="Cambria Math" panose="02040503050406030204" pitchFamily="18" charset="0"/>
+                        </a:rPr>
+                        <m:t>1</m:t>
+                      </m:r>
+                      <m:d>
+                        <m:dPr>
+                          <m:ctrlPr>
+                            <a:rPr lang="el-GR" b="0" i="1" smtClean="0">
+                              <a:latin typeface="Cambria Math" panose="02040503050406030204" pitchFamily="18" charset="0"/>
+                            </a:rPr>
+                          </m:ctrlPr>
+                        </m:dPr>
+                        <m:e>
+                          <m:acc>
+                            <m:accPr>
+                              <m:chr m:val="̃"/>
+                              <m:ctrlPr>
+                                <a:rPr lang="el-GR" i="1">
+                                  <a:latin typeface="Cambria Math" panose="02040503050406030204" pitchFamily="18" charset="0"/>
+                                  <a:ea typeface="Cambria Math" panose="02040503050406030204" pitchFamily="18" charset="0"/>
+                                </a:rPr>
+                              </m:ctrlPr>
+                            </m:accPr>
+                            <m:e>
+                              <m:r>
+                                <a:rPr lang="el-GR" i="1">
+                                  <a:latin typeface="Cambria Math" panose="02040503050406030204" pitchFamily="18" charset="0"/>
+                                  <a:ea typeface="Cambria Math" panose="02040503050406030204" pitchFamily="18" charset="0"/>
+                                </a:rPr>
+                                <m:t>𝜂</m:t>
+                              </m:r>
+                            </m:e>
+                          </m:acc>
+                          <m:r>
+                            <a:rPr lang="el-GR" i="1">
+                              <a:latin typeface="Cambria Math" panose="02040503050406030204" pitchFamily="18" charset="0"/>
+                              <a:ea typeface="Cambria Math" panose="02040503050406030204" pitchFamily="18" charset="0"/>
+                            </a:rPr>
+                            <m:t>,</m:t>
+                          </m:r>
+                          <m:acc>
+                            <m:accPr>
+                              <m:chr m:val="̃"/>
+                              <m:ctrlPr>
+                                <a:rPr lang="el-GR" i="1">
+                                  <a:latin typeface="Cambria Math" panose="02040503050406030204" pitchFamily="18" charset="0"/>
+                                  <a:ea typeface="Cambria Math" panose="02040503050406030204" pitchFamily="18" charset="0"/>
+                                </a:rPr>
+                              </m:ctrlPr>
+                            </m:accPr>
+                            <m:e>
+                              <m:r>
+                                <a:rPr lang="el-GR" i="1">
+                                  <a:latin typeface="Cambria Math" panose="02040503050406030204" pitchFamily="18" charset="0"/>
+                                  <a:ea typeface="Cambria Math" panose="02040503050406030204" pitchFamily="18" charset="0"/>
+                                </a:rPr>
+                                <m:t>𝜉</m:t>
+                              </m:r>
+                            </m:e>
+                          </m:acc>
+                        </m:e>
+                      </m:d>
+                      <m:r>
+                        <a:rPr lang="el-GR" b="0" i="1" smtClean="0">
+                          <a:latin typeface="Cambria Math" panose="02040503050406030204" pitchFamily="18" charset="0"/>
+                        </a:rPr>
+                        <m:t>=1 −</m:t>
+                      </m:r>
+                      <m:acc>
+                        <m:accPr>
+                          <m:chr m:val="̃"/>
+                          <m:ctrlPr>
+                            <a:rPr lang="el-GR" i="1">
+                              <a:latin typeface="Cambria Math" panose="02040503050406030204" pitchFamily="18" charset="0"/>
+                              <a:ea typeface="Cambria Math" panose="02040503050406030204" pitchFamily="18" charset="0"/>
+                            </a:rPr>
+                          </m:ctrlPr>
+                        </m:accPr>
+                        <m:e>
+                          <m:r>
+                            <a:rPr lang="el-GR" i="1">
+                              <a:latin typeface="Cambria Math" panose="02040503050406030204" pitchFamily="18" charset="0"/>
+                              <a:ea typeface="Cambria Math" panose="02040503050406030204" pitchFamily="18" charset="0"/>
+                            </a:rPr>
+                            <m:t>𝜂</m:t>
+                          </m:r>
+                        </m:e>
+                      </m:acc>
+                      <m:r>
+                        <a:rPr lang="el-GR" b="0" i="1" smtClean="0">
+                          <a:latin typeface="Cambria Math" panose="02040503050406030204" pitchFamily="18" charset="0"/>
+                          <a:ea typeface="Cambria Math" panose="02040503050406030204" pitchFamily="18" charset="0"/>
+                        </a:rPr>
+                        <m:t> −</m:t>
+                      </m:r>
+                      <m:acc>
+                        <m:accPr>
+                          <m:chr m:val="̃"/>
+                          <m:ctrlPr>
+                            <a:rPr lang="el-GR" i="1" smtClean="0">
+                              <a:latin typeface="Cambria Math" panose="02040503050406030204" pitchFamily="18" charset="0"/>
+                              <a:ea typeface="Cambria Math" panose="02040503050406030204" pitchFamily="18" charset="0"/>
+                            </a:rPr>
+                          </m:ctrlPr>
+                        </m:accPr>
+                        <m:e>
+                          <m:r>
+                            <a:rPr lang="el-GR" i="1">
+                              <a:latin typeface="Cambria Math" panose="02040503050406030204" pitchFamily="18" charset="0"/>
+                              <a:ea typeface="Cambria Math" panose="02040503050406030204" pitchFamily="18" charset="0"/>
+                            </a:rPr>
+                            <m:t>𝜉</m:t>
+                          </m:r>
+                        </m:e>
+                      </m:acc>
+                    </m:oMath>
+                  </m:oMathPara>
+                </a14:m>
+                <a:endParaRPr lang="en-US" dirty="0"/>
+              </a:p>
+            </p:txBody>
+          </p:sp>
+        </mc:Choice>
+        <mc:Fallback xmlns="">
+          <p:sp>
+            <p:nvSpPr>
+              <p:cNvPr id="42" name="TextBox 41">
+                <a:extLst>
+                  <a:ext uri="{FF2B5EF4-FFF2-40B4-BE49-F238E27FC236}">
+                    <a16:creationId xmlns:a16="http://schemas.microsoft.com/office/drawing/2014/main" id="{CA125F02-721B-5979-D96C-CBB05950C70F}"/>
+                  </a:ext>
+                </a:extLst>
+              </p:cNvPr>
+              <p:cNvSpPr txBox="1">
+                <a:spLocks noRot="1" noChangeAspect="1" noMove="1" noResize="1" noEditPoints="1" noAdjustHandles="1" noChangeArrowheads="1" noChangeShapeType="1" noTextEdit="1"/>
+              </p:cNvSpPr>
+              <p:nvPr/>
+            </p:nvSpPr>
+            <p:spPr>
+              <a:xfrm>
+                <a:off x="8296208" y="3329944"/>
+                <a:ext cx="2815103" cy="404983"/>
+              </a:xfrm>
+              <a:prstGeom prst="rect">
+                <a:avLst/>
+              </a:prstGeom>
+              <a:blipFill>
+                <a:blip r:embed="rId8"/>
+                <a:stretch>
+                  <a:fillRect t="-1493" b="-8955"/>
+                </a:stretch>
+              </a:blipFill>
+            </p:spPr>
+            <p:txBody>
+              <a:bodyPr/>
+              <a:lstStyle/>
+              <a:p>
+                <a:r>
+                  <a:rPr lang="en-US">
+                    <a:noFill/>
+                  </a:rPr>
+                  <a:t> </a:t>
+                </a:r>
+              </a:p>
+            </p:txBody>
+          </p:sp>
+        </mc:Fallback>
+      </mc:AlternateContent>
+      <mc:AlternateContent xmlns:mc="http://schemas.openxmlformats.org/markup-compatibility/2006" xmlns:a14="http://schemas.microsoft.com/office/drawing/2010/main">
+        <mc:Choice Requires="a14">
+          <p:sp>
+            <p:nvSpPr>
+              <p:cNvPr id="43" name="TextBox 42">
+                <a:extLst>
+                  <a:ext uri="{FF2B5EF4-FFF2-40B4-BE49-F238E27FC236}">
+                    <a16:creationId xmlns:a16="http://schemas.microsoft.com/office/drawing/2014/main" id="{CFD655D9-73F9-49AD-BB0A-2D64FE805DF4}"/>
+                  </a:ext>
+                </a:extLst>
+              </p:cNvPr>
+              <p:cNvSpPr txBox="1"/>
+              <p:nvPr/>
+            </p:nvSpPr>
+            <p:spPr>
+              <a:xfrm>
+                <a:off x="8296442" y="4292325"/>
+                <a:ext cx="2815103" cy="404983"/>
+              </a:xfrm>
+              <a:prstGeom prst="rect">
+                <a:avLst/>
+              </a:prstGeom>
+              <a:solidFill>
+                <a:schemeClr val="bg1"/>
+              </a:solidFill>
+            </p:spPr>
+            <p:txBody>
+              <a:bodyPr wrap="square">
+                <a:spAutoFit/>
+              </a:bodyPr>
+              <a:lstStyle/>
+              <a:p>
+                <a:pPr/>
+                <a14:m>
+                  <m:oMathPara xmlns:m="http://schemas.openxmlformats.org/officeDocument/2006/math">
+                    <m:oMathParaPr>
+                      <m:jc m:val="centerGroup"/>
+                    </m:oMathParaPr>
+                    <m:oMath xmlns:m="http://schemas.openxmlformats.org/officeDocument/2006/math">
+                      <m:r>
+                        <a:rPr lang="en-US" b="0" i="1" smtClean="0">
+                          <a:latin typeface="Cambria Math" panose="02040503050406030204" pitchFamily="18" charset="0"/>
+                        </a:rPr>
+                        <m:t>𝑁</m:t>
+                      </m:r>
+                      <m:r>
+                        <a:rPr lang="el-GR" b="0" i="1" smtClean="0">
+                          <a:latin typeface="Cambria Math" panose="02040503050406030204" pitchFamily="18" charset="0"/>
+                        </a:rPr>
+                        <m:t>3</m:t>
+                      </m:r>
+                      <m:d>
+                        <m:dPr>
+                          <m:ctrlPr>
+                            <a:rPr lang="el-GR" b="0" i="1" smtClean="0">
+                              <a:latin typeface="Cambria Math" panose="02040503050406030204" pitchFamily="18" charset="0"/>
+                            </a:rPr>
+                          </m:ctrlPr>
+                        </m:dPr>
+                        <m:e>
+                          <m:acc>
+                            <m:accPr>
+                              <m:chr m:val="̃"/>
+                              <m:ctrlPr>
+                                <a:rPr lang="el-GR" i="1">
+                                  <a:latin typeface="Cambria Math" panose="02040503050406030204" pitchFamily="18" charset="0"/>
+                                  <a:ea typeface="Cambria Math" panose="02040503050406030204" pitchFamily="18" charset="0"/>
+                                </a:rPr>
+                              </m:ctrlPr>
+                            </m:accPr>
+                            <m:e>
+                              <m:r>
+                                <a:rPr lang="el-GR" i="1">
+                                  <a:latin typeface="Cambria Math" panose="02040503050406030204" pitchFamily="18" charset="0"/>
+                                  <a:ea typeface="Cambria Math" panose="02040503050406030204" pitchFamily="18" charset="0"/>
+                                </a:rPr>
+                                <m:t>𝜂</m:t>
+                              </m:r>
+                            </m:e>
+                          </m:acc>
+                          <m:r>
+                            <a:rPr lang="el-GR" i="1">
+                              <a:latin typeface="Cambria Math" panose="02040503050406030204" pitchFamily="18" charset="0"/>
+                              <a:ea typeface="Cambria Math" panose="02040503050406030204" pitchFamily="18" charset="0"/>
+                            </a:rPr>
+                            <m:t>,</m:t>
+                          </m:r>
+                          <m:acc>
+                            <m:accPr>
+                              <m:chr m:val="̃"/>
+                              <m:ctrlPr>
+                                <a:rPr lang="el-GR" i="1">
+                                  <a:latin typeface="Cambria Math" panose="02040503050406030204" pitchFamily="18" charset="0"/>
+                                  <a:ea typeface="Cambria Math" panose="02040503050406030204" pitchFamily="18" charset="0"/>
+                                </a:rPr>
+                              </m:ctrlPr>
+                            </m:accPr>
+                            <m:e>
+                              <m:r>
+                                <a:rPr lang="el-GR" i="1">
+                                  <a:latin typeface="Cambria Math" panose="02040503050406030204" pitchFamily="18" charset="0"/>
+                                  <a:ea typeface="Cambria Math" panose="02040503050406030204" pitchFamily="18" charset="0"/>
+                                </a:rPr>
+                                <m:t>𝜉</m:t>
+                              </m:r>
+                            </m:e>
+                          </m:acc>
+                        </m:e>
+                      </m:d>
+                      <m:r>
+                        <a:rPr lang="el-GR" b="0" i="1" smtClean="0">
+                          <a:latin typeface="Cambria Math" panose="02040503050406030204" pitchFamily="18" charset="0"/>
+                        </a:rPr>
+                        <m:t>=</m:t>
+                      </m:r>
+                      <m:acc>
+                        <m:accPr>
+                          <m:chr m:val="̃"/>
+                          <m:ctrlPr>
+                            <a:rPr lang="el-GR" i="1">
+                              <a:latin typeface="Cambria Math" panose="02040503050406030204" pitchFamily="18" charset="0"/>
+                              <a:ea typeface="Cambria Math" panose="02040503050406030204" pitchFamily="18" charset="0"/>
+                            </a:rPr>
+                          </m:ctrlPr>
+                        </m:accPr>
+                        <m:e>
+                          <m:r>
+                            <a:rPr lang="el-GR" i="1">
+                              <a:latin typeface="Cambria Math" panose="02040503050406030204" pitchFamily="18" charset="0"/>
+                              <a:ea typeface="Cambria Math" panose="02040503050406030204" pitchFamily="18" charset="0"/>
+                            </a:rPr>
+                            <m:t>𝜉</m:t>
+                          </m:r>
+                        </m:e>
+                      </m:acc>
+                    </m:oMath>
+                  </m:oMathPara>
+                </a14:m>
+                <a:endParaRPr lang="en-US" dirty="0"/>
+              </a:p>
+            </p:txBody>
+          </p:sp>
+        </mc:Choice>
+        <mc:Fallback xmlns="">
+          <p:sp>
+            <p:nvSpPr>
+              <p:cNvPr id="43" name="TextBox 42">
+                <a:extLst>
+                  <a:ext uri="{FF2B5EF4-FFF2-40B4-BE49-F238E27FC236}">
+                    <a16:creationId xmlns:a16="http://schemas.microsoft.com/office/drawing/2014/main" id="{CFD655D9-73F9-49AD-BB0A-2D64FE805DF4}"/>
+                  </a:ext>
+                </a:extLst>
+              </p:cNvPr>
+              <p:cNvSpPr txBox="1">
+                <a:spLocks noRot="1" noChangeAspect="1" noMove="1" noResize="1" noEditPoints="1" noAdjustHandles="1" noChangeArrowheads="1" noChangeShapeType="1" noTextEdit="1"/>
+              </p:cNvSpPr>
+              <p:nvPr/>
+            </p:nvSpPr>
+            <p:spPr>
+              <a:xfrm>
+                <a:off x="8296442" y="4292325"/>
+                <a:ext cx="2815103" cy="404983"/>
+              </a:xfrm>
+              <a:prstGeom prst="rect">
+                <a:avLst/>
+              </a:prstGeom>
+              <a:blipFill>
+                <a:blip r:embed="rId9"/>
+                <a:stretch>
+                  <a:fillRect t="-1493" b="-8955"/>
+                </a:stretch>
+              </a:blipFill>
+            </p:spPr>
+            <p:txBody>
+              <a:bodyPr/>
+              <a:lstStyle/>
+              <a:p>
+                <a:r>
+                  <a:rPr lang="en-US">
+                    <a:noFill/>
+                  </a:rPr>
+                  <a:t> </a:t>
+                </a:r>
+              </a:p>
+            </p:txBody>
+          </p:sp>
+        </mc:Fallback>
+      </mc:AlternateContent>
+    </p:spTree>
+    <p:extLst>
+      <p:ext uri="{BB962C8B-B14F-4D97-AF65-F5344CB8AC3E}">
+        <p14:creationId xmlns:p14="http://schemas.microsoft.com/office/powerpoint/2010/main" val="2771184021"/>
+      </p:ext>
+    </p:extLst>
+  </p:cSld>
+  <p:clrMapOvr>
+    <a:masterClrMapping/>
+  </p:clrMapOvr>
+</p:sld>
+</file>
+
+<file path=ppt/slides/slide36.xml><?xml version="1.0" encoding="utf-8"?>
+<p:sld xmlns:a="http://schemas.openxmlformats.org/drawingml/2006/main" xmlns:r="http://schemas.openxmlformats.org/officeDocument/2006/relationships" xmlns:p="http://schemas.openxmlformats.org/presentationml/2006/main">
+  <p:cSld>
+    <p:spTree>
+      <p:nvGrpSpPr>
+        <p:cNvPr id="1" name="">
+          <a:extLst>
+            <a:ext uri="{FF2B5EF4-FFF2-40B4-BE49-F238E27FC236}">
+              <a16:creationId xmlns:a16="http://schemas.microsoft.com/office/drawing/2014/main" id="{78F09A3A-C580-7DA1-2E07-80C909DF75F2}"/>
+            </a:ext>
+          </a:extLst>
+        </p:cNvPr>
+        <p:cNvGrpSpPr/>
+        <p:nvPr/>
+      </p:nvGrpSpPr>
+      <p:grpSpPr>
+        <a:xfrm>
+          <a:off x="0" y="0"/>
+          <a:ext cx="0" cy="0"/>
+          <a:chOff x="0" y="0"/>
+          <a:chExt cx="0" cy="0"/>
+        </a:xfrm>
+      </p:grpSpPr>
+      <p:sp>
+        <p:nvSpPr>
+          <p:cNvPr id="2" name="Title 1">
+            <a:extLst>
+              <a:ext uri="{FF2B5EF4-FFF2-40B4-BE49-F238E27FC236}">
+                <a16:creationId xmlns:a16="http://schemas.microsoft.com/office/drawing/2014/main" id="{E7DF2CA7-A470-D2D1-F08B-CF023C40FBD6}"/>
+              </a:ext>
+            </a:extLst>
+          </p:cNvPr>
+          <p:cNvSpPr>
+            <a:spLocks noGrp="1"/>
+          </p:cNvSpPr>
+          <p:nvPr>
+            <p:ph type="title"/>
+          </p:nvPr>
+        </p:nvSpPr>
+        <p:spPr>
+          <a:xfrm>
+            <a:off x="905577" y="0"/>
+            <a:ext cx="10515600" cy="1325563"/>
+          </a:xfrm>
+        </p:spPr>
+        <p:txBody>
+          <a:bodyPr/>
+          <a:lstStyle/>
+          <a:p>
+            <a:r>
+              <a:rPr lang="en-US" dirty="0"/>
+              <a:t>Quadrature points for triangles</a:t>
+            </a:r>
+          </a:p>
+        </p:txBody>
+      </p:sp>
+      <p:sp>
+        <p:nvSpPr>
+          <p:cNvPr id="4" name="TextBox 3">
+            <a:extLst>
+              <a:ext uri="{FF2B5EF4-FFF2-40B4-BE49-F238E27FC236}">
+                <a16:creationId xmlns:a16="http://schemas.microsoft.com/office/drawing/2014/main" id="{C45B012B-8B42-798B-21D3-7583F668874E}"/>
+              </a:ext>
+            </a:extLst>
+          </p:cNvPr>
+          <p:cNvSpPr txBox="1"/>
+          <p:nvPr/>
+        </p:nvSpPr>
+        <p:spPr>
+          <a:xfrm>
+            <a:off x="905577" y="1325563"/>
+            <a:ext cx="6097604" cy="369332"/>
+          </a:xfrm>
+          <a:prstGeom prst="rect">
+            <a:avLst/>
+          </a:prstGeom>
+          <a:noFill/>
+        </p:spPr>
+        <p:txBody>
+          <a:bodyPr wrap="square">
+            <a:spAutoFit/>
+          </a:bodyPr>
+          <a:lstStyle/>
+          <a:p>
+            <a:r>
+              <a:rPr lang="en-US" dirty="0"/>
+              <a:t>https://mathsfromnothing.au/triangle-quadrature-rules/</a:t>
+            </a:r>
+          </a:p>
+        </p:txBody>
+      </p:sp>
+      <p:pic>
+        <p:nvPicPr>
+          <p:cNvPr id="36" name="Picture 35">
+            <a:extLst>
+              <a:ext uri="{FF2B5EF4-FFF2-40B4-BE49-F238E27FC236}">
+                <a16:creationId xmlns:a16="http://schemas.microsoft.com/office/drawing/2014/main" id="{70554556-3515-B1DF-AADE-DD09EB542E85}"/>
+              </a:ext>
+            </a:extLst>
+          </p:cNvPr>
+          <p:cNvPicPr>
+            <a:picLocks noChangeAspect="1"/>
+          </p:cNvPicPr>
+          <p:nvPr/>
+        </p:nvPicPr>
+        <p:blipFill>
+          <a:blip r:embed="rId2"/>
+          <a:stretch>
+            <a:fillRect/>
+          </a:stretch>
+        </p:blipFill>
+        <p:spPr>
+          <a:xfrm>
+            <a:off x="636095" y="1980385"/>
+            <a:ext cx="6896454" cy="6705945"/>
+          </a:xfrm>
+          <a:prstGeom prst="rect">
+            <a:avLst/>
+          </a:prstGeom>
+        </p:spPr>
+      </p:pic>
+      <p:sp>
+        <p:nvSpPr>
+          <p:cNvPr id="5" name="TextBox 4">
+            <a:extLst>
+              <a:ext uri="{FF2B5EF4-FFF2-40B4-BE49-F238E27FC236}">
+                <a16:creationId xmlns:a16="http://schemas.microsoft.com/office/drawing/2014/main" id="{629A1F0A-7367-D62D-C58E-B03EBDD1C02A}"/>
+              </a:ext>
+            </a:extLst>
+          </p:cNvPr>
+          <p:cNvSpPr txBox="1"/>
+          <p:nvPr/>
+        </p:nvSpPr>
+        <p:spPr>
+          <a:xfrm>
+            <a:off x="636094" y="2245079"/>
+            <a:ext cx="6630979" cy="594374"/>
+          </a:xfrm>
+          <a:prstGeom prst="rect">
+            <a:avLst/>
+          </a:prstGeom>
+          <a:noFill/>
+          <a:ln>
+            <a:solidFill>
+              <a:srgbClr val="156082"/>
+            </a:solidFill>
+          </a:ln>
+        </p:spPr>
+        <p:txBody>
+          <a:bodyPr wrap="square" rtlCol="0">
+            <a:spAutoFit/>
+          </a:bodyPr>
+          <a:lstStyle/>
+          <a:p>
+            <a:endParaRPr lang="en-US" dirty="0"/>
+          </a:p>
+        </p:txBody>
+      </p:sp>
+      <p:sp>
+        <p:nvSpPr>
+          <p:cNvPr id="6" name="TextBox 5">
+            <a:extLst>
+              <a:ext uri="{FF2B5EF4-FFF2-40B4-BE49-F238E27FC236}">
+                <a16:creationId xmlns:a16="http://schemas.microsoft.com/office/drawing/2014/main" id="{33F9946A-940F-CB7B-190B-A574C15FA39B}"/>
+              </a:ext>
+            </a:extLst>
+          </p:cNvPr>
+          <p:cNvSpPr txBox="1"/>
+          <p:nvPr/>
+        </p:nvSpPr>
+        <p:spPr>
+          <a:xfrm>
+            <a:off x="8229600" y="2245080"/>
+            <a:ext cx="3638349" cy="950508"/>
+          </a:xfrm>
+          <a:prstGeom prst="rect">
+            <a:avLst/>
+          </a:prstGeom>
+          <a:noFill/>
+        </p:spPr>
+        <p:txBody>
+          <a:bodyPr wrap="square" rtlCol="0">
+            <a:spAutoFit/>
+          </a:bodyPr>
+          <a:lstStyle/>
+          <a:p>
+            <a:r>
+              <a:rPr lang="en-US" dirty="0"/>
+              <a:t>In Queso we take 3 integration points. They are more than 1 so we are on the safe side</a:t>
+            </a:r>
+          </a:p>
+        </p:txBody>
+      </p:sp>
+    </p:spTree>
+    <p:extLst>
+      <p:ext uri="{BB962C8B-B14F-4D97-AF65-F5344CB8AC3E}">
+        <p14:creationId xmlns:p14="http://schemas.microsoft.com/office/powerpoint/2010/main" val="1447713817"/>
+      </p:ext>
+    </p:extLst>
+  </p:cSld>
+  <p:clrMapOvr>
+    <a:masterClrMapping/>
+  </p:clrMapOvr>
+</p:sld>
+</file>
+
+<file path=ppt/slides/slide37.xml><?xml version="1.0" encoding="utf-8"?>
+<p:sld xmlns:a="http://schemas.openxmlformats.org/drawingml/2006/main" xmlns:r="http://schemas.openxmlformats.org/officeDocument/2006/relationships" xmlns:p="http://schemas.openxmlformats.org/presentationml/2006/main">
+  <p:cSld>
+    <p:spTree>
+      <p:nvGrpSpPr>
+        <p:cNvPr id="1" name="">
+          <a:extLst>
+            <a:ext uri="{FF2B5EF4-FFF2-40B4-BE49-F238E27FC236}">
+              <a16:creationId xmlns:a16="http://schemas.microsoft.com/office/drawing/2014/main" id="{FA54880D-2C6C-5CE3-CDBA-B173F5106DA4}"/>
+            </a:ext>
+          </a:extLst>
+        </p:cNvPr>
+        <p:cNvGrpSpPr/>
+        <p:nvPr/>
+      </p:nvGrpSpPr>
+      <p:grpSpPr>
+        <a:xfrm>
+          <a:off x="0" y="0"/>
+          <a:ext cx="0" cy="0"/>
+          <a:chOff x="0" y="0"/>
+          <a:chExt cx="0" cy="0"/>
+        </a:xfrm>
+      </p:grpSpPr>
+      <p:sp>
+        <p:nvSpPr>
+          <p:cNvPr id="2" name="Title 1">
+            <a:extLst>
+              <a:ext uri="{FF2B5EF4-FFF2-40B4-BE49-F238E27FC236}">
+                <a16:creationId xmlns:a16="http://schemas.microsoft.com/office/drawing/2014/main" id="{B220AD67-6862-9218-1CB1-AD2BB5B4A677}"/>
+              </a:ext>
+            </a:extLst>
+          </p:cNvPr>
+          <p:cNvSpPr>
+            <a:spLocks noGrp="1"/>
+          </p:cNvSpPr>
+          <p:nvPr>
+            <p:ph type="title"/>
+          </p:nvPr>
+        </p:nvSpPr>
+        <p:spPr/>
+        <p:txBody>
+          <a:bodyPr/>
+          <a:lstStyle/>
+          <a:p>
+            <a:r>
+              <a:rPr lang="en-US" dirty="0"/>
+              <a:t>Integration points on the boundaries for Solid</a:t>
+            </a:r>
+          </a:p>
+        </p:txBody>
+      </p:sp>
+      <p:grpSp>
+        <p:nvGrpSpPr>
+          <p:cNvPr id="7" name="Group 6">
+            <a:extLst>
+              <a:ext uri="{FF2B5EF4-FFF2-40B4-BE49-F238E27FC236}">
+                <a16:creationId xmlns:a16="http://schemas.microsoft.com/office/drawing/2014/main" id="{90B1EC48-A084-9E58-6460-74AA0BB145BC}"/>
+              </a:ext>
+            </a:extLst>
+          </p:cNvPr>
+          <p:cNvGrpSpPr/>
+          <p:nvPr/>
+        </p:nvGrpSpPr>
+        <p:grpSpPr>
+          <a:xfrm>
+            <a:off x="645694" y="1297059"/>
+            <a:ext cx="6213653" cy="5195816"/>
+            <a:chOff x="838200" y="1297059"/>
+            <a:chExt cx="6213653" cy="5195816"/>
+          </a:xfrm>
+        </p:grpSpPr>
+        <p:pic>
+          <p:nvPicPr>
+            <p:cNvPr id="4" name="Picture 3">
+              <a:extLst>
+                <a:ext uri="{FF2B5EF4-FFF2-40B4-BE49-F238E27FC236}">
+                  <a16:creationId xmlns:a16="http://schemas.microsoft.com/office/drawing/2014/main" id="{FA85A8F2-995E-F7D1-DB72-0929E1E5B950}"/>
+                </a:ext>
+              </a:extLst>
+            </p:cNvPr>
+            <p:cNvPicPr>
+              <a:picLocks noChangeAspect="1"/>
+            </p:cNvPicPr>
+            <p:nvPr/>
+          </p:nvPicPr>
+          <p:blipFill>
+            <a:blip r:embed="rId2"/>
+            <a:stretch>
+              <a:fillRect/>
+            </a:stretch>
+          </p:blipFill>
+          <p:spPr>
+            <a:xfrm>
+              <a:off x="838200" y="1297059"/>
+              <a:ext cx="6213653" cy="5195816"/>
+            </a:xfrm>
+            <a:prstGeom prst="rect">
+              <a:avLst/>
+            </a:prstGeom>
+          </p:spPr>
+        </p:pic>
+        <p:sp>
+          <p:nvSpPr>
+            <p:cNvPr id="5" name="Rectangle 4">
+              <a:extLst>
+                <a:ext uri="{FF2B5EF4-FFF2-40B4-BE49-F238E27FC236}">
+                  <a16:creationId xmlns:a16="http://schemas.microsoft.com/office/drawing/2014/main" id="{225AE0BE-87EB-7E41-C33D-0850B6417274}"/>
+                </a:ext>
+              </a:extLst>
+            </p:cNvPr>
+            <p:cNvSpPr/>
+            <p:nvPr/>
+          </p:nvSpPr>
+          <p:spPr>
+            <a:xfrm>
+              <a:off x="1935567" y="6019800"/>
+              <a:ext cx="4920343" cy="473075"/>
+            </a:xfrm>
+            <a:prstGeom prst="rect">
+              <a:avLst/>
+            </a:prstGeom>
+            <a:noFill/>
+            <a:ln w="38100">
+              <a:solidFill>
+                <a:srgbClr val="FF0000"/>
+              </a:solidFill>
+            </a:ln>
+          </p:spPr>
+          <p:style>
+            <a:lnRef idx="2">
+              <a:schemeClr val="accent1">
+                <a:shade val="15000"/>
+              </a:schemeClr>
+            </a:lnRef>
+            <a:fillRef idx="1">
+              <a:schemeClr val="accent1"/>
+            </a:fillRef>
+            <a:effectRef idx="0">
+              <a:schemeClr val="accent1"/>
+            </a:effectRef>
+            <a:fontRef idx="minor">
+              <a:schemeClr val="lt1"/>
+            </a:fontRef>
+          </p:style>
+          <p:txBody>
+            <a:bodyPr rtlCol="0" anchor="ctr"/>
+            <a:lstStyle/>
+            <a:p>
+              <a:pPr algn="ctr"/>
+              <a:endParaRPr lang="en-US" dirty="0"/>
+            </a:p>
+          </p:txBody>
+        </p:sp>
+      </p:grpSp>
+      <p:pic>
+        <p:nvPicPr>
+          <p:cNvPr id="6" name="Picture 5">
+            <a:extLst>
+              <a:ext uri="{FF2B5EF4-FFF2-40B4-BE49-F238E27FC236}">
+                <a16:creationId xmlns:a16="http://schemas.microsoft.com/office/drawing/2014/main" id="{52259D1E-69A0-D2A5-6806-148A458029B8}"/>
+              </a:ext>
+            </a:extLst>
+          </p:cNvPr>
+          <p:cNvPicPr>
+            <a:picLocks noChangeAspect="1"/>
+          </p:cNvPicPr>
+          <p:nvPr/>
+        </p:nvPicPr>
+        <p:blipFill>
+          <a:blip r:embed="rId3"/>
+          <a:stretch>
+            <a:fillRect/>
+          </a:stretch>
+        </p:blipFill>
+        <p:spPr>
+          <a:xfrm>
+            <a:off x="7051853" y="1431813"/>
+            <a:ext cx="12260990" cy="4263882"/>
+          </a:xfrm>
+          <a:prstGeom prst="rect">
+            <a:avLst/>
+          </a:prstGeom>
+        </p:spPr>
+      </p:pic>
+      <p:sp>
+        <p:nvSpPr>
+          <p:cNvPr id="9" name="Rectangle 8">
+            <a:extLst>
+              <a:ext uri="{FF2B5EF4-FFF2-40B4-BE49-F238E27FC236}">
+                <a16:creationId xmlns:a16="http://schemas.microsoft.com/office/drawing/2014/main" id="{6C574911-FEB8-D2DA-B364-2EAEE2F3F443}"/>
+              </a:ext>
+            </a:extLst>
+          </p:cNvPr>
+          <p:cNvSpPr/>
+          <p:nvPr/>
+        </p:nvSpPr>
+        <p:spPr>
+          <a:xfrm>
+            <a:off x="6458552" y="6189044"/>
+            <a:ext cx="204852" cy="303831"/>
+          </a:xfrm>
+          <a:prstGeom prst="rect">
+            <a:avLst/>
+          </a:prstGeom>
+          <a:noFill/>
+          <a:ln w="38100">
+            <a:solidFill>
+              <a:srgbClr val="FF0000"/>
+            </a:solidFill>
+          </a:ln>
+        </p:spPr>
+        <p:style>
+          <a:lnRef idx="2">
+            <a:schemeClr val="accent1">
+              <a:shade val="15000"/>
+            </a:schemeClr>
+          </a:lnRef>
+          <a:fillRef idx="1">
+            <a:schemeClr val="accent1"/>
+          </a:fillRef>
+          <a:effectRef idx="0">
+            <a:schemeClr val="accent1"/>
+          </a:effectRef>
+          <a:fontRef idx="minor">
+            <a:schemeClr val="lt1"/>
+          </a:fontRef>
+        </p:style>
+        <p:txBody>
+          <a:bodyPr rtlCol="0" anchor="ctr"/>
+          <a:lstStyle/>
+          <a:p>
+            <a:pPr algn="ctr"/>
+            <a:endParaRPr lang="en-US"/>
+          </a:p>
+        </p:txBody>
+      </p:sp>
+    </p:spTree>
+    <p:extLst>
+      <p:ext uri="{BB962C8B-B14F-4D97-AF65-F5344CB8AC3E}">
+        <p14:creationId xmlns:p14="http://schemas.microsoft.com/office/powerpoint/2010/main" val="3247995043"/>
+      </p:ext>
+    </p:extLst>
+  </p:cSld>
+  <p:clrMapOvr>
+    <a:masterClrMapping/>
+  </p:clrMapOvr>
+</p:sld>
+</file>
+
+<file path=ppt/slides/slide38.xml><?xml version="1.0" encoding="utf-8"?>
+<p:sld xmlns:a="http://schemas.openxmlformats.org/drawingml/2006/main" xmlns:r="http://schemas.openxmlformats.org/officeDocument/2006/relationships" xmlns:p="http://schemas.openxmlformats.org/presentationml/2006/main">
+  <p:cSld>
+    <p:spTree>
+      <p:nvGrpSpPr>
+        <p:cNvPr id="1" name=""/>
+        <p:cNvGrpSpPr/>
+        <p:nvPr/>
+      </p:nvGrpSpPr>
+      <p:grpSpPr>
+        <a:xfrm>
+          <a:off x="0" y="0"/>
+          <a:ext cx="0" cy="0"/>
+          <a:chOff x="0" y="0"/>
+          <a:chExt cx="0" cy="0"/>
+        </a:xfrm>
+      </p:grpSpPr>
+      <p:sp>
+        <p:nvSpPr>
+          <p:cNvPr id="4" name="Title 1">
+            <a:extLst>
+              <a:ext uri="{FF2B5EF4-FFF2-40B4-BE49-F238E27FC236}">
+                <a16:creationId xmlns:a16="http://schemas.microsoft.com/office/drawing/2014/main" id="{803DF9E5-A37D-D882-C8CA-1439B6943DD6}"/>
+              </a:ext>
+            </a:extLst>
+          </p:cNvPr>
+          <p:cNvSpPr>
+            <a:spLocks noGrp="1"/>
+          </p:cNvSpPr>
+          <p:nvPr>
+            <p:ph type="title"/>
+          </p:nvPr>
+        </p:nvSpPr>
+        <p:spPr>
+          <a:xfrm>
+            <a:off x="838200" y="365125"/>
+            <a:ext cx="10515600" cy="1325563"/>
+          </a:xfrm>
+        </p:spPr>
+        <p:txBody>
+          <a:bodyPr/>
+          <a:lstStyle/>
+          <a:p>
+            <a:r>
+              <a:rPr lang="en-US" dirty="0"/>
+              <a:t>Integration points on the boundaries for Solid</a:t>
+            </a:r>
+          </a:p>
+        </p:txBody>
+      </p:sp>
+      <p:sp>
+        <p:nvSpPr>
+          <p:cNvPr id="7" name="TextBox 6">
+            <a:extLst>
+              <a:ext uri="{FF2B5EF4-FFF2-40B4-BE49-F238E27FC236}">
+                <a16:creationId xmlns:a16="http://schemas.microsoft.com/office/drawing/2014/main" id="{DBB78236-F319-28BD-0A9F-E9DFC8E3EBD3}"/>
+              </a:ext>
+            </a:extLst>
+          </p:cNvPr>
+          <p:cNvSpPr txBox="1"/>
+          <p:nvPr/>
+        </p:nvSpPr>
+        <p:spPr>
+          <a:xfrm>
+            <a:off x="2060546" y="1404099"/>
+            <a:ext cx="6132478" cy="369332"/>
+          </a:xfrm>
+          <a:prstGeom prst="rect">
+            <a:avLst/>
+          </a:prstGeom>
+          <a:noFill/>
+        </p:spPr>
+        <p:txBody>
+          <a:bodyPr wrap="square">
+            <a:spAutoFit/>
+          </a:bodyPr>
+          <a:lstStyle/>
+          <a:p>
+            <a:r>
+              <a:rPr lang="en-US" dirty="0"/>
+              <a:t>C:\QuESo\queso\containers\triangle_mesh_interface.hpp</a:t>
+            </a:r>
+          </a:p>
+        </p:txBody>
+      </p:sp>
+      <p:pic>
+        <p:nvPicPr>
+          <p:cNvPr id="6" name="Picture 5">
+            <a:extLst>
+              <a:ext uri="{FF2B5EF4-FFF2-40B4-BE49-F238E27FC236}">
+                <a16:creationId xmlns:a16="http://schemas.microsoft.com/office/drawing/2014/main" id="{FD526DD1-9BC4-297B-9E78-12D511D23EB3}"/>
+              </a:ext>
+            </a:extLst>
+          </p:cNvPr>
+          <p:cNvPicPr>
+            <a:picLocks noChangeAspect="1"/>
+          </p:cNvPicPr>
+          <p:nvPr/>
+        </p:nvPicPr>
+        <p:blipFill>
+          <a:blip r:embed="rId2"/>
+          <a:stretch>
+            <a:fillRect/>
+          </a:stretch>
+        </p:blipFill>
+        <p:spPr>
+          <a:xfrm>
+            <a:off x="373100" y="1773431"/>
+            <a:ext cx="8266398" cy="4904110"/>
+          </a:xfrm>
+          <a:prstGeom prst="rect">
+            <a:avLst/>
+          </a:prstGeom>
+        </p:spPr>
+      </p:pic>
+      <mc:AlternateContent xmlns:mc="http://schemas.openxmlformats.org/markup-compatibility/2006" xmlns:a14="http://schemas.microsoft.com/office/drawing/2010/main">
+        <mc:Choice Requires="a14">
+          <p:sp>
+            <p:nvSpPr>
+              <p:cNvPr id="14" name="TextBox 13">
+                <a:extLst>
+                  <a:ext uri="{FF2B5EF4-FFF2-40B4-BE49-F238E27FC236}">
+                    <a16:creationId xmlns:a16="http://schemas.microsoft.com/office/drawing/2014/main" id="{46C75E19-5305-26BC-994F-58620A882355}"/>
+                  </a:ext>
+                </a:extLst>
+              </p:cNvPr>
+              <p:cNvSpPr txBox="1"/>
+              <p:nvPr/>
+            </p:nvSpPr>
+            <p:spPr>
+              <a:xfrm>
+                <a:off x="7143750" y="3629174"/>
+                <a:ext cx="5484114" cy="396006"/>
+              </a:xfrm>
+              <a:prstGeom prst="rect">
+                <a:avLst/>
+              </a:prstGeom>
+              <a:solidFill>
+                <a:schemeClr val="bg1"/>
+              </a:solidFill>
+            </p:spPr>
+            <p:txBody>
+              <a:bodyPr wrap="square">
+                <a:spAutoFit/>
+              </a:bodyPr>
+              <a:lstStyle/>
+              <a:p>
+                <a:pPr/>
+                <a14:m>
+                  <m:oMathPara xmlns:m="http://schemas.openxmlformats.org/officeDocument/2006/math">
+                    <m:oMathParaPr>
+                      <m:jc m:val="centerGroup"/>
+                    </m:oMathParaPr>
+                    <m:oMath xmlns:m="http://schemas.openxmlformats.org/officeDocument/2006/math">
+                      <m:sSub>
+                        <m:sSubPr>
+                          <m:ctrlPr>
+                            <a:rPr lang="en-US" b="0" i="1" smtClean="0">
+                              <a:latin typeface="Cambria Math" panose="02040503050406030204" pitchFamily="18" charset="0"/>
+                            </a:rPr>
+                          </m:ctrlPr>
+                        </m:sSubPr>
+                        <m:e>
+                          <m:r>
+                            <a:rPr lang="en-US" b="0" i="1" smtClean="0">
+                              <a:latin typeface="Cambria Math" panose="02040503050406030204" pitchFamily="18" charset="0"/>
+                            </a:rPr>
+                            <m:t>𝑥</m:t>
+                          </m:r>
+                        </m:e>
+                        <m:sub>
+                          <m:r>
+                            <a:rPr lang="en-US" b="0" i="1" smtClean="0">
+                              <a:latin typeface="Cambria Math" panose="02040503050406030204" pitchFamily="18" charset="0"/>
+                            </a:rPr>
+                            <m:t>𝐼𝑃</m:t>
+                          </m:r>
+                          <m:r>
+                            <a:rPr lang="en-US" b="0" i="1" smtClean="0">
+                              <a:latin typeface="Cambria Math" panose="02040503050406030204" pitchFamily="18" charset="0"/>
+                            </a:rPr>
+                            <m:t>(</m:t>
+                          </m:r>
+                          <m:r>
+                            <a:rPr lang="en-US" b="0" i="1" smtClean="0">
+                              <a:latin typeface="Cambria Math" panose="02040503050406030204" pitchFamily="18" charset="0"/>
+                            </a:rPr>
+                            <m:t>𝑖</m:t>
+                          </m:r>
+                          <m:r>
+                            <a:rPr lang="en-US" b="0" i="1" smtClean="0">
+                              <a:latin typeface="Cambria Math" panose="02040503050406030204" pitchFamily="18" charset="0"/>
+                            </a:rPr>
+                            <m:t>)</m:t>
+                          </m:r>
+                        </m:sub>
+                      </m:sSub>
+                      <m:r>
+                        <a:rPr lang="en-US" b="0" i="1" smtClean="0">
+                          <a:latin typeface="Cambria Math" panose="02040503050406030204" pitchFamily="18" charset="0"/>
+                        </a:rPr>
+                        <m:t>=</m:t>
+                      </m:r>
+                      <m:r>
+                        <a:rPr lang="en-US" b="0" i="1" smtClean="0">
+                          <a:latin typeface="Cambria Math" panose="02040503050406030204" pitchFamily="18" charset="0"/>
+                        </a:rPr>
+                        <m:t>𝑁</m:t>
+                      </m:r>
+                      <m:r>
+                        <a:rPr lang="en-US" b="0" i="1" smtClean="0">
+                          <a:latin typeface="Cambria Math" panose="02040503050406030204" pitchFamily="18" charset="0"/>
+                        </a:rPr>
+                        <m:t>1(</m:t>
+                      </m:r>
+                      <m:sSub>
+                        <m:sSubPr>
+                          <m:ctrlPr>
+                            <a:rPr lang="en-US" i="1">
+                              <a:latin typeface="Cambria Math" panose="02040503050406030204" pitchFamily="18" charset="0"/>
+                            </a:rPr>
+                          </m:ctrlPr>
+                        </m:sSubPr>
+                        <m:e>
+                          <m:r>
+                            <m:rPr>
+                              <m:brk m:alnAt="23"/>
+                            </m:rPr>
+                            <a:rPr lang="el-GR" i="1">
+                              <a:latin typeface="Cambria Math" panose="02040503050406030204" pitchFamily="18" charset="0"/>
+                            </a:rPr>
+                            <m:t>𝜂</m:t>
+                          </m:r>
+                        </m:e>
+                        <m:sub>
+                          <m:r>
+                            <m:rPr>
+                              <m:brk m:alnAt="23"/>
+                            </m:rPr>
+                            <a:rPr lang="en-US" i="1">
+                              <a:latin typeface="Cambria Math" panose="02040503050406030204" pitchFamily="18" charset="0"/>
+                            </a:rPr>
+                            <m:t>𝑖</m:t>
+                          </m:r>
+                        </m:sub>
+                      </m:sSub>
+                      <m:r>
+                        <a:rPr lang="el-GR" i="1">
+                          <a:latin typeface="Cambria Math" panose="02040503050406030204" pitchFamily="18" charset="0"/>
+                        </a:rPr>
+                        <m:t>,</m:t>
+                      </m:r>
+                      <m:sSub>
+                        <m:sSubPr>
+                          <m:ctrlPr>
+                            <a:rPr lang="en-US" i="1">
+                              <a:latin typeface="Cambria Math" panose="02040503050406030204" pitchFamily="18" charset="0"/>
+                            </a:rPr>
+                          </m:ctrlPr>
+                        </m:sSubPr>
+                        <m:e>
+                          <m:r>
+                            <a:rPr lang="el-GR" i="1">
+                              <a:latin typeface="Cambria Math" panose="02040503050406030204" pitchFamily="18" charset="0"/>
+                            </a:rPr>
+                            <m:t>𝜉</m:t>
+                          </m:r>
+                        </m:e>
+                        <m:sub>
+                          <m:r>
+                            <a:rPr lang="en-US" i="1">
+                              <a:latin typeface="Cambria Math" panose="02040503050406030204" pitchFamily="18" charset="0"/>
+                            </a:rPr>
+                            <m:t>𝑖</m:t>
+                          </m:r>
+                        </m:sub>
+                      </m:sSub>
+                      <m:r>
+                        <a:rPr lang="en-US" b="0" i="1" smtClean="0">
+                          <a:latin typeface="Cambria Math" panose="02040503050406030204" pitchFamily="18" charset="0"/>
+                        </a:rPr>
+                        <m:t>) </m:t>
+                      </m:r>
+                      <m:sSub>
+                        <m:sSubPr>
+                          <m:ctrlPr>
+                            <a:rPr lang="en-US" b="0" i="1" smtClean="0">
+                              <a:latin typeface="Cambria Math" panose="02040503050406030204" pitchFamily="18" charset="0"/>
+                            </a:rPr>
+                          </m:ctrlPr>
+                        </m:sSubPr>
+                        <m:e>
+                          <m:r>
+                            <a:rPr lang="en-US" b="0" i="1" smtClean="0">
+                              <a:latin typeface="Cambria Math" panose="02040503050406030204" pitchFamily="18" charset="0"/>
+                            </a:rPr>
+                            <m:t>𝑥</m:t>
+                          </m:r>
+                        </m:e>
+                        <m:sub>
+                          <m:r>
+                            <a:rPr lang="en-US" b="0" i="1" smtClean="0">
+                              <a:latin typeface="Cambria Math" panose="02040503050406030204" pitchFamily="18" charset="0"/>
+                            </a:rPr>
+                            <m:t>1</m:t>
+                          </m:r>
+                        </m:sub>
+                      </m:sSub>
+                      <m:r>
+                        <a:rPr lang="en-US" b="0" i="1" smtClean="0">
+                          <a:latin typeface="Cambria Math" panose="02040503050406030204" pitchFamily="18" charset="0"/>
+                        </a:rPr>
+                        <m:t>+</m:t>
+                      </m:r>
+                      <m:r>
+                        <a:rPr lang="en-US" b="0" i="1" smtClean="0">
+                          <a:latin typeface="Cambria Math" panose="02040503050406030204" pitchFamily="18" charset="0"/>
+                        </a:rPr>
+                        <m:t>𝑁</m:t>
+                      </m:r>
+                      <m:r>
+                        <a:rPr lang="en-US" b="0" i="1" smtClean="0">
+                          <a:latin typeface="Cambria Math" panose="02040503050406030204" pitchFamily="18" charset="0"/>
+                        </a:rPr>
+                        <m:t>2(</m:t>
+                      </m:r>
+                      <m:sSub>
+                        <m:sSubPr>
+                          <m:ctrlPr>
+                            <a:rPr lang="en-US" i="1">
+                              <a:latin typeface="Cambria Math" panose="02040503050406030204" pitchFamily="18" charset="0"/>
+                            </a:rPr>
+                          </m:ctrlPr>
+                        </m:sSubPr>
+                        <m:e>
+                          <m:r>
+                            <m:rPr>
+                              <m:brk m:alnAt="23"/>
+                            </m:rPr>
+                            <a:rPr lang="el-GR" i="1">
+                              <a:latin typeface="Cambria Math" panose="02040503050406030204" pitchFamily="18" charset="0"/>
+                            </a:rPr>
+                            <m:t>𝜂</m:t>
+                          </m:r>
+                        </m:e>
+                        <m:sub>
+                          <m:r>
+                            <m:rPr>
+                              <m:brk m:alnAt="23"/>
+                            </m:rPr>
+                            <a:rPr lang="en-US" i="1">
+                              <a:latin typeface="Cambria Math" panose="02040503050406030204" pitchFamily="18" charset="0"/>
+                            </a:rPr>
+                            <m:t>𝑖</m:t>
+                          </m:r>
+                        </m:sub>
+                      </m:sSub>
+                      <m:r>
+                        <a:rPr lang="el-GR" i="1">
+                          <a:latin typeface="Cambria Math" panose="02040503050406030204" pitchFamily="18" charset="0"/>
+                        </a:rPr>
+                        <m:t>,</m:t>
+                      </m:r>
+                      <m:sSub>
+                        <m:sSubPr>
+                          <m:ctrlPr>
+                            <a:rPr lang="en-US" i="1">
+                              <a:latin typeface="Cambria Math" panose="02040503050406030204" pitchFamily="18" charset="0"/>
+                            </a:rPr>
+                          </m:ctrlPr>
+                        </m:sSubPr>
+                        <m:e>
+                          <m:r>
+                            <a:rPr lang="el-GR" i="1">
+                              <a:latin typeface="Cambria Math" panose="02040503050406030204" pitchFamily="18" charset="0"/>
+                            </a:rPr>
+                            <m:t>𝜉</m:t>
+                          </m:r>
+                        </m:e>
+                        <m:sub>
+                          <m:r>
+                            <a:rPr lang="en-US" i="1">
+                              <a:latin typeface="Cambria Math" panose="02040503050406030204" pitchFamily="18" charset="0"/>
+                            </a:rPr>
+                            <m:t>𝑖</m:t>
+                          </m:r>
+                        </m:sub>
+                      </m:sSub>
+                      <m:r>
+                        <a:rPr lang="en-US" b="0" i="1" smtClean="0">
+                          <a:latin typeface="Cambria Math" panose="02040503050406030204" pitchFamily="18" charset="0"/>
+                        </a:rPr>
+                        <m:t>) </m:t>
+                      </m:r>
+                      <m:sSub>
+                        <m:sSubPr>
+                          <m:ctrlPr>
+                            <a:rPr lang="en-US" b="0" i="1" smtClean="0">
+                              <a:latin typeface="Cambria Math" panose="02040503050406030204" pitchFamily="18" charset="0"/>
+                            </a:rPr>
+                          </m:ctrlPr>
+                        </m:sSubPr>
+                        <m:e>
+                          <m:r>
+                            <a:rPr lang="en-US" b="0" i="1" smtClean="0">
+                              <a:latin typeface="Cambria Math" panose="02040503050406030204" pitchFamily="18" charset="0"/>
+                            </a:rPr>
+                            <m:t>𝑥</m:t>
+                          </m:r>
+                        </m:e>
+                        <m:sub>
+                          <m:r>
+                            <a:rPr lang="en-US" b="0" i="1" smtClean="0">
+                              <a:latin typeface="Cambria Math" panose="02040503050406030204" pitchFamily="18" charset="0"/>
+                            </a:rPr>
+                            <m:t>2</m:t>
+                          </m:r>
+                        </m:sub>
+                      </m:sSub>
+                      <m:r>
+                        <a:rPr lang="en-US" b="0" i="1" smtClean="0">
+                          <a:latin typeface="Cambria Math" panose="02040503050406030204" pitchFamily="18" charset="0"/>
+                        </a:rPr>
+                        <m:t>+</m:t>
+                      </m:r>
+                      <m:r>
+                        <a:rPr lang="en-US" b="0" i="1" smtClean="0">
+                          <a:latin typeface="Cambria Math" panose="02040503050406030204" pitchFamily="18" charset="0"/>
+                        </a:rPr>
+                        <m:t>𝑁</m:t>
+                      </m:r>
+                      <m:r>
+                        <a:rPr lang="en-US" b="0" i="1" smtClean="0">
+                          <a:latin typeface="Cambria Math" panose="02040503050406030204" pitchFamily="18" charset="0"/>
+                        </a:rPr>
+                        <m:t>3(</m:t>
+                      </m:r>
+                      <m:sSub>
+                        <m:sSubPr>
+                          <m:ctrlPr>
+                            <a:rPr lang="en-US" i="1">
+                              <a:latin typeface="Cambria Math" panose="02040503050406030204" pitchFamily="18" charset="0"/>
+                            </a:rPr>
+                          </m:ctrlPr>
+                        </m:sSubPr>
+                        <m:e>
+                          <m:r>
+                            <m:rPr>
+                              <m:brk m:alnAt="23"/>
+                            </m:rPr>
+                            <a:rPr lang="el-GR" i="1">
+                              <a:latin typeface="Cambria Math" panose="02040503050406030204" pitchFamily="18" charset="0"/>
+                            </a:rPr>
+                            <m:t>𝜂</m:t>
+                          </m:r>
+                        </m:e>
+                        <m:sub>
+                          <m:r>
+                            <m:rPr>
+                              <m:brk m:alnAt="23"/>
+                            </m:rPr>
+                            <a:rPr lang="en-US" i="1">
+                              <a:latin typeface="Cambria Math" panose="02040503050406030204" pitchFamily="18" charset="0"/>
+                            </a:rPr>
+                            <m:t>𝑖</m:t>
+                          </m:r>
+                        </m:sub>
+                      </m:sSub>
+                      <m:r>
+                        <a:rPr lang="el-GR" i="1">
+                          <a:latin typeface="Cambria Math" panose="02040503050406030204" pitchFamily="18" charset="0"/>
+                        </a:rPr>
+                        <m:t>,</m:t>
+                      </m:r>
+                      <m:sSub>
+                        <m:sSubPr>
+                          <m:ctrlPr>
+                            <a:rPr lang="en-US" i="1">
+                              <a:latin typeface="Cambria Math" panose="02040503050406030204" pitchFamily="18" charset="0"/>
+                            </a:rPr>
+                          </m:ctrlPr>
+                        </m:sSubPr>
+                        <m:e>
+                          <m:r>
+                            <a:rPr lang="el-GR" i="1">
+                              <a:latin typeface="Cambria Math" panose="02040503050406030204" pitchFamily="18" charset="0"/>
+                            </a:rPr>
+                            <m:t>𝜉</m:t>
+                          </m:r>
+                        </m:e>
+                        <m:sub>
+                          <m:r>
+                            <a:rPr lang="en-US" i="1">
+                              <a:latin typeface="Cambria Math" panose="02040503050406030204" pitchFamily="18" charset="0"/>
+                            </a:rPr>
+                            <m:t>𝑖</m:t>
+                          </m:r>
+                        </m:sub>
+                      </m:sSub>
+                      <m:r>
+                        <a:rPr lang="en-US" b="0" i="1" smtClean="0">
+                          <a:latin typeface="Cambria Math" panose="02040503050406030204" pitchFamily="18" charset="0"/>
+                        </a:rPr>
+                        <m:t>) </m:t>
+                      </m:r>
+                      <m:sSub>
+                        <m:sSubPr>
+                          <m:ctrlPr>
+                            <a:rPr lang="en-US" b="0" i="1" smtClean="0">
+                              <a:latin typeface="Cambria Math" panose="02040503050406030204" pitchFamily="18" charset="0"/>
+                            </a:rPr>
+                          </m:ctrlPr>
+                        </m:sSubPr>
+                        <m:e>
+                          <m:r>
+                            <a:rPr lang="en-US" b="0" i="1" smtClean="0">
+                              <a:latin typeface="Cambria Math" panose="02040503050406030204" pitchFamily="18" charset="0"/>
+                            </a:rPr>
+                            <m:t>𝑥</m:t>
+                          </m:r>
+                        </m:e>
+                        <m:sub>
+                          <m:r>
+                            <a:rPr lang="en-US" b="0" i="1" smtClean="0">
+                              <a:latin typeface="Cambria Math" panose="02040503050406030204" pitchFamily="18" charset="0"/>
+                            </a:rPr>
+                            <m:t>3</m:t>
+                          </m:r>
+                        </m:sub>
+                      </m:sSub>
+                      <m:r>
+                        <a:rPr lang="en-US" b="0" i="1" smtClean="0">
+                          <a:latin typeface="Cambria Math" panose="02040503050406030204" pitchFamily="18" charset="0"/>
+                        </a:rPr>
+                        <m:t> </m:t>
+                      </m:r>
+                    </m:oMath>
+                  </m:oMathPara>
+                </a14:m>
+                <a:endParaRPr lang="en-US" dirty="0"/>
+              </a:p>
+            </p:txBody>
+          </p:sp>
+        </mc:Choice>
+        <mc:Fallback xmlns="">
+          <p:sp>
+            <p:nvSpPr>
+              <p:cNvPr id="14" name="TextBox 13">
+                <a:extLst>
+                  <a:ext uri="{FF2B5EF4-FFF2-40B4-BE49-F238E27FC236}">
+                    <a16:creationId xmlns:a16="http://schemas.microsoft.com/office/drawing/2014/main" id="{46C75E19-5305-26BC-994F-58620A882355}"/>
+                  </a:ext>
+                </a:extLst>
+              </p:cNvPr>
+              <p:cNvSpPr txBox="1">
+                <a:spLocks noRot="1" noChangeAspect="1" noMove="1" noResize="1" noEditPoints="1" noAdjustHandles="1" noChangeArrowheads="1" noChangeShapeType="1" noTextEdit="1"/>
+              </p:cNvSpPr>
+              <p:nvPr/>
+            </p:nvSpPr>
+            <p:spPr>
+              <a:xfrm>
+                <a:off x="7143750" y="3629174"/>
+                <a:ext cx="5484114" cy="396006"/>
+              </a:xfrm>
+              <a:prstGeom prst="rect">
+                <a:avLst/>
+              </a:prstGeom>
+              <a:blipFill>
+                <a:blip r:embed="rId3"/>
+                <a:stretch>
+                  <a:fillRect b="-9231"/>
+                </a:stretch>
+              </a:blipFill>
+            </p:spPr>
+            <p:txBody>
+              <a:bodyPr/>
+              <a:lstStyle/>
+              <a:p>
+                <a:r>
+                  <a:rPr lang="en-US">
+                    <a:noFill/>
+                  </a:rPr>
+                  <a:t> </a:t>
+                </a:r>
+              </a:p>
+            </p:txBody>
+          </p:sp>
+        </mc:Fallback>
+      </mc:AlternateContent>
+      <mc:AlternateContent xmlns:mc="http://schemas.openxmlformats.org/markup-compatibility/2006" xmlns:a14="http://schemas.microsoft.com/office/drawing/2010/main">
+        <mc:Choice Requires="a14">
+          <p:sp>
+            <p:nvSpPr>
+              <p:cNvPr id="17" name="TextBox 16">
+                <a:extLst>
+                  <a:ext uri="{FF2B5EF4-FFF2-40B4-BE49-F238E27FC236}">
+                    <a16:creationId xmlns:a16="http://schemas.microsoft.com/office/drawing/2014/main" id="{DC77C50C-D3FD-9538-8FBD-EF5630B49CC8}"/>
+                  </a:ext>
+                </a:extLst>
+              </p:cNvPr>
+              <p:cNvSpPr txBox="1"/>
+              <p:nvPr/>
+            </p:nvSpPr>
+            <p:spPr>
+              <a:xfrm>
+                <a:off x="7143750" y="4319629"/>
+                <a:ext cx="5484114" cy="396006"/>
+              </a:xfrm>
+              <a:prstGeom prst="rect">
+                <a:avLst/>
+              </a:prstGeom>
+              <a:solidFill>
+                <a:schemeClr val="bg1"/>
+              </a:solidFill>
+            </p:spPr>
+            <p:txBody>
+              <a:bodyPr wrap="square">
+                <a:spAutoFit/>
+              </a:bodyPr>
+              <a:lstStyle/>
+              <a:p>
+                <a:pPr/>
+                <a14:m>
+                  <m:oMathPara xmlns:m="http://schemas.openxmlformats.org/officeDocument/2006/math">
+                    <m:oMathParaPr>
+                      <m:jc m:val="centerGroup"/>
+                    </m:oMathParaPr>
+                    <m:oMath xmlns:m="http://schemas.openxmlformats.org/officeDocument/2006/math">
+                      <m:sSub>
+                        <m:sSubPr>
+                          <m:ctrlPr>
+                            <a:rPr lang="en-US" b="0" i="1" smtClean="0">
+                              <a:latin typeface="Cambria Math" panose="02040503050406030204" pitchFamily="18" charset="0"/>
+                            </a:rPr>
+                          </m:ctrlPr>
+                        </m:sSubPr>
+                        <m:e>
+                          <m:r>
+                            <a:rPr lang="en-US" b="0" i="1" smtClean="0">
+                              <a:latin typeface="Cambria Math" panose="02040503050406030204" pitchFamily="18" charset="0"/>
+                            </a:rPr>
+                            <m:t>𝑦</m:t>
+                          </m:r>
+                        </m:e>
+                        <m:sub>
+                          <m:r>
+                            <a:rPr lang="en-US" b="0" i="1" smtClean="0">
+                              <a:latin typeface="Cambria Math" panose="02040503050406030204" pitchFamily="18" charset="0"/>
+                            </a:rPr>
+                            <m:t>𝐼𝑃</m:t>
+                          </m:r>
+                          <m:r>
+                            <a:rPr lang="en-US" b="0" i="1" smtClean="0">
+                              <a:latin typeface="Cambria Math" panose="02040503050406030204" pitchFamily="18" charset="0"/>
+                            </a:rPr>
+                            <m:t>(</m:t>
+                          </m:r>
+                          <m:r>
+                            <a:rPr lang="en-US" b="0" i="1" smtClean="0">
+                              <a:latin typeface="Cambria Math" panose="02040503050406030204" pitchFamily="18" charset="0"/>
+                            </a:rPr>
+                            <m:t>𝑖</m:t>
+                          </m:r>
+                          <m:r>
+                            <a:rPr lang="en-US" b="0" i="1" smtClean="0">
+                              <a:latin typeface="Cambria Math" panose="02040503050406030204" pitchFamily="18" charset="0"/>
+                            </a:rPr>
+                            <m:t>)</m:t>
+                          </m:r>
+                        </m:sub>
+                      </m:sSub>
+                      <m:r>
+                        <a:rPr lang="en-US" i="1">
+                          <a:latin typeface="Cambria Math" panose="02040503050406030204" pitchFamily="18" charset="0"/>
+                        </a:rPr>
+                        <m:t>=</m:t>
+                      </m:r>
+                      <m:r>
+                        <a:rPr lang="en-US" i="1">
+                          <a:latin typeface="Cambria Math" panose="02040503050406030204" pitchFamily="18" charset="0"/>
+                        </a:rPr>
+                        <m:t>𝑁</m:t>
+                      </m:r>
+                      <m:r>
+                        <a:rPr lang="en-US" i="1">
+                          <a:latin typeface="Cambria Math" panose="02040503050406030204" pitchFamily="18" charset="0"/>
+                        </a:rPr>
+                        <m:t>1(</m:t>
+                      </m:r>
+                      <m:sSub>
+                        <m:sSubPr>
+                          <m:ctrlPr>
+                            <a:rPr lang="en-US" i="1">
+                              <a:latin typeface="Cambria Math" panose="02040503050406030204" pitchFamily="18" charset="0"/>
+                            </a:rPr>
+                          </m:ctrlPr>
+                        </m:sSubPr>
+                        <m:e>
+                          <m:r>
+                            <m:rPr>
+                              <m:brk m:alnAt="23"/>
+                            </m:rPr>
+                            <a:rPr lang="el-GR" i="1">
+                              <a:latin typeface="Cambria Math" panose="02040503050406030204" pitchFamily="18" charset="0"/>
+                            </a:rPr>
+                            <m:t>𝜂</m:t>
+                          </m:r>
+                        </m:e>
+                        <m:sub>
+                          <m:r>
+                            <m:rPr>
+                              <m:brk m:alnAt="23"/>
+                            </m:rPr>
+                            <a:rPr lang="en-US" i="1">
+                              <a:latin typeface="Cambria Math" panose="02040503050406030204" pitchFamily="18" charset="0"/>
+                            </a:rPr>
+                            <m:t>𝑖</m:t>
+                          </m:r>
+                        </m:sub>
+                      </m:sSub>
+                      <m:r>
+                        <a:rPr lang="el-GR" i="1">
+                          <a:latin typeface="Cambria Math" panose="02040503050406030204" pitchFamily="18" charset="0"/>
+                        </a:rPr>
+                        <m:t>,</m:t>
+                      </m:r>
+                      <m:sSub>
+                        <m:sSubPr>
+                          <m:ctrlPr>
+                            <a:rPr lang="en-US" i="1">
+                              <a:latin typeface="Cambria Math" panose="02040503050406030204" pitchFamily="18" charset="0"/>
+                            </a:rPr>
+                          </m:ctrlPr>
+                        </m:sSubPr>
+                        <m:e>
+                          <m:r>
+                            <a:rPr lang="el-GR" i="1">
+                              <a:latin typeface="Cambria Math" panose="02040503050406030204" pitchFamily="18" charset="0"/>
+                            </a:rPr>
+                            <m:t>𝜉</m:t>
+                          </m:r>
+                        </m:e>
+                        <m:sub>
+                          <m:r>
+                            <a:rPr lang="en-US" i="1">
+                              <a:latin typeface="Cambria Math" panose="02040503050406030204" pitchFamily="18" charset="0"/>
+                            </a:rPr>
+                            <m:t>𝑖</m:t>
+                          </m:r>
+                        </m:sub>
+                      </m:sSub>
+                      <m:r>
+                        <a:rPr lang="en-US" i="1">
+                          <a:latin typeface="Cambria Math" panose="02040503050406030204" pitchFamily="18" charset="0"/>
+                        </a:rPr>
+                        <m:t>)</m:t>
+                      </m:r>
+                      <m:sSub>
+                        <m:sSubPr>
+                          <m:ctrlPr>
+                            <a:rPr lang="en-US" b="0" i="1" smtClean="0">
+                              <a:latin typeface="Cambria Math" panose="02040503050406030204" pitchFamily="18" charset="0"/>
+                            </a:rPr>
+                          </m:ctrlPr>
+                        </m:sSubPr>
+                        <m:e>
+                          <m:r>
+                            <a:rPr lang="en-US" b="0" i="1" smtClean="0">
+                              <a:latin typeface="Cambria Math" panose="02040503050406030204" pitchFamily="18" charset="0"/>
+                            </a:rPr>
+                            <m:t>𝑦</m:t>
+                          </m:r>
+                        </m:e>
+                        <m:sub>
+                          <m:r>
+                            <a:rPr lang="en-US" b="0" i="1" smtClean="0">
+                              <a:latin typeface="Cambria Math" panose="02040503050406030204" pitchFamily="18" charset="0"/>
+                            </a:rPr>
+                            <m:t>1</m:t>
+                          </m:r>
+                        </m:sub>
+                      </m:sSub>
+                      <m:r>
+                        <a:rPr lang="en-US" i="1">
+                          <a:latin typeface="Cambria Math" panose="02040503050406030204" pitchFamily="18" charset="0"/>
+                        </a:rPr>
+                        <m:t>+</m:t>
+                      </m:r>
+                      <m:r>
+                        <a:rPr lang="en-US" i="1">
+                          <a:latin typeface="Cambria Math" panose="02040503050406030204" pitchFamily="18" charset="0"/>
+                        </a:rPr>
+                        <m:t>𝑁</m:t>
+                      </m:r>
+                      <m:r>
+                        <a:rPr lang="en-US" i="1">
+                          <a:latin typeface="Cambria Math" panose="02040503050406030204" pitchFamily="18" charset="0"/>
+                        </a:rPr>
+                        <m:t>2(</m:t>
+                      </m:r>
+                      <m:sSub>
+                        <m:sSubPr>
+                          <m:ctrlPr>
+                            <a:rPr lang="en-US" i="1">
+                              <a:latin typeface="Cambria Math" panose="02040503050406030204" pitchFamily="18" charset="0"/>
+                            </a:rPr>
+                          </m:ctrlPr>
+                        </m:sSubPr>
+                        <m:e>
+                          <m:r>
+                            <m:rPr>
+                              <m:brk m:alnAt="23"/>
+                            </m:rPr>
+                            <a:rPr lang="el-GR" i="1">
+                              <a:latin typeface="Cambria Math" panose="02040503050406030204" pitchFamily="18" charset="0"/>
+                            </a:rPr>
+                            <m:t>𝜂</m:t>
+                          </m:r>
+                        </m:e>
+                        <m:sub>
+                          <m:r>
+                            <m:rPr>
+                              <m:brk m:alnAt="23"/>
+                            </m:rPr>
+                            <a:rPr lang="en-US" i="1">
+                              <a:latin typeface="Cambria Math" panose="02040503050406030204" pitchFamily="18" charset="0"/>
+                            </a:rPr>
+                            <m:t>𝑖</m:t>
+                          </m:r>
+                        </m:sub>
+                      </m:sSub>
+                      <m:r>
+                        <a:rPr lang="el-GR" i="1">
+                          <a:latin typeface="Cambria Math" panose="02040503050406030204" pitchFamily="18" charset="0"/>
+                        </a:rPr>
+                        <m:t>,</m:t>
+                      </m:r>
+                      <m:sSub>
+                        <m:sSubPr>
+                          <m:ctrlPr>
+                            <a:rPr lang="en-US" i="1">
+                              <a:latin typeface="Cambria Math" panose="02040503050406030204" pitchFamily="18" charset="0"/>
+                            </a:rPr>
+                          </m:ctrlPr>
+                        </m:sSubPr>
+                        <m:e>
+                          <m:r>
+                            <a:rPr lang="el-GR" i="1">
+                              <a:latin typeface="Cambria Math" panose="02040503050406030204" pitchFamily="18" charset="0"/>
+                            </a:rPr>
+                            <m:t>𝜉</m:t>
+                          </m:r>
+                        </m:e>
+                        <m:sub>
+                          <m:r>
+                            <a:rPr lang="en-US" i="1">
+                              <a:latin typeface="Cambria Math" panose="02040503050406030204" pitchFamily="18" charset="0"/>
+                            </a:rPr>
+                            <m:t>𝑖</m:t>
+                          </m:r>
+                        </m:sub>
+                      </m:sSub>
+                      <m:r>
+                        <a:rPr lang="en-US" i="1">
+                          <a:latin typeface="Cambria Math" panose="02040503050406030204" pitchFamily="18" charset="0"/>
+                        </a:rPr>
+                        <m:t>)</m:t>
+                      </m:r>
+                      <m:sSub>
+                        <m:sSubPr>
+                          <m:ctrlPr>
+                            <a:rPr lang="en-US" b="0" i="1" smtClean="0">
+                              <a:latin typeface="Cambria Math" panose="02040503050406030204" pitchFamily="18" charset="0"/>
+                            </a:rPr>
+                          </m:ctrlPr>
+                        </m:sSubPr>
+                        <m:e>
+                          <m:r>
+                            <a:rPr lang="en-US" b="0" i="1" smtClean="0">
+                              <a:latin typeface="Cambria Math" panose="02040503050406030204" pitchFamily="18" charset="0"/>
+                            </a:rPr>
+                            <m:t>𝑦</m:t>
+                          </m:r>
+                        </m:e>
+                        <m:sub>
+                          <m:r>
+                            <a:rPr lang="en-US" b="0" i="1" smtClean="0">
+                              <a:latin typeface="Cambria Math" panose="02040503050406030204" pitchFamily="18" charset="0"/>
+                            </a:rPr>
+                            <m:t>2</m:t>
+                          </m:r>
+                        </m:sub>
+                      </m:sSub>
+                      <m:r>
+                        <a:rPr lang="en-US" i="1">
+                          <a:latin typeface="Cambria Math" panose="02040503050406030204" pitchFamily="18" charset="0"/>
+                        </a:rPr>
+                        <m:t>+</m:t>
+                      </m:r>
+                      <m:r>
+                        <a:rPr lang="en-US" i="1">
+                          <a:latin typeface="Cambria Math" panose="02040503050406030204" pitchFamily="18" charset="0"/>
+                        </a:rPr>
+                        <m:t>𝑁</m:t>
+                      </m:r>
+                      <m:r>
+                        <a:rPr lang="en-US" i="1">
+                          <a:latin typeface="Cambria Math" panose="02040503050406030204" pitchFamily="18" charset="0"/>
+                        </a:rPr>
+                        <m:t>3(</m:t>
+                      </m:r>
+                      <m:sSub>
+                        <m:sSubPr>
+                          <m:ctrlPr>
+                            <a:rPr lang="en-US" i="1">
+                              <a:latin typeface="Cambria Math" panose="02040503050406030204" pitchFamily="18" charset="0"/>
+                            </a:rPr>
+                          </m:ctrlPr>
+                        </m:sSubPr>
+                        <m:e>
+                          <m:r>
+                            <m:rPr>
+                              <m:brk m:alnAt="23"/>
+                            </m:rPr>
+                            <a:rPr lang="el-GR" i="1">
+                              <a:latin typeface="Cambria Math" panose="02040503050406030204" pitchFamily="18" charset="0"/>
+                            </a:rPr>
+                            <m:t>𝜂</m:t>
+                          </m:r>
+                        </m:e>
+                        <m:sub>
+                          <m:r>
+                            <m:rPr>
+                              <m:brk m:alnAt="23"/>
+                            </m:rPr>
+                            <a:rPr lang="en-US" i="1">
+                              <a:latin typeface="Cambria Math" panose="02040503050406030204" pitchFamily="18" charset="0"/>
+                            </a:rPr>
+                            <m:t>𝑖</m:t>
+                          </m:r>
+                        </m:sub>
+                      </m:sSub>
+                      <m:r>
+                        <a:rPr lang="el-GR" i="1">
+                          <a:latin typeface="Cambria Math" panose="02040503050406030204" pitchFamily="18" charset="0"/>
+                        </a:rPr>
+                        <m:t>,</m:t>
+                      </m:r>
+                      <m:sSub>
+                        <m:sSubPr>
+                          <m:ctrlPr>
+                            <a:rPr lang="en-US" i="1">
+                              <a:latin typeface="Cambria Math" panose="02040503050406030204" pitchFamily="18" charset="0"/>
+                            </a:rPr>
+                          </m:ctrlPr>
+                        </m:sSubPr>
+                        <m:e>
+                          <m:r>
+                            <a:rPr lang="el-GR" i="1">
+                              <a:latin typeface="Cambria Math" panose="02040503050406030204" pitchFamily="18" charset="0"/>
+                            </a:rPr>
+                            <m:t>𝜉</m:t>
+                          </m:r>
+                        </m:e>
+                        <m:sub>
+                          <m:r>
+                            <a:rPr lang="en-US" i="1">
+                              <a:latin typeface="Cambria Math" panose="02040503050406030204" pitchFamily="18" charset="0"/>
+                            </a:rPr>
+                            <m:t>𝑖</m:t>
+                          </m:r>
+                        </m:sub>
+                      </m:sSub>
+                      <m:r>
+                        <a:rPr lang="en-US" i="1">
+                          <a:latin typeface="Cambria Math" panose="02040503050406030204" pitchFamily="18" charset="0"/>
+                        </a:rPr>
+                        <m:t>)</m:t>
+                      </m:r>
+                      <m:sSub>
+                        <m:sSubPr>
+                          <m:ctrlPr>
+                            <a:rPr lang="en-US" b="0" i="1" smtClean="0">
+                              <a:latin typeface="Cambria Math" panose="02040503050406030204" pitchFamily="18" charset="0"/>
+                            </a:rPr>
+                          </m:ctrlPr>
+                        </m:sSubPr>
+                        <m:e>
+                          <m:r>
+                            <a:rPr lang="en-US" b="0" i="1" smtClean="0">
+                              <a:latin typeface="Cambria Math" panose="02040503050406030204" pitchFamily="18" charset="0"/>
+                            </a:rPr>
+                            <m:t>𝑦</m:t>
+                          </m:r>
+                        </m:e>
+                        <m:sub>
+                          <m:r>
+                            <a:rPr lang="en-US" b="0" i="1" smtClean="0">
+                              <a:latin typeface="Cambria Math" panose="02040503050406030204" pitchFamily="18" charset="0"/>
+                            </a:rPr>
+                            <m:t>3</m:t>
+                          </m:r>
+                        </m:sub>
+                      </m:sSub>
+                      <m:r>
+                        <a:rPr lang="en-US" b="0" i="1" smtClean="0">
+                          <a:latin typeface="Cambria Math" panose="02040503050406030204" pitchFamily="18" charset="0"/>
+                        </a:rPr>
+                        <m:t> </m:t>
+                      </m:r>
+                    </m:oMath>
+                  </m:oMathPara>
+                </a14:m>
+                <a:endParaRPr lang="en-US" dirty="0"/>
+              </a:p>
+            </p:txBody>
+          </p:sp>
+        </mc:Choice>
+        <mc:Fallback xmlns="">
+          <p:sp>
+            <p:nvSpPr>
+              <p:cNvPr id="17" name="TextBox 16">
+                <a:extLst>
+                  <a:ext uri="{FF2B5EF4-FFF2-40B4-BE49-F238E27FC236}">
+                    <a16:creationId xmlns:a16="http://schemas.microsoft.com/office/drawing/2014/main" id="{DC77C50C-D3FD-9538-8FBD-EF5630B49CC8}"/>
+                  </a:ext>
+                </a:extLst>
+              </p:cNvPr>
+              <p:cNvSpPr txBox="1">
+                <a:spLocks noRot="1" noChangeAspect="1" noMove="1" noResize="1" noEditPoints="1" noAdjustHandles="1" noChangeArrowheads="1" noChangeShapeType="1" noTextEdit="1"/>
+              </p:cNvSpPr>
+              <p:nvPr/>
+            </p:nvSpPr>
+            <p:spPr>
+              <a:xfrm>
+                <a:off x="7143750" y="4319629"/>
+                <a:ext cx="5484114" cy="396006"/>
+              </a:xfrm>
+              <a:prstGeom prst="rect">
+                <a:avLst/>
+              </a:prstGeom>
+              <a:blipFill>
+                <a:blip r:embed="rId4"/>
+                <a:stretch>
+                  <a:fillRect b="-9231"/>
+                </a:stretch>
+              </a:blipFill>
+            </p:spPr>
+            <p:txBody>
+              <a:bodyPr/>
+              <a:lstStyle/>
+              <a:p>
+                <a:r>
+                  <a:rPr lang="en-US">
+                    <a:noFill/>
+                  </a:rPr>
+                  <a:t> </a:t>
+                </a:r>
+              </a:p>
+            </p:txBody>
+          </p:sp>
+        </mc:Fallback>
+      </mc:AlternateContent>
+      <mc:AlternateContent xmlns:mc="http://schemas.openxmlformats.org/markup-compatibility/2006" xmlns:a14="http://schemas.microsoft.com/office/drawing/2010/main">
+        <mc:Choice Requires="a14">
+          <p:sp>
+            <p:nvSpPr>
+              <p:cNvPr id="18" name="TextBox 17">
+                <a:extLst>
+                  <a:ext uri="{FF2B5EF4-FFF2-40B4-BE49-F238E27FC236}">
+                    <a16:creationId xmlns:a16="http://schemas.microsoft.com/office/drawing/2014/main" id="{CC9FFE50-AC8D-611D-6958-9070584BD8D5}"/>
+                  </a:ext>
+                </a:extLst>
+              </p:cNvPr>
+              <p:cNvSpPr txBox="1"/>
+              <p:nvPr/>
+            </p:nvSpPr>
+            <p:spPr>
+              <a:xfrm>
+                <a:off x="7143750" y="4900357"/>
+                <a:ext cx="5484114" cy="396006"/>
+              </a:xfrm>
+              <a:prstGeom prst="rect">
+                <a:avLst/>
+              </a:prstGeom>
+              <a:solidFill>
+                <a:schemeClr val="bg1"/>
+              </a:solidFill>
+            </p:spPr>
+            <p:txBody>
+              <a:bodyPr wrap="square">
+                <a:spAutoFit/>
+              </a:bodyPr>
+              <a:lstStyle/>
+              <a:p>
+                <a:pPr/>
+                <a14:m>
+                  <m:oMathPara xmlns:m="http://schemas.openxmlformats.org/officeDocument/2006/math">
+                    <m:oMathParaPr>
+                      <m:jc m:val="centerGroup"/>
+                    </m:oMathParaPr>
+                    <m:oMath xmlns:m="http://schemas.openxmlformats.org/officeDocument/2006/math">
+                      <m:sSub>
+                        <m:sSubPr>
+                          <m:ctrlPr>
+                            <a:rPr lang="en-US" b="0" i="1" smtClean="0">
+                              <a:latin typeface="Cambria Math" panose="02040503050406030204" pitchFamily="18" charset="0"/>
+                            </a:rPr>
+                          </m:ctrlPr>
+                        </m:sSubPr>
+                        <m:e>
+                          <m:r>
+                            <a:rPr lang="en-US" b="0" i="1" smtClean="0">
+                              <a:latin typeface="Cambria Math" panose="02040503050406030204" pitchFamily="18" charset="0"/>
+                            </a:rPr>
+                            <m:t>𝑧</m:t>
+                          </m:r>
+                        </m:e>
+                        <m:sub>
+                          <m:r>
+                            <a:rPr lang="en-US" b="0" i="1" smtClean="0">
+                              <a:latin typeface="Cambria Math" panose="02040503050406030204" pitchFamily="18" charset="0"/>
+                            </a:rPr>
+                            <m:t>𝐼𝑃</m:t>
+                          </m:r>
+                          <m:r>
+                            <a:rPr lang="en-US" b="0" i="1" smtClean="0">
+                              <a:latin typeface="Cambria Math" panose="02040503050406030204" pitchFamily="18" charset="0"/>
+                            </a:rPr>
+                            <m:t>(</m:t>
+                          </m:r>
+                          <m:r>
+                            <a:rPr lang="en-US" b="0" i="1" smtClean="0">
+                              <a:latin typeface="Cambria Math" panose="02040503050406030204" pitchFamily="18" charset="0"/>
+                            </a:rPr>
+                            <m:t>𝑖</m:t>
+                          </m:r>
+                          <m:r>
+                            <a:rPr lang="en-US" b="0" i="1" smtClean="0">
+                              <a:latin typeface="Cambria Math" panose="02040503050406030204" pitchFamily="18" charset="0"/>
+                            </a:rPr>
+                            <m:t>)</m:t>
+                          </m:r>
+                        </m:sub>
+                      </m:sSub>
+                      <m:r>
+                        <a:rPr lang="en-US" i="1">
+                          <a:latin typeface="Cambria Math" panose="02040503050406030204" pitchFamily="18" charset="0"/>
+                        </a:rPr>
+                        <m:t>=</m:t>
+                      </m:r>
+                      <m:r>
+                        <a:rPr lang="en-US" i="1">
+                          <a:latin typeface="Cambria Math" panose="02040503050406030204" pitchFamily="18" charset="0"/>
+                        </a:rPr>
+                        <m:t>𝑁</m:t>
+                      </m:r>
+                      <m:r>
+                        <a:rPr lang="en-US" i="1">
+                          <a:latin typeface="Cambria Math" panose="02040503050406030204" pitchFamily="18" charset="0"/>
+                        </a:rPr>
+                        <m:t>1(</m:t>
+                      </m:r>
+                      <m:sSub>
+                        <m:sSubPr>
+                          <m:ctrlPr>
+                            <a:rPr lang="en-US" i="1">
+                              <a:latin typeface="Cambria Math" panose="02040503050406030204" pitchFamily="18" charset="0"/>
+                            </a:rPr>
+                          </m:ctrlPr>
+                        </m:sSubPr>
+                        <m:e>
+                          <m:r>
+                            <m:rPr>
+                              <m:brk m:alnAt="23"/>
+                            </m:rPr>
+                            <a:rPr lang="el-GR" i="1">
+                              <a:latin typeface="Cambria Math" panose="02040503050406030204" pitchFamily="18" charset="0"/>
+                            </a:rPr>
+                            <m:t>𝜂</m:t>
+                          </m:r>
+                        </m:e>
+                        <m:sub>
+                          <m:r>
+                            <m:rPr>
+                              <m:brk m:alnAt="23"/>
+                            </m:rPr>
+                            <a:rPr lang="en-US" i="1">
+                              <a:latin typeface="Cambria Math" panose="02040503050406030204" pitchFamily="18" charset="0"/>
+                            </a:rPr>
+                            <m:t>𝑖</m:t>
+                          </m:r>
+                        </m:sub>
+                      </m:sSub>
+                      <m:r>
+                        <a:rPr lang="el-GR" i="1">
+                          <a:latin typeface="Cambria Math" panose="02040503050406030204" pitchFamily="18" charset="0"/>
+                        </a:rPr>
+                        <m:t>,</m:t>
+                      </m:r>
+                      <m:sSub>
+                        <m:sSubPr>
+                          <m:ctrlPr>
+                            <a:rPr lang="en-US" i="1">
+                              <a:latin typeface="Cambria Math" panose="02040503050406030204" pitchFamily="18" charset="0"/>
+                            </a:rPr>
+                          </m:ctrlPr>
+                        </m:sSubPr>
+                        <m:e>
+                          <m:r>
+                            <a:rPr lang="el-GR" i="1">
+                              <a:latin typeface="Cambria Math" panose="02040503050406030204" pitchFamily="18" charset="0"/>
+                            </a:rPr>
+                            <m:t>𝜉</m:t>
+                          </m:r>
+                        </m:e>
+                        <m:sub>
+                          <m:r>
+                            <a:rPr lang="en-US" i="1">
+                              <a:latin typeface="Cambria Math" panose="02040503050406030204" pitchFamily="18" charset="0"/>
+                            </a:rPr>
+                            <m:t>𝑖</m:t>
+                          </m:r>
+                        </m:sub>
+                      </m:sSub>
+                      <m:r>
+                        <a:rPr lang="en-US" i="1">
+                          <a:latin typeface="Cambria Math" panose="02040503050406030204" pitchFamily="18" charset="0"/>
+                        </a:rPr>
+                        <m:t>)</m:t>
+                      </m:r>
+                      <m:sSub>
+                        <m:sSubPr>
+                          <m:ctrlPr>
+                            <a:rPr lang="en-US" b="0" i="1" smtClean="0">
+                              <a:latin typeface="Cambria Math" panose="02040503050406030204" pitchFamily="18" charset="0"/>
+                            </a:rPr>
+                          </m:ctrlPr>
+                        </m:sSubPr>
+                        <m:e>
+                          <m:r>
+                            <a:rPr lang="en-US" b="0" i="1" smtClean="0">
+                              <a:latin typeface="Cambria Math" panose="02040503050406030204" pitchFamily="18" charset="0"/>
+                            </a:rPr>
+                            <m:t>𝑧</m:t>
+                          </m:r>
+                        </m:e>
+                        <m:sub>
+                          <m:r>
+                            <a:rPr lang="en-US" b="0" i="1" smtClean="0">
+                              <a:latin typeface="Cambria Math" panose="02040503050406030204" pitchFamily="18" charset="0"/>
+                            </a:rPr>
+                            <m:t>1</m:t>
+                          </m:r>
+                        </m:sub>
+                      </m:sSub>
+                      <m:r>
+                        <a:rPr lang="en-US" i="1">
+                          <a:latin typeface="Cambria Math" panose="02040503050406030204" pitchFamily="18" charset="0"/>
+                        </a:rPr>
+                        <m:t>+</m:t>
+                      </m:r>
+                      <m:r>
+                        <a:rPr lang="en-US" i="1">
+                          <a:latin typeface="Cambria Math" panose="02040503050406030204" pitchFamily="18" charset="0"/>
+                        </a:rPr>
+                        <m:t>𝑁</m:t>
+                      </m:r>
+                      <m:r>
+                        <a:rPr lang="en-US" i="1">
+                          <a:latin typeface="Cambria Math" panose="02040503050406030204" pitchFamily="18" charset="0"/>
+                        </a:rPr>
+                        <m:t>2(</m:t>
+                      </m:r>
+                      <m:sSub>
+                        <m:sSubPr>
+                          <m:ctrlPr>
+                            <a:rPr lang="en-US" i="1">
+                              <a:latin typeface="Cambria Math" panose="02040503050406030204" pitchFamily="18" charset="0"/>
+                            </a:rPr>
+                          </m:ctrlPr>
+                        </m:sSubPr>
+                        <m:e>
+                          <m:r>
+                            <m:rPr>
+                              <m:brk m:alnAt="23"/>
+                            </m:rPr>
+                            <a:rPr lang="el-GR" i="1">
+                              <a:latin typeface="Cambria Math" panose="02040503050406030204" pitchFamily="18" charset="0"/>
+                            </a:rPr>
+                            <m:t>𝜂</m:t>
+                          </m:r>
+                        </m:e>
+                        <m:sub>
+                          <m:r>
+                            <m:rPr>
+                              <m:brk m:alnAt="23"/>
+                            </m:rPr>
+                            <a:rPr lang="en-US" i="1">
+                              <a:latin typeface="Cambria Math" panose="02040503050406030204" pitchFamily="18" charset="0"/>
+                            </a:rPr>
+                            <m:t>𝑖</m:t>
+                          </m:r>
+                        </m:sub>
+                      </m:sSub>
+                      <m:r>
+                        <a:rPr lang="el-GR" i="1">
+                          <a:latin typeface="Cambria Math" panose="02040503050406030204" pitchFamily="18" charset="0"/>
+                        </a:rPr>
+                        <m:t>,</m:t>
+                      </m:r>
+                      <m:sSub>
+                        <m:sSubPr>
+                          <m:ctrlPr>
+                            <a:rPr lang="en-US" i="1">
+                              <a:latin typeface="Cambria Math" panose="02040503050406030204" pitchFamily="18" charset="0"/>
+                            </a:rPr>
+                          </m:ctrlPr>
+                        </m:sSubPr>
+                        <m:e>
+                          <m:r>
+                            <a:rPr lang="el-GR" i="1">
+                              <a:latin typeface="Cambria Math" panose="02040503050406030204" pitchFamily="18" charset="0"/>
+                            </a:rPr>
+                            <m:t>𝜉</m:t>
+                          </m:r>
+                        </m:e>
+                        <m:sub>
+                          <m:r>
+                            <a:rPr lang="en-US" i="1">
+                              <a:latin typeface="Cambria Math" panose="02040503050406030204" pitchFamily="18" charset="0"/>
+                            </a:rPr>
+                            <m:t>𝑖</m:t>
+                          </m:r>
+                        </m:sub>
+                      </m:sSub>
+                      <m:r>
+                        <a:rPr lang="en-US" i="1">
+                          <a:latin typeface="Cambria Math" panose="02040503050406030204" pitchFamily="18" charset="0"/>
+                        </a:rPr>
+                        <m:t>)</m:t>
+                      </m:r>
+                      <m:sSub>
+                        <m:sSubPr>
+                          <m:ctrlPr>
+                            <a:rPr lang="en-US" b="0" i="1" smtClean="0">
+                              <a:latin typeface="Cambria Math" panose="02040503050406030204" pitchFamily="18" charset="0"/>
+                            </a:rPr>
+                          </m:ctrlPr>
+                        </m:sSubPr>
+                        <m:e>
+                          <m:r>
+                            <a:rPr lang="en-US" b="0" i="1" smtClean="0">
+                              <a:latin typeface="Cambria Math" panose="02040503050406030204" pitchFamily="18" charset="0"/>
+                            </a:rPr>
+                            <m:t>𝑧</m:t>
+                          </m:r>
+                        </m:e>
+                        <m:sub>
+                          <m:r>
+                            <a:rPr lang="en-US" b="0" i="1" smtClean="0">
+                              <a:latin typeface="Cambria Math" panose="02040503050406030204" pitchFamily="18" charset="0"/>
+                            </a:rPr>
+                            <m:t>2</m:t>
+                          </m:r>
+                        </m:sub>
+                      </m:sSub>
+                      <m:r>
+                        <a:rPr lang="en-US" i="1">
+                          <a:latin typeface="Cambria Math" panose="02040503050406030204" pitchFamily="18" charset="0"/>
+                        </a:rPr>
+                        <m:t>+</m:t>
+                      </m:r>
+                      <m:r>
+                        <a:rPr lang="en-US" i="1">
+                          <a:latin typeface="Cambria Math" panose="02040503050406030204" pitchFamily="18" charset="0"/>
+                        </a:rPr>
+                        <m:t>𝑁</m:t>
+                      </m:r>
+                      <m:r>
+                        <a:rPr lang="en-US" i="1">
+                          <a:latin typeface="Cambria Math" panose="02040503050406030204" pitchFamily="18" charset="0"/>
+                        </a:rPr>
+                        <m:t>3(</m:t>
+                      </m:r>
+                      <m:sSub>
+                        <m:sSubPr>
+                          <m:ctrlPr>
+                            <a:rPr lang="en-US" i="1">
+                              <a:latin typeface="Cambria Math" panose="02040503050406030204" pitchFamily="18" charset="0"/>
+                            </a:rPr>
+                          </m:ctrlPr>
+                        </m:sSubPr>
+                        <m:e>
+                          <m:r>
+                            <m:rPr>
+                              <m:brk m:alnAt="23"/>
+                            </m:rPr>
+                            <a:rPr lang="el-GR" i="1">
+                              <a:latin typeface="Cambria Math" panose="02040503050406030204" pitchFamily="18" charset="0"/>
+                            </a:rPr>
+                            <m:t>𝜂</m:t>
+                          </m:r>
+                        </m:e>
+                        <m:sub>
+                          <m:r>
+                            <m:rPr>
+                              <m:brk m:alnAt="23"/>
+                            </m:rPr>
+                            <a:rPr lang="en-US" i="1">
+                              <a:latin typeface="Cambria Math" panose="02040503050406030204" pitchFamily="18" charset="0"/>
+                            </a:rPr>
+                            <m:t>𝑖</m:t>
+                          </m:r>
+                        </m:sub>
+                      </m:sSub>
+                      <m:r>
+                        <a:rPr lang="el-GR" i="1">
+                          <a:latin typeface="Cambria Math" panose="02040503050406030204" pitchFamily="18" charset="0"/>
+                        </a:rPr>
+                        <m:t>,</m:t>
+                      </m:r>
+                      <m:sSub>
+                        <m:sSubPr>
+                          <m:ctrlPr>
+                            <a:rPr lang="en-US" i="1">
+                              <a:latin typeface="Cambria Math" panose="02040503050406030204" pitchFamily="18" charset="0"/>
+                            </a:rPr>
+                          </m:ctrlPr>
+                        </m:sSubPr>
+                        <m:e>
+                          <m:r>
+                            <a:rPr lang="el-GR" i="1">
+                              <a:latin typeface="Cambria Math" panose="02040503050406030204" pitchFamily="18" charset="0"/>
+                            </a:rPr>
+                            <m:t>𝜉</m:t>
+                          </m:r>
+                        </m:e>
+                        <m:sub>
+                          <m:r>
+                            <a:rPr lang="en-US" i="1">
+                              <a:latin typeface="Cambria Math" panose="02040503050406030204" pitchFamily="18" charset="0"/>
+                            </a:rPr>
+                            <m:t>𝑖</m:t>
+                          </m:r>
+                        </m:sub>
+                      </m:sSub>
+                      <m:r>
+                        <a:rPr lang="en-US" i="1">
+                          <a:latin typeface="Cambria Math" panose="02040503050406030204" pitchFamily="18" charset="0"/>
+                        </a:rPr>
+                        <m:t>)</m:t>
+                      </m:r>
+                      <m:sSub>
+                        <m:sSubPr>
+                          <m:ctrlPr>
+                            <a:rPr lang="en-US" b="0" i="1" smtClean="0">
+                              <a:latin typeface="Cambria Math" panose="02040503050406030204" pitchFamily="18" charset="0"/>
+                            </a:rPr>
+                          </m:ctrlPr>
+                        </m:sSubPr>
+                        <m:e>
+                          <m:r>
+                            <a:rPr lang="en-US" b="0" i="1" smtClean="0">
+                              <a:latin typeface="Cambria Math" panose="02040503050406030204" pitchFamily="18" charset="0"/>
+                            </a:rPr>
+                            <m:t>𝑧</m:t>
+                          </m:r>
+                        </m:e>
+                        <m:sub>
+                          <m:r>
+                            <a:rPr lang="en-US" b="0" i="1" smtClean="0">
+                              <a:latin typeface="Cambria Math" panose="02040503050406030204" pitchFamily="18" charset="0"/>
+                            </a:rPr>
+                            <m:t>3</m:t>
+                          </m:r>
+                        </m:sub>
+                      </m:sSub>
+                      <m:r>
+                        <a:rPr lang="en-US" b="0" i="1" smtClean="0">
+                          <a:latin typeface="Cambria Math" panose="02040503050406030204" pitchFamily="18" charset="0"/>
+                        </a:rPr>
+                        <m:t> </m:t>
+                      </m:r>
+                    </m:oMath>
+                  </m:oMathPara>
+                </a14:m>
+                <a:endParaRPr lang="en-US" dirty="0"/>
+              </a:p>
+            </p:txBody>
+          </p:sp>
+        </mc:Choice>
+        <mc:Fallback xmlns="">
+          <p:sp>
+            <p:nvSpPr>
+              <p:cNvPr id="18" name="TextBox 17">
+                <a:extLst>
+                  <a:ext uri="{FF2B5EF4-FFF2-40B4-BE49-F238E27FC236}">
+                    <a16:creationId xmlns:a16="http://schemas.microsoft.com/office/drawing/2014/main" id="{CC9FFE50-AC8D-611D-6958-9070584BD8D5}"/>
+                  </a:ext>
+                </a:extLst>
+              </p:cNvPr>
+              <p:cNvSpPr txBox="1">
+                <a:spLocks noRot="1" noChangeAspect="1" noMove="1" noResize="1" noEditPoints="1" noAdjustHandles="1" noChangeArrowheads="1" noChangeShapeType="1" noTextEdit="1"/>
+              </p:cNvSpPr>
+              <p:nvPr/>
+            </p:nvSpPr>
+            <p:spPr>
+              <a:xfrm>
+                <a:off x="7143750" y="4900357"/>
+                <a:ext cx="5484114" cy="396006"/>
+              </a:xfrm>
+              <a:prstGeom prst="rect">
+                <a:avLst/>
+              </a:prstGeom>
+              <a:blipFill>
+                <a:blip r:embed="rId5"/>
+                <a:stretch>
+                  <a:fillRect b="-9231"/>
+                </a:stretch>
+              </a:blipFill>
+            </p:spPr>
+            <p:txBody>
+              <a:bodyPr/>
+              <a:lstStyle/>
+              <a:p>
+                <a:r>
+                  <a:rPr lang="en-US">
+                    <a:noFill/>
+                  </a:rPr>
+                  <a:t> </a:t>
+                </a:r>
+              </a:p>
+            </p:txBody>
+          </p:sp>
+        </mc:Fallback>
+      </mc:AlternateContent>
+      <mc:AlternateContent xmlns:mc="http://schemas.openxmlformats.org/markup-compatibility/2006" xmlns:a14="http://schemas.microsoft.com/office/drawing/2010/main">
+        <mc:Choice Requires="a14">
+          <p:sp>
+            <p:nvSpPr>
+              <p:cNvPr id="19" name="TextBox 18">
+                <a:extLst>
+                  <a:ext uri="{FF2B5EF4-FFF2-40B4-BE49-F238E27FC236}">
+                    <a16:creationId xmlns:a16="http://schemas.microsoft.com/office/drawing/2014/main" id="{C87860CC-B3BE-8BB2-04B2-3F3DC6404DA7}"/>
+                  </a:ext>
+                </a:extLst>
+              </p:cNvPr>
+              <p:cNvSpPr txBox="1"/>
+              <p:nvPr/>
+            </p:nvSpPr>
+            <p:spPr>
+              <a:xfrm>
+                <a:off x="8892339" y="5334250"/>
+                <a:ext cx="3299661" cy="1523750"/>
+              </a:xfrm>
+              <a:prstGeom prst="rect">
+                <a:avLst/>
+              </a:prstGeom>
+              <a:solidFill>
+                <a:schemeClr val="bg1"/>
+              </a:solidFill>
+            </p:spPr>
+            <p:txBody>
+              <a:bodyPr wrap="square">
+                <a:spAutoFit/>
+              </a:bodyPr>
+              <a:lstStyle/>
+              <a:p>
+                <a:pPr/>
+                <a14:m>
+                  <m:oMathPara xmlns:m="http://schemas.openxmlformats.org/officeDocument/2006/math">
+                    <m:oMathParaPr>
+                      <m:jc m:val="centerGroup"/>
+                    </m:oMathParaPr>
+                    <m:oMath xmlns:m="http://schemas.openxmlformats.org/officeDocument/2006/math">
+                      <m:sSub>
+                        <m:sSubPr>
+                          <m:ctrlPr>
+                            <a:rPr lang="en-US" b="0" i="1" smtClean="0">
+                              <a:latin typeface="Cambria Math" panose="02040503050406030204" pitchFamily="18" charset="0"/>
+                            </a:rPr>
+                          </m:ctrlPr>
+                        </m:sSubPr>
+                        <m:e>
+                          <m:r>
+                            <a:rPr lang="en-US" b="0" i="1" smtClean="0">
+                              <a:latin typeface="Cambria Math" panose="02040503050406030204" pitchFamily="18" charset="0"/>
+                            </a:rPr>
+                            <m:t>𝑤</m:t>
+                          </m:r>
+                        </m:e>
+                        <m:sub>
+                          <m:r>
+                            <a:rPr lang="en-US" b="0" i="1" smtClean="0">
+                              <a:latin typeface="Cambria Math" panose="02040503050406030204" pitchFamily="18" charset="0"/>
+                            </a:rPr>
+                            <m:t>𝐼𝑃</m:t>
+                          </m:r>
+                          <m:r>
+                            <a:rPr lang="en-US" b="0" i="1" smtClean="0">
+                              <a:latin typeface="Cambria Math" panose="02040503050406030204" pitchFamily="18" charset="0"/>
+                            </a:rPr>
+                            <m:t>(</m:t>
+                          </m:r>
+                          <m:r>
+                            <a:rPr lang="en-US" b="0" i="1" smtClean="0">
+                              <a:latin typeface="Cambria Math" panose="02040503050406030204" pitchFamily="18" charset="0"/>
+                            </a:rPr>
+                            <m:t>𝑖</m:t>
+                          </m:r>
+                          <m:r>
+                            <a:rPr lang="en-US" b="0" i="1" smtClean="0">
+                              <a:latin typeface="Cambria Math" panose="02040503050406030204" pitchFamily="18" charset="0"/>
+                            </a:rPr>
+                            <m:t>)</m:t>
+                          </m:r>
+                        </m:sub>
+                      </m:sSub>
+                      <m:r>
+                        <a:rPr lang="en-US" i="1">
+                          <a:latin typeface="Cambria Math" panose="02040503050406030204" pitchFamily="18" charset="0"/>
+                        </a:rPr>
+                        <m:t>=</m:t>
+                      </m:r>
+                      <m:sSub>
+                        <m:sSubPr>
+                          <m:ctrlPr>
+                            <a:rPr lang="en-US" i="1">
+                              <a:latin typeface="Cambria Math" panose="02040503050406030204" pitchFamily="18" charset="0"/>
+                            </a:rPr>
+                          </m:ctrlPr>
+                        </m:sSubPr>
+                        <m:e>
+                          <m:r>
+                            <a:rPr lang="en-US" i="1">
+                              <a:latin typeface="Cambria Math" panose="02040503050406030204" pitchFamily="18" charset="0"/>
+                            </a:rPr>
+                            <m:t>𝑤</m:t>
+                          </m:r>
+                        </m:e>
+                        <m:sub>
+                          <m:r>
+                            <a:rPr lang="en-US" i="1">
+                              <a:latin typeface="Cambria Math" panose="02040503050406030204" pitchFamily="18" charset="0"/>
+                            </a:rPr>
+                            <m:t>𝑖</m:t>
+                          </m:r>
+                        </m:sub>
+                      </m:sSub>
+                      <m:r>
+                        <a:rPr lang="en-US" i="1">
+                          <a:latin typeface="Cambria Math" panose="02040503050406030204" pitchFamily="18" charset="0"/>
+                        </a:rPr>
+                        <m:t> </m:t>
+                      </m:r>
+                      <m:d>
+                        <m:dPr>
+                          <m:begChr m:val="|"/>
+                          <m:endChr m:val="|"/>
+                          <m:ctrlPr>
+                            <a:rPr lang="el-GR" i="1">
+                              <a:latin typeface="Cambria Math" panose="02040503050406030204" pitchFamily="18" charset="0"/>
+                              <a:ea typeface="Cambria Math" panose="02040503050406030204" pitchFamily="18" charset="0"/>
+                            </a:rPr>
+                          </m:ctrlPr>
+                        </m:dPr>
+                        <m:e>
+                          <m:sSub>
+                            <m:sSubPr>
+                              <m:ctrlPr>
+                                <a:rPr lang="en-US" i="1">
+                                  <a:latin typeface="Cambria Math" panose="02040503050406030204" pitchFamily="18" charset="0"/>
+                                  <a:ea typeface="Cambria Math" panose="02040503050406030204" pitchFamily="18" charset="0"/>
+                                </a:rPr>
+                              </m:ctrlPr>
+                            </m:sSubPr>
+                            <m:e>
+                              <m:r>
+                                <a:rPr lang="en-US" i="1">
+                                  <a:latin typeface="Cambria Math" panose="02040503050406030204" pitchFamily="18" charset="0"/>
+                                  <a:ea typeface="Cambria Math" panose="02040503050406030204" pitchFamily="18" charset="0"/>
+                                </a:rPr>
+                                <m:t>𝐽</m:t>
+                              </m:r>
+                            </m:e>
+                            <m:sub>
+                              <m:r>
+                                <a:rPr lang="en-US" b="1" i="1">
+                                  <a:latin typeface="Cambria Math" panose="02040503050406030204" pitchFamily="18" charset="0"/>
+                                  <a:ea typeface="Cambria Math" panose="02040503050406030204" pitchFamily="18" charset="0"/>
+                                </a:rPr>
+                                <m:t>𝒙</m:t>
+                              </m:r>
+                              <m:r>
+                                <a:rPr lang="en-US" b="1" i="1">
+                                  <a:latin typeface="Cambria Math" panose="02040503050406030204" pitchFamily="18" charset="0"/>
+                                  <a:ea typeface="Cambria Math" panose="02040503050406030204" pitchFamily="18" charset="0"/>
+                                </a:rPr>
+                                <m:t>→</m:t>
+                              </m:r>
+                              <m:r>
+                                <a:rPr lang="el-GR" b="1" i="1">
+                                  <a:latin typeface="Cambria Math" panose="02040503050406030204" pitchFamily="18" charset="0"/>
+                                  <a:ea typeface="Cambria Math" panose="02040503050406030204" pitchFamily="18" charset="0"/>
+                                </a:rPr>
+                                <m:t>𝜼</m:t>
+                              </m:r>
+                              <m:r>
+                                <a:rPr lang="en-US" b="1" i="1">
+                                  <a:latin typeface="Cambria Math" panose="02040503050406030204" pitchFamily="18" charset="0"/>
+                                  <a:ea typeface="Cambria Math" panose="02040503050406030204" pitchFamily="18" charset="0"/>
+                                </a:rPr>
+                                <m:t> </m:t>
+                              </m:r>
+                            </m:sub>
+                          </m:sSub>
+                        </m:e>
+                      </m:d>
+                    </m:oMath>
+                  </m:oMathPara>
+                </a14:m>
+                <a:endParaRPr lang="en-US" dirty="0"/>
+              </a:p>
+              <a:p>
+                <a:r>
+                  <a:rPr lang="en-US" dirty="0"/>
+                  <a:t>For triangular elements Jacobian = const = area of triangle</a:t>
+                </a:r>
+              </a:p>
+              <a:p>
+                <a:endParaRPr lang="en-US" dirty="0"/>
+              </a:p>
+            </p:txBody>
+          </p:sp>
+        </mc:Choice>
+        <mc:Fallback xmlns="">
+          <p:sp>
+            <p:nvSpPr>
+              <p:cNvPr id="19" name="TextBox 18">
+                <a:extLst>
+                  <a:ext uri="{FF2B5EF4-FFF2-40B4-BE49-F238E27FC236}">
+                    <a16:creationId xmlns:a16="http://schemas.microsoft.com/office/drawing/2014/main" id="{C87860CC-B3BE-8BB2-04B2-3F3DC6404DA7}"/>
+                  </a:ext>
+                </a:extLst>
+              </p:cNvPr>
+              <p:cNvSpPr txBox="1">
+                <a:spLocks noRot="1" noChangeAspect="1" noMove="1" noResize="1" noEditPoints="1" noAdjustHandles="1" noChangeArrowheads="1" noChangeShapeType="1" noTextEdit="1"/>
+              </p:cNvSpPr>
+              <p:nvPr/>
+            </p:nvSpPr>
+            <p:spPr>
+              <a:xfrm>
+                <a:off x="8892339" y="5334250"/>
+                <a:ext cx="3299661" cy="1523750"/>
+              </a:xfrm>
+              <a:prstGeom prst="rect">
+                <a:avLst/>
+              </a:prstGeom>
+              <a:blipFill>
+                <a:blip r:embed="rId6"/>
+                <a:stretch>
+                  <a:fillRect l="-1664"/>
+                </a:stretch>
+              </a:blipFill>
+            </p:spPr>
+            <p:txBody>
+              <a:bodyPr/>
+              <a:lstStyle/>
+              <a:p>
+                <a:r>
+                  <a:rPr lang="en-US">
+                    <a:noFill/>
+                  </a:rPr>
+                  <a:t> </a:t>
+                </a:r>
+              </a:p>
+            </p:txBody>
+          </p:sp>
+        </mc:Fallback>
+      </mc:AlternateContent>
+      <p:cxnSp>
+        <p:nvCxnSpPr>
+          <p:cNvPr id="21" name="Straight Connector 20">
+            <a:extLst>
+              <a:ext uri="{FF2B5EF4-FFF2-40B4-BE49-F238E27FC236}">
+                <a16:creationId xmlns:a16="http://schemas.microsoft.com/office/drawing/2014/main" id="{258F9FC4-657A-1EC3-1D02-35D183B3D020}"/>
+              </a:ext>
+            </a:extLst>
+          </p:cNvPr>
+          <p:cNvCxnSpPr>
+            <a:cxnSpLocks/>
+          </p:cNvCxnSpPr>
+          <p:nvPr/>
+        </p:nvCxnSpPr>
+        <p:spPr>
+          <a:xfrm flipV="1">
+            <a:off x="6458552" y="5582653"/>
+            <a:ext cx="2974206" cy="192505"/>
+          </a:xfrm>
+          <a:prstGeom prst="line">
+            <a:avLst/>
+          </a:prstGeom>
+          <a:ln w="38100">
+            <a:solidFill>
+              <a:srgbClr val="FF0000"/>
+            </a:solidFill>
+          </a:ln>
+        </p:spPr>
+        <p:style>
+          <a:lnRef idx="2">
+            <a:schemeClr val="accent1"/>
+          </a:lnRef>
+          <a:fillRef idx="0">
+            <a:schemeClr val="accent1"/>
+          </a:fillRef>
+          <a:effectRef idx="1">
+            <a:schemeClr val="accent1"/>
+          </a:effectRef>
+          <a:fontRef idx="minor">
+            <a:schemeClr val="tx1"/>
+          </a:fontRef>
+        </p:style>
+      </p:cxnSp>
+    </p:spTree>
+    <p:extLst>
+      <p:ext uri="{BB962C8B-B14F-4D97-AF65-F5344CB8AC3E}">
+        <p14:creationId xmlns:p14="http://schemas.microsoft.com/office/powerpoint/2010/main" val="75081857"/>
+      </p:ext>
+    </p:extLst>
+  </p:cSld>
+  <p:clrMapOvr>
+    <a:masterClrMapping/>
+  </p:clrMapOvr>
+</p:sld>
+</file>
+
+<file path=ppt/slides/slide39.xml><?xml version="1.0" encoding="utf-8"?>
+<p:sld xmlns:a="http://schemas.openxmlformats.org/drawingml/2006/main" xmlns:r="http://schemas.openxmlformats.org/officeDocument/2006/relationships" xmlns:p="http://schemas.openxmlformats.org/presentationml/2006/main">
+  <p:cSld>
+    <p:spTree>
+      <p:nvGrpSpPr>
+        <p:cNvPr id="1" name=""/>
+        <p:cNvGrpSpPr/>
+        <p:nvPr/>
+      </p:nvGrpSpPr>
+      <p:grpSpPr>
+        <a:xfrm>
+          <a:off x="0" y="0"/>
+          <a:ext cx="0" cy="0"/>
+          <a:chOff x="0" y="0"/>
+          <a:chExt cx="0" cy="0"/>
+        </a:xfrm>
+      </p:grpSpPr>
+      <p:sp>
+        <p:nvSpPr>
+          <p:cNvPr id="4" name="Title 1">
+            <a:extLst>
+              <a:ext uri="{FF2B5EF4-FFF2-40B4-BE49-F238E27FC236}">
+                <a16:creationId xmlns:a16="http://schemas.microsoft.com/office/drawing/2014/main" id="{2DF800E9-39F7-CCD2-9EBE-1B4D62C1B70A}"/>
+              </a:ext>
+            </a:extLst>
+          </p:cNvPr>
+          <p:cNvSpPr>
+            <a:spLocks noGrp="1"/>
+          </p:cNvSpPr>
+          <p:nvPr>
+            <p:ph type="title"/>
+          </p:nvPr>
+        </p:nvSpPr>
+        <p:spPr>
+          <a:xfrm>
+            <a:off x="838200" y="310697"/>
+            <a:ext cx="10515600" cy="1325563"/>
+          </a:xfrm>
+        </p:spPr>
+        <p:txBody>
+          <a:bodyPr/>
+          <a:lstStyle/>
+          <a:p>
+            <a:r>
+              <a:rPr lang="en-US" dirty="0"/>
+              <a:t>Integration points on the boundaries for Solid</a:t>
+            </a:r>
+          </a:p>
+        </p:txBody>
+      </p:sp>
+      <p:pic>
+        <p:nvPicPr>
+          <p:cNvPr id="6" name="Picture 5">
+            <a:extLst>
+              <a:ext uri="{FF2B5EF4-FFF2-40B4-BE49-F238E27FC236}">
+                <a16:creationId xmlns:a16="http://schemas.microsoft.com/office/drawing/2014/main" id="{34509F99-3993-7804-22EA-52E16BA0B28C}"/>
+              </a:ext>
+            </a:extLst>
+          </p:cNvPr>
+          <p:cNvPicPr>
+            <a:picLocks noChangeAspect="1"/>
+          </p:cNvPicPr>
+          <p:nvPr/>
+        </p:nvPicPr>
+        <p:blipFill>
+          <a:blip r:embed="rId2"/>
+          <a:stretch>
+            <a:fillRect/>
+          </a:stretch>
+        </p:blipFill>
+        <p:spPr>
+          <a:xfrm>
+            <a:off x="509691" y="1810431"/>
+            <a:ext cx="10374533" cy="4133169"/>
+          </a:xfrm>
+          <a:prstGeom prst="rect">
+            <a:avLst/>
+          </a:prstGeom>
+        </p:spPr>
+      </p:pic>
+      <p:sp>
+        <p:nvSpPr>
+          <p:cNvPr id="7" name="TextBox 6">
+            <a:extLst>
+              <a:ext uri="{FF2B5EF4-FFF2-40B4-BE49-F238E27FC236}">
+                <a16:creationId xmlns:a16="http://schemas.microsoft.com/office/drawing/2014/main" id="{B2FCAE05-2783-5714-FC26-67529DD0F5C5}"/>
+              </a:ext>
+            </a:extLst>
+          </p:cNvPr>
+          <p:cNvSpPr txBox="1"/>
+          <p:nvPr/>
+        </p:nvSpPr>
+        <p:spPr>
+          <a:xfrm>
+            <a:off x="509691" y="1441099"/>
+            <a:ext cx="6132478" cy="369332"/>
+          </a:xfrm>
+          <a:prstGeom prst="rect">
+            <a:avLst/>
+          </a:prstGeom>
+          <a:noFill/>
+        </p:spPr>
+        <p:txBody>
+          <a:bodyPr wrap="square">
+            <a:spAutoFit/>
+          </a:bodyPr>
+          <a:lstStyle/>
+          <a:p>
+            <a:r>
+              <a:rPr lang="en-US" dirty="0"/>
+              <a:t>C:\QuESo\queso\containers\triangle_mesh_interface.hpp</a:t>
+            </a:r>
+          </a:p>
+        </p:txBody>
+      </p:sp>
+      <p:grpSp>
+        <p:nvGrpSpPr>
+          <p:cNvPr id="44" name="Group 43">
+            <a:extLst>
+              <a:ext uri="{FF2B5EF4-FFF2-40B4-BE49-F238E27FC236}">
+                <a16:creationId xmlns:a16="http://schemas.microsoft.com/office/drawing/2014/main" id="{6E98832B-FBB5-CC1D-E0CB-C6F0264CFA74}"/>
+              </a:ext>
+            </a:extLst>
+          </p:cNvPr>
+          <p:cNvGrpSpPr/>
+          <p:nvPr/>
+        </p:nvGrpSpPr>
+        <p:grpSpPr>
+          <a:xfrm>
+            <a:off x="7630498" y="2569423"/>
+            <a:ext cx="3511296" cy="2615184"/>
+            <a:chOff x="7571232" y="2569423"/>
+            <a:chExt cx="3511296" cy="2615184"/>
+          </a:xfrm>
+        </p:grpSpPr>
+        <p:grpSp>
+          <p:nvGrpSpPr>
+            <p:cNvPr id="30" name="Group 29">
+              <a:extLst>
+                <a:ext uri="{FF2B5EF4-FFF2-40B4-BE49-F238E27FC236}">
+                  <a16:creationId xmlns:a16="http://schemas.microsoft.com/office/drawing/2014/main" id="{320FDC70-9839-6973-C2C9-E6EC030A01F8}"/>
+                </a:ext>
+              </a:extLst>
+            </p:cNvPr>
+            <p:cNvGrpSpPr/>
+            <p:nvPr/>
+          </p:nvGrpSpPr>
+          <p:grpSpPr>
+            <a:xfrm>
+              <a:off x="7571232" y="2569423"/>
+              <a:ext cx="3511296" cy="2615184"/>
+              <a:chOff x="7680960" y="2569423"/>
+              <a:chExt cx="3511296" cy="2615184"/>
+            </a:xfrm>
+          </p:grpSpPr>
+          <p:sp>
+            <p:nvSpPr>
+              <p:cNvPr id="8" name="Rectangle 7">
+                <a:extLst>
+                  <a:ext uri="{FF2B5EF4-FFF2-40B4-BE49-F238E27FC236}">
+                    <a16:creationId xmlns:a16="http://schemas.microsoft.com/office/drawing/2014/main" id="{EE424854-CF6F-ED7A-8E0A-51BA44D78D1C}"/>
+                  </a:ext>
+                </a:extLst>
+              </p:cNvPr>
+              <p:cNvSpPr/>
+              <p:nvPr/>
+            </p:nvSpPr>
+            <p:spPr>
+              <a:xfrm>
+                <a:off x="7680960" y="2569423"/>
+                <a:ext cx="3511296" cy="2615184"/>
+              </a:xfrm>
+              <a:prstGeom prst="rect">
+                <a:avLst/>
+              </a:prstGeom>
+              <a:solidFill>
+                <a:schemeClr val="bg1"/>
+              </a:solidFill>
+              <a:ln>
+                <a:noFill/>
+              </a:ln>
+            </p:spPr>
+            <p:style>
+              <a:lnRef idx="2">
+                <a:schemeClr val="accent1">
+                  <a:shade val="15000"/>
+                </a:schemeClr>
+              </a:lnRef>
+              <a:fillRef idx="1">
+                <a:schemeClr val="accent1"/>
+              </a:fillRef>
+              <a:effectRef idx="0">
+                <a:schemeClr val="accent1"/>
+              </a:effectRef>
+              <a:fontRef idx="minor">
+                <a:schemeClr val="lt1"/>
+              </a:fontRef>
+            </p:style>
+            <p:txBody>
+              <a:bodyPr rtlCol="0" anchor="ctr"/>
+              <a:lstStyle/>
+              <a:p>
+                <a:pPr algn="ctr"/>
+                <a:endParaRPr lang="en-US"/>
+              </a:p>
+            </p:txBody>
+          </p:sp>
+          <p:grpSp>
+            <p:nvGrpSpPr>
+              <p:cNvPr id="22" name="Group 21">
+                <a:extLst>
+                  <a:ext uri="{FF2B5EF4-FFF2-40B4-BE49-F238E27FC236}">
+                    <a16:creationId xmlns:a16="http://schemas.microsoft.com/office/drawing/2014/main" id="{4A6B6B2C-4BFC-E2A9-FD0D-814EFF98A80B}"/>
+                  </a:ext>
+                </a:extLst>
+              </p:cNvPr>
+              <p:cNvGrpSpPr/>
+              <p:nvPr/>
+            </p:nvGrpSpPr>
+            <p:grpSpPr>
+              <a:xfrm>
+                <a:off x="8339327" y="2944307"/>
+                <a:ext cx="2362017" cy="1783080"/>
+                <a:chOff x="8522207" y="2706624"/>
+                <a:chExt cx="2362017" cy="1783080"/>
+              </a:xfrm>
+            </p:grpSpPr>
+            <p:cxnSp>
+              <p:nvCxnSpPr>
+                <p:cNvPr id="13" name="Straight Connector 12">
+                  <a:extLst>
+                    <a:ext uri="{FF2B5EF4-FFF2-40B4-BE49-F238E27FC236}">
+                      <a16:creationId xmlns:a16="http://schemas.microsoft.com/office/drawing/2014/main" id="{BF6B4290-A398-C226-BAC8-EE9311C6B525}"/>
+                    </a:ext>
+                  </a:extLst>
+                </p:cNvPr>
+                <p:cNvCxnSpPr>
+                  <a:cxnSpLocks/>
+                </p:cNvCxnSpPr>
+                <p:nvPr/>
+              </p:nvCxnSpPr>
+              <p:spPr>
+                <a:xfrm flipH="1" flipV="1">
+                  <a:off x="8522207" y="2706624"/>
+                  <a:ext cx="1" cy="1783080"/>
+                </a:xfrm>
+                <a:prstGeom prst="line">
+                  <a:avLst/>
+                </a:prstGeom>
+              </p:spPr>
+              <p:style>
+                <a:lnRef idx="2">
+                  <a:schemeClr val="accent1"/>
+                </a:lnRef>
+                <a:fillRef idx="0">
+                  <a:schemeClr val="accent1"/>
+                </a:fillRef>
+                <a:effectRef idx="1">
+                  <a:schemeClr val="accent1"/>
+                </a:effectRef>
+                <a:fontRef idx="minor">
+                  <a:schemeClr val="tx1"/>
+                </a:fontRef>
+              </p:style>
+            </p:cxnSp>
+            <p:cxnSp>
+              <p:nvCxnSpPr>
+                <p:cNvPr id="14" name="Straight Connector 13">
+                  <a:extLst>
+                    <a:ext uri="{FF2B5EF4-FFF2-40B4-BE49-F238E27FC236}">
+                      <a16:creationId xmlns:a16="http://schemas.microsoft.com/office/drawing/2014/main" id="{33E1EA96-3E53-3273-5AE9-D5281B6651B4}"/>
+                    </a:ext>
+                  </a:extLst>
+                </p:cNvPr>
+                <p:cNvCxnSpPr>
+                  <a:cxnSpLocks/>
+                </p:cNvCxnSpPr>
+                <p:nvPr/>
+              </p:nvCxnSpPr>
+              <p:spPr>
+                <a:xfrm>
+                  <a:off x="8522208" y="4489704"/>
+                  <a:ext cx="2362016" cy="0"/>
+                </a:xfrm>
+                <a:prstGeom prst="line">
+                  <a:avLst/>
+                </a:prstGeom>
+              </p:spPr>
+              <p:style>
+                <a:lnRef idx="2">
+                  <a:schemeClr val="accent1"/>
+                </a:lnRef>
+                <a:fillRef idx="0">
+                  <a:schemeClr val="accent1"/>
+                </a:fillRef>
+                <a:effectRef idx="1">
+                  <a:schemeClr val="accent1"/>
+                </a:effectRef>
+                <a:fontRef idx="minor">
+                  <a:schemeClr val="tx1"/>
+                </a:fontRef>
+              </p:style>
+            </p:cxnSp>
+            <p:cxnSp>
+              <p:nvCxnSpPr>
+                <p:cNvPr id="17" name="Straight Connector 16">
+                  <a:extLst>
+                    <a:ext uri="{FF2B5EF4-FFF2-40B4-BE49-F238E27FC236}">
+                      <a16:creationId xmlns:a16="http://schemas.microsoft.com/office/drawing/2014/main" id="{800DB16F-C1D9-0C45-1B88-0C868EC5012C}"/>
+                    </a:ext>
+                  </a:extLst>
+                </p:cNvPr>
+                <p:cNvCxnSpPr>
+                  <a:cxnSpLocks/>
+                </p:cNvCxnSpPr>
+                <p:nvPr/>
+              </p:nvCxnSpPr>
+              <p:spPr>
+                <a:xfrm>
+                  <a:off x="8522207" y="3026664"/>
+                  <a:ext cx="1417321" cy="1463040"/>
+                </a:xfrm>
+                <a:prstGeom prst="line">
+                  <a:avLst/>
+                </a:prstGeom>
+              </p:spPr>
+              <p:style>
+                <a:lnRef idx="2">
+                  <a:schemeClr val="accent1"/>
+                </a:lnRef>
+                <a:fillRef idx="0">
+                  <a:schemeClr val="accent1"/>
+                </a:fillRef>
+                <a:effectRef idx="1">
+                  <a:schemeClr val="accent1"/>
+                </a:effectRef>
+                <a:fontRef idx="minor">
+                  <a:schemeClr val="tx1"/>
+                </a:fontRef>
+              </p:style>
+            </p:cxnSp>
+          </p:grpSp>
+          <mc:AlternateContent xmlns:mc="http://schemas.openxmlformats.org/markup-compatibility/2006" xmlns:a14="http://schemas.microsoft.com/office/drawing/2010/main">
+            <mc:Choice Requires="a14">
+              <p:sp>
+                <p:nvSpPr>
+                  <p:cNvPr id="23" name="TextBox 22">
+                    <a:extLst>
+                      <a:ext uri="{FF2B5EF4-FFF2-40B4-BE49-F238E27FC236}">
+                        <a16:creationId xmlns:a16="http://schemas.microsoft.com/office/drawing/2014/main" id="{6946A0A4-82C7-FC52-C044-D3C08A77A16B}"/>
+                      </a:ext>
+                    </a:extLst>
+                  </p:cNvPr>
+                  <p:cNvSpPr txBox="1"/>
+                  <p:nvPr/>
+                </p:nvSpPr>
+                <p:spPr>
+                  <a:xfrm>
+                    <a:off x="8831977" y="4698168"/>
+                    <a:ext cx="386759" cy="380553"/>
+                  </a:xfrm>
+                  <a:prstGeom prst="rect">
+                    <a:avLst/>
+                  </a:prstGeom>
+                  <a:noFill/>
+                </p:spPr>
+                <p:txBody>
+                  <a:bodyPr wrap="square">
+                    <a:spAutoFit/>
+                  </a:bodyPr>
+                  <a:lstStyle/>
+                  <a:p>
+                    <a:pPr/>
+                    <a14:m>
+                      <m:oMathPara xmlns:m="http://schemas.openxmlformats.org/officeDocument/2006/math">
+                        <m:oMathParaPr>
+                          <m:jc m:val="centerGroup"/>
+                        </m:oMathParaPr>
+                        <m:oMath xmlns:m="http://schemas.openxmlformats.org/officeDocument/2006/math">
+                          <m:acc>
+                            <m:accPr>
+                              <m:chr m:val="̃"/>
+                              <m:ctrlPr>
+                                <a:rPr lang="el-GR" i="1" smtClean="0">
+                                  <a:latin typeface="Cambria Math" panose="02040503050406030204" pitchFamily="18" charset="0"/>
+                                  <a:ea typeface="Cambria Math" panose="02040503050406030204" pitchFamily="18" charset="0"/>
+                                </a:rPr>
+                              </m:ctrlPr>
+                            </m:accPr>
+                            <m:e>
+                              <m:r>
+                                <a:rPr lang="el-GR" i="1">
+                                  <a:latin typeface="Cambria Math" panose="02040503050406030204" pitchFamily="18" charset="0"/>
+                                  <a:ea typeface="Cambria Math" panose="02040503050406030204" pitchFamily="18" charset="0"/>
+                                </a:rPr>
+                                <m:t>𝜂</m:t>
+                              </m:r>
+                            </m:e>
+                          </m:acc>
+                        </m:oMath>
+                      </m:oMathPara>
+                    </a14:m>
+                    <a:endParaRPr lang="en-US" b="1" dirty="0"/>
+                  </a:p>
+                </p:txBody>
+              </p:sp>
+            </mc:Choice>
+            <mc:Fallback xmlns="">
+              <p:sp>
+                <p:nvSpPr>
+                  <p:cNvPr id="23" name="TextBox 22">
+                    <a:extLst>
+                      <a:ext uri="{FF2B5EF4-FFF2-40B4-BE49-F238E27FC236}">
+                        <a16:creationId xmlns:a16="http://schemas.microsoft.com/office/drawing/2014/main" id="{6946A0A4-82C7-FC52-C044-D3C08A77A16B}"/>
+                      </a:ext>
+                    </a:extLst>
+                  </p:cNvPr>
+                  <p:cNvSpPr txBox="1">
+                    <a:spLocks noRot="1" noChangeAspect="1" noMove="1" noResize="1" noEditPoints="1" noAdjustHandles="1" noChangeArrowheads="1" noChangeShapeType="1" noTextEdit="1"/>
+                  </p:cNvSpPr>
+                  <p:nvPr/>
+                </p:nvSpPr>
+                <p:spPr>
+                  <a:xfrm>
+                    <a:off x="8831977" y="4698168"/>
+                    <a:ext cx="386759" cy="380553"/>
+                  </a:xfrm>
+                  <a:prstGeom prst="rect">
+                    <a:avLst/>
+                  </a:prstGeom>
+                  <a:blipFill>
+                    <a:blip r:embed="rId3"/>
+                    <a:stretch>
+                      <a:fillRect r="-9524" b="-3226"/>
+                    </a:stretch>
+                  </a:blipFill>
+                </p:spPr>
+                <p:txBody>
+                  <a:bodyPr/>
+                  <a:lstStyle/>
+                  <a:p>
+                    <a:r>
+                      <a:rPr lang="en-US">
+                        <a:noFill/>
+                      </a:rPr>
+                      <a:t> </a:t>
+                    </a:r>
+                  </a:p>
+                </p:txBody>
+              </p:sp>
+            </mc:Fallback>
+          </mc:AlternateContent>
+          <mc:AlternateContent xmlns:mc="http://schemas.openxmlformats.org/markup-compatibility/2006" xmlns:a14="http://schemas.microsoft.com/office/drawing/2010/main">
+            <mc:Choice Requires="a14">
+              <p:sp>
+                <p:nvSpPr>
+                  <p:cNvPr id="24" name="TextBox 23">
+                    <a:extLst>
+                      <a:ext uri="{FF2B5EF4-FFF2-40B4-BE49-F238E27FC236}">
+                        <a16:creationId xmlns:a16="http://schemas.microsoft.com/office/drawing/2014/main" id="{90ED1E29-AA8F-863F-7D71-C622D911DEA0}"/>
+                      </a:ext>
+                    </a:extLst>
+                  </p:cNvPr>
+                  <p:cNvSpPr txBox="1"/>
+                  <p:nvPr/>
+                </p:nvSpPr>
+                <p:spPr>
+                  <a:xfrm>
+                    <a:off x="7952567" y="3793893"/>
+                    <a:ext cx="386759" cy="380553"/>
+                  </a:xfrm>
+                  <a:prstGeom prst="rect">
+                    <a:avLst/>
+                  </a:prstGeom>
+                  <a:noFill/>
+                </p:spPr>
+                <p:txBody>
+                  <a:bodyPr wrap="square">
+                    <a:spAutoFit/>
+                  </a:bodyPr>
+                  <a:lstStyle/>
+                  <a:p>
+                    <a:pPr/>
+                    <a14:m>
+                      <m:oMathPara xmlns:m="http://schemas.openxmlformats.org/officeDocument/2006/math">
+                        <m:oMathParaPr>
+                          <m:jc m:val="centerGroup"/>
+                        </m:oMathParaPr>
+                        <m:oMath xmlns:m="http://schemas.openxmlformats.org/officeDocument/2006/math">
+                          <m:acc>
+                            <m:accPr>
+                              <m:chr m:val="̃"/>
+                              <m:ctrlPr>
+                                <a:rPr lang="el-GR" i="1">
+                                  <a:latin typeface="Cambria Math" panose="02040503050406030204" pitchFamily="18" charset="0"/>
+                                  <a:ea typeface="Cambria Math" panose="02040503050406030204" pitchFamily="18" charset="0"/>
+                                </a:rPr>
+                              </m:ctrlPr>
+                            </m:accPr>
+                            <m:e>
+                              <m:r>
+                                <a:rPr lang="el-GR" i="1">
+                                  <a:latin typeface="Cambria Math" panose="02040503050406030204" pitchFamily="18" charset="0"/>
+                                  <a:ea typeface="Cambria Math" panose="02040503050406030204" pitchFamily="18" charset="0"/>
+                                </a:rPr>
+                                <m:t>𝜉</m:t>
+                              </m:r>
+                            </m:e>
+                          </m:acc>
+                        </m:oMath>
+                      </m:oMathPara>
+                    </a14:m>
+                    <a:endParaRPr lang="en-US" b="1" dirty="0"/>
+                  </a:p>
+                </p:txBody>
+              </p:sp>
+            </mc:Choice>
+            <mc:Fallback xmlns="">
+              <p:sp>
+                <p:nvSpPr>
+                  <p:cNvPr id="24" name="TextBox 23">
+                    <a:extLst>
+                      <a:ext uri="{FF2B5EF4-FFF2-40B4-BE49-F238E27FC236}">
+                        <a16:creationId xmlns:a16="http://schemas.microsoft.com/office/drawing/2014/main" id="{90ED1E29-AA8F-863F-7D71-C622D911DEA0}"/>
+                      </a:ext>
+                    </a:extLst>
+                  </p:cNvPr>
+                  <p:cNvSpPr txBox="1">
+                    <a:spLocks noRot="1" noChangeAspect="1" noMove="1" noResize="1" noEditPoints="1" noAdjustHandles="1" noChangeArrowheads="1" noChangeShapeType="1" noTextEdit="1"/>
+                  </p:cNvSpPr>
+                  <p:nvPr/>
+                </p:nvSpPr>
+                <p:spPr>
+                  <a:xfrm>
+                    <a:off x="7952567" y="3793893"/>
+                    <a:ext cx="386759" cy="380553"/>
+                  </a:xfrm>
+                  <a:prstGeom prst="rect">
+                    <a:avLst/>
+                  </a:prstGeom>
+                  <a:blipFill>
+                    <a:blip r:embed="rId4"/>
+                    <a:stretch>
+                      <a:fillRect t="-4762" r="-14063" b="-12698"/>
+                    </a:stretch>
+                  </a:blipFill>
+                </p:spPr>
+                <p:txBody>
+                  <a:bodyPr/>
+                  <a:lstStyle/>
+                  <a:p>
+                    <a:r>
+                      <a:rPr lang="en-US">
+                        <a:noFill/>
+                      </a:rPr>
+                      <a:t> </a:t>
+                    </a:r>
+                  </a:p>
+                </p:txBody>
+              </p:sp>
+            </mc:Fallback>
+          </mc:AlternateContent>
+          <p:sp>
+            <p:nvSpPr>
+              <p:cNvPr id="25" name="TextBox 24">
+                <a:extLst>
+                  <a:ext uri="{FF2B5EF4-FFF2-40B4-BE49-F238E27FC236}">
+                    <a16:creationId xmlns:a16="http://schemas.microsoft.com/office/drawing/2014/main" id="{6A91D12F-F333-0FE3-1B2A-7DCC7DBE11AC}"/>
+                  </a:ext>
+                </a:extLst>
+              </p:cNvPr>
+              <p:cNvSpPr txBox="1"/>
+              <p:nvPr/>
+            </p:nvSpPr>
+            <p:spPr>
+              <a:xfrm>
+                <a:off x="9645769" y="4737035"/>
+                <a:ext cx="386759" cy="369332"/>
+              </a:xfrm>
+              <a:prstGeom prst="rect">
+                <a:avLst/>
+              </a:prstGeom>
+              <a:noFill/>
+            </p:spPr>
+            <p:txBody>
+              <a:bodyPr wrap="square">
+                <a:spAutoFit/>
+              </a:bodyPr>
+              <a:lstStyle/>
+              <a:p>
+                <a:r>
+                  <a:rPr lang="el-GR" b="1" dirty="0"/>
+                  <a:t>2</a:t>
+                </a:r>
+                <a:endParaRPr lang="en-US" b="1" dirty="0"/>
+              </a:p>
+            </p:txBody>
+          </p:sp>
+          <p:sp>
+            <p:nvSpPr>
+              <p:cNvPr id="26" name="TextBox 25">
+                <a:extLst>
+                  <a:ext uri="{FF2B5EF4-FFF2-40B4-BE49-F238E27FC236}">
+                    <a16:creationId xmlns:a16="http://schemas.microsoft.com/office/drawing/2014/main" id="{C4A69A40-BF7C-402D-3401-2DE50A9570B3}"/>
+                  </a:ext>
+                </a:extLst>
+              </p:cNvPr>
+              <p:cNvSpPr txBox="1"/>
+              <p:nvPr/>
+            </p:nvSpPr>
+            <p:spPr>
+              <a:xfrm>
+                <a:off x="8000765" y="4640136"/>
+                <a:ext cx="386759" cy="369332"/>
+              </a:xfrm>
+              <a:prstGeom prst="rect">
+                <a:avLst/>
+              </a:prstGeom>
+              <a:noFill/>
+            </p:spPr>
+            <p:txBody>
+              <a:bodyPr wrap="square">
+                <a:spAutoFit/>
+              </a:bodyPr>
+              <a:lstStyle/>
+              <a:p>
+                <a:r>
+                  <a:rPr lang="el-GR" b="1" dirty="0"/>
+                  <a:t>1</a:t>
+                </a:r>
+                <a:endParaRPr lang="en-US" b="1" dirty="0"/>
+              </a:p>
+            </p:txBody>
+          </p:sp>
+        </p:grpSp>
+        <p:sp>
+          <p:nvSpPr>
+            <p:cNvPr id="43" name="TextBox 42">
+              <a:extLst>
+                <a:ext uri="{FF2B5EF4-FFF2-40B4-BE49-F238E27FC236}">
+                  <a16:creationId xmlns:a16="http://schemas.microsoft.com/office/drawing/2014/main" id="{BDB4F9AE-0FBA-6597-76C6-AB6207B7663B}"/>
+                </a:ext>
+              </a:extLst>
+            </p:cNvPr>
+            <p:cNvSpPr txBox="1"/>
+            <p:nvPr/>
+          </p:nvSpPr>
+          <p:spPr>
+            <a:xfrm>
+              <a:off x="7853543" y="3162454"/>
+              <a:ext cx="386759" cy="369332"/>
+            </a:xfrm>
+            <a:prstGeom prst="rect">
+              <a:avLst/>
+            </a:prstGeom>
+            <a:noFill/>
+          </p:spPr>
+          <p:txBody>
+            <a:bodyPr wrap="square">
+              <a:spAutoFit/>
+            </a:bodyPr>
+            <a:lstStyle/>
+            <a:p>
+              <a:r>
+                <a:rPr lang="el-GR" b="1" dirty="0"/>
+                <a:t>3</a:t>
+              </a:r>
+              <a:endParaRPr lang="en-US" b="1" dirty="0"/>
+            </a:p>
+          </p:txBody>
+        </p:sp>
+      </p:grpSp>
+      <mc:AlternateContent xmlns:mc="http://schemas.openxmlformats.org/markup-compatibility/2006" xmlns:a14="http://schemas.microsoft.com/office/drawing/2010/main">
+        <mc:Choice Requires="a14">
+          <p:sp>
+            <p:nvSpPr>
+              <p:cNvPr id="45" name="TextBox 44">
+                <a:extLst>
+                  <a:ext uri="{FF2B5EF4-FFF2-40B4-BE49-F238E27FC236}">
+                    <a16:creationId xmlns:a16="http://schemas.microsoft.com/office/drawing/2014/main" id="{EE51C26C-5475-687A-46CC-DB9DB4812053}"/>
+                  </a:ext>
+                </a:extLst>
+              </p:cNvPr>
+              <p:cNvSpPr txBox="1"/>
+              <p:nvPr/>
+            </p:nvSpPr>
+            <p:spPr>
+              <a:xfrm>
+                <a:off x="9092431" y="3186107"/>
+                <a:ext cx="2815103" cy="404983"/>
+              </a:xfrm>
+              <a:prstGeom prst="rect">
+                <a:avLst/>
+              </a:prstGeom>
+              <a:solidFill>
+                <a:schemeClr val="bg1"/>
+              </a:solidFill>
+            </p:spPr>
+            <p:txBody>
+              <a:bodyPr wrap="square">
+                <a:spAutoFit/>
+              </a:bodyPr>
+              <a:lstStyle/>
+              <a:p>
+                <a:pPr/>
+                <a14:m>
+                  <m:oMathPara xmlns:m="http://schemas.openxmlformats.org/officeDocument/2006/math">
+                    <m:oMathParaPr>
+                      <m:jc m:val="centerGroup"/>
+                    </m:oMathParaPr>
+                    <m:oMath xmlns:m="http://schemas.openxmlformats.org/officeDocument/2006/math">
+                      <m:r>
+                        <a:rPr lang="en-US" b="0" i="1" smtClean="0">
+                          <a:latin typeface="Cambria Math" panose="02040503050406030204" pitchFamily="18" charset="0"/>
+                        </a:rPr>
+                        <m:t>𝑁</m:t>
+                      </m:r>
+                      <m:r>
+                        <a:rPr lang="el-GR" b="0" i="1" smtClean="0">
+                          <a:latin typeface="Cambria Math" panose="02040503050406030204" pitchFamily="18" charset="0"/>
+                        </a:rPr>
+                        <m:t>2</m:t>
+                      </m:r>
+                      <m:d>
+                        <m:dPr>
+                          <m:ctrlPr>
+                            <a:rPr lang="el-GR" b="0" i="1" smtClean="0">
+                              <a:latin typeface="Cambria Math" panose="02040503050406030204" pitchFamily="18" charset="0"/>
+                            </a:rPr>
+                          </m:ctrlPr>
+                        </m:dPr>
+                        <m:e>
+                          <m:acc>
+                            <m:accPr>
+                              <m:chr m:val="̃"/>
+                              <m:ctrlPr>
+                                <a:rPr lang="el-GR" i="1">
+                                  <a:latin typeface="Cambria Math" panose="02040503050406030204" pitchFamily="18" charset="0"/>
+                                  <a:ea typeface="Cambria Math" panose="02040503050406030204" pitchFamily="18" charset="0"/>
+                                </a:rPr>
+                              </m:ctrlPr>
+                            </m:accPr>
+                            <m:e>
+                              <m:r>
+                                <a:rPr lang="el-GR" i="1">
+                                  <a:latin typeface="Cambria Math" panose="02040503050406030204" pitchFamily="18" charset="0"/>
+                                  <a:ea typeface="Cambria Math" panose="02040503050406030204" pitchFamily="18" charset="0"/>
+                                </a:rPr>
+                                <m:t>𝜂</m:t>
+                              </m:r>
+                            </m:e>
+                          </m:acc>
+                          <m:r>
+                            <a:rPr lang="el-GR" i="1">
+                              <a:latin typeface="Cambria Math" panose="02040503050406030204" pitchFamily="18" charset="0"/>
+                              <a:ea typeface="Cambria Math" panose="02040503050406030204" pitchFamily="18" charset="0"/>
+                            </a:rPr>
+                            <m:t>,</m:t>
+                          </m:r>
+                          <m:acc>
+                            <m:accPr>
+                              <m:chr m:val="̃"/>
+                              <m:ctrlPr>
+                                <a:rPr lang="el-GR" i="1">
+                                  <a:latin typeface="Cambria Math" panose="02040503050406030204" pitchFamily="18" charset="0"/>
+                                  <a:ea typeface="Cambria Math" panose="02040503050406030204" pitchFamily="18" charset="0"/>
+                                </a:rPr>
+                              </m:ctrlPr>
+                            </m:accPr>
+                            <m:e>
+                              <m:r>
+                                <a:rPr lang="el-GR" i="1">
+                                  <a:latin typeface="Cambria Math" panose="02040503050406030204" pitchFamily="18" charset="0"/>
+                                  <a:ea typeface="Cambria Math" panose="02040503050406030204" pitchFamily="18" charset="0"/>
+                                </a:rPr>
+                                <m:t>𝜉</m:t>
+                              </m:r>
+                            </m:e>
+                          </m:acc>
+                        </m:e>
+                      </m:d>
+                      <m:r>
+                        <a:rPr lang="el-GR" b="0" i="1" smtClean="0">
+                          <a:latin typeface="Cambria Math" panose="02040503050406030204" pitchFamily="18" charset="0"/>
+                        </a:rPr>
+                        <m:t>=</m:t>
+                      </m:r>
+                      <m:acc>
+                        <m:accPr>
+                          <m:chr m:val="̃"/>
+                          <m:ctrlPr>
+                            <a:rPr lang="el-GR" i="1">
+                              <a:latin typeface="Cambria Math" panose="02040503050406030204" pitchFamily="18" charset="0"/>
+                              <a:ea typeface="Cambria Math" panose="02040503050406030204" pitchFamily="18" charset="0"/>
+                            </a:rPr>
+                          </m:ctrlPr>
+                        </m:accPr>
+                        <m:e>
+                          <m:r>
+                            <a:rPr lang="el-GR" i="1">
+                              <a:latin typeface="Cambria Math" panose="02040503050406030204" pitchFamily="18" charset="0"/>
+                              <a:ea typeface="Cambria Math" panose="02040503050406030204" pitchFamily="18" charset="0"/>
+                            </a:rPr>
+                            <m:t>𝜂</m:t>
+                          </m:r>
+                        </m:e>
+                      </m:acc>
+                    </m:oMath>
+                  </m:oMathPara>
+                </a14:m>
+                <a:endParaRPr lang="en-US" dirty="0"/>
+              </a:p>
+            </p:txBody>
+          </p:sp>
+        </mc:Choice>
+        <mc:Fallback xmlns="">
+          <p:sp>
+            <p:nvSpPr>
+              <p:cNvPr id="45" name="TextBox 44">
+                <a:extLst>
+                  <a:ext uri="{FF2B5EF4-FFF2-40B4-BE49-F238E27FC236}">
+                    <a16:creationId xmlns:a16="http://schemas.microsoft.com/office/drawing/2014/main" id="{EE51C26C-5475-687A-46CC-DB9DB4812053}"/>
+                  </a:ext>
+                </a:extLst>
+              </p:cNvPr>
+              <p:cNvSpPr txBox="1">
+                <a:spLocks noRot="1" noChangeAspect="1" noMove="1" noResize="1" noEditPoints="1" noAdjustHandles="1" noChangeArrowheads="1" noChangeShapeType="1" noTextEdit="1"/>
+              </p:cNvSpPr>
+              <p:nvPr/>
+            </p:nvSpPr>
+            <p:spPr>
+              <a:xfrm>
+                <a:off x="9092431" y="3186107"/>
+                <a:ext cx="2815103" cy="404983"/>
+              </a:xfrm>
+              <a:prstGeom prst="rect">
+                <a:avLst/>
+              </a:prstGeom>
+              <a:blipFill>
+                <a:blip r:embed="rId5"/>
+                <a:stretch>
+                  <a:fillRect t="-1515" b="-9091"/>
+                </a:stretch>
+              </a:blipFill>
+            </p:spPr>
+            <p:txBody>
+              <a:bodyPr/>
+              <a:lstStyle/>
+              <a:p>
+                <a:r>
+                  <a:rPr lang="en-US">
+                    <a:noFill/>
+                  </a:rPr>
+                  <a:t> </a:t>
+                </a:r>
+              </a:p>
+            </p:txBody>
+          </p:sp>
+        </mc:Fallback>
+      </mc:AlternateContent>
+      <mc:AlternateContent xmlns:mc="http://schemas.openxmlformats.org/markup-compatibility/2006" xmlns:a14="http://schemas.microsoft.com/office/drawing/2010/main">
+        <mc:Choice Requires="a14">
+          <p:sp>
+            <p:nvSpPr>
+              <p:cNvPr id="46" name="TextBox 45">
+                <a:extLst>
+                  <a:ext uri="{FF2B5EF4-FFF2-40B4-BE49-F238E27FC236}">
+                    <a16:creationId xmlns:a16="http://schemas.microsoft.com/office/drawing/2014/main" id="{BF9B5C8A-6A41-5050-9027-4B4131531149}"/>
+                  </a:ext>
+                </a:extLst>
+              </p:cNvPr>
+              <p:cNvSpPr txBox="1"/>
+              <p:nvPr/>
+            </p:nvSpPr>
+            <p:spPr>
+              <a:xfrm>
+                <a:off x="9109008" y="2729968"/>
+                <a:ext cx="2815103" cy="404983"/>
+              </a:xfrm>
+              <a:prstGeom prst="rect">
+                <a:avLst/>
+              </a:prstGeom>
+              <a:solidFill>
+                <a:schemeClr val="bg1"/>
+              </a:solidFill>
+            </p:spPr>
+            <p:txBody>
+              <a:bodyPr wrap="square">
+                <a:spAutoFit/>
+              </a:bodyPr>
+              <a:lstStyle/>
+              <a:p>
+                <a:pPr/>
+                <a14:m>
+                  <m:oMathPara xmlns:m="http://schemas.openxmlformats.org/officeDocument/2006/math">
+                    <m:oMathParaPr>
+                      <m:jc m:val="centerGroup"/>
+                    </m:oMathParaPr>
+                    <m:oMath xmlns:m="http://schemas.openxmlformats.org/officeDocument/2006/math">
+                      <m:r>
+                        <a:rPr lang="en-US" b="0" i="1" smtClean="0">
+                          <a:latin typeface="Cambria Math" panose="02040503050406030204" pitchFamily="18" charset="0"/>
+                        </a:rPr>
+                        <m:t>𝑁</m:t>
+                      </m:r>
+                      <m:r>
+                        <a:rPr lang="en-US" b="0" i="1" smtClean="0">
+                          <a:latin typeface="Cambria Math" panose="02040503050406030204" pitchFamily="18" charset="0"/>
+                        </a:rPr>
+                        <m:t>1</m:t>
+                      </m:r>
+                      <m:d>
+                        <m:dPr>
+                          <m:ctrlPr>
+                            <a:rPr lang="el-GR" b="0" i="1" smtClean="0">
+                              <a:latin typeface="Cambria Math" panose="02040503050406030204" pitchFamily="18" charset="0"/>
+                            </a:rPr>
+                          </m:ctrlPr>
+                        </m:dPr>
+                        <m:e>
+                          <m:acc>
+                            <m:accPr>
+                              <m:chr m:val="̃"/>
+                              <m:ctrlPr>
+                                <a:rPr lang="el-GR" i="1">
+                                  <a:latin typeface="Cambria Math" panose="02040503050406030204" pitchFamily="18" charset="0"/>
+                                  <a:ea typeface="Cambria Math" panose="02040503050406030204" pitchFamily="18" charset="0"/>
+                                </a:rPr>
+                              </m:ctrlPr>
+                            </m:accPr>
+                            <m:e>
+                              <m:r>
+                                <a:rPr lang="el-GR" i="1">
+                                  <a:latin typeface="Cambria Math" panose="02040503050406030204" pitchFamily="18" charset="0"/>
+                                  <a:ea typeface="Cambria Math" panose="02040503050406030204" pitchFamily="18" charset="0"/>
+                                </a:rPr>
+                                <m:t>𝜂</m:t>
+                              </m:r>
+                            </m:e>
+                          </m:acc>
+                          <m:r>
+                            <a:rPr lang="el-GR" i="1">
+                              <a:latin typeface="Cambria Math" panose="02040503050406030204" pitchFamily="18" charset="0"/>
+                              <a:ea typeface="Cambria Math" panose="02040503050406030204" pitchFamily="18" charset="0"/>
+                            </a:rPr>
+                            <m:t>,</m:t>
+                          </m:r>
+                          <m:acc>
+                            <m:accPr>
+                              <m:chr m:val="̃"/>
+                              <m:ctrlPr>
+                                <a:rPr lang="el-GR" i="1">
+                                  <a:latin typeface="Cambria Math" panose="02040503050406030204" pitchFamily="18" charset="0"/>
+                                  <a:ea typeface="Cambria Math" panose="02040503050406030204" pitchFamily="18" charset="0"/>
+                                </a:rPr>
+                              </m:ctrlPr>
+                            </m:accPr>
+                            <m:e>
+                              <m:r>
+                                <a:rPr lang="el-GR" i="1">
+                                  <a:latin typeface="Cambria Math" panose="02040503050406030204" pitchFamily="18" charset="0"/>
+                                  <a:ea typeface="Cambria Math" panose="02040503050406030204" pitchFamily="18" charset="0"/>
+                                </a:rPr>
+                                <m:t>𝜉</m:t>
+                              </m:r>
+                            </m:e>
+                          </m:acc>
+                        </m:e>
+                      </m:d>
+                      <m:r>
+                        <a:rPr lang="el-GR" b="0" i="1" smtClean="0">
+                          <a:latin typeface="Cambria Math" panose="02040503050406030204" pitchFamily="18" charset="0"/>
+                        </a:rPr>
+                        <m:t>=1 −</m:t>
+                      </m:r>
+                      <m:acc>
+                        <m:accPr>
+                          <m:chr m:val="̃"/>
+                          <m:ctrlPr>
+                            <a:rPr lang="el-GR" i="1">
+                              <a:latin typeface="Cambria Math" panose="02040503050406030204" pitchFamily="18" charset="0"/>
+                              <a:ea typeface="Cambria Math" panose="02040503050406030204" pitchFamily="18" charset="0"/>
+                            </a:rPr>
+                          </m:ctrlPr>
+                        </m:accPr>
+                        <m:e>
+                          <m:r>
+                            <a:rPr lang="el-GR" i="1">
+                              <a:latin typeface="Cambria Math" panose="02040503050406030204" pitchFamily="18" charset="0"/>
+                              <a:ea typeface="Cambria Math" panose="02040503050406030204" pitchFamily="18" charset="0"/>
+                            </a:rPr>
+                            <m:t>𝜂</m:t>
+                          </m:r>
+                        </m:e>
+                      </m:acc>
+                      <m:r>
+                        <a:rPr lang="el-GR" b="0" i="1" smtClean="0">
+                          <a:latin typeface="Cambria Math" panose="02040503050406030204" pitchFamily="18" charset="0"/>
+                          <a:ea typeface="Cambria Math" panose="02040503050406030204" pitchFamily="18" charset="0"/>
+                        </a:rPr>
+                        <m:t> −</m:t>
+                      </m:r>
+                      <m:acc>
+                        <m:accPr>
+                          <m:chr m:val="̃"/>
+                          <m:ctrlPr>
+                            <a:rPr lang="el-GR" i="1" smtClean="0">
+                              <a:latin typeface="Cambria Math" panose="02040503050406030204" pitchFamily="18" charset="0"/>
+                              <a:ea typeface="Cambria Math" panose="02040503050406030204" pitchFamily="18" charset="0"/>
+                            </a:rPr>
+                          </m:ctrlPr>
+                        </m:accPr>
+                        <m:e>
+                          <m:r>
+                            <a:rPr lang="el-GR" i="1">
+                              <a:latin typeface="Cambria Math" panose="02040503050406030204" pitchFamily="18" charset="0"/>
+                              <a:ea typeface="Cambria Math" panose="02040503050406030204" pitchFamily="18" charset="0"/>
+                            </a:rPr>
+                            <m:t>𝜉</m:t>
+                          </m:r>
+                        </m:e>
+                      </m:acc>
+                    </m:oMath>
+                  </m:oMathPara>
+                </a14:m>
+                <a:endParaRPr lang="en-US" dirty="0"/>
+              </a:p>
+            </p:txBody>
+          </p:sp>
+        </mc:Choice>
+        <mc:Fallback xmlns="">
+          <p:sp>
+            <p:nvSpPr>
+              <p:cNvPr id="46" name="TextBox 45">
+                <a:extLst>
+                  <a:ext uri="{FF2B5EF4-FFF2-40B4-BE49-F238E27FC236}">
+                    <a16:creationId xmlns:a16="http://schemas.microsoft.com/office/drawing/2014/main" id="{BF9B5C8A-6A41-5050-9027-4B4131531149}"/>
+                  </a:ext>
+                </a:extLst>
+              </p:cNvPr>
+              <p:cNvSpPr txBox="1">
+                <a:spLocks noRot="1" noChangeAspect="1" noMove="1" noResize="1" noEditPoints="1" noAdjustHandles="1" noChangeArrowheads="1" noChangeShapeType="1" noTextEdit="1"/>
+              </p:cNvSpPr>
+              <p:nvPr/>
+            </p:nvSpPr>
+            <p:spPr>
+              <a:xfrm>
+                <a:off x="9109008" y="2729968"/>
+                <a:ext cx="2815103" cy="404983"/>
+              </a:xfrm>
+              <a:prstGeom prst="rect">
+                <a:avLst/>
+              </a:prstGeom>
+              <a:blipFill>
+                <a:blip r:embed="rId6"/>
+                <a:stretch>
+                  <a:fillRect t="-1515" b="-9091"/>
+                </a:stretch>
+              </a:blipFill>
+            </p:spPr>
+            <p:txBody>
+              <a:bodyPr/>
+              <a:lstStyle/>
+              <a:p>
+                <a:r>
+                  <a:rPr lang="en-US">
+                    <a:noFill/>
+                  </a:rPr>
+                  <a:t> </a:t>
+                </a:r>
+              </a:p>
+            </p:txBody>
+          </p:sp>
+        </mc:Fallback>
+      </mc:AlternateContent>
+      <mc:AlternateContent xmlns:mc="http://schemas.openxmlformats.org/markup-compatibility/2006" xmlns:a14="http://schemas.microsoft.com/office/drawing/2010/main">
+        <mc:Choice Requires="a14">
+          <p:sp>
+            <p:nvSpPr>
+              <p:cNvPr id="47" name="TextBox 46">
+                <a:extLst>
+                  <a:ext uri="{FF2B5EF4-FFF2-40B4-BE49-F238E27FC236}">
+                    <a16:creationId xmlns:a16="http://schemas.microsoft.com/office/drawing/2014/main" id="{F8C63D58-AEB8-8F05-82B8-312B22A82A3B}"/>
+                  </a:ext>
+                </a:extLst>
+              </p:cNvPr>
+              <p:cNvSpPr txBox="1"/>
+              <p:nvPr/>
+            </p:nvSpPr>
+            <p:spPr>
+              <a:xfrm>
+                <a:off x="9109242" y="3692349"/>
+                <a:ext cx="2815103" cy="404983"/>
+              </a:xfrm>
+              <a:prstGeom prst="rect">
+                <a:avLst/>
+              </a:prstGeom>
+              <a:solidFill>
+                <a:schemeClr val="bg1"/>
+              </a:solidFill>
+            </p:spPr>
+            <p:txBody>
+              <a:bodyPr wrap="square">
+                <a:spAutoFit/>
+              </a:bodyPr>
+              <a:lstStyle/>
+              <a:p>
+                <a:pPr/>
+                <a14:m>
+                  <m:oMathPara xmlns:m="http://schemas.openxmlformats.org/officeDocument/2006/math">
+                    <m:oMathParaPr>
+                      <m:jc m:val="centerGroup"/>
+                    </m:oMathParaPr>
+                    <m:oMath xmlns:m="http://schemas.openxmlformats.org/officeDocument/2006/math">
+                      <m:r>
+                        <a:rPr lang="en-US" b="0" i="1" smtClean="0">
+                          <a:latin typeface="Cambria Math" panose="02040503050406030204" pitchFamily="18" charset="0"/>
+                        </a:rPr>
+                        <m:t>𝑁</m:t>
+                      </m:r>
+                      <m:r>
+                        <a:rPr lang="el-GR" b="0" i="1" smtClean="0">
+                          <a:latin typeface="Cambria Math" panose="02040503050406030204" pitchFamily="18" charset="0"/>
+                        </a:rPr>
+                        <m:t>3</m:t>
+                      </m:r>
+                      <m:d>
+                        <m:dPr>
+                          <m:ctrlPr>
+                            <a:rPr lang="el-GR" b="0" i="1" smtClean="0">
+                              <a:latin typeface="Cambria Math" panose="02040503050406030204" pitchFamily="18" charset="0"/>
+                            </a:rPr>
+                          </m:ctrlPr>
+                        </m:dPr>
+                        <m:e>
+                          <m:acc>
+                            <m:accPr>
+                              <m:chr m:val="̃"/>
+                              <m:ctrlPr>
+                                <a:rPr lang="el-GR" i="1">
+                                  <a:latin typeface="Cambria Math" panose="02040503050406030204" pitchFamily="18" charset="0"/>
+                                  <a:ea typeface="Cambria Math" panose="02040503050406030204" pitchFamily="18" charset="0"/>
+                                </a:rPr>
+                              </m:ctrlPr>
+                            </m:accPr>
+                            <m:e>
+                              <m:r>
+                                <a:rPr lang="el-GR" i="1">
+                                  <a:latin typeface="Cambria Math" panose="02040503050406030204" pitchFamily="18" charset="0"/>
+                                  <a:ea typeface="Cambria Math" panose="02040503050406030204" pitchFamily="18" charset="0"/>
+                                </a:rPr>
+                                <m:t>𝜂</m:t>
+                              </m:r>
+                            </m:e>
+                          </m:acc>
+                          <m:r>
+                            <a:rPr lang="el-GR" i="1">
+                              <a:latin typeface="Cambria Math" panose="02040503050406030204" pitchFamily="18" charset="0"/>
+                              <a:ea typeface="Cambria Math" panose="02040503050406030204" pitchFamily="18" charset="0"/>
+                            </a:rPr>
+                            <m:t>,</m:t>
+                          </m:r>
+                          <m:acc>
+                            <m:accPr>
+                              <m:chr m:val="̃"/>
+                              <m:ctrlPr>
+                                <a:rPr lang="el-GR" i="1">
+                                  <a:latin typeface="Cambria Math" panose="02040503050406030204" pitchFamily="18" charset="0"/>
+                                  <a:ea typeface="Cambria Math" panose="02040503050406030204" pitchFamily="18" charset="0"/>
+                                </a:rPr>
+                              </m:ctrlPr>
+                            </m:accPr>
+                            <m:e>
+                              <m:r>
+                                <a:rPr lang="el-GR" i="1">
+                                  <a:latin typeface="Cambria Math" panose="02040503050406030204" pitchFamily="18" charset="0"/>
+                                  <a:ea typeface="Cambria Math" panose="02040503050406030204" pitchFamily="18" charset="0"/>
+                                </a:rPr>
+                                <m:t>𝜉</m:t>
+                              </m:r>
+                            </m:e>
+                          </m:acc>
+                        </m:e>
+                      </m:d>
+                      <m:r>
+                        <a:rPr lang="el-GR" b="0" i="1" smtClean="0">
+                          <a:latin typeface="Cambria Math" panose="02040503050406030204" pitchFamily="18" charset="0"/>
+                        </a:rPr>
+                        <m:t>=</m:t>
+                      </m:r>
+                      <m:acc>
+                        <m:accPr>
+                          <m:chr m:val="̃"/>
+                          <m:ctrlPr>
+                            <a:rPr lang="el-GR" i="1">
+                              <a:latin typeface="Cambria Math" panose="02040503050406030204" pitchFamily="18" charset="0"/>
+                              <a:ea typeface="Cambria Math" panose="02040503050406030204" pitchFamily="18" charset="0"/>
+                            </a:rPr>
+                          </m:ctrlPr>
+                        </m:accPr>
+                        <m:e>
+                          <m:r>
+                            <a:rPr lang="el-GR" i="1">
+                              <a:latin typeface="Cambria Math" panose="02040503050406030204" pitchFamily="18" charset="0"/>
+                              <a:ea typeface="Cambria Math" panose="02040503050406030204" pitchFamily="18" charset="0"/>
+                            </a:rPr>
+                            <m:t>𝜉</m:t>
+                          </m:r>
+                        </m:e>
+                      </m:acc>
+                    </m:oMath>
+                  </m:oMathPara>
+                </a14:m>
+                <a:endParaRPr lang="en-US" dirty="0"/>
+              </a:p>
+            </p:txBody>
+          </p:sp>
+        </mc:Choice>
+        <mc:Fallback xmlns="">
+          <p:sp>
+            <p:nvSpPr>
+              <p:cNvPr id="47" name="TextBox 46">
+                <a:extLst>
+                  <a:ext uri="{FF2B5EF4-FFF2-40B4-BE49-F238E27FC236}">
+                    <a16:creationId xmlns:a16="http://schemas.microsoft.com/office/drawing/2014/main" id="{F8C63D58-AEB8-8F05-82B8-312B22A82A3B}"/>
+                  </a:ext>
+                </a:extLst>
+              </p:cNvPr>
+              <p:cNvSpPr txBox="1">
+                <a:spLocks noRot="1" noChangeAspect="1" noMove="1" noResize="1" noEditPoints="1" noAdjustHandles="1" noChangeArrowheads="1" noChangeShapeType="1" noTextEdit="1"/>
+              </p:cNvSpPr>
+              <p:nvPr/>
+            </p:nvSpPr>
+            <p:spPr>
+              <a:xfrm>
+                <a:off x="9109242" y="3692349"/>
+                <a:ext cx="2815103" cy="404983"/>
+              </a:xfrm>
+              <a:prstGeom prst="rect">
+                <a:avLst/>
+              </a:prstGeom>
+              <a:blipFill>
+                <a:blip r:embed="rId7"/>
+                <a:stretch>
+                  <a:fillRect t="-1515" b="-9091"/>
+                </a:stretch>
+              </a:blipFill>
+            </p:spPr>
+            <p:txBody>
+              <a:bodyPr/>
+              <a:lstStyle/>
+              <a:p>
+                <a:r>
+                  <a:rPr lang="en-US">
+                    <a:noFill/>
+                  </a:rPr>
+                  <a:t> </a:t>
+                </a:r>
+              </a:p>
+            </p:txBody>
+          </p:sp>
+        </mc:Fallback>
+      </mc:AlternateContent>
+    </p:spTree>
+    <p:extLst>
+      <p:ext uri="{BB962C8B-B14F-4D97-AF65-F5344CB8AC3E}">
+        <p14:creationId xmlns:p14="http://schemas.microsoft.com/office/powerpoint/2010/main" val="2917190660"/>
       </p:ext>
     </p:extLst>
   </p:cSld>

--- a/Thesis_Notes.pptx
+++ b/Thesis_Notes.pptx
@@ -5,7 +5,7 @@
     <p:sldMasterId id="2147483648" r:id="rId1"/>
   </p:sldMasterIdLst>
   <p:notesMasterIdLst>
-    <p:notesMasterId r:id="rId41"/>
+    <p:notesMasterId r:id="rId42"/>
   </p:notesMasterIdLst>
   <p:sldIdLst>
     <p:sldId id="256" r:id="rId2"/>
@@ -42,11 +42,12 @@
     <p:sldId id="288" r:id="rId33"/>
     <p:sldId id="289" r:id="rId34"/>
     <p:sldId id="290" r:id="rId35"/>
-    <p:sldId id="296" r:id="rId36"/>
-    <p:sldId id="299" r:id="rId37"/>
-    <p:sldId id="294" r:id="rId38"/>
-    <p:sldId id="292" r:id="rId39"/>
-    <p:sldId id="293" r:id="rId40"/>
+    <p:sldId id="300" r:id="rId36"/>
+    <p:sldId id="296" r:id="rId37"/>
+    <p:sldId id="299" r:id="rId38"/>
+    <p:sldId id="294" r:id="rId39"/>
+    <p:sldId id="292" r:id="rId40"/>
+    <p:sldId id="293" r:id="rId41"/>
   </p:sldIdLst>
   <p:sldSz cx="12192000" cy="6858000"/>
   <p:notesSz cx="6858000" cy="9144000"/>
@@ -235,7 +236,7 @@
           <a:p>
             <a:fld id="{27BA4612-68C1-4399-8F53-5A3698D36D58}" type="datetimeFigureOut">
               <a:rPr lang="en-US" smtClean="0"/>
-              <a:t>11-Apr-25</a:t>
+              <a:t>17-Apr-25</a:t>
             </a:fld>
             <a:endParaRPr lang="en-US"/>
           </a:p>
@@ -733,7 +734,7 @@
           <a:p>
             <a:fld id="{6702814A-2512-4FA8-BC3F-65FFC477FC29}" type="datetimeFigureOut">
               <a:rPr lang="en-US" smtClean="0"/>
-              <a:t>11-Apr-25</a:t>
+              <a:t>17-Apr-25</a:t>
             </a:fld>
             <a:endParaRPr lang="en-US"/>
           </a:p>
@@ -931,7 +932,7 @@
           <a:p>
             <a:fld id="{6702814A-2512-4FA8-BC3F-65FFC477FC29}" type="datetimeFigureOut">
               <a:rPr lang="en-US" smtClean="0"/>
-              <a:t>11-Apr-25</a:t>
+              <a:t>17-Apr-25</a:t>
             </a:fld>
             <a:endParaRPr lang="en-US"/>
           </a:p>
@@ -1139,7 +1140,7 @@
           <a:p>
             <a:fld id="{6702814A-2512-4FA8-BC3F-65FFC477FC29}" type="datetimeFigureOut">
               <a:rPr lang="en-US" smtClean="0"/>
-              <a:t>11-Apr-25</a:t>
+              <a:t>17-Apr-25</a:t>
             </a:fld>
             <a:endParaRPr lang="en-US"/>
           </a:p>
@@ -1337,7 +1338,7 @@
           <a:p>
             <a:fld id="{6702814A-2512-4FA8-BC3F-65FFC477FC29}" type="datetimeFigureOut">
               <a:rPr lang="en-US" smtClean="0"/>
-              <a:t>11-Apr-25</a:t>
+              <a:t>17-Apr-25</a:t>
             </a:fld>
             <a:endParaRPr lang="en-US"/>
           </a:p>
@@ -1612,7 +1613,7 @@
           <a:p>
             <a:fld id="{6702814A-2512-4FA8-BC3F-65FFC477FC29}" type="datetimeFigureOut">
               <a:rPr lang="en-US" smtClean="0"/>
-              <a:t>11-Apr-25</a:t>
+              <a:t>17-Apr-25</a:t>
             </a:fld>
             <a:endParaRPr lang="en-US"/>
           </a:p>
@@ -1877,7 +1878,7 @@
           <a:p>
             <a:fld id="{6702814A-2512-4FA8-BC3F-65FFC477FC29}" type="datetimeFigureOut">
               <a:rPr lang="en-US" smtClean="0"/>
-              <a:t>11-Apr-25</a:t>
+              <a:t>17-Apr-25</a:t>
             </a:fld>
             <a:endParaRPr lang="en-US"/>
           </a:p>
@@ -2289,7 +2290,7 @@
           <a:p>
             <a:fld id="{6702814A-2512-4FA8-BC3F-65FFC477FC29}" type="datetimeFigureOut">
               <a:rPr lang="en-US" smtClean="0"/>
-              <a:t>11-Apr-25</a:t>
+              <a:t>17-Apr-25</a:t>
             </a:fld>
             <a:endParaRPr lang="en-US"/>
           </a:p>
@@ -2430,7 +2431,7 @@
           <a:p>
             <a:fld id="{6702814A-2512-4FA8-BC3F-65FFC477FC29}" type="datetimeFigureOut">
               <a:rPr lang="en-US" smtClean="0"/>
-              <a:t>11-Apr-25</a:t>
+              <a:t>17-Apr-25</a:t>
             </a:fld>
             <a:endParaRPr lang="en-US"/>
           </a:p>
@@ -2543,7 +2544,7 @@
           <a:p>
             <a:fld id="{6702814A-2512-4FA8-BC3F-65FFC477FC29}" type="datetimeFigureOut">
               <a:rPr lang="en-US" smtClean="0"/>
-              <a:t>11-Apr-25</a:t>
+              <a:t>17-Apr-25</a:t>
             </a:fld>
             <a:endParaRPr lang="en-US"/>
           </a:p>
@@ -2854,7 +2855,7 @@
           <a:p>
             <a:fld id="{6702814A-2512-4FA8-BC3F-65FFC477FC29}" type="datetimeFigureOut">
               <a:rPr lang="en-US" smtClean="0"/>
-              <a:t>11-Apr-25</a:t>
+              <a:t>17-Apr-25</a:t>
             </a:fld>
             <a:endParaRPr lang="en-US"/>
           </a:p>
@@ -3142,7 +3143,7 @@
           <a:p>
             <a:fld id="{6702814A-2512-4FA8-BC3F-65FFC477FC29}" type="datetimeFigureOut">
               <a:rPr lang="en-US" smtClean="0"/>
-              <a:t>11-Apr-25</a:t>
+              <a:t>17-Apr-25</a:t>
             </a:fld>
             <a:endParaRPr lang="en-US"/>
           </a:p>
@@ -3383,7 +3384,7 @@
           <a:p>
             <a:fld id="{6702814A-2512-4FA8-BC3F-65FFC477FC29}" type="datetimeFigureOut">
               <a:rPr lang="en-US" smtClean="0"/>
-              <a:t>11-Apr-25</a:t>
+              <a:t>17-Apr-25</a:t>
             </a:fld>
             <a:endParaRPr lang="en-US"/>
           </a:p>
@@ -14513,6 +14514,91 @@
 </file>
 
 <file path=ppt/slides/slide35.xml><?xml version="1.0" encoding="utf-8"?>
+<p:sld xmlns:a="http://schemas.openxmlformats.org/drawingml/2006/main" xmlns:r="http://schemas.openxmlformats.org/officeDocument/2006/relationships" xmlns:p="http://schemas.openxmlformats.org/presentationml/2006/main">
+  <p:cSld>
+    <p:spTree>
+      <p:nvGrpSpPr>
+        <p:cNvPr id="1" name=""/>
+        <p:cNvGrpSpPr/>
+        <p:nvPr/>
+      </p:nvGrpSpPr>
+      <p:grpSpPr>
+        <a:xfrm>
+          <a:off x="0" y="0"/>
+          <a:ext cx="0" cy="0"/>
+          <a:chOff x="0" y="0"/>
+          <a:chExt cx="0" cy="0"/>
+        </a:xfrm>
+      </p:grpSpPr>
+      <p:sp>
+        <p:nvSpPr>
+          <p:cNvPr id="2" name="Title 1">
+            <a:extLst>
+              <a:ext uri="{FF2B5EF4-FFF2-40B4-BE49-F238E27FC236}">
+                <a16:creationId xmlns:a16="http://schemas.microsoft.com/office/drawing/2014/main" id="{D6161026-D7EC-99DC-3B04-88BB14112D3A}"/>
+              </a:ext>
+            </a:extLst>
+          </p:cNvPr>
+          <p:cNvSpPr>
+            <a:spLocks noGrp="1"/>
+          </p:cNvSpPr>
+          <p:nvPr>
+            <p:ph type="title"/>
+          </p:nvPr>
+        </p:nvSpPr>
+        <p:spPr/>
+        <p:txBody>
+          <a:bodyPr/>
+          <a:lstStyle/>
+          <a:p>
+            <a:endParaRPr lang="en-US"/>
+          </a:p>
+        </p:txBody>
+      </p:sp>
+      <p:pic>
+        <p:nvPicPr>
+          <p:cNvPr id="4" name="Picture 3">
+            <a:extLst>
+              <a:ext uri="{FF2B5EF4-FFF2-40B4-BE49-F238E27FC236}">
+                <a16:creationId xmlns:a16="http://schemas.microsoft.com/office/drawing/2014/main" id="{48934B2E-D217-B649-64A3-A88841CD0813}"/>
+              </a:ext>
+            </a:extLst>
+          </p:cNvPr>
+          <p:cNvPicPr>
+            <a:picLocks noChangeAspect="1"/>
+          </p:cNvPicPr>
+          <p:nvPr/>
+        </p:nvPicPr>
+        <p:blipFill>
+          <a:blip r:embed="rId2"/>
+          <a:stretch>
+            <a:fillRect/>
+          </a:stretch>
+        </p:blipFill>
+        <p:spPr>
+          <a:xfrm>
+            <a:off x="1567891" y="2910108"/>
+            <a:ext cx="8315246" cy="1037784"/>
+          </a:xfrm>
+          <a:prstGeom prst="rect">
+            <a:avLst/>
+          </a:prstGeom>
+        </p:spPr>
+      </p:pic>
+    </p:spTree>
+    <p:extLst>
+      <p:ext uri="{BB962C8B-B14F-4D97-AF65-F5344CB8AC3E}">
+        <p14:creationId xmlns:p14="http://schemas.microsoft.com/office/powerpoint/2010/main" val="2388933565"/>
+      </p:ext>
+    </p:extLst>
+  </p:cSld>
+  <p:clrMapOvr>
+    <a:masterClrMapping/>
+  </p:clrMapOvr>
+</p:sld>
+</file>
+
+<file path=ppt/slides/slide36.xml><?xml version="1.0" encoding="utf-8"?>
 <p:sld xmlns:a="http://schemas.openxmlformats.org/drawingml/2006/main" xmlns:r="http://schemas.openxmlformats.org/officeDocument/2006/relationships" xmlns:p="http://schemas.openxmlformats.org/presentationml/2006/main">
   <p:cSld>
     <p:spTree>
@@ -18495,7 +18581,7 @@
 </p:sld>
 </file>
 
-<file path=ppt/slides/slide36.xml><?xml version="1.0" encoding="utf-8"?>
+<file path=ppt/slides/slide37.xml><?xml version="1.0" encoding="utf-8"?>
 <p:sld xmlns:a="http://schemas.openxmlformats.org/drawingml/2006/main" xmlns:r="http://schemas.openxmlformats.org/officeDocument/2006/relationships" xmlns:p="http://schemas.openxmlformats.org/presentationml/2006/main">
   <p:cSld>
     <p:spTree>
@@ -18701,7 +18787,7 @@
 </p:sld>
 </file>
 
-<file path=ppt/slides/slide37.xml><?xml version="1.0" encoding="utf-8"?>
+<file path=ppt/slides/slide38.xml><?xml version="1.0" encoding="utf-8"?>
 <p:sld xmlns:a="http://schemas.openxmlformats.org/drawingml/2006/main" xmlns:r="http://schemas.openxmlformats.org/officeDocument/2006/relationships" xmlns:p="http://schemas.openxmlformats.org/presentationml/2006/main">
   <p:cSld>
     <p:spTree>
@@ -18950,7 +19036,7 @@
 </p:sld>
 </file>
 
-<file path=ppt/slides/slide38.xml><?xml version="1.0" encoding="utf-8"?>
+<file path=ppt/slides/slide39.xml><?xml version="1.0" encoding="utf-8"?>
 <p:sld xmlns:a="http://schemas.openxmlformats.org/drawingml/2006/main" xmlns:r="http://schemas.openxmlformats.org/officeDocument/2006/relationships" xmlns:p="http://schemas.openxmlformats.org/presentationml/2006/main">
   <p:cSld>
     <p:spTree>
@@ -20787,7 +20873,576 @@
 </p:sld>
 </file>
 
-<file path=ppt/slides/slide39.xml><?xml version="1.0" encoding="utf-8"?>
+<file path=ppt/slides/slide4.xml><?xml version="1.0" encoding="utf-8"?>
+<p:sld xmlns:a="http://schemas.openxmlformats.org/drawingml/2006/main" xmlns:r="http://schemas.openxmlformats.org/officeDocument/2006/relationships" xmlns:p="http://schemas.openxmlformats.org/presentationml/2006/main">
+  <p:cSld>
+    <p:spTree>
+      <p:nvGrpSpPr>
+        <p:cNvPr id="1" name="">
+          <a:extLst>
+            <a:ext uri="{FF2B5EF4-FFF2-40B4-BE49-F238E27FC236}">
+              <a16:creationId xmlns:a16="http://schemas.microsoft.com/office/drawing/2014/main" id="{8B7DD50A-6D7F-630E-3C94-B0AF40CBE2C2}"/>
+            </a:ext>
+          </a:extLst>
+        </p:cNvPr>
+        <p:cNvGrpSpPr/>
+        <p:nvPr/>
+      </p:nvGrpSpPr>
+      <p:grpSpPr>
+        <a:xfrm>
+          <a:off x="0" y="0"/>
+          <a:ext cx="0" cy="0"/>
+          <a:chOff x="0" y="0"/>
+          <a:chExt cx="0" cy="0"/>
+        </a:xfrm>
+      </p:grpSpPr>
+      <p:sp>
+        <p:nvSpPr>
+          <p:cNvPr id="2" name="Title 1">
+            <a:extLst>
+              <a:ext uri="{FF2B5EF4-FFF2-40B4-BE49-F238E27FC236}">
+                <a16:creationId xmlns:a16="http://schemas.microsoft.com/office/drawing/2014/main" id="{0D555C90-0CA6-3400-4F74-EB714085C4DD}"/>
+              </a:ext>
+            </a:extLst>
+          </p:cNvPr>
+          <p:cNvSpPr>
+            <a:spLocks noGrp="1"/>
+          </p:cNvSpPr>
+          <p:nvPr>
+            <p:ph type="title"/>
+          </p:nvPr>
+        </p:nvSpPr>
+        <p:spPr>
+          <a:xfrm>
+            <a:off x="333375" y="161925"/>
+            <a:ext cx="10701528" cy="684657"/>
+          </a:xfrm>
+        </p:spPr>
+        <p:txBody>
+          <a:bodyPr>
+            <a:normAutofit fontScale="90000"/>
+          </a:bodyPr>
+          <a:lstStyle/>
+          <a:p>
+            <a:br>
+              <a:rPr lang="en-US" dirty="0"/>
+            </a:br>
+            <a:r>
+              <a:rPr lang="en-US" dirty="0"/>
+              <a:t>Weak coupling formulation based on work equality</a:t>
+            </a:r>
+          </a:p>
+        </p:txBody>
+      </p:sp>
+      <p:pic>
+        <p:nvPicPr>
+          <p:cNvPr id="5" name="Picture 4">
+            <a:extLst>
+              <a:ext uri="{FF2B5EF4-FFF2-40B4-BE49-F238E27FC236}">
+                <a16:creationId xmlns:a16="http://schemas.microsoft.com/office/drawing/2014/main" id="{692DC21F-42F6-461F-D1F5-19128DDF43A0}"/>
+              </a:ext>
+            </a:extLst>
+          </p:cNvPr>
+          <p:cNvPicPr>
+            <a:picLocks noChangeAspect="1"/>
+          </p:cNvPicPr>
+          <p:nvPr/>
+        </p:nvPicPr>
+        <p:blipFill>
+          <a:blip r:embed="rId3"/>
+          <a:stretch>
+            <a:fillRect/>
+          </a:stretch>
+        </p:blipFill>
+        <p:spPr>
+          <a:xfrm>
+            <a:off x="825268" y="1285743"/>
+            <a:ext cx="9055565" cy="5105662"/>
+          </a:xfrm>
+          <a:prstGeom prst="rect">
+            <a:avLst/>
+          </a:prstGeom>
+        </p:spPr>
+      </p:pic>
+      <p:grpSp>
+        <p:nvGrpSpPr>
+          <p:cNvPr id="19" name="Group 18">
+            <a:extLst>
+              <a:ext uri="{FF2B5EF4-FFF2-40B4-BE49-F238E27FC236}">
+                <a16:creationId xmlns:a16="http://schemas.microsoft.com/office/drawing/2014/main" id="{5826028F-3B05-0A1C-D48A-7054BE5BF307}"/>
+              </a:ext>
+            </a:extLst>
+          </p:cNvPr>
+          <p:cNvGrpSpPr/>
+          <p:nvPr/>
+        </p:nvGrpSpPr>
+        <p:grpSpPr>
+          <a:xfrm>
+            <a:off x="4791074" y="3841211"/>
+            <a:ext cx="3571872" cy="2118310"/>
+            <a:chOff x="4791074" y="3841211"/>
+            <a:chExt cx="3571872" cy="2118310"/>
+          </a:xfrm>
+        </p:grpSpPr>
+        <p:pic>
+          <p:nvPicPr>
+            <p:cNvPr id="10" name="Picture 9">
+              <a:extLst>
+                <a:ext uri="{FF2B5EF4-FFF2-40B4-BE49-F238E27FC236}">
+                  <a16:creationId xmlns:a16="http://schemas.microsoft.com/office/drawing/2014/main" id="{8C7FCA93-7277-EEB5-9322-FD4435F77A21}"/>
+                </a:ext>
+              </a:extLst>
+            </p:cNvPr>
+            <p:cNvPicPr>
+              <a:picLocks noChangeAspect="1"/>
+            </p:cNvPicPr>
+            <p:nvPr/>
+          </p:nvPicPr>
+          <p:blipFill>
+            <a:blip r:embed="rId4"/>
+            <a:stretch>
+              <a:fillRect/>
+            </a:stretch>
+          </p:blipFill>
+          <p:spPr>
+            <a:xfrm>
+              <a:off x="4832263" y="4175079"/>
+              <a:ext cx="3365673" cy="1784442"/>
+            </a:xfrm>
+            <a:prstGeom prst="rect">
+              <a:avLst/>
+            </a:prstGeom>
+          </p:spPr>
+        </p:pic>
+        <p:sp>
+          <p:nvSpPr>
+            <p:cNvPr id="12" name="TextBox 11">
+              <a:extLst>
+                <a:ext uri="{FF2B5EF4-FFF2-40B4-BE49-F238E27FC236}">
+                  <a16:creationId xmlns:a16="http://schemas.microsoft.com/office/drawing/2014/main" id="{AB7B387E-BEA8-2825-7174-516271F3744A}"/>
+                </a:ext>
+              </a:extLst>
+            </p:cNvPr>
+            <p:cNvSpPr txBox="1"/>
+            <p:nvPr/>
+          </p:nvSpPr>
+          <p:spPr>
+            <a:xfrm>
+              <a:off x="4791074" y="3841211"/>
+              <a:ext cx="3571872" cy="369332"/>
+            </a:xfrm>
+            <a:prstGeom prst="rect">
+              <a:avLst/>
+            </a:prstGeom>
+            <a:solidFill>
+              <a:schemeClr val="bg1"/>
+            </a:solidFill>
+            <a:ln>
+              <a:solidFill>
+                <a:schemeClr val="bg1"/>
+              </a:solidFill>
+            </a:ln>
+          </p:spPr>
+          <p:txBody>
+            <a:bodyPr wrap="square" rtlCol="0">
+              <a:spAutoFit/>
+            </a:bodyPr>
+            <a:lstStyle/>
+            <a:p>
+              <a:r>
+                <a:rPr lang="en-US" b="1" dirty="0"/>
+                <a:t>Discretizing stress resultants</a:t>
+              </a:r>
+            </a:p>
+          </p:txBody>
+        </p:sp>
+      </p:grpSp>
+      <p:cxnSp>
+        <p:nvCxnSpPr>
+          <p:cNvPr id="13" name="Straight Connector 12">
+            <a:extLst>
+              <a:ext uri="{FF2B5EF4-FFF2-40B4-BE49-F238E27FC236}">
+                <a16:creationId xmlns:a16="http://schemas.microsoft.com/office/drawing/2014/main" id="{6FF54B0C-A0B0-A804-5C9A-58342F7CD29A}"/>
+              </a:ext>
+            </a:extLst>
+          </p:cNvPr>
+          <p:cNvCxnSpPr>
+            <a:cxnSpLocks/>
+          </p:cNvCxnSpPr>
+          <p:nvPr/>
+        </p:nvCxnSpPr>
+        <p:spPr>
+          <a:xfrm>
+            <a:off x="4667250" y="3514725"/>
+            <a:ext cx="0" cy="3105150"/>
+          </a:xfrm>
+          <a:prstGeom prst="line">
+            <a:avLst/>
+          </a:prstGeom>
+          <a:ln w="38100">
+            <a:solidFill>
+              <a:srgbClr val="4E95D9"/>
+            </a:solidFill>
+            <a:prstDash val="sysDash"/>
+          </a:ln>
+        </p:spPr>
+        <p:style>
+          <a:lnRef idx="2">
+            <a:schemeClr val="accent2"/>
+          </a:lnRef>
+          <a:fillRef idx="0">
+            <a:schemeClr val="accent2"/>
+          </a:fillRef>
+          <a:effectRef idx="1">
+            <a:schemeClr val="accent2"/>
+          </a:effectRef>
+          <a:fontRef idx="minor">
+            <a:schemeClr val="tx1"/>
+          </a:fontRef>
+        </p:style>
+      </p:cxnSp>
+      <p:cxnSp>
+        <p:nvCxnSpPr>
+          <p:cNvPr id="16" name="Straight Connector 15">
+            <a:extLst>
+              <a:ext uri="{FF2B5EF4-FFF2-40B4-BE49-F238E27FC236}">
+                <a16:creationId xmlns:a16="http://schemas.microsoft.com/office/drawing/2014/main" id="{8ECCD796-B93B-63D5-EFA4-67D18AA0E43D}"/>
+              </a:ext>
+            </a:extLst>
+          </p:cNvPr>
+          <p:cNvCxnSpPr>
+            <a:cxnSpLocks/>
+          </p:cNvCxnSpPr>
+          <p:nvPr/>
+        </p:nvCxnSpPr>
+        <p:spPr>
+          <a:xfrm>
+            <a:off x="4667250" y="3514725"/>
+            <a:ext cx="7410450" cy="0"/>
+          </a:xfrm>
+          <a:prstGeom prst="line">
+            <a:avLst/>
+          </a:prstGeom>
+          <a:ln w="38100">
+            <a:solidFill>
+              <a:srgbClr val="4E95D9"/>
+            </a:solidFill>
+            <a:prstDash val="sysDash"/>
+          </a:ln>
+        </p:spPr>
+        <p:style>
+          <a:lnRef idx="2">
+            <a:schemeClr val="accent2"/>
+          </a:lnRef>
+          <a:fillRef idx="0">
+            <a:schemeClr val="accent2"/>
+          </a:fillRef>
+          <a:effectRef idx="1">
+            <a:schemeClr val="accent2"/>
+          </a:effectRef>
+          <a:fontRef idx="minor">
+            <a:schemeClr val="tx1"/>
+          </a:fontRef>
+        </p:style>
+      </p:cxnSp>
+      <p:pic>
+        <p:nvPicPr>
+          <p:cNvPr id="20" name="Picture 19">
+            <a:extLst>
+              <a:ext uri="{FF2B5EF4-FFF2-40B4-BE49-F238E27FC236}">
+                <a16:creationId xmlns:a16="http://schemas.microsoft.com/office/drawing/2014/main" id="{730459C4-B10F-878B-13C8-C3546FFACD4B}"/>
+              </a:ext>
+            </a:extLst>
+          </p:cNvPr>
+          <p:cNvPicPr>
+            <a:picLocks noChangeAspect="1"/>
+          </p:cNvPicPr>
+          <p:nvPr/>
+        </p:nvPicPr>
+        <p:blipFill>
+          <a:blip r:embed="rId5"/>
+          <a:stretch>
+            <a:fillRect/>
+          </a:stretch>
+        </p:blipFill>
+        <p:spPr>
+          <a:xfrm>
+            <a:off x="4870363" y="6462743"/>
+            <a:ext cx="6440175" cy="641382"/>
+          </a:xfrm>
+          <a:prstGeom prst="rect">
+            <a:avLst/>
+          </a:prstGeom>
+        </p:spPr>
+      </p:pic>
+      <p:sp>
+        <p:nvSpPr>
+          <p:cNvPr id="21" name="TextBox 20">
+            <a:extLst>
+              <a:ext uri="{FF2B5EF4-FFF2-40B4-BE49-F238E27FC236}">
+                <a16:creationId xmlns:a16="http://schemas.microsoft.com/office/drawing/2014/main" id="{A04FC7BE-491F-1B8A-1332-7A5DC65FB80A}"/>
+              </a:ext>
+            </a:extLst>
+          </p:cNvPr>
+          <p:cNvSpPr txBox="1"/>
+          <p:nvPr/>
+        </p:nvSpPr>
+        <p:spPr>
+          <a:xfrm>
+            <a:off x="4870363" y="6232054"/>
+            <a:ext cx="7725218" cy="369332"/>
+          </a:xfrm>
+          <a:prstGeom prst="rect">
+            <a:avLst/>
+          </a:prstGeom>
+          <a:noFill/>
+        </p:spPr>
+        <p:txBody>
+          <a:bodyPr wrap="square" rtlCol="0">
+            <a:spAutoFit/>
+          </a:bodyPr>
+          <a:lstStyle/>
+          <a:p>
+            <a:r>
+              <a:rPr lang="en-US" b="1" dirty="0">
+                <a:latin typeface="NimbusRomNo9L-Regu"/>
+              </a:rPr>
+              <a:t>Transform for local coos to global coos</a:t>
+            </a:r>
+            <a:endParaRPr lang="en-US" b="1" dirty="0"/>
+          </a:p>
+        </p:txBody>
+      </p:sp>
+      <p:sp>
+        <p:nvSpPr>
+          <p:cNvPr id="22" name="Rectangle: Rounded Corners 21">
+            <a:extLst>
+              <a:ext uri="{FF2B5EF4-FFF2-40B4-BE49-F238E27FC236}">
+                <a16:creationId xmlns:a16="http://schemas.microsoft.com/office/drawing/2014/main" id="{B68DE8C9-0354-EC38-6126-6663693900A7}"/>
+              </a:ext>
+            </a:extLst>
+          </p:cNvPr>
+          <p:cNvSpPr/>
+          <p:nvPr/>
+        </p:nvSpPr>
+        <p:spPr>
+          <a:xfrm>
+            <a:off x="1598432" y="3735353"/>
+            <a:ext cx="477894" cy="290524"/>
+          </a:xfrm>
+          <a:prstGeom prst="roundRect">
+            <a:avLst/>
+          </a:prstGeom>
+          <a:solidFill>
+            <a:srgbClr val="91BDE7">
+              <a:alpha val="46000"/>
+            </a:srgbClr>
+          </a:solidFill>
+          <a:ln>
+            <a:noFill/>
+          </a:ln>
+        </p:spPr>
+        <p:style>
+          <a:lnRef idx="2">
+            <a:schemeClr val="accent1">
+              <a:shade val="15000"/>
+            </a:schemeClr>
+          </a:lnRef>
+          <a:fillRef idx="1">
+            <a:schemeClr val="accent1"/>
+          </a:fillRef>
+          <a:effectRef idx="0">
+            <a:schemeClr val="accent1"/>
+          </a:effectRef>
+          <a:fontRef idx="minor">
+            <a:schemeClr val="lt1"/>
+          </a:fontRef>
+        </p:style>
+        <p:txBody>
+          <a:bodyPr rtlCol="0" anchor="ctr"/>
+          <a:lstStyle/>
+          <a:p>
+            <a:pPr algn="ctr"/>
+            <a:endParaRPr lang="en-US"/>
+          </a:p>
+        </p:txBody>
+      </p:sp>
+      <p:sp>
+        <p:nvSpPr>
+          <p:cNvPr id="23" name="Rectangle: Rounded Corners 22">
+            <a:extLst>
+              <a:ext uri="{FF2B5EF4-FFF2-40B4-BE49-F238E27FC236}">
+                <a16:creationId xmlns:a16="http://schemas.microsoft.com/office/drawing/2014/main" id="{B341427C-2D68-4FE6-20A1-9A3BAEF0D8EA}"/>
+              </a:ext>
+            </a:extLst>
+          </p:cNvPr>
+          <p:cNvSpPr/>
+          <p:nvPr/>
+        </p:nvSpPr>
+        <p:spPr>
+          <a:xfrm>
+            <a:off x="2795293" y="3590091"/>
+            <a:ext cx="477890" cy="584988"/>
+          </a:xfrm>
+          <a:prstGeom prst="roundRect">
+            <a:avLst/>
+          </a:prstGeom>
+          <a:solidFill>
+            <a:srgbClr val="91BDE7">
+              <a:alpha val="46000"/>
+            </a:srgbClr>
+          </a:solidFill>
+          <a:ln>
+            <a:noFill/>
+          </a:ln>
+        </p:spPr>
+        <p:style>
+          <a:lnRef idx="2">
+            <a:schemeClr val="accent1">
+              <a:shade val="15000"/>
+            </a:schemeClr>
+          </a:lnRef>
+          <a:fillRef idx="1">
+            <a:schemeClr val="accent1"/>
+          </a:fillRef>
+          <a:effectRef idx="0">
+            <a:schemeClr val="accent1"/>
+          </a:effectRef>
+          <a:fontRef idx="minor">
+            <a:schemeClr val="lt1"/>
+          </a:fontRef>
+        </p:style>
+        <p:txBody>
+          <a:bodyPr rtlCol="0" anchor="ctr"/>
+          <a:lstStyle/>
+          <a:p>
+            <a:pPr algn="ctr"/>
+            <a:endParaRPr lang="en-US"/>
+          </a:p>
+        </p:txBody>
+      </p:sp>
+      <p:sp>
+        <p:nvSpPr>
+          <p:cNvPr id="24" name="Rectangle: Rounded Corners 23">
+            <a:extLst>
+              <a:ext uri="{FF2B5EF4-FFF2-40B4-BE49-F238E27FC236}">
+                <a16:creationId xmlns:a16="http://schemas.microsoft.com/office/drawing/2014/main" id="{392F3665-A71F-B106-2586-93193F01775C}"/>
+              </a:ext>
+            </a:extLst>
+          </p:cNvPr>
+          <p:cNvSpPr/>
+          <p:nvPr/>
+        </p:nvSpPr>
+        <p:spPr>
+          <a:xfrm>
+            <a:off x="4984286" y="6619875"/>
+            <a:ext cx="387814" cy="369332"/>
+          </a:xfrm>
+          <a:prstGeom prst="roundRect">
+            <a:avLst/>
+          </a:prstGeom>
+          <a:solidFill>
+            <a:srgbClr val="91BDE7">
+              <a:alpha val="46000"/>
+            </a:srgbClr>
+          </a:solidFill>
+          <a:ln>
+            <a:noFill/>
+          </a:ln>
+        </p:spPr>
+        <p:style>
+          <a:lnRef idx="2">
+            <a:schemeClr val="accent1">
+              <a:shade val="15000"/>
+            </a:schemeClr>
+          </a:lnRef>
+          <a:fillRef idx="1">
+            <a:schemeClr val="accent1"/>
+          </a:fillRef>
+          <a:effectRef idx="0">
+            <a:schemeClr val="accent1"/>
+          </a:effectRef>
+          <a:fontRef idx="minor">
+            <a:schemeClr val="lt1"/>
+          </a:fontRef>
+        </p:style>
+        <p:txBody>
+          <a:bodyPr rtlCol="0" anchor="ctr"/>
+          <a:lstStyle/>
+          <a:p>
+            <a:pPr algn="ctr"/>
+            <a:endParaRPr lang="en-US"/>
+          </a:p>
+        </p:txBody>
+      </p:sp>
+      <p:sp>
+        <p:nvSpPr>
+          <p:cNvPr id="25" name="Rectangle: Rounded Corners 24">
+            <a:extLst>
+              <a:ext uri="{FF2B5EF4-FFF2-40B4-BE49-F238E27FC236}">
+                <a16:creationId xmlns:a16="http://schemas.microsoft.com/office/drawing/2014/main" id="{5E4D29F9-41FD-C0BB-C0C0-6EF87547428B}"/>
+              </a:ext>
+            </a:extLst>
+          </p:cNvPr>
+          <p:cNvSpPr/>
+          <p:nvPr/>
+        </p:nvSpPr>
+        <p:spPr>
+          <a:xfrm>
+            <a:off x="9370956" y="6601386"/>
+            <a:ext cx="477890" cy="584988"/>
+          </a:xfrm>
+          <a:prstGeom prst="roundRect">
+            <a:avLst/>
+          </a:prstGeom>
+          <a:solidFill>
+            <a:srgbClr val="91BDE7">
+              <a:alpha val="46000"/>
+            </a:srgbClr>
+          </a:solidFill>
+          <a:ln>
+            <a:noFill/>
+          </a:ln>
+        </p:spPr>
+        <p:style>
+          <a:lnRef idx="2">
+            <a:schemeClr val="accent1">
+              <a:shade val="15000"/>
+            </a:schemeClr>
+          </a:lnRef>
+          <a:fillRef idx="1">
+            <a:schemeClr val="accent1"/>
+          </a:fillRef>
+          <a:effectRef idx="0">
+            <a:schemeClr val="accent1"/>
+          </a:effectRef>
+          <a:fontRef idx="minor">
+            <a:schemeClr val="lt1"/>
+          </a:fontRef>
+        </p:style>
+        <p:txBody>
+          <a:bodyPr rtlCol="0" anchor="ctr"/>
+          <a:lstStyle/>
+          <a:p>
+            <a:pPr algn="ctr"/>
+            <a:endParaRPr lang="en-US"/>
+          </a:p>
+        </p:txBody>
+      </p:sp>
+    </p:spTree>
+    <p:extLst>
+      <p:ext uri="{BB962C8B-B14F-4D97-AF65-F5344CB8AC3E}">
+        <p14:creationId xmlns:p14="http://schemas.microsoft.com/office/powerpoint/2010/main" val="2942784602"/>
+      </p:ext>
+    </p:extLst>
+  </p:cSld>
+  <p:clrMapOvr>
+    <a:masterClrMapping/>
+  </p:clrMapOvr>
+</p:sld>
+</file>
+
+<file path=ppt/slides/slide40.xml><?xml version="1.0" encoding="utf-8"?>
 <p:sld xmlns:a="http://schemas.openxmlformats.org/drawingml/2006/main" xmlns:r="http://schemas.openxmlformats.org/officeDocument/2006/relationships" xmlns:p="http://schemas.openxmlformats.org/presentationml/2006/main">
   <p:cSld>
     <p:spTree>
@@ -22063,575 +22718,6 @@
 </p:sld>
 </file>
 
-<file path=ppt/slides/slide4.xml><?xml version="1.0" encoding="utf-8"?>
-<p:sld xmlns:a="http://schemas.openxmlformats.org/drawingml/2006/main" xmlns:r="http://schemas.openxmlformats.org/officeDocument/2006/relationships" xmlns:p="http://schemas.openxmlformats.org/presentationml/2006/main">
-  <p:cSld>
-    <p:spTree>
-      <p:nvGrpSpPr>
-        <p:cNvPr id="1" name="">
-          <a:extLst>
-            <a:ext uri="{FF2B5EF4-FFF2-40B4-BE49-F238E27FC236}">
-              <a16:creationId xmlns:a16="http://schemas.microsoft.com/office/drawing/2014/main" id="{8B7DD50A-6D7F-630E-3C94-B0AF40CBE2C2}"/>
-            </a:ext>
-          </a:extLst>
-        </p:cNvPr>
-        <p:cNvGrpSpPr/>
-        <p:nvPr/>
-      </p:nvGrpSpPr>
-      <p:grpSpPr>
-        <a:xfrm>
-          <a:off x="0" y="0"/>
-          <a:ext cx="0" cy="0"/>
-          <a:chOff x="0" y="0"/>
-          <a:chExt cx="0" cy="0"/>
-        </a:xfrm>
-      </p:grpSpPr>
-      <p:sp>
-        <p:nvSpPr>
-          <p:cNvPr id="2" name="Title 1">
-            <a:extLst>
-              <a:ext uri="{FF2B5EF4-FFF2-40B4-BE49-F238E27FC236}">
-                <a16:creationId xmlns:a16="http://schemas.microsoft.com/office/drawing/2014/main" id="{0D555C90-0CA6-3400-4F74-EB714085C4DD}"/>
-              </a:ext>
-            </a:extLst>
-          </p:cNvPr>
-          <p:cNvSpPr>
-            <a:spLocks noGrp="1"/>
-          </p:cNvSpPr>
-          <p:nvPr>
-            <p:ph type="title"/>
-          </p:nvPr>
-        </p:nvSpPr>
-        <p:spPr>
-          <a:xfrm>
-            <a:off x="333375" y="161925"/>
-            <a:ext cx="10701528" cy="684657"/>
-          </a:xfrm>
-        </p:spPr>
-        <p:txBody>
-          <a:bodyPr>
-            <a:normAutofit fontScale="90000"/>
-          </a:bodyPr>
-          <a:lstStyle/>
-          <a:p>
-            <a:br>
-              <a:rPr lang="en-US" dirty="0"/>
-            </a:br>
-            <a:r>
-              <a:rPr lang="en-US" dirty="0"/>
-              <a:t>Weak coupling formulation based on work equality</a:t>
-            </a:r>
-          </a:p>
-        </p:txBody>
-      </p:sp>
-      <p:pic>
-        <p:nvPicPr>
-          <p:cNvPr id="5" name="Picture 4">
-            <a:extLst>
-              <a:ext uri="{FF2B5EF4-FFF2-40B4-BE49-F238E27FC236}">
-                <a16:creationId xmlns:a16="http://schemas.microsoft.com/office/drawing/2014/main" id="{692DC21F-42F6-461F-D1F5-19128DDF43A0}"/>
-              </a:ext>
-            </a:extLst>
-          </p:cNvPr>
-          <p:cNvPicPr>
-            <a:picLocks noChangeAspect="1"/>
-          </p:cNvPicPr>
-          <p:nvPr/>
-        </p:nvPicPr>
-        <p:blipFill>
-          <a:blip r:embed="rId3"/>
-          <a:stretch>
-            <a:fillRect/>
-          </a:stretch>
-        </p:blipFill>
-        <p:spPr>
-          <a:xfrm>
-            <a:off x="825268" y="1285743"/>
-            <a:ext cx="9055565" cy="5105662"/>
-          </a:xfrm>
-          <a:prstGeom prst="rect">
-            <a:avLst/>
-          </a:prstGeom>
-        </p:spPr>
-      </p:pic>
-      <p:grpSp>
-        <p:nvGrpSpPr>
-          <p:cNvPr id="19" name="Group 18">
-            <a:extLst>
-              <a:ext uri="{FF2B5EF4-FFF2-40B4-BE49-F238E27FC236}">
-                <a16:creationId xmlns:a16="http://schemas.microsoft.com/office/drawing/2014/main" id="{5826028F-3B05-0A1C-D48A-7054BE5BF307}"/>
-              </a:ext>
-            </a:extLst>
-          </p:cNvPr>
-          <p:cNvGrpSpPr/>
-          <p:nvPr/>
-        </p:nvGrpSpPr>
-        <p:grpSpPr>
-          <a:xfrm>
-            <a:off x="4791074" y="3841211"/>
-            <a:ext cx="3571872" cy="2118310"/>
-            <a:chOff x="4791074" y="3841211"/>
-            <a:chExt cx="3571872" cy="2118310"/>
-          </a:xfrm>
-        </p:grpSpPr>
-        <p:pic>
-          <p:nvPicPr>
-            <p:cNvPr id="10" name="Picture 9">
-              <a:extLst>
-                <a:ext uri="{FF2B5EF4-FFF2-40B4-BE49-F238E27FC236}">
-                  <a16:creationId xmlns:a16="http://schemas.microsoft.com/office/drawing/2014/main" id="{8C7FCA93-7277-EEB5-9322-FD4435F77A21}"/>
-                </a:ext>
-              </a:extLst>
-            </p:cNvPr>
-            <p:cNvPicPr>
-              <a:picLocks noChangeAspect="1"/>
-            </p:cNvPicPr>
-            <p:nvPr/>
-          </p:nvPicPr>
-          <p:blipFill>
-            <a:blip r:embed="rId4"/>
-            <a:stretch>
-              <a:fillRect/>
-            </a:stretch>
-          </p:blipFill>
-          <p:spPr>
-            <a:xfrm>
-              <a:off x="4832263" y="4175079"/>
-              <a:ext cx="3365673" cy="1784442"/>
-            </a:xfrm>
-            <a:prstGeom prst="rect">
-              <a:avLst/>
-            </a:prstGeom>
-          </p:spPr>
-        </p:pic>
-        <p:sp>
-          <p:nvSpPr>
-            <p:cNvPr id="12" name="TextBox 11">
-              <a:extLst>
-                <a:ext uri="{FF2B5EF4-FFF2-40B4-BE49-F238E27FC236}">
-                  <a16:creationId xmlns:a16="http://schemas.microsoft.com/office/drawing/2014/main" id="{AB7B387E-BEA8-2825-7174-516271F3744A}"/>
-                </a:ext>
-              </a:extLst>
-            </p:cNvPr>
-            <p:cNvSpPr txBox="1"/>
-            <p:nvPr/>
-          </p:nvSpPr>
-          <p:spPr>
-            <a:xfrm>
-              <a:off x="4791074" y="3841211"/>
-              <a:ext cx="3571872" cy="369332"/>
-            </a:xfrm>
-            <a:prstGeom prst="rect">
-              <a:avLst/>
-            </a:prstGeom>
-            <a:solidFill>
-              <a:schemeClr val="bg1"/>
-            </a:solidFill>
-            <a:ln>
-              <a:solidFill>
-                <a:schemeClr val="bg1"/>
-              </a:solidFill>
-            </a:ln>
-          </p:spPr>
-          <p:txBody>
-            <a:bodyPr wrap="square" rtlCol="0">
-              <a:spAutoFit/>
-            </a:bodyPr>
-            <a:lstStyle/>
-            <a:p>
-              <a:r>
-                <a:rPr lang="en-US" b="1" dirty="0"/>
-                <a:t>Discretizing stress resultants</a:t>
-              </a:r>
-            </a:p>
-          </p:txBody>
-        </p:sp>
-      </p:grpSp>
-      <p:cxnSp>
-        <p:nvCxnSpPr>
-          <p:cNvPr id="13" name="Straight Connector 12">
-            <a:extLst>
-              <a:ext uri="{FF2B5EF4-FFF2-40B4-BE49-F238E27FC236}">
-                <a16:creationId xmlns:a16="http://schemas.microsoft.com/office/drawing/2014/main" id="{6FF54B0C-A0B0-A804-5C9A-58342F7CD29A}"/>
-              </a:ext>
-            </a:extLst>
-          </p:cNvPr>
-          <p:cNvCxnSpPr>
-            <a:cxnSpLocks/>
-          </p:cNvCxnSpPr>
-          <p:nvPr/>
-        </p:nvCxnSpPr>
-        <p:spPr>
-          <a:xfrm>
-            <a:off x="4667250" y="3514725"/>
-            <a:ext cx="0" cy="3105150"/>
-          </a:xfrm>
-          <a:prstGeom prst="line">
-            <a:avLst/>
-          </a:prstGeom>
-          <a:ln w="38100">
-            <a:solidFill>
-              <a:srgbClr val="4E95D9"/>
-            </a:solidFill>
-            <a:prstDash val="sysDash"/>
-          </a:ln>
-        </p:spPr>
-        <p:style>
-          <a:lnRef idx="2">
-            <a:schemeClr val="accent2"/>
-          </a:lnRef>
-          <a:fillRef idx="0">
-            <a:schemeClr val="accent2"/>
-          </a:fillRef>
-          <a:effectRef idx="1">
-            <a:schemeClr val="accent2"/>
-          </a:effectRef>
-          <a:fontRef idx="minor">
-            <a:schemeClr val="tx1"/>
-          </a:fontRef>
-        </p:style>
-      </p:cxnSp>
-      <p:cxnSp>
-        <p:nvCxnSpPr>
-          <p:cNvPr id="16" name="Straight Connector 15">
-            <a:extLst>
-              <a:ext uri="{FF2B5EF4-FFF2-40B4-BE49-F238E27FC236}">
-                <a16:creationId xmlns:a16="http://schemas.microsoft.com/office/drawing/2014/main" id="{8ECCD796-B93B-63D5-EFA4-67D18AA0E43D}"/>
-              </a:ext>
-            </a:extLst>
-          </p:cNvPr>
-          <p:cNvCxnSpPr>
-            <a:cxnSpLocks/>
-          </p:cNvCxnSpPr>
-          <p:nvPr/>
-        </p:nvCxnSpPr>
-        <p:spPr>
-          <a:xfrm>
-            <a:off x="4667250" y="3514725"/>
-            <a:ext cx="7410450" cy="0"/>
-          </a:xfrm>
-          <a:prstGeom prst="line">
-            <a:avLst/>
-          </a:prstGeom>
-          <a:ln w="38100">
-            <a:solidFill>
-              <a:srgbClr val="4E95D9"/>
-            </a:solidFill>
-            <a:prstDash val="sysDash"/>
-          </a:ln>
-        </p:spPr>
-        <p:style>
-          <a:lnRef idx="2">
-            <a:schemeClr val="accent2"/>
-          </a:lnRef>
-          <a:fillRef idx="0">
-            <a:schemeClr val="accent2"/>
-          </a:fillRef>
-          <a:effectRef idx="1">
-            <a:schemeClr val="accent2"/>
-          </a:effectRef>
-          <a:fontRef idx="minor">
-            <a:schemeClr val="tx1"/>
-          </a:fontRef>
-        </p:style>
-      </p:cxnSp>
-      <p:pic>
-        <p:nvPicPr>
-          <p:cNvPr id="20" name="Picture 19">
-            <a:extLst>
-              <a:ext uri="{FF2B5EF4-FFF2-40B4-BE49-F238E27FC236}">
-                <a16:creationId xmlns:a16="http://schemas.microsoft.com/office/drawing/2014/main" id="{730459C4-B10F-878B-13C8-C3546FFACD4B}"/>
-              </a:ext>
-            </a:extLst>
-          </p:cNvPr>
-          <p:cNvPicPr>
-            <a:picLocks noChangeAspect="1"/>
-          </p:cNvPicPr>
-          <p:nvPr/>
-        </p:nvPicPr>
-        <p:blipFill>
-          <a:blip r:embed="rId5"/>
-          <a:stretch>
-            <a:fillRect/>
-          </a:stretch>
-        </p:blipFill>
-        <p:spPr>
-          <a:xfrm>
-            <a:off x="4870363" y="6462743"/>
-            <a:ext cx="6440175" cy="641382"/>
-          </a:xfrm>
-          <a:prstGeom prst="rect">
-            <a:avLst/>
-          </a:prstGeom>
-        </p:spPr>
-      </p:pic>
-      <p:sp>
-        <p:nvSpPr>
-          <p:cNvPr id="21" name="TextBox 20">
-            <a:extLst>
-              <a:ext uri="{FF2B5EF4-FFF2-40B4-BE49-F238E27FC236}">
-                <a16:creationId xmlns:a16="http://schemas.microsoft.com/office/drawing/2014/main" id="{A04FC7BE-491F-1B8A-1332-7A5DC65FB80A}"/>
-              </a:ext>
-            </a:extLst>
-          </p:cNvPr>
-          <p:cNvSpPr txBox="1"/>
-          <p:nvPr/>
-        </p:nvSpPr>
-        <p:spPr>
-          <a:xfrm>
-            <a:off x="4870363" y="6232054"/>
-            <a:ext cx="7725218" cy="369332"/>
-          </a:xfrm>
-          <a:prstGeom prst="rect">
-            <a:avLst/>
-          </a:prstGeom>
-          <a:noFill/>
-        </p:spPr>
-        <p:txBody>
-          <a:bodyPr wrap="square" rtlCol="0">
-            <a:spAutoFit/>
-          </a:bodyPr>
-          <a:lstStyle/>
-          <a:p>
-            <a:r>
-              <a:rPr lang="en-US" b="1" dirty="0">
-                <a:latin typeface="NimbusRomNo9L-Regu"/>
-              </a:rPr>
-              <a:t>Transform for local coos to global coos</a:t>
-            </a:r>
-            <a:endParaRPr lang="en-US" b="1" dirty="0"/>
-          </a:p>
-        </p:txBody>
-      </p:sp>
-      <p:sp>
-        <p:nvSpPr>
-          <p:cNvPr id="22" name="Rectangle: Rounded Corners 21">
-            <a:extLst>
-              <a:ext uri="{FF2B5EF4-FFF2-40B4-BE49-F238E27FC236}">
-                <a16:creationId xmlns:a16="http://schemas.microsoft.com/office/drawing/2014/main" id="{B68DE8C9-0354-EC38-6126-6663693900A7}"/>
-              </a:ext>
-            </a:extLst>
-          </p:cNvPr>
-          <p:cNvSpPr/>
-          <p:nvPr/>
-        </p:nvSpPr>
-        <p:spPr>
-          <a:xfrm>
-            <a:off x="1598432" y="3735353"/>
-            <a:ext cx="477894" cy="290524"/>
-          </a:xfrm>
-          <a:prstGeom prst="roundRect">
-            <a:avLst/>
-          </a:prstGeom>
-          <a:solidFill>
-            <a:srgbClr val="91BDE7">
-              <a:alpha val="46000"/>
-            </a:srgbClr>
-          </a:solidFill>
-          <a:ln>
-            <a:noFill/>
-          </a:ln>
-        </p:spPr>
-        <p:style>
-          <a:lnRef idx="2">
-            <a:schemeClr val="accent1">
-              <a:shade val="15000"/>
-            </a:schemeClr>
-          </a:lnRef>
-          <a:fillRef idx="1">
-            <a:schemeClr val="accent1"/>
-          </a:fillRef>
-          <a:effectRef idx="0">
-            <a:schemeClr val="accent1"/>
-          </a:effectRef>
-          <a:fontRef idx="minor">
-            <a:schemeClr val="lt1"/>
-          </a:fontRef>
-        </p:style>
-        <p:txBody>
-          <a:bodyPr rtlCol="0" anchor="ctr"/>
-          <a:lstStyle/>
-          <a:p>
-            <a:pPr algn="ctr"/>
-            <a:endParaRPr lang="en-US"/>
-          </a:p>
-        </p:txBody>
-      </p:sp>
-      <p:sp>
-        <p:nvSpPr>
-          <p:cNvPr id="23" name="Rectangle: Rounded Corners 22">
-            <a:extLst>
-              <a:ext uri="{FF2B5EF4-FFF2-40B4-BE49-F238E27FC236}">
-                <a16:creationId xmlns:a16="http://schemas.microsoft.com/office/drawing/2014/main" id="{B341427C-2D68-4FE6-20A1-9A3BAEF0D8EA}"/>
-              </a:ext>
-            </a:extLst>
-          </p:cNvPr>
-          <p:cNvSpPr/>
-          <p:nvPr/>
-        </p:nvSpPr>
-        <p:spPr>
-          <a:xfrm>
-            <a:off x="2795293" y="3590091"/>
-            <a:ext cx="477890" cy="584988"/>
-          </a:xfrm>
-          <a:prstGeom prst="roundRect">
-            <a:avLst/>
-          </a:prstGeom>
-          <a:solidFill>
-            <a:srgbClr val="91BDE7">
-              <a:alpha val="46000"/>
-            </a:srgbClr>
-          </a:solidFill>
-          <a:ln>
-            <a:noFill/>
-          </a:ln>
-        </p:spPr>
-        <p:style>
-          <a:lnRef idx="2">
-            <a:schemeClr val="accent1">
-              <a:shade val="15000"/>
-            </a:schemeClr>
-          </a:lnRef>
-          <a:fillRef idx="1">
-            <a:schemeClr val="accent1"/>
-          </a:fillRef>
-          <a:effectRef idx="0">
-            <a:schemeClr val="accent1"/>
-          </a:effectRef>
-          <a:fontRef idx="minor">
-            <a:schemeClr val="lt1"/>
-          </a:fontRef>
-        </p:style>
-        <p:txBody>
-          <a:bodyPr rtlCol="0" anchor="ctr"/>
-          <a:lstStyle/>
-          <a:p>
-            <a:pPr algn="ctr"/>
-            <a:endParaRPr lang="en-US"/>
-          </a:p>
-        </p:txBody>
-      </p:sp>
-      <p:sp>
-        <p:nvSpPr>
-          <p:cNvPr id="24" name="Rectangle: Rounded Corners 23">
-            <a:extLst>
-              <a:ext uri="{FF2B5EF4-FFF2-40B4-BE49-F238E27FC236}">
-                <a16:creationId xmlns:a16="http://schemas.microsoft.com/office/drawing/2014/main" id="{392F3665-A71F-B106-2586-93193F01775C}"/>
-              </a:ext>
-            </a:extLst>
-          </p:cNvPr>
-          <p:cNvSpPr/>
-          <p:nvPr/>
-        </p:nvSpPr>
-        <p:spPr>
-          <a:xfrm>
-            <a:off x="4984286" y="6619875"/>
-            <a:ext cx="387814" cy="369332"/>
-          </a:xfrm>
-          <a:prstGeom prst="roundRect">
-            <a:avLst/>
-          </a:prstGeom>
-          <a:solidFill>
-            <a:srgbClr val="91BDE7">
-              <a:alpha val="46000"/>
-            </a:srgbClr>
-          </a:solidFill>
-          <a:ln>
-            <a:noFill/>
-          </a:ln>
-        </p:spPr>
-        <p:style>
-          <a:lnRef idx="2">
-            <a:schemeClr val="accent1">
-              <a:shade val="15000"/>
-            </a:schemeClr>
-          </a:lnRef>
-          <a:fillRef idx="1">
-            <a:schemeClr val="accent1"/>
-          </a:fillRef>
-          <a:effectRef idx="0">
-            <a:schemeClr val="accent1"/>
-          </a:effectRef>
-          <a:fontRef idx="minor">
-            <a:schemeClr val="lt1"/>
-          </a:fontRef>
-        </p:style>
-        <p:txBody>
-          <a:bodyPr rtlCol="0" anchor="ctr"/>
-          <a:lstStyle/>
-          <a:p>
-            <a:pPr algn="ctr"/>
-            <a:endParaRPr lang="en-US"/>
-          </a:p>
-        </p:txBody>
-      </p:sp>
-      <p:sp>
-        <p:nvSpPr>
-          <p:cNvPr id="25" name="Rectangle: Rounded Corners 24">
-            <a:extLst>
-              <a:ext uri="{FF2B5EF4-FFF2-40B4-BE49-F238E27FC236}">
-                <a16:creationId xmlns:a16="http://schemas.microsoft.com/office/drawing/2014/main" id="{5E4D29F9-41FD-C0BB-C0C0-6EF87547428B}"/>
-              </a:ext>
-            </a:extLst>
-          </p:cNvPr>
-          <p:cNvSpPr/>
-          <p:nvPr/>
-        </p:nvSpPr>
-        <p:spPr>
-          <a:xfrm>
-            <a:off x="9370956" y="6601386"/>
-            <a:ext cx="477890" cy="584988"/>
-          </a:xfrm>
-          <a:prstGeom prst="roundRect">
-            <a:avLst/>
-          </a:prstGeom>
-          <a:solidFill>
-            <a:srgbClr val="91BDE7">
-              <a:alpha val="46000"/>
-            </a:srgbClr>
-          </a:solidFill>
-          <a:ln>
-            <a:noFill/>
-          </a:ln>
-        </p:spPr>
-        <p:style>
-          <a:lnRef idx="2">
-            <a:schemeClr val="accent1">
-              <a:shade val="15000"/>
-            </a:schemeClr>
-          </a:lnRef>
-          <a:fillRef idx="1">
-            <a:schemeClr val="accent1"/>
-          </a:fillRef>
-          <a:effectRef idx="0">
-            <a:schemeClr val="accent1"/>
-          </a:effectRef>
-          <a:fontRef idx="minor">
-            <a:schemeClr val="lt1"/>
-          </a:fontRef>
-        </p:style>
-        <p:txBody>
-          <a:bodyPr rtlCol="0" anchor="ctr"/>
-          <a:lstStyle/>
-          <a:p>
-            <a:pPr algn="ctr"/>
-            <a:endParaRPr lang="en-US"/>
-          </a:p>
-        </p:txBody>
-      </p:sp>
-    </p:spTree>
-    <p:extLst>
-      <p:ext uri="{BB962C8B-B14F-4D97-AF65-F5344CB8AC3E}">
-        <p14:creationId xmlns:p14="http://schemas.microsoft.com/office/powerpoint/2010/main" val="2942784602"/>
-      </p:ext>
-    </p:extLst>
-  </p:cSld>
-  <p:clrMapOvr>
-    <a:masterClrMapping/>
-  </p:clrMapOvr>
-</p:sld>
-</file>
-
 <file path=ppt/slides/slide5.xml><?xml version="1.0" encoding="utf-8"?>
 <p:sld xmlns:a="http://schemas.openxmlformats.org/drawingml/2006/main" xmlns:r="http://schemas.openxmlformats.org/officeDocument/2006/relationships" xmlns:p="http://schemas.openxmlformats.org/presentationml/2006/main">
   <p:cSld>
